--- a/03-spfxapi.pptx
+++ b/03-spfxapi.pptx
@@ -284,7 +284,7 @@
               <a:rPr lang="en-US" smtClean="0">
                 <a:latin typeface="Segoe UI" pitchFamily="34" charset="0"/>
               </a:rPr>
-              <a:t>12/20/2018 3:34 PM</a:t>
+              <a:t>8/25/2019 9:57 PM</a:t>
             </a:fld>
             <a:endParaRPr lang="en-US" dirty="0">
               <a:latin typeface="Segoe UI" pitchFamily="34" charset="0"/>
@@ -581,7 +581,7 @@
           <a:p>
             <a:fld id="{D18B56EA-E28F-4F92-9F16-7A6F2501B303}" type="datetime8">
               <a:rPr lang="en-US" smtClean="0"/>
-              <a:t>12/20/2018 3:34 PM</a:t>
+              <a:t>8/25/2019 9:56 PM</a:t>
             </a:fld>
             <a:endParaRPr lang="en-US" dirty="0"/>
           </a:p>
@@ -964,7 +964,7 @@
           <a:p>
             <a:fld id="{D18B56EA-E28F-4F92-9F16-7A6F2501B303}" type="datetime8">
               <a:rPr lang="en-US" smtClean="0"/>
-              <a:t>12/20/2018 3:34 PM</a:t>
+              <a:t>8/25/2019 9:56 PM</a:t>
             </a:fld>
             <a:endParaRPr lang="en-US" dirty="0"/>
           </a:p>
@@ -2682,7 +2682,7 @@
           <a:p>
             <a:fld id="{D18B56EA-E28F-4F92-9F16-7A6F2501B303}" type="datetime8">
               <a:rPr lang="en-US" smtClean="0"/>
-              <a:t>12/20/2018 3:35 PM</a:t>
+              <a:t>8/25/2019 9:56 PM</a:t>
             </a:fld>
             <a:endParaRPr lang="en-US" dirty="0"/>
           </a:p>
@@ -2863,7 +2863,7 @@
           <a:p>
             <a:fld id="{D18B56EA-E28F-4F92-9F16-7A6F2501B303}" type="datetime8">
               <a:rPr lang="en-US" smtClean="0"/>
-              <a:t>12/20/2018 3:35 PM</a:t>
+              <a:t>8/25/2019 9:56 PM</a:t>
             </a:fld>
             <a:endParaRPr lang="en-US" dirty="0"/>
           </a:p>
@@ -3044,7 +3044,7 @@
           <a:p>
             <a:fld id="{D18B56EA-E28F-4F92-9F16-7A6F2501B303}" type="datetime8">
               <a:rPr lang="en-US" smtClean="0"/>
-              <a:t>12/20/2018 3:35 PM</a:t>
+              <a:t>8/25/2019 9:56 PM</a:t>
             </a:fld>
             <a:endParaRPr lang="en-US" dirty="0"/>
           </a:p>
@@ -3225,7 +3225,7 @@
           <a:p>
             <a:fld id="{D18B56EA-E28F-4F92-9F16-7A6F2501B303}" type="datetime8">
               <a:rPr lang="en-US" smtClean="0"/>
-              <a:t>12/20/2018 3:34 PM</a:t>
+              <a:t>8/25/2019 9:56 PM</a:t>
             </a:fld>
             <a:endParaRPr lang="en-US" dirty="0"/>
           </a:p>
@@ -17477,7 +17477,13 @@
       </p:sp>
       <p:pic>
         <p:nvPicPr>
-          <p:cNvPr id="2" name="Picture 1"/>
+          <p:cNvPr id="7" name="Picture 6">
+            <a:extLst>
+              <a:ext uri="{FF2B5EF4-FFF2-40B4-BE49-F238E27FC236}">
+                <a16:creationId xmlns:a16="http://schemas.microsoft.com/office/drawing/2014/main" id="{81745E23-457F-486B-86CA-B6F8A2619286}"/>
+              </a:ext>
+            </a:extLst>
+          </p:cNvPr>
           <p:cNvPicPr>
             <a:picLocks noChangeAspect="1"/>
           </p:cNvPicPr>
@@ -17491,17 +17497,31 @@
         </p:blipFill>
         <p:spPr>
           <a:xfrm>
-            <a:off x="464400" y="1409242"/>
-            <a:ext cx="5071573" cy="4752104"/>
+            <a:off x="340525" y="1409242"/>
+            <a:ext cx="5725311" cy="2932137"/>
           </a:xfrm>
           <a:prstGeom prst="rect">
             <a:avLst/>
           </a:prstGeom>
+          <a:ln>
+            <a:solidFill>
+              <a:schemeClr val="tx1">
+                <a:lumMod val="25000"/>
+                <a:lumOff val="75000"/>
+              </a:schemeClr>
+            </a:solidFill>
+          </a:ln>
         </p:spPr>
       </p:pic>
       <p:pic>
         <p:nvPicPr>
-          <p:cNvPr id="4" name="Picture 3"/>
+          <p:cNvPr id="8" name="Picture 7">
+            <a:extLst>
+              <a:ext uri="{FF2B5EF4-FFF2-40B4-BE49-F238E27FC236}">
+                <a16:creationId xmlns:a16="http://schemas.microsoft.com/office/drawing/2014/main" id="{4B911116-DFB6-42D8-B9FC-8F9C27D28B37}"/>
+              </a:ext>
+            </a:extLst>
+          </p:cNvPr>
           <p:cNvPicPr>
             <a:picLocks noChangeAspect="1"/>
           </p:cNvPicPr>
@@ -17516,11 +17536,19 @@
         <p:spPr>
           <a:xfrm>
             <a:off x="6251400" y="1409242"/>
-            <a:ext cx="4955990" cy="4752104"/>
+            <a:ext cx="5891101" cy="3322637"/>
           </a:xfrm>
           <a:prstGeom prst="rect">
             <a:avLst/>
           </a:prstGeom>
+          <a:ln>
+            <a:solidFill>
+              <a:schemeClr val="tx1">
+                <a:lumMod val="25000"/>
+                <a:lumOff val="75000"/>
+              </a:schemeClr>
+            </a:solidFill>
+          </a:ln>
         </p:spPr>
       </p:pic>
     </p:spTree>
@@ -17779,7 +17807,7 @@
                   <a:lin ang="5400000" scaled="0"/>
                 </a:gradFill>
               </a:rPr>
-              <a:t>web part running in the local Workbench</a:t>
+              <a:t>Web part running in the local Workbench</a:t>
             </a:r>
           </a:p>
         </p:txBody>
@@ -17816,7 +17844,7 @@
             </a:pPr>
             <a:r>
               <a:rPr lang="en-US" sz="1600" dirty="0"/>
-              <a:t>web part in the SharePoint Workbench, a modern, or a classic page</a:t>
+              <a:t>Web part in the SharePoint Workbench, a modern, or a classic page</a:t>
             </a:r>
             <a:endParaRPr lang="en-US" sz="2000" dirty="0">
               <a:gradFill>
@@ -17836,7 +17864,13 @@
       </p:sp>
       <p:pic>
         <p:nvPicPr>
-          <p:cNvPr id="2" name="Picture 1"/>
+          <p:cNvPr id="9" name="Picture 8">
+            <a:extLst>
+              <a:ext uri="{FF2B5EF4-FFF2-40B4-BE49-F238E27FC236}">
+                <a16:creationId xmlns:a16="http://schemas.microsoft.com/office/drawing/2014/main" id="{24CE407E-3FCD-4521-AF16-DC102A7A6607}"/>
+              </a:ext>
+            </a:extLst>
+          </p:cNvPr>
           <p:cNvPicPr>
             <a:picLocks noChangeAspect="1"/>
           </p:cNvPicPr>
@@ -17850,8 +17884,8 @@
         </p:blipFill>
         <p:spPr>
           <a:xfrm>
-            <a:off x="457598" y="2057102"/>
-            <a:ext cx="4770366" cy="3977685"/>
+            <a:off x="465138" y="2133016"/>
+            <a:ext cx="4551362" cy="3277511"/>
           </a:xfrm>
           <a:prstGeom prst="rect">
             <a:avLst/>
@@ -17860,7 +17894,13 @@
       </p:pic>
       <p:pic>
         <p:nvPicPr>
-          <p:cNvPr id="8" name="Picture 7"/>
+          <p:cNvPr id="10" name="Picture 9">
+            <a:extLst>
+              <a:ext uri="{FF2B5EF4-FFF2-40B4-BE49-F238E27FC236}">
+                <a16:creationId xmlns:a16="http://schemas.microsoft.com/office/drawing/2014/main" id="{DFCE0873-4A67-42AA-AA1A-7F1CD8218851}"/>
+              </a:ext>
+            </a:extLst>
+          </p:cNvPr>
           <p:cNvPicPr>
             <a:picLocks noChangeAspect="1"/>
           </p:cNvPicPr>
@@ -17874,8 +17914,8 @@
         </p:blipFill>
         <p:spPr>
           <a:xfrm>
-            <a:off x="5642098" y="2057102"/>
-            <a:ext cx="5400675" cy="3124200"/>
+            <a:off x="5607238" y="2133015"/>
+            <a:ext cx="5156086" cy="3277511"/>
           </a:xfrm>
           <a:prstGeom prst="rect">
             <a:avLst/>
@@ -18067,7 +18107,7 @@
         <p:spPr>
           <a:xfrm>
             <a:off x="352754" y="1464159"/>
-            <a:ext cx="4339842" cy="341632"/>
+            <a:ext cx="4385175" cy="341632"/>
           </a:xfrm>
           <a:prstGeom prst="rect">
             <a:avLst/>
@@ -18101,7 +18141,7 @@
                   <a:lin ang="5400000" scaled="0"/>
                 </a:gradFill>
               </a:rPr>
-              <a:t>web part running in the local Workbench</a:t>
+              <a:t>Web part running in the local Workbench</a:t>
             </a:r>
           </a:p>
         </p:txBody>
@@ -18114,8 +18154,8 @@
         </p:nvSpPr>
         <p:spPr>
           <a:xfrm>
-            <a:off x="5498157" y="1471502"/>
-            <a:ext cx="6666046" cy="590931"/>
+            <a:off x="5654731" y="1471502"/>
+            <a:ext cx="6509472" cy="590931"/>
           </a:xfrm>
           <a:prstGeom prst="rect">
             <a:avLst/>
@@ -18149,7 +18189,7 @@
                   <a:lin ang="5400000" scaled="0"/>
                 </a:gradFill>
               </a:rPr>
-              <a:t>web part running </a:t>
+              <a:t>Web part running </a:t>
             </a:r>
             <a:r>
               <a:rPr lang="en-US" altLang="zh-CN" dirty="0">
@@ -18188,7 +18228,13 @@
       </p:sp>
       <p:pic>
         <p:nvPicPr>
-          <p:cNvPr id="2" name="Picture 1"/>
+          <p:cNvPr id="7" name="Picture 6">
+            <a:extLst>
+              <a:ext uri="{FF2B5EF4-FFF2-40B4-BE49-F238E27FC236}">
+                <a16:creationId xmlns:a16="http://schemas.microsoft.com/office/drawing/2014/main" id="{0AC14D7D-EEB1-475A-ACA0-10BB6252AC87}"/>
+              </a:ext>
+            </a:extLst>
+          </p:cNvPr>
           <p:cNvPicPr>
             <a:picLocks noChangeAspect="1"/>
           </p:cNvPicPr>
@@ -18202,8 +18248,8 @@
         </p:blipFill>
         <p:spPr>
           <a:xfrm>
-            <a:off x="379040" y="2057102"/>
-            <a:ext cx="4743420" cy="4048569"/>
+            <a:off x="465138" y="2226009"/>
+            <a:ext cx="4853076" cy="2947490"/>
           </a:xfrm>
           <a:prstGeom prst="rect">
             <a:avLst/>
@@ -18212,7 +18258,13 @@
       </p:pic>
       <p:pic>
         <p:nvPicPr>
-          <p:cNvPr id="4" name="Picture 3"/>
+          <p:cNvPr id="8" name="Picture 7">
+            <a:extLst>
+              <a:ext uri="{FF2B5EF4-FFF2-40B4-BE49-F238E27FC236}">
+                <a16:creationId xmlns:a16="http://schemas.microsoft.com/office/drawing/2014/main" id="{543927EB-44D4-43DA-9819-E269C63E1B58}"/>
+              </a:ext>
+            </a:extLst>
+          </p:cNvPr>
           <p:cNvPicPr>
             <a:picLocks noChangeAspect="1"/>
           </p:cNvPicPr>
@@ -18226,8 +18278,8 @@
         </p:blipFill>
         <p:spPr>
           <a:xfrm>
-            <a:off x="5602485" y="2077243"/>
-            <a:ext cx="4648200" cy="3724275"/>
+            <a:off x="5654731" y="2226009"/>
+            <a:ext cx="5432369" cy="2947490"/>
           </a:xfrm>
           <a:prstGeom prst="rect">
             <a:avLst/>
@@ -20137,7 +20189,13 @@
       </p:sp>
       <p:pic>
         <p:nvPicPr>
-          <p:cNvPr id="4" name="Picture 3"/>
+          <p:cNvPr id="5" name="Picture 4">
+            <a:extLst>
+              <a:ext uri="{FF2B5EF4-FFF2-40B4-BE49-F238E27FC236}">
+                <a16:creationId xmlns:a16="http://schemas.microsoft.com/office/drawing/2014/main" id="{9AECD2F1-22A8-48DE-AE0D-7934E0D0FD84}"/>
+              </a:ext>
+            </a:extLst>
+          </p:cNvPr>
           <p:cNvPicPr>
             <a:picLocks noChangeAspect="1"/>
           </p:cNvPicPr>
@@ -20151,12 +20209,20 @@
         </p:blipFill>
         <p:spPr>
           <a:xfrm>
-            <a:off x="2626389" y="3639550"/>
-            <a:ext cx="7183695" cy="2293131"/>
+            <a:off x="2709572" y="3354975"/>
+            <a:ext cx="7017329" cy="3134725"/>
           </a:xfrm>
           <a:prstGeom prst="rect">
             <a:avLst/>
           </a:prstGeom>
+          <a:ln>
+            <a:solidFill>
+              <a:schemeClr val="tx1">
+                <a:lumMod val="25000"/>
+                <a:lumOff val="75000"/>
+              </a:schemeClr>
+            </a:solidFill>
+          </a:ln>
         </p:spPr>
       </p:pic>
     </p:spTree>
@@ -20684,7 +20750,13 @@
       </p:sp>
       <p:pic>
         <p:nvPicPr>
-          <p:cNvPr id="13" name="Picture 12"/>
+          <p:cNvPr id="4" name="Picture 3">
+            <a:extLst>
+              <a:ext uri="{FF2B5EF4-FFF2-40B4-BE49-F238E27FC236}">
+                <a16:creationId xmlns:a16="http://schemas.microsoft.com/office/drawing/2014/main" id="{C4973148-6FEA-476C-8942-9DDC314EE321}"/>
+              </a:ext>
+            </a:extLst>
+          </p:cNvPr>
           <p:cNvPicPr>
             <a:picLocks noChangeAspect="1"/>
           </p:cNvPicPr>
@@ -20698,8 +20770,8 @@
         </p:blipFill>
         <p:spPr>
           <a:xfrm>
-            <a:off x="5614496" y="2272814"/>
-            <a:ext cx="6290858" cy="3427432"/>
+            <a:off x="723081" y="1676854"/>
+            <a:ext cx="3797409" cy="1820408"/>
           </a:xfrm>
           <a:prstGeom prst="rect">
             <a:avLst/>
@@ -20708,7 +20780,43 @@
       </p:pic>
       <p:pic>
         <p:nvPicPr>
-          <p:cNvPr id="14" name="Picture 13"/>
+          <p:cNvPr id="12" name="Picture 11">
+            <a:extLst>
+              <a:ext uri="{FF2B5EF4-FFF2-40B4-BE49-F238E27FC236}">
+                <a16:creationId xmlns:a16="http://schemas.microsoft.com/office/drawing/2014/main" id="{2EA83DA1-D507-45CA-BA55-E8C0E4C26EE2}"/>
+              </a:ext>
+            </a:extLst>
+          </p:cNvPr>
+          <p:cNvPicPr>
+            <a:picLocks noChangeAspect="1"/>
+          </p:cNvPicPr>
+          <p:nvPr/>
+        </p:nvPicPr>
+        <p:blipFill>
+          <a:blip r:embed="rId2"/>
+          <a:stretch>
+            <a:fillRect/>
+          </a:stretch>
+        </p:blipFill>
+        <p:spPr>
+          <a:xfrm>
+            <a:off x="723080" y="4601541"/>
+            <a:ext cx="3797409" cy="1820408"/>
+          </a:xfrm>
+          <a:prstGeom prst="rect">
+            <a:avLst/>
+          </a:prstGeom>
+        </p:spPr>
+      </p:pic>
+      <p:pic>
+        <p:nvPicPr>
+          <p:cNvPr id="6" name="Picture 5">
+            <a:extLst>
+              <a:ext uri="{FF2B5EF4-FFF2-40B4-BE49-F238E27FC236}">
+                <a16:creationId xmlns:a16="http://schemas.microsoft.com/office/drawing/2014/main" id="{4B1DFD60-5F9F-4DB8-8C14-64C846A2F57D}"/>
+              </a:ext>
+            </a:extLst>
+          </p:cNvPr>
           <p:cNvPicPr>
             <a:picLocks noChangeAspect="1"/>
           </p:cNvPicPr>
@@ -20722,32 +20830,8 @@
         </p:blipFill>
         <p:spPr>
           <a:xfrm>
-            <a:off x="723081" y="1614236"/>
-            <a:ext cx="3672696" cy="1973285"/>
-          </a:xfrm>
-          <a:prstGeom prst="rect">
-            <a:avLst/>
-          </a:prstGeom>
-        </p:spPr>
-      </p:pic>
-      <p:pic>
-        <p:nvPicPr>
-          <p:cNvPr id="15" name="Picture 14"/>
-          <p:cNvPicPr>
-            <a:picLocks noChangeAspect="1"/>
-          </p:cNvPicPr>
-          <p:nvPr/>
-        </p:nvPicPr>
-        <p:blipFill>
-          <a:blip r:embed="rId3"/>
-          <a:stretch>
-            <a:fillRect/>
-          </a:stretch>
-        </p:blipFill>
-        <p:spPr>
-          <a:xfrm>
-            <a:off x="723082" y="4476306"/>
-            <a:ext cx="3672696" cy="1973284"/>
+            <a:off x="5652851" y="2167456"/>
+            <a:ext cx="5680754" cy="2772843"/>
           </a:xfrm>
           <a:prstGeom prst="rect">
             <a:avLst/>

--- a/03-spfxapi.pptx
+++ b/03-spfxapi.pptx
@@ -284,7 +284,7 @@
               <a:rPr lang="en-US" smtClean="0">
                 <a:latin typeface="Segoe UI" pitchFamily="34" charset="0"/>
               </a:rPr>
-              <a:t>8/25/2019 9:57 PM</a:t>
+              <a:t>2/26/20 5:36 AM</a:t>
             </a:fld>
             <a:endParaRPr lang="en-US" dirty="0">
               <a:latin typeface="Segoe UI" pitchFamily="34" charset="0"/>
@@ -581,7 +581,7 @@
           <a:p>
             <a:fld id="{D18B56EA-E28F-4F92-9F16-7A6F2501B303}" type="datetime8">
               <a:rPr lang="en-US" smtClean="0"/>
-              <a:t>8/25/2019 9:56 PM</a:t>
+              <a:t>2/26/20 5:35 AM</a:t>
             </a:fld>
             <a:endParaRPr lang="en-US" dirty="0"/>
           </a:p>
@@ -964,7 +964,7 @@
           <a:p>
             <a:fld id="{D18B56EA-E28F-4F92-9F16-7A6F2501B303}" type="datetime8">
               <a:rPr lang="en-US" smtClean="0"/>
-              <a:t>8/25/2019 9:56 PM</a:t>
+              <a:t>2/26/20 5:36 AM</a:t>
             </a:fld>
             <a:endParaRPr lang="en-US" dirty="0"/>
           </a:p>
@@ -1052,404 +1052,62 @@
           <a:lstStyle/>
           <a:p>
             <a:r>
-              <a:rPr lang="en-US" sz="900" b="0" i="0" kern="1200" dirty="0">
-                <a:solidFill>
-                  <a:schemeClr val="tx1"/>
-                </a:solidFill>
-                <a:effectLst/>
-                <a:latin typeface="Segoe UI Light" pitchFamily="34" charset="0"/>
-                <a:ea typeface="+mn-ea"/>
-                <a:cs typeface="+mn-cs"/>
-              </a:rPr>
-              <a:t>Logging is a very convenient and easy way to keep track of events happening in the web part, instead of having breakpoints, or alerts in JavaScript. The SharePoint Framework has a built-in logging mechanism.</a:t>
-            </a:r>
-          </a:p>
-          <a:p>
-            <a:endParaRPr lang="en-US" sz="900" b="0" i="0" kern="1200" dirty="0">
-              <a:solidFill>
-                <a:schemeClr val="tx1"/>
-              </a:solidFill>
-              <a:effectLst/>
-              <a:latin typeface="Segoe UI Light" pitchFamily="34" charset="0"/>
-              <a:ea typeface="+mn-ea"/>
-              <a:cs typeface="+mn-cs"/>
-            </a:endParaRPr>
-          </a:p>
-          <a:p>
-            <a:r>
-              <a:rPr lang="en-US" sz="900" b="1" i="0" kern="1200" dirty="0">
-                <a:solidFill>
-                  <a:schemeClr val="tx1"/>
-                </a:solidFill>
-                <a:effectLst/>
-                <a:latin typeface="Segoe UI Light" pitchFamily="34" charset="0"/>
-                <a:ea typeface="+mn-ea"/>
-                <a:cs typeface="+mn-cs"/>
-              </a:rPr>
-              <a:t>Note:</a:t>
-            </a:r>
-            <a:r>
-              <a:rPr lang="en-US" sz="900" b="0" i="0" kern="1200" dirty="0">
-                <a:solidFill>
-                  <a:schemeClr val="tx1"/>
-                </a:solidFill>
-                <a:effectLst/>
-                <a:latin typeface="Segoe UI Light" pitchFamily="34" charset="0"/>
-                <a:ea typeface="+mn-ea"/>
-                <a:cs typeface="+mn-cs"/>
-              </a:rPr>
-              <a:t> The Log class contains four static methods for logging:</a:t>
-            </a:r>
-          </a:p>
-          <a:p>
-            <a:endParaRPr lang="en-US" sz="900" b="1" i="0" kern="1200" dirty="0">
-              <a:solidFill>
-                <a:schemeClr val="tx1"/>
-              </a:solidFill>
-              <a:effectLst/>
-              <a:latin typeface="Segoe UI Light" pitchFamily="34" charset="0"/>
-              <a:ea typeface="+mn-ea"/>
-              <a:cs typeface="+mn-cs"/>
-            </a:endParaRPr>
-          </a:p>
-          <a:p>
-            <a:r>
-              <a:rPr lang="en-US" sz="900" b="1" i="0" kern="1200" dirty="0">
-                <a:solidFill>
-                  <a:schemeClr val="tx1"/>
-                </a:solidFill>
-                <a:effectLst/>
-                <a:latin typeface="Segoe UI Light" pitchFamily="34" charset="0"/>
-                <a:ea typeface="+mn-ea"/>
-                <a:cs typeface="+mn-cs"/>
-              </a:rPr>
-              <a:t>info</a:t>
-            </a:r>
-            <a:r>
-              <a:rPr lang="en-US" sz="900" b="0" i="0" kern="1200" dirty="0">
-                <a:solidFill>
-                  <a:schemeClr val="tx1"/>
-                </a:solidFill>
-                <a:effectLst/>
-                <a:latin typeface="Segoe UI Light" pitchFamily="34" charset="0"/>
-                <a:ea typeface="+mn-ea"/>
-                <a:cs typeface="+mn-cs"/>
-              </a:rPr>
-              <a:t> : log information</a:t>
-            </a:r>
-          </a:p>
-          <a:p>
-            <a:r>
-              <a:rPr lang="en-US" sz="900" b="1" i="0" kern="1200" dirty="0">
-                <a:solidFill>
-                  <a:schemeClr val="tx1"/>
-                </a:solidFill>
-                <a:effectLst/>
-                <a:latin typeface="Segoe UI Light" pitchFamily="34" charset="0"/>
-                <a:ea typeface="+mn-ea"/>
-                <a:cs typeface="+mn-cs"/>
-              </a:rPr>
-              <a:t>warn</a:t>
-            </a:r>
-            <a:r>
-              <a:rPr lang="en-US" sz="900" b="0" i="0" kern="1200" dirty="0">
-                <a:solidFill>
-                  <a:schemeClr val="tx1"/>
-                </a:solidFill>
-                <a:effectLst/>
-                <a:latin typeface="Segoe UI Light" pitchFamily="34" charset="0"/>
-                <a:ea typeface="+mn-ea"/>
-                <a:cs typeface="+mn-cs"/>
-              </a:rPr>
-              <a:t> : log warnings</a:t>
-            </a:r>
-          </a:p>
-          <a:p>
-            <a:r>
-              <a:rPr lang="en-US" sz="900" b="1" i="0" kern="1200" dirty="0">
-                <a:solidFill>
-                  <a:schemeClr val="tx1"/>
-                </a:solidFill>
-                <a:effectLst/>
-                <a:latin typeface="Segoe UI Light" pitchFamily="34" charset="0"/>
-                <a:ea typeface="+mn-ea"/>
-                <a:cs typeface="+mn-cs"/>
-              </a:rPr>
-              <a:t>error</a:t>
-            </a:r>
-            <a:r>
-              <a:rPr lang="en-US" sz="900" b="0" i="0" kern="1200" dirty="0">
-                <a:solidFill>
-                  <a:schemeClr val="tx1"/>
-                </a:solidFill>
-                <a:effectLst/>
-                <a:latin typeface="Segoe UI Light" pitchFamily="34" charset="0"/>
-                <a:ea typeface="+mn-ea"/>
-                <a:cs typeface="+mn-cs"/>
-              </a:rPr>
-              <a:t> : log errors</a:t>
-            </a:r>
-          </a:p>
-          <a:p>
-            <a:r>
-              <a:rPr lang="en-US" sz="900" b="1" i="0" kern="1200" dirty="0">
-                <a:solidFill>
-                  <a:schemeClr val="tx1"/>
-                </a:solidFill>
-                <a:effectLst/>
-                <a:latin typeface="Segoe UI Light" pitchFamily="34" charset="0"/>
-                <a:ea typeface="+mn-ea"/>
-                <a:cs typeface="+mn-cs"/>
-              </a:rPr>
-              <a:t>verbose</a:t>
-            </a:r>
-            <a:r>
-              <a:rPr lang="en-US" sz="900" b="0" i="0" kern="1200" dirty="0">
-                <a:solidFill>
-                  <a:schemeClr val="tx1"/>
-                </a:solidFill>
-                <a:effectLst/>
-                <a:latin typeface="Segoe UI Light" pitchFamily="34" charset="0"/>
-                <a:ea typeface="+mn-ea"/>
-                <a:cs typeface="+mn-cs"/>
-              </a:rPr>
-              <a:t> : log everything</a:t>
-            </a:r>
-          </a:p>
-          <a:p>
-            <a:endParaRPr lang="en-US" sz="900" b="0" i="0" kern="1200" dirty="0">
-              <a:solidFill>
-                <a:schemeClr val="tx1"/>
-              </a:solidFill>
-              <a:effectLst/>
-              <a:latin typeface="Segoe UI Light" pitchFamily="34" charset="0"/>
-              <a:ea typeface="+mn-ea"/>
-              <a:cs typeface="+mn-cs"/>
-            </a:endParaRPr>
-          </a:p>
-          <a:p>
-            <a:r>
-              <a:rPr lang="en-US" sz="900" b="0" i="0" kern="1200" dirty="0">
-                <a:solidFill>
-                  <a:schemeClr val="tx1"/>
-                </a:solidFill>
-                <a:effectLst/>
-                <a:latin typeface="Segoe UI Light" pitchFamily="34" charset="0"/>
-                <a:ea typeface="+mn-ea"/>
-                <a:cs typeface="+mn-cs"/>
-              </a:rPr>
-              <a:t>In the SharePoint Framework all logging is done to the JavaScript console and you can see the logging using the developer tools in a web browser.</a:t>
-            </a:r>
-          </a:p>
-          <a:p>
-            <a:endParaRPr lang="en-US" sz="900" b="0" i="0" kern="1200" dirty="0">
-              <a:solidFill>
-                <a:schemeClr val="tx1"/>
-              </a:solidFill>
-              <a:effectLst/>
-              <a:latin typeface="Segoe UI Light" pitchFamily="34" charset="0"/>
-              <a:ea typeface="+mn-ea"/>
-              <a:cs typeface="+mn-cs"/>
-            </a:endParaRPr>
-          </a:p>
-          <a:p>
-            <a:r>
-              <a:rPr lang="en-US" sz="900" b="0" i="0" kern="1200" dirty="0">
-                <a:solidFill>
-                  <a:schemeClr val="tx1"/>
-                </a:solidFill>
-                <a:effectLst/>
-                <a:latin typeface="Segoe UI Light" pitchFamily="34" charset="0"/>
-                <a:ea typeface="+mn-ea"/>
-                <a:cs typeface="+mn-cs"/>
-              </a:rPr>
-              <a:t>All static methods have the same signature, except the error method - they take three arguments:</a:t>
-            </a:r>
-          </a:p>
-          <a:p>
-            <a:endParaRPr lang="en-US" sz="900" b="0" i="0" kern="1200" dirty="0">
-              <a:solidFill>
-                <a:schemeClr val="tx1"/>
-              </a:solidFill>
-              <a:effectLst/>
-              <a:latin typeface="Segoe UI Light" pitchFamily="34" charset="0"/>
-              <a:ea typeface="+mn-ea"/>
-              <a:cs typeface="+mn-cs"/>
-            </a:endParaRPr>
-          </a:p>
-          <a:p>
-            <a:r>
-              <a:rPr lang="en-US" sz="900" b="1" i="0" kern="1200" dirty="0">
-                <a:solidFill>
-                  <a:schemeClr val="tx1"/>
-                </a:solidFill>
-                <a:effectLst/>
-                <a:latin typeface="Segoe UI Light" pitchFamily="34" charset="0"/>
-                <a:ea typeface="+mn-ea"/>
-                <a:cs typeface="+mn-cs"/>
-              </a:rPr>
-              <a:t>source</a:t>
-            </a:r>
-            <a:r>
-              <a:rPr lang="en-US" sz="900" b="0" i="0" kern="1200" dirty="0">
-                <a:solidFill>
-                  <a:schemeClr val="tx1"/>
-                </a:solidFill>
-                <a:effectLst/>
-                <a:latin typeface="Segoe UI Light" pitchFamily="34" charset="0"/>
-                <a:ea typeface="+mn-ea"/>
-                <a:cs typeface="+mn-cs"/>
-              </a:rPr>
-              <a:t>: the source of the logging information (max 20 characters), such as the method or the class name</a:t>
-            </a:r>
-          </a:p>
-          <a:p>
-            <a:r>
-              <a:rPr lang="en-US" sz="900" b="1" i="0" kern="1200" dirty="0">
-                <a:solidFill>
-                  <a:schemeClr val="tx1"/>
-                </a:solidFill>
-                <a:effectLst/>
-                <a:latin typeface="Segoe UI Light" pitchFamily="34" charset="0"/>
-                <a:ea typeface="+mn-ea"/>
-                <a:cs typeface="+mn-cs"/>
-              </a:rPr>
-              <a:t>message</a:t>
-            </a:r>
-            <a:r>
-              <a:rPr lang="en-US" sz="900" b="0" i="0" kern="1200" dirty="0">
-                <a:solidFill>
-                  <a:schemeClr val="tx1"/>
-                </a:solidFill>
-                <a:effectLst/>
-                <a:latin typeface="Segoe UI Light" pitchFamily="34" charset="0"/>
-                <a:ea typeface="+mn-ea"/>
-                <a:cs typeface="+mn-cs"/>
-              </a:rPr>
-              <a:t>: the actual message to log (max 100 characters)</a:t>
-            </a:r>
-          </a:p>
-          <a:p>
-            <a:r>
-              <a:rPr lang="en-US" sz="900" b="1" i="0" kern="1200" dirty="0">
-                <a:solidFill>
-                  <a:schemeClr val="tx1"/>
-                </a:solidFill>
-                <a:effectLst/>
-                <a:latin typeface="Segoe UI Light" pitchFamily="34" charset="0"/>
-                <a:ea typeface="+mn-ea"/>
-                <a:cs typeface="+mn-cs"/>
-              </a:rPr>
-              <a:t>scope</a:t>
-            </a:r>
-            <a:r>
-              <a:rPr lang="en-US" sz="900" b="0" i="0" kern="1200" dirty="0">
-                <a:solidFill>
-                  <a:schemeClr val="tx1"/>
-                </a:solidFill>
-                <a:effectLst/>
-                <a:latin typeface="Segoe UI Light" pitchFamily="34" charset="0"/>
-                <a:ea typeface="+mn-ea"/>
-                <a:cs typeface="+mn-cs"/>
-              </a:rPr>
-              <a:t>: an optional service scope</a:t>
-            </a:r>
-          </a:p>
-          <a:p>
-            <a:endParaRPr lang="en-US" sz="900" b="0" i="0" kern="1200" dirty="0">
-              <a:solidFill>
-                <a:schemeClr val="tx1"/>
-              </a:solidFill>
-              <a:effectLst/>
-              <a:latin typeface="Segoe UI Light" pitchFamily="34" charset="0"/>
-              <a:ea typeface="+mn-ea"/>
-              <a:cs typeface="+mn-cs"/>
-            </a:endParaRPr>
-          </a:p>
-          <a:p>
-            <a:r>
-              <a:rPr lang="en-US" sz="900" b="0" i="0" kern="1200" dirty="0">
-                <a:solidFill>
-                  <a:schemeClr val="tx1"/>
-                </a:solidFill>
-                <a:effectLst/>
-                <a:latin typeface="Segoe UI Light" pitchFamily="34" charset="0"/>
-                <a:ea typeface="+mn-ea"/>
-                <a:cs typeface="+mn-cs"/>
-              </a:rPr>
-              <a:t>The </a:t>
-            </a:r>
-            <a:r>
-              <a:rPr lang="en-US" sz="900" b="1" i="0" kern="1200" dirty="0">
-                <a:solidFill>
-                  <a:schemeClr val="tx1"/>
-                </a:solidFill>
-                <a:effectLst/>
-                <a:latin typeface="Segoe UI Light" pitchFamily="34" charset="0"/>
-                <a:ea typeface="+mn-ea"/>
-                <a:cs typeface="+mn-cs"/>
-              </a:rPr>
-              <a:t>error</a:t>
-            </a:r>
-            <a:r>
-              <a:rPr lang="en-US" sz="900" b="0" i="0" kern="1200" dirty="0">
-                <a:solidFill>
-                  <a:schemeClr val="tx1"/>
-                </a:solidFill>
-                <a:effectLst/>
-                <a:latin typeface="Segoe UI Light" pitchFamily="34" charset="0"/>
-                <a:ea typeface="+mn-ea"/>
-                <a:cs typeface="+mn-cs"/>
-              </a:rPr>
-              <a:t> method takes an </a:t>
-            </a:r>
-            <a:r>
-              <a:rPr lang="en-US" sz="900" b="1" i="0" kern="1200" dirty="0">
-                <a:solidFill>
-                  <a:schemeClr val="tx1"/>
-                </a:solidFill>
-                <a:effectLst/>
-                <a:latin typeface="Segoe UI Light" pitchFamily="34" charset="0"/>
-                <a:ea typeface="+mn-ea"/>
-                <a:cs typeface="+mn-cs"/>
-              </a:rPr>
-              <a:t>Error</a:t>
-            </a:r>
-            <a:r>
-              <a:rPr lang="en-US" sz="900" b="0" i="0" kern="1200" dirty="0">
-                <a:solidFill>
-                  <a:schemeClr val="tx1"/>
-                </a:solidFill>
-                <a:effectLst/>
-                <a:latin typeface="Segoe UI Light" pitchFamily="34" charset="0"/>
-                <a:ea typeface="+mn-ea"/>
-                <a:cs typeface="+mn-cs"/>
-              </a:rPr>
-              <a:t> object instead of the </a:t>
-            </a:r>
-            <a:r>
-              <a:rPr lang="en-US" sz="900" b="1" i="0" kern="1200" dirty="0">
-                <a:solidFill>
-                  <a:schemeClr val="tx1"/>
-                </a:solidFill>
-                <a:effectLst/>
-                <a:latin typeface="Segoe UI Light" pitchFamily="34" charset="0"/>
-                <a:ea typeface="+mn-ea"/>
-                <a:cs typeface="+mn-cs"/>
-              </a:rPr>
-              <a:t>message</a:t>
-            </a:r>
-            <a:r>
-              <a:rPr lang="en-US" sz="900" b="0" i="0" kern="1200" dirty="0">
-                <a:solidFill>
-                  <a:schemeClr val="tx1"/>
-                </a:solidFill>
-                <a:effectLst/>
-                <a:latin typeface="Segoe UI Light" pitchFamily="34" charset="0"/>
-                <a:ea typeface="+mn-ea"/>
-                <a:cs typeface="+mn-cs"/>
-              </a:rPr>
-              <a:t> string, otherwise they are the same.</a:t>
+              <a:rPr lang="en-US" dirty="0"/>
+              <a:t>The SharePoint Framework API includes a reference to the context of the current page where the component is running. Use the `context` object, available from the component's base class, to access the page context:</a:t>
+            </a:r>
+          </a:p>
+          <a:p>
+            <a:endParaRPr lang="en-US" dirty="0"/>
+          </a:p>
+          <a:p>
+            <a:r>
+              <a:rPr lang="en-US" dirty="0"/>
+              <a:t>Custom components can access the following properties on the page context:</a:t>
+            </a:r>
+          </a:p>
+          <a:p>
+            <a:endParaRPr lang="en-US" dirty="0"/>
+          </a:p>
+          <a:p>
+            <a:r>
+              <a:rPr lang="en-US" dirty="0"/>
+              <a:t>- web title</a:t>
+            </a:r>
+          </a:p>
+          <a:p>
+            <a:r>
+              <a:rPr lang="en-US" dirty="0"/>
+              <a:t>- web absolute URL</a:t>
+            </a:r>
+          </a:p>
+          <a:p>
+            <a:r>
+              <a:rPr lang="en-US" dirty="0"/>
+              <a:t>- web server-relative URL</a:t>
+            </a:r>
+          </a:p>
+          <a:p>
+            <a:r>
+              <a:rPr lang="en-US" dirty="0"/>
+              <a:t>- current user login name</a:t>
+            </a:r>
+          </a:p>
+          <a:p>
+            <a:endParaRPr lang="en-US" dirty="0"/>
+          </a:p>
+          <a:p>
+            <a:r>
+              <a:rPr lang="en-US" dirty="0"/>
+              <a:t>The `context` property is available in both the local workbench and SharePoint-hosted workbench. When testing a component in the local workbench, mock data is returned. For example, the title of the current site and details of the current user never change because they are hard-coded in the SharePoint Framework API. </a:t>
+            </a:r>
+          </a:p>
+          <a:p>
+            <a:endParaRPr lang="en-US" dirty="0"/>
+          </a:p>
+          <a:p>
+            <a:r>
+              <a:rPr lang="en-US" dirty="0"/>
+              <a:t>The `context` property will always return real data when testing the component in the SharePoint-hosted workbench.</a:t>
             </a:r>
           </a:p>
         </p:txBody>
@@ -1549,7 +1207,7 @@
             <a:fld id="{B4008EB6-D09E-4580-8CD6-DDB14511944F}" type="slidenum">
               <a:rPr lang="en-US" smtClean="0"/>
               <a:pPr/>
-              <a:t>15</a:t>
+              <a:t>11</a:t>
             </a:fld>
             <a:endParaRPr lang="en-US" dirty="0"/>
           </a:p>
@@ -1558,7 +1216,7 @@
     </p:spTree>
     <p:extLst>
       <p:ext uri="{BB962C8B-B14F-4D97-AF65-F5344CB8AC3E}">
-        <p14:creationId xmlns:p14="http://schemas.microsoft.com/office/powerpoint/2010/main" val="3428289797"/>
+        <p14:creationId xmlns:p14="http://schemas.microsoft.com/office/powerpoint/2010/main" val="878822592"/>
       </p:ext>
     </p:extLst>
   </p:cSld>
@@ -1613,404 +1271,23 @@
           <a:lstStyle/>
           <a:p>
             <a:r>
-              <a:rPr lang="en-US" sz="900" b="0" i="0" kern="1200" dirty="0">
-                <a:solidFill>
-                  <a:schemeClr val="tx1"/>
-                </a:solidFill>
-                <a:effectLst/>
-                <a:latin typeface="Segoe UI Light" pitchFamily="34" charset="0"/>
-                <a:ea typeface="+mn-ea"/>
-                <a:cs typeface="+mn-cs"/>
-              </a:rPr>
-              <a:t>Logging is a very convenient and easy way to keep track of events happening in the web part, instead of having breakpoints, or alerts in JavaScript. The SharePoint Framework has a built-in logging mechanism.</a:t>
-            </a:r>
-          </a:p>
-          <a:p>
-            <a:endParaRPr lang="en-US" sz="900" b="0" i="0" kern="1200" dirty="0">
-              <a:solidFill>
-                <a:schemeClr val="tx1"/>
-              </a:solidFill>
-              <a:effectLst/>
-              <a:latin typeface="Segoe UI Light" pitchFamily="34" charset="0"/>
-              <a:ea typeface="+mn-ea"/>
-              <a:cs typeface="+mn-cs"/>
-            </a:endParaRPr>
-          </a:p>
-          <a:p>
-            <a:r>
-              <a:rPr lang="en-US" sz="900" b="1" i="0" kern="1200" dirty="0">
-                <a:solidFill>
-                  <a:schemeClr val="tx1"/>
-                </a:solidFill>
-                <a:effectLst/>
-                <a:latin typeface="Segoe UI Light" pitchFamily="34" charset="0"/>
-                <a:ea typeface="+mn-ea"/>
-                <a:cs typeface="+mn-cs"/>
-              </a:rPr>
-              <a:t>Note:</a:t>
-            </a:r>
-            <a:r>
-              <a:rPr lang="en-US" sz="900" b="0" i="0" kern="1200" dirty="0">
-                <a:solidFill>
-                  <a:schemeClr val="tx1"/>
-                </a:solidFill>
-                <a:effectLst/>
-                <a:latin typeface="Segoe UI Light" pitchFamily="34" charset="0"/>
-                <a:ea typeface="+mn-ea"/>
-                <a:cs typeface="+mn-cs"/>
-              </a:rPr>
-              <a:t> The Log class contains four static methods for logging:</a:t>
-            </a:r>
-          </a:p>
-          <a:p>
-            <a:endParaRPr lang="en-US" sz="900" b="1" i="0" kern="1200" dirty="0">
-              <a:solidFill>
-                <a:schemeClr val="tx1"/>
-              </a:solidFill>
-              <a:effectLst/>
-              <a:latin typeface="Segoe UI Light" pitchFamily="34" charset="0"/>
-              <a:ea typeface="+mn-ea"/>
-              <a:cs typeface="+mn-cs"/>
-            </a:endParaRPr>
-          </a:p>
-          <a:p>
-            <a:r>
-              <a:rPr lang="en-US" sz="900" b="1" i="0" kern="1200" dirty="0">
-                <a:solidFill>
-                  <a:schemeClr val="tx1"/>
-                </a:solidFill>
-                <a:effectLst/>
-                <a:latin typeface="Segoe UI Light" pitchFamily="34" charset="0"/>
-                <a:ea typeface="+mn-ea"/>
-                <a:cs typeface="+mn-cs"/>
-              </a:rPr>
-              <a:t>info</a:t>
-            </a:r>
-            <a:r>
-              <a:rPr lang="en-US" sz="900" b="0" i="0" kern="1200" dirty="0">
-                <a:solidFill>
-                  <a:schemeClr val="tx1"/>
-                </a:solidFill>
-                <a:effectLst/>
-                <a:latin typeface="Segoe UI Light" pitchFamily="34" charset="0"/>
-                <a:ea typeface="+mn-ea"/>
-                <a:cs typeface="+mn-cs"/>
-              </a:rPr>
-              <a:t> : log information</a:t>
-            </a:r>
-          </a:p>
-          <a:p>
-            <a:r>
-              <a:rPr lang="en-US" sz="900" b="1" i="0" kern="1200" dirty="0">
-                <a:solidFill>
-                  <a:schemeClr val="tx1"/>
-                </a:solidFill>
-                <a:effectLst/>
-                <a:latin typeface="Segoe UI Light" pitchFamily="34" charset="0"/>
-                <a:ea typeface="+mn-ea"/>
-                <a:cs typeface="+mn-cs"/>
-              </a:rPr>
-              <a:t>warn</a:t>
-            </a:r>
-            <a:r>
-              <a:rPr lang="en-US" sz="900" b="0" i="0" kern="1200" dirty="0">
-                <a:solidFill>
-                  <a:schemeClr val="tx1"/>
-                </a:solidFill>
-                <a:effectLst/>
-                <a:latin typeface="Segoe UI Light" pitchFamily="34" charset="0"/>
-                <a:ea typeface="+mn-ea"/>
-                <a:cs typeface="+mn-cs"/>
-              </a:rPr>
-              <a:t> : log warnings</a:t>
-            </a:r>
-          </a:p>
-          <a:p>
-            <a:r>
-              <a:rPr lang="en-US" sz="900" b="1" i="0" kern="1200" dirty="0">
-                <a:solidFill>
-                  <a:schemeClr val="tx1"/>
-                </a:solidFill>
-                <a:effectLst/>
-                <a:latin typeface="Segoe UI Light" pitchFamily="34" charset="0"/>
-                <a:ea typeface="+mn-ea"/>
-                <a:cs typeface="+mn-cs"/>
-              </a:rPr>
-              <a:t>error</a:t>
-            </a:r>
-            <a:r>
-              <a:rPr lang="en-US" sz="900" b="0" i="0" kern="1200" dirty="0">
-                <a:solidFill>
-                  <a:schemeClr val="tx1"/>
-                </a:solidFill>
-                <a:effectLst/>
-                <a:latin typeface="Segoe UI Light" pitchFamily="34" charset="0"/>
-                <a:ea typeface="+mn-ea"/>
-                <a:cs typeface="+mn-cs"/>
-              </a:rPr>
-              <a:t> : log errors</a:t>
-            </a:r>
-          </a:p>
-          <a:p>
-            <a:r>
-              <a:rPr lang="en-US" sz="900" b="1" i="0" kern="1200" dirty="0">
-                <a:solidFill>
-                  <a:schemeClr val="tx1"/>
-                </a:solidFill>
-                <a:effectLst/>
-                <a:latin typeface="Segoe UI Light" pitchFamily="34" charset="0"/>
-                <a:ea typeface="+mn-ea"/>
-                <a:cs typeface="+mn-cs"/>
-              </a:rPr>
-              <a:t>verbose</a:t>
-            </a:r>
-            <a:r>
-              <a:rPr lang="en-US" sz="900" b="0" i="0" kern="1200" dirty="0">
-                <a:solidFill>
-                  <a:schemeClr val="tx1"/>
-                </a:solidFill>
-                <a:effectLst/>
-                <a:latin typeface="Segoe UI Light" pitchFamily="34" charset="0"/>
-                <a:ea typeface="+mn-ea"/>
-                <a:cs typeface="+mn-cs"/>
-              </a:rPr>
-              <a:t> : log everything</a:t>
-            </a:r>
-          </a:p>
-          <a:p>
-            <a:endParaRPr lang="en-US" sz="900" b="0" i="0" kern="1200" dirty="0">
-              <a:solidFill>
-                <a:schemeClr val="tx1"/>
-              </a:solidFill>
-              <a:effectLst/>
-              <a:latin typeface="Segoe UI Light" pitchFamily="34" charset="0"/>
-              <a:ea typeface="+mn-ea"/>
-              <a:cs typeface="+mn-cs"/>
-            </a:endParaRPr>
-          </a:p>
-          <a:p>
-            <a:r>
-              <a:rPr lang="en-US" sz="900" b="0" i="0" kern="1200" dirty="0">
-                <a:solidFill>
-                  <a:schemeClr val="tx1"/>
-                </a:solidFill>
-                <a:effectLst/>
-                <a:latin typeface="Segoe UI Light" pitchFamily="34" charset="0"/>
-                <a:ea typeface="+mn-ea"/>
-                <a:cs typeface="+mn-cs"/>
-              </a:rPr>
-              <a:t>In the SharePoint Framework all logging is done to the JavaScript console and you can see the logging using the developer tools in a web browser.</a:t>
-            </a:r>
-          </a:p>
-          <a:p>
-            <a:endParaRPr lang="en-US" sz="900" b="0" i="0" kern="1200" dirty="0">
-              <a:solidFill>
-                <a:schemeClr val="tx1"/>
-              </a:solidFill>
-              <a:effectLst/>
-              <a:latin typeface="Segoe UI Light" pitchFamily="34" charset="0"/>
-              <a:ea typeface="+mn-ea"/>
-              <a:cs typeface="+mn-cs"/>
-            </a:endParaRPr>
-          </a:p>
-          <a:p>
-            <a:r>
-              <a:rPr lang="en-US" sz="900" b="0" i="0" kern="1200" dirty="0">
-                <a:solidFill>
-                  <a:schemeClr val="tx1"/>
-                </a:solidFill>
-                <a:effectLst/>
-                <a:latin typeface="Segoe UI Light" pitchFamily="34" charset="0"/>
-                <a:ea typeface="+mn-ea"/>
-                <a:cs typeface="+mn-cs"/>
-              </a:rPr>
-              <a:t>All static methods have the same signature, except the error method - they take three arguments:</a:t>
-            </a:r>
-          </a:p>
-          <a:p>
-            <a:endParaRPr lang="en-US" sz="900" b="0" i="0" kern="1200" dirty="0">
-              <a:solidFill>
-                <a:schemeClr val="tx1"/>
-              </a:solidFill>
-              <a:effectLst/>
-              <a:latin typeface="Segoe UI Light" pitchFamily="34" charset="0"/>
-              <a:ea typeface="+mn-ea"/>
-              <a:cs typeface="+mn-cs"/>
-            </a:endParaRPr>
-          </a:p>
-          <a:p>
-            <a:r>
-              <a:rPr lang="en-US" sz="900" b="1" i="0" kern="1200" dirty="0">
-                <a:solidFill>
-                  <a:schemeClr val="tx1"/>
-                </a:solidFill>
-                <a:effectLst/>
-                <a:latin typeface="Segoe UI Light" pitchFamily="34" charset="0"/>
-                <a:ea typeface="+mn-ea"/>
-                <a:cs typeface="+mn-cs"/>
-              </a:rPr>
-              <a:t>source</a:t>
-            </a:r>
-            <a:r>
-              <a:rPr lang="en-US" sz="900" b="0" i="0" kern="1200" dirty="0">
-                <a:solidFill>
-                  <a:schemeClr val="tx1"/>
-                </a:solidFill>
-                <a:effectLst/>
-                <a:latin typeface="Segoe UI Light" pitchFamily="34" charset="0"/>
-                <a:ea typeface="+mn-ea"/>
-                <a:cs typeface="+mn-cs"/>
-              </a:rPr>
-              <a:t>: the source of the logging information (max 20 characters), such as the method or the class name</a:t>
-            </a:r>
-          </a:p>
-          <a:p>
-            <a:r>
-              <a:rPr lang="en-US" sz="900" b="1" i="0" kern="1200" dirty="0">
-                <a:solidFill>
-                  <a:schemeClr val="tx1"/>
-                </a:solidFill>
-                <a:effectLst/>
-                <a:latin typeface="Segoe UI Light" pitchFamily="34" charset="0"/>
-                <a:ea typeface="+mn-ea"/>
-                <a:cs typeface="+mn-cs"/>
-              </a:rPr>
-              <a:t>message</a:t>
-            </a:r>
-            <a:r>
-              <a:rPr lang="en-US" sz="900" b="0" i="0" kern="1200" dirty="0">
-                <a:solidFill>
-                  <a:schemeClr val="tx1"/>
-                </a:solidFill>
-                <a:effectLst/>
-                <a:latin typeface="Segoe UI Light" pitchFamily="34" charset="0"/>
-                <a:ea typeface="+mn-ea"/>
-                <a:cs typeface="+mn-cs"/>
-              </a:rPr>
-              <a:t>: the actual message to log (max 100 characters)</a:t>
-            </a:r>
-          </a:p>
-          <a:p>
-            <a:r>
-              <a:rPr lang="en-US" sz="900" b="1" i="0" kern="1200" dirty="0">
-                <a:solidFill>
-                  <a:schemeClr val="tx1"/>
-                </a:solidFill>
-                <a:effectLst/>
-                <a:latin typeface="Segoe UI Light" pitchFamily="34" charset="0"/>
-                <a:ea typeface="+mn-ea"/>
-                <a:cs typeface="+mn-cs"/>
-              </a:rPr>
-              <a:t>scope</a:t>
-            </a:r>
-            <a:r>
-              <a:rPr lang="en-US" sz="900" b="0" i="0" kern="1200" dirty="0">
-                <a:solidFill>
-                  <a:schemeClr val="tx1"/>
-                </a:solidFill>
-                <a:effectLst/>
-                <a:latin typeface="Segoe UI Light" pitchFamily="34" charset="0"/>
-                <a:ea typeface="+mn-ea"/>
-                <a:cs typeface="+mn-cs"/>
-              </a:rPr>
-              <a:t>: an optional service scope</a:t>
-            </a:r>
-          </a:p>
-          <a:p>
-            <a:endParaRPr lang="en-US" sz="900" b="0" i="0" kern="1200" dirty="0">
-              <a:solidFill>
-                <a:schemeClr val="tx1"/>
-              </a:solidFill>
-              <a:effectLst/>
-              <a:latin typeface="Segoe UI Light" pitchFamily="34" charset="0"/>
-              <a:ea typeface="+mn-ea"/>
-              <a:cs typeface="+mn-cs"/>
-            </a:endParaRPr>
-          </a:p>
-          <a:p>
-            <a:r>
-              <a:rPr lang="en-US" sz="900" b="0" i="0" kern="1200" dirty="0">
-                <a:solidFill>
-                  <a:schemeClr val="tx1"/>
-                </a:solidFill>
-                <a:effectLst/>
-                <a:latin typeface="Segoe UI Light" pitchFamily="34" charset="0"/>
-                <a:ea typeface="+mn-ea"/>
-                <a:cs typeface="+mn-cs"/>
-              </a:rPr>
-              <a:t>The </a:t>
-            </a:r>
-            <a:r>
-              <a:rPr lang="en-US" sz="900" b="1" i="0" kern="1200" dirty="0">
-                <a:solidFill>
-                  <a:schemeClr val="tx1"/>
-                </a:solidFill>
-                <a:effectLst/>
-                <a:latin typeface="Segoe UI Light" pitchFamily="34" charset="0"/>
-                <a:ea typeface="+mn-ea"/>
-                <a:cs typeface="+mn-cs"/>
-              </a:rPr>
-              <a:t>error</a:t>
-            </a:r>
-            <a:r>
-              <a:rPr lang="en-US" sz="900" b="0" i="0" kern="1200" dirty="0">
-                <a:solidFill>
-                  <a:schemeClr val="tx1"/>
-                </a:solidFill>
-                <a:effectLst/>
-                <a:latin typeface="Segoe UI Light" pitchFamily="34" charset="0"/>
-                <a:ea typeface="+mn-ea"/>
-                <a:cs typeface="+mn-cs"/>
-              </a:rPr>
-              <a:t> method takes an </a:t>
-            </a:r>
-            <a:r>
-              <a:rPr lang="en-US" sz="900" b="1" i="0" kern="1200" dirty="0">
-                <a:solidFill>
-                  <a:schemeClr val="tx1"/>
-                </a:solidFill>
-                <a:effectLst/>
-                <a:latin typeface="Segoe UI Light" pitchFamily="34" charset="0"/>
-                <a:ea typeface="+mn-ea"/>
-                <a:cs typeface="+mn-cs"/>
-              </a:rPr>
-              <a:t>Error</a:t>
-            </a:r>
-            <a:r>
-              <a:rPr lang="en-US" sz="900" b="0" i="0" kern="1200" dirty="0">
-                <a:solidFill>
-                  <a:schemeClr val="tx1"/>
-                </a:solidFill>
-                <a:effectLst/>
-                <a:latin typeface="Segoe UI Light" pitchFamily="34" charset="0"/>
-                <a:ea typeface="+mn-ea"/>
-                <a:cs typeface="+mn-cs"/>
-              </a:rPr>
-              <a:t> object instead of the </a:t>
-            </a:r>
-            <a:r>
-              <a:rPr lang="en-US" sz="900" b="1" i="0" kern="1200" dirty="0">
-                <a:solidFill>
-                  <a:schemeClr val="tx1"/>
-                </a:solidFill>
-                <a:effectLst/>
-                <a:latin typeface="Segoe UI Light" pitchFamily="34" charset="0"/>
-                <a:ea typeface="+mn-ea"/>
-                <a:cs typeface="+mn-cs"/>
-              </a:rPr>
-              <a:t>message</a:t>
-            </a:r>
-            <a:r>
-              <a:rPr lang="en-US" sz="900" b="0" i="0" kern="1200" dirty="0">
-                <a:solidFill>
-                  <a:schemeClr val="tx1"/>
-                </a:solidFill>
-                <a:effectLst/>
-                <a:latin typeface="Segoe UI Light" pitchFamily="34" charset="0"/>
-                <a:ea typeface="+mn-ea"/>
-                <a:cs typeface="+mn-cs"/>
-              </a:rPr>
-              <a:t> string, otherwise they are the same.</a:t>
+              <a:rPr lang="en-US" dirty="0"/>
+              <a:t>Here's a web part running in the local workbench compared to running in the SharePoint-hosted workbench. Notice the local workbench version has a site title of **Local Workbench**. </a:t>
+            </a:r>
+          </a:p>
+          <a:p>
+            <a:endParaRPr lang="en-US" dirty="0"/>
+          </a:p>
+          <a:p>
+            <a:r>
+              <a:rPr lang="en-US" dirty="0"/>
+              <a:t>In the other version of the web part, it's running in a real SharePoint page. This can be in the SharePoint-hosted workbench or on a web part page. Notice the title of the current site is different from the local workbench and will match the title of the site where the web part is currently running.</a:t>
+            </a:r>
+          </a:p>
+          <a:p>
+            <a:r>
+              <a:rPr lang="en-US" dirty="0"/>
+              <a:t> </a:t>
             </a:r>
           </a:p>
         </p:txBody>
@@ -2022,7 +1299,7 @@
             <a:spLocks noGrp="1"/>
           </p:cNvSpPr>
           <p:nvPr>
-            <p:ph type="hdr" sz="quarter" idx="10"/>
+            <p:ph type="hdr" sz="quarter"/>
           </p:nvPr>
         </p:nvSpPr>
         <p:spPr/>
@@ -2032,7 +1309,7 @@
           <a:p>
             <a:r>
               <a:rPr lang="en-US"/>
-              <a:t>SharePoint</a:t>
+              <a:t>SharePoint Framework</a:t>
             </a:r>
             <a:endParaRPr lang="en-US" dirty="0"/>
           </a:p>
@@ -2045,7 +1322,7 @@
             <a:spLocks noGrp="1"/>
           </p:cNvSpPr>
           <p:nvPr>
-            <p:ph type="ftr" sz="quarter" idx="11"/>
+            <p:ph type="ftr" sz="quarter" idx="4"/>
           </p:nvPr>
         </p:nvSpPr>
         <p:spPr/>
@@ -2053,7 +1330,7 @@
           <a:bodyPr/>
           <a:lstStyle/>
           <a:p>
-            <a:pPr defTabSz="924154" eaLnBrk="0" hangingPunct="0"/>
+            <a:pPr defTabSz="914099" eaLnBrk="0" hangingPunct="0"/>
             <a:r>
               <a:rPr lang="en-US" sz="400">
                 <a:gradFill>
@@ -2071,7 +1348,7 @@
                 <a:ea typeface="Segoe UI" pitchFamily="34" charset="0"/>
                 <a:cs typeface="Segoe UI" pitchFamily="34" charset="0"/>
               </a:rPr>
-              <a:t>© 2016 Microsoft Corporation. All rights reserved. MICROSOFT MAKES NO WARRANTIES, EXPRESS, IMPLIED OR STATUTORY, AS TO THE INFORMATION IN THIS PRESENTATION.</a:t>
+              <a:t>© Microsoft Corporation. All rights reserved. MICROSOFT MAKES NO WARRANTIES, EXPRESS, IMPLIED OR STATUTORY, AS TO THE INFORMATION IN THIS PRESENTATION.</a:t>
             </a:r>
             <a:endParaRPr lang="en-US" sz="400" dirty="0">
               <a:gradFill>
@@ -2094,12 +1371,35 @@
       </p:sp>
       <p:sp>
         <p:nvSpPr>
-          <p:cNvPr id="6" name="Slide Number Placeholder 5"/>
+          <p:cNvPr id="6" name="Date Placeholder 5"/>
           <p:cNvSpPr>
             <a:spLocks noGrp="1"/>
           </p:cNvSpPr>
           <p:nvPr>
-            <p:ph type="sldNum" sz="quarter" idx="12"/>
+            <p:ph type="dt" idx="1"/>
+          </p:nvPr>
+        </p:nvSpPr>
+        <p:spPr/>
+        <p:txBody>
+          <a:bodyPr/>
+          <a:lstStyle/>
+          <a:p>
+            <a:fld id="{D18B56EA-E28F-4F92-9F16-7A6F2501B303}" type="datetime8">
+              <a:rPr lang="en-US" smtClean="0"/>
+              <a:t>2/26/20 1:28 PM</a:t>
+            </a:fld>
+            <a:endParaRPr lang="en-US" dirty="0"/>
+          </a:p>
+        </p:txBody>
+      </p:sp>
+      <p:sp>
+        <p:nvSpPr>
+          <p:cNvPr id="7" name="Slide Number Placeholder 6"/>
+          <p:cNvSpPr>
+            <a:spLocks noGrp="1"/>
+          </p:cNvSpPr>
+          <p:nvPr>
+            <p:ph type="sldNum" sz="quarter" idx="5"/>
           </p:nvPr>
         </p:nvSpPr>
         <p:spPr/>
@@ -2110,7 +1410,7 @@
             <a:fld id="{B4008EB6-D09E-4580-8CD6-DDB14511944F}" type="slidenum">
               <a:rPr lang="en-US" smtClean="0"/>
               <a:pPr/>
-              <a:t>16</a:t>
+              <a:t>12</a:t>
             </a:fld>
             <a:endParaRPr lang="en-US" dirty="0"/>
           </a:p>
@@ -2119,7 +1419,7 @@
     </p:spTree>
     <p:extLst>
       <p:ext uri="{BB962C8B-B14F-4D97-AF65-F5344CB8AC3E}">
-        <p14:creationId xmlns:p14="http://schemas.microsoft.com/office/powerpoint/2010/main" val="1170131775"/>
+        <p14:creationId xmlns:p14="http://schemas.microsoft.com/office/powerpoint/2010/main" val="2742595068"/>
       </p:ext>
     </p:extLst>
   </p:cSld>
@@ -2183,20 +1483,21 @@
                 <a:ea typeface="+mn-ea"/>
                 <a:cs typeface="+mn-cs"/>
               </a:rPr>
-              <a:t>Notice how the </a:t>
-            </a:r>
-            <a:r>
-              <a:rPr lang="en-US" sz="900" b="1" i="0" kern="1200" dirty="0" err="1">
-                <a:solidFill>
-                  <a:schemeClr val="tx1"/>
-                </a:solidFill>
-                <a:effectLst/>
-                <a:latin typeface="Segoe UI Light" pitchFamily="34" charset="0"/>
-                <a:ea typeface="+mn-ea"/>
-                <a:cs typeface="+mn-cs"/>
-              </a:rPr>
-              <a:t>SPComponentLoader</a:t>
-            </a:r>
+              <a:t>If your custom component works with data from Microsoft Graph or another external API, you should consider adding logic that detects if the web part is running in the local workbench or in a real SharePoint environment. In the case where it is running in the local workbench, you can return mock data instead of calling the external APIs.</a:t>
+            </a:r>
+          </a:p>
+          <a:p>
+            <a:endParaRPr lang="en-US" sz="900" b="0" i="0" kern="1200" dirty="0">
+              <a:solidFill>
+                <a:schemeClr val="tx1"/>
+              </a:solidFill>
+              <a:effectLst/>
+              <a:latin typeface="Segoe UI Light" pitchFamily="34" charset="0"/>
+              <a:ea typeface="+mn-ea"/>
+              <a:cs typeface="+mn-cs"/>
+            </a:endParaRPr>
+          </a:p>
+          <a:p>
             <a:r>
               <a:rPr lang="en-US" sz="900" b="0" i="0" kern="1200" dirty="0">
                 <a:solidFill>
@@ -2207,19 +1508,19 @@
                 <a:ea typeface="+mn-ea"/>
                 <a:cs typeface="+mn-cs"/>
               </a:rPr>
-              <a:t> is wrapped in the </a:t>
-            </a:r>
-            <a:r>
-              <a:rPr lang="en-US" b="1" dirty="0"/>
-              <a:t>if (!</a:t>
-            </a:r>
-            <a:r>
-              <a:rPr lang="en-US" b="1" dirty="0" err="1"/>
-              <a:t>this.renderedOnce</a:t>
-            </a:r>
-            <a:r>
-              <a:rPr lang="en-US" b="1" dirty="0"/>
-              <a:t>)</a:t>
+              <a:t>To do this, you need to use the SharePoint Framework API to detect the current environment. To check for the current environment, import the `Environment` object and the `</a:t>
+            </a:r>
+            <a:r>
+              <a:rPr lang="en-US" sz="900" b="0" i="0" kern="1200" dirty="0" err="1">
+                <a:solidFill>
+                  <a:schemeClr val="tx1"/>
+                </a:solidFill>
+                <a:effectLst/>
+                <a:latin typeface="Segoe UI Light" pitchFamily="34" charset="0"/>
+                <a:ea typeface="+mn-ea"/>
+                <a:cs typeface="+mn-cs"/>
+              </a:rPr>
+              <a:t>EnvironmentType</a:t>
             </a:r>
             <a:r>
               <a:rPr lang="en-US" sz="900" b="0" i="0" kern="1200" dirty="0">
@@ -2231,11 +1532,19 @@
                 <a:ea typeface="+mn-ea"/>
                 <a:cs typeface="+mn-cs"/>
               </a:rPr>
-              <a:t> clause. The </a:t>
-            </a:r>
-            <a:r>
-              <a:rPr lang="en-US" dirty="0"/>
-              <a:t>render </a:t>
+              <a:t>` enumeration from the **@</a:t>
+            </a:r>
+            <a:r>
+              <a:rPr lang="en-US" sz="900" b="0" i="0" kern="1200" dirty="0" err="1">
+                <a:solidFill>
+                  <a:schemeClr val="tx1"/>
+                </a:solidFill>
+                <a:effectLst/>
+                <a:latin typeface="Segoe UI Light" pitchFamily="34" charset="0"/>
+                <a:ea typeface="+mn-ea"/>
+                <a:cs typeface="+mn-cs"/>
+              </a:rPr>
+              <a:t>microsoft</a:t>
             </a:r>
             <a:r>
               <a:rPr lang="en-US" sz="900" b="0" i="0" kern="1200" dirty="0">
@@ -2247,10 +1556,10 @@
                 <a:ea typeface="+mn-ea"/>
                 <a:cs typeface="+mn-cs"/>
               </a:rPr>
-              <a:t>function of Client-Side Web Parts is called initially whenever a web part is added to the page, but also every time a web part property is changed in the Property Pane. Because we only want to load the scripts with the </a:t>
-            </a:r>
-            <a:r>
-              <a:rPr lang="en-US" sz="900" b="1" i="0" kern="1200" dirty="0" err="1">
+              <a:t>/</a:t>
+            </a:r>
+            <a:r>
+              <a:rPr lang="en-US" sz="900" b="0" i="0" kern="1200" dirty="0" err="1">
                 <a:solidFill>
                   <a:schemeClr val="tx1"/>
                 </a:solidFill>
@@ -2259,7 +1568,7 @@
                 <a:ea typeface="+mn-ea"/>
                 <a:cs typeface="+mn-cs"/>
               </a:rPr>
-              <a:t>SPComponentLoader</a:t>
+              <a:t>sp</a:t>
             </a:r>
             <a:r>
               <a:rPr lang="en-US" sz="900" b="0" i="0" kern="1200" dirty="0">
@@ -2271,12 +1580,21 @@
                 <a:ea typeface="+mn-ea"/>
                 <a:cs typeface="+mn-cs"/>
               </a:rPr>
-              <a:t> one time, we use the </a:t>
-            </a:r>
-            <a:r>
-              <a:rPr lang="en-US" dirty="0" err="1"/>
-              <a:t>renderedOnce</a:t>
-            </a:r>
+              <a:t>-core-library** package:</a:t>
+            </a:r>
+          </a:p>
+          <a:p>
+            <a:endParaRPr lang="en-US" sz="900" b="0" i="0" kern="1200" dirty="0">
+              <a:solidFill>
+                <a:schemeClr val="tx1"/>
+              </a:solidFill>
+              <a:effectLst/>
+              <a:latin typeface="Segoe UI Light" pitchFamily="34" charset="0"/>
+              <a:ea typeface="+mn-ea"/>
+              <a:cs typeface="+mn-cs"/>
+            </a:endParaRPr>
+          </a:p>
+          <a:p>
             <a:r>
               <a:rPr lang="en-US" sz="900" b="0" i="0" kern="1200" dirty="0">
                 <a:solidFill>
@@ -2287,7 +1605,31 @@
                 <a:ea typeface="+mn-ea"/>
                 <a:cs typeface="+mn-cs"/>
               </a:rPr>
-              <a:t> property to verify that the Web Part is rendering initially and then load the required modules.</a:t>
+              <a:t>The `</a:t>
+            </a:r>
+            <a:r>
+              <a:rPr lang="en-US" sz="900" b="0" i="0" kern="1200" dirty="0" err="1">
+                <a:solidFill>
+                  <a:schemeClr val="tx1"/>
+                </a:solidFill>
+                <a:effectLst/>
+                <a:latin typeface="Segoe UI Light" pitchFamily="34" charset="0"/>
+                <a:ea typeface="+mn-ea"/>
+                <a:cs typeface="+mn-cs"/>
+              </a:rPr>
+              <a:t>EnvironmentType</a:t>
+            </a:r>
+            <a:r>
+              <a:rPr lang="en-US" sz="900" b="0" i="0" kern="1200" dirty="0">
+                <a:solidFill>
+                  <a:schemeClr val="tx1"/>
+                </a:solidFill>
+                <a:effectLst/>
+                <a:latin typeface="Segoe UI Light" pitchFamily="34" charset="0"/>
+                <a:ea typeface="+mn-ea"/>
+                <a:cs typeface="+mn-cs"/>
+              </a:rPr>
+              <a:t>` enumeration has the following options:</a:t>
             </a:r>
           </a:p>
           <a:p>
@@ -2312,20 +1654,10 @@
                 <a:ea typeface="+mn-ea"/>
                 <a:cs typeface="+mn-cs"/>
               </a:rPr>
-              <a:t>When loading jQuery using the </a:t>
-            </a:r>
-            <a:r>
-              <a:rPr lang="en-US" sz="900" b="1" i="0" kern="1200" dirty="0" err="1">
-                <a:solidFill>
-                  <a:schemeClr val="tx1"/>
-                </a:solidFill>
-                <a:effectLst/>
-                <a:latin typeface="Segoe UI Light" pitchFamily="34" charset="0"/>
-                <a:ea typeface="+mn-ea"/>
-                <a:cs typeface="+mn-cs"/>
-              </a:rPr>
-              <a:t>SPComponentLoader</a:t>
-            </a:r>
+              <a:t>- **Local**: indicates the component is running in the local workbench</a:t>
+            </a:r>
+          </a:p>
+          <a:p>
             <a:r>
               <a:rPr lang="en-US" sz="900" b="0" i="0" kern="1200" dirty="0">
                 <a:solidFill>
@@ -2336,10 +1668,10 @@
                 <a:ea typeface="+mn-ea"/>
                 <a:cs typeface="+mn-cs"/>
               </a:rPr>
-              <a:t> we load it as a global script associated with the </a:t>
-            </a:r>
-            <a:r>
-              <a:rPr lang="en-US" sz="900" b="1" i="0" kern="1200" dirty="0">
+              <a:t>- **</a:t>
+            </a:r>
+            <a:r>
+              <a:rPr lang="en-US" sz="900" b="0" i="0" kern="1200" dirty="0" err="1">
                 <a:solidFill>
                   <a:schemeClr val="tx1"/>
                 </a:solidFill>
@@ -2348,7 +1680,7 @@
                 <a:ea typeface="+mn-ea"/>
                 <a:cs typeface="+mn-cs"/>
               </a:rPr>
-              <a:t>jQuery</a:t>
+              <a:t>ClassicSharePoint</a:t>
             </a:r>
             <a:r>
               <a:rPr lang="en-US" sz="900" b="0" i="0" kern="1200" dirty="0">
@@ -2360,7 +1692,7 @@
                 <a:ea typeface="+mn-ea"/>
                 <a:cs typeface="+mn-cs"/>
               </a:rPr>
-              <a:t> variable. Also, as we're loading the Simple Weather jQuery plugin we need the global variable which the plugin is using to add itself to jQuery. Because the plugin is not an AMD module, the jQuery variable must be available in the global scope.</a:t>
+              <a:t>**: indicates the component is running on a classic page in a real SharePoint environment</a:t>
             </a:r>
           </a:p>
           <a:p>
@@ -2374,20 +1706,10 @@
                 <a:ea typeface="+mn-ea"/>
                 <a:cs typeface="+mn-cs"/>
               </a:rPr>
-              <a:t>Also note, that after loading jQuery and before loading the Simple Weather plugin, we store the reference to jQuery in the </a:t>
-            </a:r>
-            <a:r>
-              <a:rPr lang="en-US" sz="900" b="1" i="0" kern="1200" dirty="0" err="1">
-                <a:solidFill>
-                  <a:schemeClr val="tx1"/>
-                </a:solidFill>
-                <a:effectLst/>
-                <a:latin typeface="Segoe UI Light" pitchFamily="34" charset="0"/>
-                <a:ea typeface="+mn-ea"/>
-                <a:cs typeface="+mn-cs"/>
-              </a:rPr>
-              <a:t>this.jQuery</a:t>
-            </a:r>
+              <a:t>- **SharePoint**: indicates the component is running on a modern page in a real SharePoint environment (*includes the SharePoint-hosted workbench*)</a:t>
+            </a:r>
+          </a:p>
+          <a:p>
             <a:r>
               <a:rPr lang="en-US" sz="900" b="0" i="0" kern="1200" dirty="0">
                 <a:solidFill>
@@ -2398,35 +1720,8 @@
                 <a:ea typeface="+mn-ea"/>
                 <a:cs typeface="+mn-cs"/>
               </a:rPr>
-              <a:t> variable. We we will need it in our custom </a:t>
-            </a:r>
-            <a:r>
-              <a:rPr lang="en-US" sz="900" b="1" i="0" kern="1200" dirty="0" err="1">
-                <a:solidFill>
-                  <a:schemeClr val="tx1"/>
-                </a:solidFill>
-                <a:effectLst/>
-                <a:latin typeface="Segoe UI Light" pitchFamily="34" charset="0"/>
-                <a:ea typeface="+mn-ea"/>
-                <a:cs typeface="+mn-cs"/>
-              </a:rPr>
-              <a:t>renderContents</a:t>
-            </a:r>
-            <a:r>
-              <a:rPr lang="en-US" sz="900" b="0" i="0" kern="1200" dirty="0">
-                <a:solidFill>
-                  <a:schemeClr val="tx1"/>
-                </a:solidFill>
-                <a:effectLst/>
-                <a:latin typeface="Segoe UI Light" pitchFamily="34" charset="0"/>
-                <a:ea typeface="+mn-ea"/>
-                <a:cs typeface="+mn-cs"/>
-              </a:rPr>
-              <a:t> function to instantiate the Simple Weather plugin in the Web Part.</a:t>
-            </a:r>
-          </a:p>
-          <a:p>
-            <a:endParaRPr lang="en-US" dirty="0"/>
+              <a:t>- **Test**: indicates the component is running in a test harness</a:t>
+            </a:r>
           </a:p>
         </p:txBody>
       </p:sp>
@@ -2525,7 +1820,7 @@
             <a:fld id="{B4008EB6-D09E-4580-8CD6-DDB14511944F}" type="slidenum">
               <a:rPr lang="en-US" smtClean="0"/>
               <a:pPr/>
-              <a:t>17</a:t>
+              <a:t>13</a:t>
             </a:fld>
             <a:endParaRPr lang="en-US" dirty="0"/>
           </a:p>
@@ -2534,7 +1829,7 @@
     </p:spTree>
     <p:extLst>
       <p:ext uri="{BB962C8B-B14F-4D97-AF65-F5344CB8AC3E}">
-        <p14:creationId xmlns:p14="http://schemas.microsoft.com/office/powerpoint/2010/main" val="524509501"/>
+        <p14:creationId xmlns:p14="http://schemas.microsoft.com/office/powerpoint/2010/main" val="2465334039"/>
       </p:ext>
     </p:extLst>
   </p:cSld>
@@ -2588,7 +1883,40 @@
           <a:bodyPr/>
           <a:lstStyle/>
           <a:p>
-            <a:endParaRPr lang="en-US"/>
+            <a:r>
+              <a:rPr lang="en-US" sz="900" b="0" kern="1200" dirty="0">
+                <a:solidFill>
+                  <a:schemeClr val="tx1"/>
+                </a:solidFill>
+                <a:effectLst/>
+                <a:latin typeface="Segoe UI Light" pitchFamily="34" charset="0"/>
+                <a:ea typeface="+mn-ea"/>
+                <a:cs typeface="+mn-cs"/>
+              </a:rPr>
+              <a:t>The following figure shows a web part running in the local workbench on the left, and another running in a real SharePoint environment on the right:</a:t>
+            </a:r>
+          </a:p>
+          <a:p>
+            <a:br>
+              <a:rPr lang="en-US" sz="900" b="0" kern="1200" dirty="0">
+                <a:solidFill>
+                  <a:schemeClr val="tx1"/>
+                </a:solidFill>
+                <a:effectLst/>
+                <a:latin typeface="Segoe UI Light" pitchFamily="34" charset="0"/>
+                <a:ea typeface="+mn-ea"/>
+                <a:cs typeface="+mn-cs"/>
+              </a:rPr>
+            </a:br>
+            <a:endParaRPr lang="en-US" sz="900" b="0" kern="1200" dirty="0">
+              <a:solidFill>
+                <a:schemeClr val="tx1"/>
+              </a:solidFill>
+              <a:effectLst/>
+              <a:latin typeface="Segoe UI Light" pitchFamily="34" charset="0"/>
+              <a:ea typeface="+mn-ea"/>
+              <a:cs typeface="+mn-cs"/>
+            </a:endParaRPr>
           </a:p>
         </p:txBody>
       </p:sp>
@@ -2607,6 +1935,10 @@
           <a:bodyPr/>
           <a:lstStyle/>
           <a:p>
+            <a:r>
+              <a:rPr lang="en-US"/>
+              <a:t>SharePoint</a:t>
+            </a:r>
             <a:endParaRPr lang="en-US" dirty="0"/>
           </a:p>
         </p:txBody>
@@ -2626,7 +1958,7 @@
           <a:bodyPr/>
           <a:lstStyle/>
           <a:p>
-            <a:pPr defTabSz="914099" eaLnBrk="0" hangingPunct="0"/>
+            <a:pPr defTabSz="924154" eaLnBrk="0" hangingPunct="0"/>
             <a:r>
               <a:rPr lang="en-US" sz="400">
                 <a:gradFill>
@@ -2644,7 +1976,7 @@
                 <a:ea typeface="Segoe UI" pitchFamily="34" charset="0"/>
                 <a:cs typeface="Segoe UI" pitchFamily="34" charset="0"/>
               </a:rPr>
-              <a:t>© Microsoft Corporation. All rights reserved. MICROSOFT MAKES NO WARRANTIES, EXPRESS, IMPLIED OR STATUTORY, AS TO THE INFORMATION IN THIS PRESENTATION.</a:t>
+              <a:t>© 2016 Microsoft Corporation. All rights reserved. MICROSOFT MAKES NO WARRANTIES, EXPRESS, IMPLIED OR STATUTORY, AS TO THE INFORMATION IN THIS PRESENTATION.</a:t>
             </a:r>
             <a:endParaRPr lang="en-US" sz="400" dirty="0">
               <a:gradFill>
@@ -2667,35 +1999,12 @@
       </p:sp>
       <p:sp>
         <p:nvSpPr>
-          <p:cNvPr id="6" name="Date Placeholder 5"/>
+          <p:cNvPr id="6" name="Slide Number Placeholder 5"/>
           <p:cNvSpPr>
             <a:spLocks noGrp="1"/>
           </p:cNvSpPr>
           <p:nvPr>
-            <p:ph type="dt" idx="12"/>
-          </p:nvPr>
-        </p:nvSpPr>
-        <p:spPr/>
-        <p:txBody>
-          <a:bodyPr/>
-          <a:lstStyle/>
-          <a:p>
-            <a:fld id="{D18B56EA-E28F-4F92-9F16-7A6F2501B303}" type="datetime8">
-              <a:rPr lang="en-US" smtClean="0"/>
-              <a:t>8/25/2019 9:56 PM</a:t>
-            </a:fld>
-            <a:endParaRPr lang="en-US" dirty="0"/>
-          </a:p>
-        </p:txBody>
-      </p:sp>
-      <p:sp>
-        <p:nvSpPr>
-          <p:cNvPr id="7" name="Slide Number Placeholder 6"/>
-          <p:cNvSpPr>
-            <a:spLocks noGrp="1"/>
-          </p:cNvSpPr>
-          <p:nvPr>
-            <p:ph type="sldNum" sz="quarter" idx="13"/>
+            <p:ph type="sldNum" sz="quarter" idx="12"/>
           </p:nvPr>
         </p:nvSpPr>
         <p:spPr/>
@@ -2706,7 +2015,7 @@
             <a:fld id="{B4008EB6-D09E-4580-8CD6-DDB14511944F}" type="slidenum">
               <a:rPr lang="en-US" smtClean="0"/>
               <a:pPr/>
-              <a:t>18</a:t>
+              <a:t>14</a:t>
             </a:fld>
             <a:endParaRPr lang="en-US" dirty="0"/>
           </a:p>
@@ -2715,7 +2024,7 @@
     </p:spTree>
     <p:extLst>
       <p:ext uri="{BB962C8B-B14F-4D97-AF65-F5344CB8AC3E}">
-        <p14:creationId xmlns:p14="http://schemas.microsoft.com/office/powerpoint/2010/main" val="3194793939"/>
+        <p14:creationId xmlns:p14="http://schemas.microsoft.com/office/powerpoint/2010/main" val="1812727307"/>
       </p:ext>
     </p:extLst>
   </p:cSld>
@@ -2769,7 +2078,238 @@
           <a:bodyPr/>
           <a:lstStyle/>
           <a:p>
-            <a:endParaRPr lang="en-US"/>
+            <a:r>
+              <a:rPr lang="en-US" sz="900" b="0" i="0" kern="1200" dirty="0">
+                <a:solidFill>
+                  <a:schemeClr val="tx1"/>
+                </a:solidFill>
+                <a:effectLst/>
+                <a:latin typeface="Segoe UI Light" pitchFamily="34" charset="0"/>
+                <a:ea typeface="+mn-ea"/>
+                <a:cs typeface="+mn-cs"/>
+              </a:rPr>
+              <a:t>Logging is a very convenient and easy way to keep track of events happening in the web part. The SharePoint Framework has a built-in logging mechanism.</a:t>
+            </a:r>
+          </a:p>
+          <a:p>
+            <a:endParaRPr lang="en-US" sz="900" b="0" i="0" kern="1200" dirty="0">
+              <a:solidFill>
+                <a:schemeClr val="tx1"/>
+              </a:solidFill>
+              <a:effectLst/>
+              <a:latin typeface="Segoe UI Light" pitchFamily="34" charset="0"/>
+              <a:ea typeface="+mn-ea"/>
+              <a:cs typeface="+mn-cs"/>
+            </a:endParaRPr>
+          </a:p>
+          <a:p>
+            <a:r>
+              <a:rPr lang="en-US" sz="900" b="0" i="0" kern="1200" dirty="0">
+                <a:solidFill>
+                  <a:schemeClr val="tx1"/>
+                </a:solidFill>
+                <a:effectLst/>
+                <a:latin typeface="Segoe UI Light" pitchFamily="34" charset="0"/>
+                <a:ea typeface="+mn-ea"/>
+                <a:cs typeface="+mn-cs"/>
+              </a:rPr>
+              <a:t>The `Log` class contains four static methods for logging:</a:t>
+            </a:r>
+          </a:p>
+          <a:p>
+            <a:endParaRPr lang="en-US" sz="900" b="0" i="0" kern="1200" dirty="0">
+              <a:solidFill>
+                <a:schemeClr val="tx1"/>
+              </a:solidFill>
+              <a:effectLst/>
+              <a:latin typeface="Segoe UI Light" pitchFamily="34" charset="0"/>
+              <a:ea typeface="+mn-ea"/>
+              <a:cs typeface="+mn-cs"/>
+            </a:endParaRPr>
+          </a:p>
+          <a:p>
+            <a:r>
+              <a:rPr lang="en-US" sz="900" b="0" i="0" kern="1200" dirty="0">
+                <a:solidFill>
+                  <a:schemeClr val="tx1"/>
+                </a:solidFill>
+                <a:effectLst/>
+                <a:latin typeface="Segoe UI Light" pitchFamily="34" charset="0"/>
+                <a:ea typeface="+mn-ea"/>
+                <a:cs typeface="+mn-cs"/>
+              </a:rPr>
+              <a:t>- **info**: log information</a:t>
+            </a:r>
+          </a:p>
+          <a:p>
+            <a:r>
+              <a:rPr lang="en-US" sz="900" b="0" i="0" kern="1200" dirty="0">
+                <a:solidFill>
+                  <a:schemeClr val="tx1"/>
+                </a:solidFill>
+                <a:effectLst/>
+                <a:latin typeface="Segoe UI Light" pitchFamily="34" charset="0"/>
+                <a:ea typeface="+mn-ea"/>
+                <a:cs typeface="+mn-cs"/>
+              </a:rPr>
+              <a:t>- **warn**: log warnings</a:t>
+            </a:r>
+          </a:p>
+          <a:p>
+            <a:r>
+              <a:rPr lang="en-US" sz="900" b="0" i="0" kern="1200" dirty="0">
+                <a:solidFill>
+                  <a:schemeClr val="tx1"/>
+                </a:solidFill>
+                <a:effectLst/>
+                <a:latin typeface="Segoe UI Light" pitchFamily="34" charset="0"/>
+                <a:ea typeface="+mn-ea"/>
+                <a:cs typeface="+mn-cs"/>
+              </a:rPr>
+              <a:t>- **error**: log errors</a:t>
+            </a:r>
+          </a:p>
+          <a:p>
+            <a:r>
+              <a:rPr lang="en-US" sz="900" b="0" i="0" kern="1200" dirty="0">
+                <a:solidFill>
+                  <a:schemeClr val="tx1"/>
+                </a:solidFill>
+                <a:effectLst/>
+                <a:latin typeface="Segoe UI Light" pitchFamily="34" charset="0"/>
+                <a:ea typeface="+mn-ea"/>
+                <a:cs typeface="+mn-cs"/>
+              </a:rPr>
+              <a:t>- **verbose**: log everything</a:t>
+            </a:r>
+          </a:p>
+          <a:p>
+            <a:endParaRPr lang="en-US" sz="900" b="0" i="0" kern="1200" dirty="0">
+              <a:solidFill>
+                <a:schemeClr val="tx1"/>
+              </a:solidFill>
+              <a:effectLst/>
+              <a:latin typeface="Segoe UI Light" pitchFamily="34" charset="0"/>
+              <a:ea typeface="+mn-ea"/>
+              <a:cs typeface="+mn-cs"/>
+            </a:endParaRPr>
+          </a:p>
+          <a:p>
+            <a:r>
+              <a:rPr lang="en-US" sz="900" b="0" i="0" kern="1200" dirty="0">
+                <a:solidFill>
+                  <a:schemeClr val="tx1"/>
+                </a:solidFill>
+                <a:effectLst/>
+                <a:latin typeface="Segoe UI Light" pitchFamily="34" charset="0"/>
+                <a:ea typeface="+mn-ea"/>
+                <a:cs typeface="+mn-cs"/>
+              </a:rPr>
+              <a:t>In the SharePoint Framework, all logging is written to the JavaScript console. You can see the logging messages using the developer tools in a web browser.</a:t>
+            </a:r>
+          </a:p>
+          <a:p>
+            <a:endParaRPr lang="en-US" sz="900" b="0" i="0" kern="1200" dirty="0">
+              <a:solidFill>
+                <a:schemeClr val="tx1"/>
+              </a:solidFill>
+              <a:effectLst/>
+              <a:latin typeface="Segoe UI Light" pitchFamily="34" charset="0"/>
+              <a:ea typeface="+mn-ea"/>
+              <a:cs typeface="+mn-cs"/>
+            </a:endParaRPr>
+          </a:p>
+          <a:p>
+            <a:r>
+              <a:rPr lang="en-US" sz="900" b="0" i="0" kern="1200" dirty="0">
+                <a:solidFill>
+                  <a:schemeClr val="tx1"/>
+                </a:solidFill>
+                <a:effectLst/>
+                <a:latin typeface="Segoe UI Light" pitchFamily="34" charset="0"/>
+                <a:ea typeface="+mn-ea"/>
+                <a:cs typeface="+mn-cs"/>
+              </a:rPr>
+              <a:t>All static methods have the same signature, except the error method - they take three arguments:</a:t>
+            </a:r>
+          </a:p>
+          <a:p>
+            <a:endParaRPr lang="en-US" sz="900" b="0" i="0" kern="1200" dirty="0">
+              <a:solidFill>
+                <a:schemeClr val="tx1"/>
+              </a:solidFill>
+              <a:effectLst/>
+              <a:latin typeface="Segoe UI Light" pitchFamily="34" charset="0"/>
+              <a:ea typeface="+mn-ea"/>
+              <a:cs typeface="+mn-cs"/>
+            </a:endParaRPr>
+          </a:p>
+          <a:p>
+            <a:r>
+              <a:rPr lang="en-US" sz="900" b="0" i="0" kern="1200" dirty="0">
+                <a:solidFill>
+                  <a:schemeClr val="tx1"/>
+                </a:solidFill>
+                <a:effectLst/>
+                <a:latin typeface="Segoe UI Light" pitchFamily="34" charset="0"/>
+                <a:ea typeface="+mn-ea"/>
+                <a:cs typeface="+mn-cs"/>
+              </a:rPr>
+              <a:t>- **source**: the source of the logging information (*max 20 characters*), such as the method or the class name</a:t>
+            </a:r>
+          </a:p>
+          <a:p>
+            <a:r>
+              <a:rPr lang="en-US" sz="900" b="0" i="0" kern="1200" dirty="0">
+                <a:solidFill>
+                  <a:schemeClr val="tx1"/>
+                </a:solidFill>
+                <a:effectLst/>
+                <a:latin typeface="Segoe UI Light" pitchFamily="34" charset="0"/>
+                <a:ea typeface="+mn-ea"/>
+                <a:cs typeface="+mn-cs"/>
+              </a:rPr>
+              <a:t>- **message**: the actual message to log (*max 100 characters*)</a:t>
+            </a:r>
+          </a:p>
+          <a:p>
+            <a:r>
+              <a:rPr lang="en-US" sz="900" b="0" i="0" kern="1200" dirty="0">
+                <a:solidFill>
+                  <a:schemeClr val="tx1"/>
+                </a:solidFill>
+                <a:effectLst/>
+                <a:latin typeface="Segoe UI Light" pitchFamily="34" charset="0"/>
+                <a:ea typeface="+mn-ea"/>
+                <a:cs typeface="+mn-cs"/>
+              </a:rPr>
+              <a:t>- **scope**: an optional service scope</a:t>
+            </a:r>
+          </a:p>
+          <a:p>
+            <a:endParaRPr lang="en-US" sz="900" b="0" i="0" kern="1200" dirty="0">
+              <a:solidFill>
+                <a:schemeClr val="tx1"/>
+              </a:solidFill>
+              <a:effectLst/>
+              <a:latin typeface="Segoe UI Light" pitchFamily="34" charset="0"/>
+              <a:ea typeface="+mn-ea"/>
+              <a:cs typeface="+mn-cs"/>
+            </a:endParaRPr>
+          </a:p>
+          <a:p>
+            <a:r>
+              <a:rPr lang="en-US" sz="900" b="0" i="0" kern="1200" dirty="0">
+                <a:solidFill>
+                  <a:schemeClr val="tx1"/>
+                </a:solidFill>
+                <a:effectLst/>
+                <a:latin typeface="Segoe UI Light" pitchFamily="34" charset="0"/>
+                <a:ea typeface="+mn-ea"/>
+                <a:cs typeface="+mn-cs"/>
+              </a:rPr>
+              <a:t>The error method takes an `Error` object instead of the message string, otherwise they are the same.</a:t>
+            </a:r>
           </a:p>
         </p:txBody>
       </p:sp>
@@ -2788,6 +2328,10 @@
           <a:bodyPr/>
           <a:lstStyle/>
           <a:p>
+            <a:r>
+              <a:rPr lang="en-US"/>
+              <a:t>SharePoint</a:t>
+            </a:r>
             <a:endParaRPr lang="en-US" dirty="0"/>
           </a:p>
         </p:txBody>
@@ -2807,7 +2351,7 @@
           <a:bodyPr/>
           <a:lstStyle/>
           <a:p>
-            <a:pPr defTabSz="914099" eaLnBrk="0" hangingPunct="0"/>
+            <a:pPr defTabSz="924154" eaLnBrk="0" hangingPunct="0"/>
             <a:r>
               <a:rPr lang="en-US" sz="400">
                 <a:gradFill>
@@ -2825,7 +2369,7 @@
                 <a:ea typeface="Segoe UI" pitchFamily="34" charset="0"/>
                 <a:cs typeface="Segoe UI" pitchFamily="34" charset="0"/>
               </a:rPr>
-              <a:t>© Microsoft Corporation. All rights reserved. MICROSOFT MAKES NO WARRANTIES, EXPRESS, IMPLIED OR STATUTORY, AS TO THE INFORMATION IN THIS PRESENTATION.</a:t>
+              <a:t>© 2016 Microsoft Corporation. All rights reserved. MICROSOFT MAKES NO WARRANTIES, EXPRESS, IMPLIED OR STATUTORY, AS TO THE INFORMATION IN THIS PRESENTATION.</a:t>
             </a:r>
             <a:endParaRPr lang="en-US" sz="400" dirty="0">
               <a:gradFill>
@@ -2848,35 +2392,12 @@
       </p:sp>
       <p:sp>
         <p:nvSpPr>
-          <p:cNvPr id="6" name="Date Placeholder 5"/>
+          <p:cNvPr id="6" name="Slide Number Placeholder 5"/>
           <p:cNvSpPr>
             <a:spLocks noGrp="1"/>
           </p:cNvSpPr>
           <p:nvPr>
-            <p:ph type="dt" idx="12"/>
-          </p:nvPr>
-        </p:nvSpPr>
-        <p:spPr/>
-        <p:txBody>
-          <a:bodyPr/>
-          <a:lstStyle/>
-          <a:p>
-            <a:fld id="{D18B56EA-E28F-4F92-9F16-7A6F2501B303}" type="datetime8">
-              <a:rPr lang="en-US" smtClean="0"/>
-              <a:t>8/25/2019 9:56 PM</a:t>
-            </a:fld>
-            <a:endParaRPr lang="en-US" dirty="0"/>
-          </a:p>
-        </p:txBody>
-      </p:sp>
-      <p:sp>
-        <p:nvSpPr>
-          <p:cNvPr id="7" name="Slide Number Placeholder 6"/>
-          <p:cNvSpPr>
-            <a:spLocks noGrp="1"/>
-          </p:cNvSpPr>
-          <p:nvPr>
-            <p:ph type="sldNum" sz="quarter" idx="13"/>
+            <p:ph type="sldNum" sz="quarter" idx="12"/>
           </p:nvPr>
         </p:nvSpPr>
         <p:spPr/>
@@ -2887,7 +2408,7 @@
             <a:fld id="{B4008EB6-D09E-4580-8CD6-DDB14511944F}" type="slidenum">
               <a:rPr lang="en-US" smtClean="0"/>
               <a:pPr/>
-              <a:t>20</a:t>
+              <a:t>15</a:t>
             </a:fld>
             <a:endParaRPr lang="en-US" dirty="0"/>
           </a:p>
@@ -2896,7 +2417,7 @@
     </p:spTree>
     <p:extLst>
       <p:ext uri="{BB962C8B-B14F-4D97-AF65-F5344CB8AC3E}">
-        <p14:creationId xmlns:p14="http://schemas.microsoft.com/office/powerpoint/2010/main" val="2510823477"/>
+        <p14:creationId xmlns:p14="http://schemas.microsoft.com/office/powerpoint/2010/main" val="3428289797"/>
       </p:ext>
     </p:extLst>
   </p:cSld>
@@ -2950,6 +2471,894 @@
           <a:bodyPr/>
           <a:lstStyle/>
           <a:p>
+            <a:r>
+              <a:rPr lang="en-US" sz="900" b="0" i="0" kern="1200" dirty="0">
+                <a:solidFill>
+                  <a:schemeClr val="tx1"/>
+                </a:solidFill>
+                <a:effectLst/>
+                <a:latin typeface="Segoe UI Light" pitchFamily="34" charset="0"/>
+                <a:ea typeface="+mn-ea"/>
+                <a:cs typeface="+mn-cs"/>
+              </a:rPr>
+              <a:t>To use the SharePoint Framework logging infrastructure, import the `Log` object from the **@</a:t>
+            </a:r>
+            <a:r>
+              <a:rPr lang="en-US" sz="900" b="0" i="0" kern="1200" dirty="0" err="1">
+                <a:solidFill>
+                  <a:schemeClr val="tx1"/>
+                </a:solidFill>
+                <a:effectLst/>
+                <a:latin typeface="Segoe UI Light" pitchFamily="34" charset="0"/>
+                <a:ea typeface="+mn-ea"/>
+                <a:cs typeface="+mn-cs"/>
+              </a:rPr>
+              <a:t>microsoft</a:t>
+            </a:r>
+            <a:r>
+              <a:rPr lang="en-US" sz="900" b="0" i="0" kern="1200" dirty="0">
+                <a:solidFill>
+                  <a:schemeClr val="tx1"/>
+                </a:solidFill>
+                <a:effectLst/>
+                <a:latin typeface="Segoe UI Light" pitchFamily="34" charset="0"/>
+                <a:ea typeface="+mn-ea"/>
+                <a:cs typeface="+mn-cs"/>
+              </a:rPr>
+              <a:t>/</a:t>
+            </a:r>
+            <a:r>
+              <a:rPr lang="en-US" sz="900" b="0" i="0" kern="1200" dirty="0" err="1">
+                <a:solidFill>
+                  <a:schemeClr val="tx1"/>
+                </a:solidFill>
+                <a:effectLst/>
+                <a:latin typeface="Segoe UI Light" pitchFamily="34" charset="0"/>
+                <a:ea typeface="+mn-ea"/>
+                <a:cs typeface="+mn-cs"/>
+              </a:rPr>
+              <a:t>sp</a:t>
+            </a:r>
+            <a:r>
+              <a:rPr lang="en-US" sz="900" b="0" i="0" kern="1200" dirty="0">
+                <a:solidFill>
+                  <a:schemeClr val="tx1"/>
+                </a:solidFill>
+                <a:effectLst/>
+                <a:latin typeface="Segoe UI Light" pitchFamily="34" charset="0"/>
+                <a:ea typeface="+mn-ea"/>
+                <a:cs typeface="+mn-cs"/>
+              </a:rPr>
+              <a:t>-core-library** package. Each of the methods will write a different type of logging message to the JavaScript console, as you can see here:</a:t>
+            </a:r>
+          </a:p>
+        </p:txBody>
+      </p:sp>
+      <p:sp>
+        <p:nvSpPr>
+          <p:cNvPr id="4" name="Header Placeholder 3"/>
+          <p:cNvSpPr>
+            <a:spLocks noGrp="1"/>
+          </p:cNvSpPr>
+          <p:nvPr>
+            <p:ph type="hdr" sz="quarter" idx="10"/>
+          </p:nvPr>
+        </p:nvSpPr>
+        <p:spPr/>
+        <p:txBody>
+          <a:bodyPr/>
+          <a:lstStyle/>
+          <a:p>
+            <a:r>
+              <a:rPr lang="en-US"/>
+              <a:t>SharePoint</a:t>
+            </a:r>
+            <a:endParaRPr lang="en-US" dirty="0"/>
+          </a:p>
+        </p:txBody>
+      </p:sp>
+      <p:sp>
+        <p:nvSpPr>
+          <p:cNvPr id="5" name="Footer Placeholder 4"/>
+          <p:cNvSpPr>
+            <a:spLocks noGrp="1"/>
+          </p:cNvSpPr>
+          <p:nvPr>
+            <p:ph type="ftr" sz="quarter" idx="11"/>
+          </p:nvPr>
+        </p:nvSpPr>
+        <p:spPr/>
+        <p:txBody>
+          <a:bodyPr/>
+          <a:lstStyle/>
+          <a:p>
+            <a:pPr defTabSz="924154" eaLnBrk="0" hangingPunct="0"/>
+            <a:r>
+              <a:rPr lang="en-US" sz="400">
+                <a:gradFill>
+                  <a:gsLst>
+                    <a:gs pos="0">
+                      <a:prstClr val="black"/>
+                    </a:gs>
+                    <a:gs pos="100000">
+                      <a:prstClr val="black"/>
+                    </a:gs>
+                  </a:gsLst>
+                  <a:lin ang="5400000" scaled="0"/>
+                </a:gradFill>
+                <a:latin typeface="Segoe UI" pitchFamily="34" charset="0"/>
+                <a:ea typeface="Segoe UI" pitchFamily="34" charset="0"/>
+                <a:cs typeface="Segoe UI" pitchFamily="34" charset="0"/>
+              </a:rPr>
+              <a:t>© 2016 Microsoft Corporation. All rights reserved. MICROSOFT MAKES NO WARRANTIES, EXPRESS, IMPLIED OR STATUTORY, AS TO THE INFORMATION IN THIS PRESENTATION.</a:t>
+            </a:r>
+            <a:endParaRPr lang="en-US" sz="400" dirty="0">
+              <a:gradFill>
+                <a:gsLst>
+                  <a:gs pos="0">
+                    <a:prstClr val="black"/>
+                  </a:gs>
+                  <a:gs pos="100000">
+                    <a:prstClr val="black"/>
+                  </a:gs>
+                </a:gsLst>
+                <a:lin ang="5400000" scaled="0"/>
+              </a:gradFill>
+              <a:latin typeface="Segoe UI" pitchFamily="34" charset="0"/>
+              <a:ea typeface="Segoe UI" pitchFamily="34" charset="0"/>
+              <a:cs typeface="Segoe UI" pitchFamily="34" charset="0"/>
+            </a:endParaRPr>
+          </a:p>
+        </p:txBody>
+      </p:sp>
+      <p:sp>
+        <p:nvSpPr>
+          <p:cNvPr id="6" name="Slide Number Placeholder 5"/>
+          <p:cNvSpPr>
+            <a:spLocks noGrp="1"/>
+          </p:cNvSpPr>
+          <p:nvPr>
+            <p:ph type="sldNum" sz="quarter" idx="12"/>
+          </p:nvPr>
+        </p:nvSpPr>
+        <p:spPr/>
+        <p:txBody>
+          <a:bodyPr/>
+          <a:lstStyle/>
+          <a:p>
+            <a:fld id="{B4008EB6-D09E-4580-8CD6-DDB14511944F}" type="slidenum">
+              <a:rPr lang="en-US" smtClean="0"/>
+              <a:pPr/>
+              <a:t>16</a:t>
+            </a:fld>
+            <a:endParaRPr lang="en-US" dirty="0"/>
+          </a:p>
+        </p:txBody>
+      </p:sp>
+    </p:spTree>
+    <p:extLst>
+      <p:ext uri="{BB962C8B-B14F-4D97-AF65-F5344CB8AC3E}">
+        <p14:creationId xmlns:p14="http://schemas.microsoft.com/office/powerpoint/2010/main" val="1170131775"/>
+      </p:ext>
+    </p:extLst>
+  </p:cSld>
+  <p:clrMapOvr>
+    <a:masterClrMapping/>
+  </p:clrMapOvr>
+</p:notes>
+</file>
+
+<file path=ppt/notesSlides/notesSlide16.xml><?xml version="1.0" encoding="utf-8"?>
+<p:notes xmlns:a="http://schemas.openxmlformats.org/drawingml/2006/main" xmlns:r="http://schemas.openxmlformats.org/officeDocument/2006/relationships" xmlns:p="http://schemas.openxmlformats.org/presentationml/2006/main">
+  <p:cSld>
+    <p:spTree>
+      <p:nvGrpSpPr>
+        <p:cNvPr id="1" name=""/>
+        <p:cNvGrpSpPr/>
+        <p:nvPr/>
+      </p:nvGrpSpPr>
+      <p:grpSpPr>
+        <a:xfrm>
+          <a:off x="0" y="0"/>
+          <a:ext cx="0" cy="0"/>
+          <a:chOff x="0" y="0"/>
+          <a:chExt cx="0" cy="0"/>
+        </a:xfrm>
+      </p:grpSpPr>
+      <p:sp>
+        <p:nvSpPr>
+          <p:cNvPr id="2" name="Slide Image Placeholder 1"/>
+          <p:cNvSpPr>
+            <a:spLocks noGrp="1" noRot="1" noChangeAspect="1"/>
+          </p:cNvSpPr>
+          <p:nvPr>
+            <p:ph type="sldImg"/>
+          </p:nvPr>
+        </p:nvSpPr>
+        <p:spPr/>
+      </p:sp>
+      <p:sp>
+        <p:nvSpPr>
+          <p:cNvPr id="3" name="Notes Placeholder 2"/>
+          <p:cNvSpPr>
+            <a:spLocks noGrp="1"/>
+          </p:cNvSpPr>
+          <p:nvPr>
+            <p:ph type="body" idx="1"/>
+          </p:nvPr>
+        </p:nvSpPr>
+        <p:spPr/>
+        <p:txBody>
+          <a:bodyPr/>
+          <a:lstStyle/>
+          <a:p>
+            <a:r>
+              <a:rPr lang="en-US" sz="900" b="0" kern="1200" dirty="0">
+                <a:solidFill>
+                  <a:schemeClr val="tx1"/>
+                </a:solidFill>
+                <a:effectLst/>
+                <a:latin typeface="Segoe UI Light" pitchFamily="34" charset="0"/>
+                <a:ea typeface="+mn-ea"/>
+                <a:cs typeface="+mn-cs"/>
+              </a:rPr>
+              <a:t>When your component needs to programmatically load an external JavaScript or CSS file, you can use the `</a:t>
+            </a:r>
+            <a:r>
+              <a:rPr lang="en-US" sz="900" b="0" kern="1200" dirty="0" err="1">
+                <a:solidFill>
+                  <a:schemeClr val="tx1"/>
+                </a:solidFill>
+                <a:effectLst/>
+                <a:latin typeface="Segoe UI Light" pitchFamily="34" charset="0"/>
+                <a:ea typeface="+mn-ea"/>
+                <a:cs typeface="+mn-cs"/>
+              </a:rPr>
+              <a:t>SPComponentLoader</a:t>
+            </a:r>
+            <a:r>
+              <a:rPr lang="en-US" sz="900" b="0" kern="1200" dirty="0">
+                <a:solidFill>
+                  <a:schemeClr val="tx1"/>
+                </a:solidFill>
+                <a:effectLst/>
+                <a:latin typeface="Segoe UI Light" pitchFamily="34" charset="0"/>
+                <a:ea typeface="+mn-ea"/>
+                <a:cs typeface="+mn-cs"/>
+              </a:rPr>
+              <a:t>` object. This object can be found in the </a:t>
+            </a:r>
+            <a:r>
+              <a:rPr lang="en-US" sz="900" b="1" kern="1200" dirty="0">
+                <a:solidFill>
+                  <a:schemeClr val="tx1"/>
+                </a:solidFill>
+                <a:effectLst/>
+                <a:latin typeface="Segoe UI Light" pitchFamily="34" charset="0"/>
+                <a:ea typeface="+mn-ea"/>
+                <a:cs typeface="+mn-cs"/>
+              </a:rPr>
+              <a:t>**@</a:t>
+            </a:r>
+            <a:r>
+              <a:rPr lang="en-US" sz="900" b="1" kern="1200" dirty="0" err="1">
+                <a:solidFill>
+                  <a:schemeClr val="tx1"/>
+                </a:solidFill>
+                <a:effectLst/>
+                <a:latin typeface="Segoe UI Light" pitchFamily="34" charset="0"/>
+                <a:ea typeface="+mn-ea"/>
+                <a:cs typeface="+mn-cs"/>
+              </a:rPr>
+              <a:t>microsoft</a:t>
+            </a:r>
+            <a:r>
+              <a:rPr lang="en-US" sz="900" b="1" kern="1200" dirty="0">
+                <a:solidFill>
+                  <a:schemeClr val="tx1"/>
+                </a:solidFill>
+                <a:effectLst/>
+                <a:latin typeface="Segoe UI Light" pitchFamily="34" charset="0"/>
+                <a:ea typeface="+mn-ea"/>
+                <a:cs typeface="+mn-cs"/>
+              </a:rPr>
+              <a:t>/</a:t>
+            </a:r>
+            <a:r>
+              <a:rPr lang="en-US" sz="900" b="1" kern="1200" dirty="0" err="1">
+                <a:solidFill>
+                  <a:schemeClr val="tx1"/>
+                </a:solidFill>
+                <a:effectLst/>
+                <a:latin typeface="Segoe UI Light" pitchFamily="34" charset="0"/>
+                <a:ea typeface="+mn-ea"/>
+                <a:cs typeface="+mn-cs"/>
+              </a:rPr>
+              <a:t>sp</a:t>
+            </a:r>
+            <a:r>
+              <a:rPr lang="en-US" sz="900" b="1" kern="1200" dirty="0">
+                <a:solidFill>
+                  <a:schemeClr val="tx1"/>
+                </a:solidFill>
+                <a:effectLst/>
+                <a:latin typeface="Segoe UI Light" pitchFamily="34" charset="0"/>
+                <a:ea typeface="+mn-ea"/>
+                <a:cs typeface="+mn-cs"/>
+              </a:rPr>
+              <a:t>-loader**</a:t>
+            </a:r>
+            <a:r>
+              <a:rPr lang="en-US" sz="900" b="0" kern="1200" dirty="0">
+                <a:solidFill>
+                  <a:schemeClr val="tx1"/>
+                </a:solidFill>
+                <a:effectLst/>
+                <a:latin typeface="Segoe UI Light" pitchFamily="34" charset="0"/>
+                <a:ea typeface="+mn-ea"/>
+                <a:cs typeface="+mn-cs"/>
+              </a:rPr>
+              <a:t> package.</a:t>
+            </a:r>
+          </a:p>
+          <a:p>
+            <a:br>
+              <a:rPr lang="en-US" sz="900" b="0" kern="1200" dirty="0">
+                <a:solidFill>
+                  <a:schemeClr val="tx1"/>
+                </a:solidFill>
+                <a:effectLst/>
+                <a:latin typeface="Segoe UI Light" pitchFamily="34" charset="0"/>
+                <a:ea typeface="+mn-ea"/>
+                <a:cs typeface="+mn-cs"/>
+              </a:rPr>
+            </a:br>
+            <a:r>
+              <a:rPr lang="en-US" sz="900" b="0" kern="1200" dirty="0">
+                <a:solidFill>
+                  <a:schemeClr val="tx1"/>
+                </a:solidFill>
+                <a:effectLst/>
+                <a:latin typeface="Segoe UI Light" pitchFamily="34" charset="0"/>
+                <a:ea typeface="+mn-ea"/>
+                <a:cs typeface="+mn-cs"/>
+              </a:rPr>
+              <a:t>`</a:t>
+            </a:r>
+            <a:r>
+              <a:rPr lang="en-US" sz="900" b="0" kern="1200" dirty="0" err="1">
+                <a:solidFill>
+                  <a:schemeClr val="tx1"/>
+                </a:solidFill>
+                <a:effectLst/>
+                <a:latin typeface="Segoe UI Light" pitchFamily="34" charset="0"/>
+                <a:ea typeface="+mn-ea"/>
+                <a:cs typeface="+mn-cs"/>
+              </a:rPr>
+              <a:t>SPComponentLoader</a:t>
+            </a:r>
+            <a:r>
+              <a:rPr lang="en-US" sz="900" b="0" kern="1200" dirty="0">
+                <a:solidFill>
+                  <a:schemeClr val="tx1"/>
+                </a:solidFill>
+                <a:effectLst/>
+                <a:latin typeface="Segoe UI Light" pitchFamily="34" charset="0"/>
+                <a:ea typeface="+mn-ea"/>
+                <a:cs typeface="+mn-cs"/>
+              </a:rPr>
+              <a:t>` contains two methods: `</a:t>
+            </a:r>
+            <a:r>
+              <a:rPr lang="en-US" sz="900" b="0" kern="1200" dirty="0" err="1">
+                <a:solidFill>
+                  <a:schemeClr val="tx1"/>
+                </a:solidFill>
+                <a:effectLst/>
+                <a:latin typeface="Segoe UI Light" pitchFamily="34" charset="0"/>
+                <a:ea typeface="+mn-ea"/>
+                <a:cs typeface="+mn-cs"/>
+              </a:rPr>
+              <a:t>loadScript</a:t>
+            </a:r>
+            <a:r>
+              <a:rPr lang="en-US" sz="900" b="0" kern="1200" dirty="0">
+                <a:solidFill>
+                  <a:schemeClr val="tx1"/>
+                </a:solidFill>
+                <a:effectLst/>
+                <a:latin typeface="Segoe UI Light" pitchFamily="34" charset="0"/>
+                <a:ea typeface="+mn-ea"/>
+                <a:cs typeface="+mn-cs"/>
+              </a:rPr>
+              <a:t>()` and `</a:t>
+            </a:r>
+            <a:r>
+              <a:rPr lang="en-US" sz="900" b="0" kern="1200" dirty="0" err="1">
+                <a:solidFill>
+                  <a:schemeClr val="tx1"/>
+                </a:solidFill>
+                <a:effectLst/>
+                <a:latin typeface="Segoe UI Light" pitchFamily="34" charset="0"/>
+                <a:ea typeface="+mn-ea"/>
+                <a:cs typeface="+mn-cs"/>
+              </a:rPr>
+              <a:t>loadCss</a:t>
+            </a:r>
+            <a:r>
+              <a:rPr lang="en-US" sz="900" b="0" kern="1200" dirty="0">
+                <a:solidFill>
+                  <a:schemeClr val="tx1"/>
+                </a:solidFill>
+                <a:effectLst/>
+                <a:latin typeface="Segoe UI Light" pitchFamily="34" charset="0"/>
+                <a:ea typeface="+mn-ea"/>
+                <a:cs typeface="+mn-cs"/>
+              </a:rPr>
+              <a:t>()`. Both methods accept a string parameter of the URL of the file to load and return a JavaScript promise once the file has been loaded.</a:t>
+            </a:r>
+          </a:p>
+          <a:p>
+            <a:br>
+              <a:rPr lang="en-US" sz="900" b="0" kern="1200" dirty="0">
+                <a:solidFill>
+                  <a:schemeClr val="tx1"/>
+                </a:solidFill>
+                <a:effectLst/>
+                <a:latin typeface="Segoe UI Light" pitchFamily="34" charset="0"/>
+                <a:ea typeface="+mn-ea"/>
+                <a:cs typeface="+mn-cs"/>
+              </a:rPr>
+            </a:br>
+            <a:r>
+              <a:rPr lang="en-US" sz="900" b="0" kern="1200" dirty="0">
+                <a:solidFill>
+                  <a:schemeClr val="tx1"/>
+                </a:solidFill>
+                <a:effectLst/>
+                <a:latin typeface="Segoe UI Light" pitchFamily="34" charset="0"/>
+                <a:ea typeface="+mn-ea"/>
+                <a:cs typeface="+mn-cs"/>
+              </a:rPr>
+              <a:t>The `</a:t>
+            </a:r>
+            <a:r>
+              <a:rPr lang="en-US" sz="900" b="0" kern="1200" dirty="0" err="1">
+                <a:solidFill>
+                  <a:schemeClr val="tx1"/>
+                </a:solidFill>
+                <a:effectLst/>
+                <a:latin typeface="Segoe UI Light" pitchFamily="34" charset="0"/>
+                <a:ea typeface="+mn-ea"/>
+                <a:cs typeface="+mn-cs"/>
+              </a:rPr>
+              <a:t>loadScript</a:t>
+            </a:r>
+            <a:r>
+              <a:rPr lang="en-US" sz="900" b="0" kern="1200" dirty="0">
+                <a:solidFill>
+                  <a:schemeClr val="tx1"/>
+                </a:solidFill>
+                <a:effectLst/>
+                <a:latin typeface="Segoe UI Light" pitchFamily="34" charset="0"/>
+                <a:ea typeface="+mn-ea"/>
+                <a:cs typeface="+mn-cs"/>
+              </a:rPr>
+              <a:t>()` method accepts a second parameter that you can use to specify the object that the script should be assigned to when it is exported.</a:t>
+            </a:r>
+          </a:p>
+          <a:p>
+            <a:br>
+              <a:rPr lang="en-US" sz="900" b="0" kern="1200" dirty="0">
+                <a:solidFill>
+                  <a:schemeClr val="tx1"/>
+                </a:solidFill>
+                <a:effectLst/>
+                <a:latin typeface="Segoe UI Light" pitchFamily="34" charset="0"/>
+                <a:ea typeface="+mn-ea"/>
+                <a:cs typeface="+mn-cs"/>
+              </a:rPr>
+            </a:br>
+            <a:r>
+              <a:rPr lang="en-US" sz="900" b="0" kern="1200" dirty="0">
+                <a:solidFill>
+                  <a:schemeClr val="tx1"/>
+                </a:solidFill>
+                <a:effectLst/>
+                <a:latin typeface="Segoe UI Light" pitchFamily="34" charset="0"/>
+                <a:ea typeface="+mn-ea"/>
+                <a:cs typeface="+mn-cs"/>
+              </a:rPr>
+              <a:t>Notice how the `</a:t>
+            </a:r>
+            <a:r>
+              <a:rPr lang="en-US" sz="900" b="0" kern="1200" dirty="0" err="1">
+                <a:solidFill>
+                  <a:schemeClr val="tx1"/>
+                </a:solidFill>
+                <a:effectLst/>
+                <a:latin typeface="Segoe UI Light" pitchFamily="34" charset="0"/>
+                <a:ea typeface="+mn-ea"/>
+                <a:cs typeface="+mn-cs"/>
+              </a:rPr>
+              <a:t>SPComponentLoader</a:t>
+            </a:r>
+            <a:r>
+              <a:rPr lang="en-US" sz="900" b="0" kern="1200" dirty="0">
+                <a:solidFill>
+                  <a:schemeClr val="tx1"/>
+                </a:solidFill>
+                <a:effectLst/>
+                <a:latin typeface="Segoe UI Light" pitchFamily="34" charset="0"/>
+                <a:ea typeface="+mn-ea"/>
+                <a:cs typeface="+mn-cs"/>
+              </a:rPr>
+              <a:t>` is wrapped in the `if (!</a:t>
+            </a:r>
+            <a:r>
+              <a:rPr lang="en-US" sz="900" b="0" kern="1200" dirty="0" err="1">
+                <a:solidFill>
+                  <a:schemeClr val="tx1"/>
+                </a:solidFill>
+                <a:effectLst/>
+                <a:latin typeface="Segoe UI Light" pitchFamily="34" charset="0"/>
+                <a:ea typeface="+mn-ea"/>
+                <a:cs typeface="+mn-cs"/>
+              </a:rPr>
+              <a:t>this.renderedOnce</a:t>
+            </a:r>
+            <a:r>
+              <a:rPr lang="en-US" sz="900" b="0" kern="1200" dirty="0">
+                <a:solidFill>
+                  <a:schemeClr val="tx1"/>
+                </a:solidFill>
+                <a:effectLst/>
+                <a:latin typeface="Segoe UI Light" pitchFamily="34" charset="0"/>
+                <a:ea typeface="+mn-ea"/>
+                <a:cs typeface="+mn-cs"/>
+              </a:rPr>
+              <a:t>)` clause. The `render` function of client-side web parts is called initially whenever a web part is added to the page, but also every time a web part property is changed in the property pane. Because we only want to load the scripts with the `</a:t>
+            </a:r>
+            <a:r>
+              <a:rPr lang="en-US" sz="900" b="0" kern="1200" dirty="0" err="1">
+                <a:solidFill>
+                  <a:schemeClr val="tx1"/>
+                </a:solidFill>
+                <a:effectLst/>
+                <a:latin typeface="Segoe UI Light" pitchFamily="34" charset="0"/>
+                <a:ea typeface="+mn-ea"/>
+                <a:cs typeface="+mn-cs"/>
+              </a:rPr>
+              <a:t>SPComponentLoader</a:t>
+            </a:r>
+            <a:r>
+              <a:rPr lang="en-US" sz="900" b="0" kern="1200" dirty="0">
+                <a:solidFill>
+                  <a:schemeClr val="tx1"/>
+                </a:solidFill>
+                <a:effectLst/>
+                <a:latin typeface="Segoe UI Light" pitchFamily="34" charset="0"/>
+                <a:ea typeface="+mn-ea"/>
+                <a:cs typeface="+mn-cs"/>
+              </a:rPr>
+              <a:t>` one time, we use the `</a:t>
+            </a:r>
+            <a:r>
+              <a:rPr lang="en-US" sz="900" b="0" kern="1200" dirty="0" err="1">
+                <a:solidFill>
+                  <a:schemeClr val="tx1"/>
+                </a:solidFill>
+                <a:effectLst/>
+                <a:latin typeface="Segoe UI Light" pitchFamily="34" charset="0"/>
+                <a:ea typeface="+mn-ea"/>
+                <a:cs typeface="+mn-cs"/>
+              </a:rPr>
+              <a:t>renderedOnce</a:t>
+            </a:r>
+            <a:r>
+              <a:rPr lang="en-US" sz="900" b="0" kern="1200" dirty="0">
+                <a:solidFill>
+                  <a:schemeClr val="tx1"/>
+                </a:solidFill>
+                <a:effectLst/>
+                <a:latin typeface="Segoe UI Light" pitchFamily="34" charset="0"/>
+                <a:ea typeface="+mn-ea"/>
+                <a:cs typeface="+mn-cs"/>
+              </a:rPr>
+              <a:t>` property to verify that the web part is rendering initially and then load the required modules.</a:t>
+            </a:r>
+          </a:p>
+          <a:p>
+            <a:br>
+              <a:rPr lang="en-US" sz="900" b="0" kern="1200" dirty="0">
+                <a:solidFill>
+                  <a:schemeClr val="tx1"/>
+                </a:solidFill>
+                <a:effectLst/>
+                <a:latin typeface="Segoe UI Light" pitchFamily="34" charset="0"/>
+                <a:ea typeface="+mn-ea"/>
+                <a:cs typeface="+mn-cs"/>
+              </a:rPr>
+            </a:br>
+            <a:r>
+              <a:rPr lang="en-US" sz="900" b="0" kern="1200" dirty="0">
+                <a:solidFill>
+                  <a:schemeClr val="tx1"/>
+                </a:solidFill>
+                <a:effectLst/>
+                <a:latin typeface="Segoe UI Light" pitchFamily="34" charset="0"/>
+                <a:ea typeface="+mn-ea"/>
+                <a:cs typeface="+mn-cs"/>
+              </a:rPr>
+              <a:t>When loading jQuery using the `</a:t>
+            </a:r>
+            <a:r>
+              <a:rPr lang="en-US" sz="900" b="0" kern="1200" dirty="0" err="1">
+                <a:solidFill>
+                  <a:schemeClr val="tx1"/>
+                </a:solidFill>
+                <a:effectLst/>
+                <a:latin typeface="Segoe UI Light" pitchFamily="34" charset="0"/>
+                <a:ea typeface="+mn-ea"/>
+                <a:cs typeface="+mn-cs"/>
+              </a:rPr>
+              <a:t>SPComponentLoader</a:t>
+            </a:r>
+            <a:r>
+              <a:rPr lang="en-US" sz="900" b="0" kern="1200" dirty="0">
+                <a:solidFill>
+                  <a:schemeClr val="tx1"/>
+                </a:solidFill>
+                <a:effectLst/>
+                <a:latin typeface="Segoe UI Light" pitchFamily="34" charset="0"/>
+                <a:ea typeface="+mn-ea"/>
+                <a:cs typeface="+mn-cs"/>
+              </a:rPr>
+              <a:t>`, we load it as a global script associated with the `jQuery` variable.</a:t>
+            </a:r>
+          </a:p>
+          <a:p>
+            <a:br>
+              <a:rPr lang="en-US" sz="900" b="0" kern="1200" dirty="0">
+                <a:solidFill>
+                  <a:schemeClr val="tx1"/>
+                </a:solidFill>
+                <a:effectLst/>
+                <a:latin typeface="Segoe UI Light" pitchFamily="34" charset="0"/>
+                <a:ea typeface="+mn-ea"/>
+                <a:cs typeface="+mn-cs"/>
+              </a:rPr>
+            </a:br>
+            <a:r>
+              <a:rPr lang="en-US" sz="900" b="0" kern="1200" dirty="0">
+                <a:solidFill>
+                  <a:schemeClr val="tx1"/>
+                </a:solidFill>
+                <a:effectLst/>
+                <a:latin typeface="Segoe UI Light" pitchFamily="34" charset="0"/>
+                <a:ea typeface="+mn-ea"/>
+                <a:cs typeface="+mn-cs"/>
+              </a:rPr>
+              <a:t>Notice that after loading the jQuery library and before loading a CSS file for the jQuery UI project, we store the reference to jQuery in the `</a:t>
+            </a:r>
+            <a:r>
+              <a:rPr lang="en-US" sz="900" b="0" kern="1200" dirty="0" err="1">
+                <a:solidFill>
+                  <a:schemeClr val="tx1"/>
+                </a:solidFill>
+                <a:effectLst/>
+                <a:latin typeface="Segoe UI Light" pitchFamily="34" charset="0"/>
+                <a:ea typeface="+mn-ea"/>
+                <a:cs typeface="+mn-cs"/>
+              </a:rPr>
+              <a:t>this.jQuery</a:t>
+            </a:r>
+            <a:r>
+              <a:rPr lang="en-US" sz="900" b="0" kern="1200" dirty="0">
+                <a:solidFill>
+                  <a:schemeClr val="tx1"/>
+                </a:solidFill>
+                <a:effectLst/>
+                <a:latin typeface="Segoe UI Light" pitchFamily="34" charset="0"/>
+                <a:ea typeface="+mn-ea"/>
+                <a:cs typeface="+mn-cs"/>
+              </a:rPr>
+              <a:t>` variable.</a:t>
+            </a:r>
+          </a:p>
+          <a:p>
+            <a:br>
+              <a:rPr lang="en-US" sz="900" b="0" kern="1200" dirty="0">
+                <a:solidFill>
+                  <a:schemeClr val="tx1"/>
+                </a:solidFill>
+                <a:effectLst/>
+                <a:latin typeface="Segoe UI Light" pitchFamily="34" charset="0"/>
+                <a:ea typeface="+mn-ea"/>
+                <a:cs typeface="+mn-cs"/>
+              </a:rPr>
+            </a:br>
+            <a:endParaRPr lang="en-US" sz="900" b="0" kern="1200" dirty="0">
+              <a:solidFill>
+                <a:schemeClr val="tx1"/>
+              </a:solidFill>
+              <a:effectLst/>
+              <a:latin typeface="Segoe UI Light" pitchFamily="34" charset="0"/>
+              <a:ea typeface="+mn-ea"/>
+              <a:cs typeface="+mn-cs"/>
+            </a:endParaRPr>
+          </a:p>
+          <a:p>
+            <a:endParaRPr lang="en-US" sz="900" b="0" kern="1200" dirty="0">
+              <a:solidFill>
+                <a:schemeClr val="tx1"/>
+              </a:solidFill>
+              <a:effectLst/>
+              <a:latin typeface="Segoe UI Light" pitchFamily="34" charset="0"/>
+              <a:ea typeface="+mn-ea"/>
+              <a:cs typeface="+mn-cs"/>
+            </a:endParaRPr>
+          </a:p>
+        </p:txBody>
+      </p:sp>
+      <p:sp>
+        <p:nvSpPr>
+          <p:cNvPr id="4" name="Header Placeholder 3"/>
+          <p:cNvSpPr>
+            <a:spLocks noGrp="1"/>
+          </p:cNvSpPr>
+          <p:nvPr>
+            <p:ph type="hdr" sz="quarter" idx="10"/>
+          </p:nvPr>
+        </p:nvSpPr>
+        <p:spPr/>
+        <p:txBody>
+          <a:bodyPr/>
+          <a:lstStyle/>
+          <a:p>
+            <a:r>
+              <a:rPr lang="en-US"/>
+              <a:t>SharePoint</a:t>
+            </a:r>
+            <a:endParaRPr lang="en-US" dirty="0"/>
+          </a:p>
+        </p:txBody>
+      </p:sp>
+      <p:sp>
+        <p:nvSpPr>
+          <p:cNvPr id="5" name="Footer Placeholder 4"/>
+          <p:cNvSpPr>
+            <a:spLocks noGrp="1"/>
+          </p:cNvSpPr>
+          <p:nvPr>
+            <p:ph type="ftr" sz="quarter" idx="11"/>
+          </p:nvPr>
+        </p:nvSpPr>
+        <p:spPr/>
+        <p:txBody>
+          <a:bodyPr/>
+          <a:lstStyle/>
+          <a:p>
+            <a:pPr defTabSz="924154" eaLnBrk="0" hangingPunct="0"/>
+            <a:r>
+              <a:rPr lang="en-US" sz="400">
+                <a:gradFill>
+                  <a:gsLst>
+                    <a:gs pos="0">
+                      <a:prstClr val="black"/>
+                    </a:gs>
+                    <a:gs pos="100000">
+                      <a:prstClr val="black"/>
+                    </a:gs>
+                  </a:gsLst>
+                  <a:lin ang="5400000" scaled="0"/>
+                </a:gradFill>
+                <a:latin typeface="Segoe UI" pitchFamily="34" charset="0"/>
+                <a:ea typeface="Segoe UI" pitchFamily="34" charset="0"/>
+                <a:cs typeface="Segoe UI" pitchFamily="34" charset="0"/>
+              </a:rPr>
+              <a:t>© 2016 Microsoft Corporation. All rights reserved. MICROSOFT MAKES NO WARRANTIES, EXPRESS, IMPLIED OR STATUTORY, AS TO THE INFORMATION IN THIS PRESENTATION.</a:t>
+            </a:r>
+            <a:endParaRPr lang="en-US" sz="400" dirty="0">
+              <a:gradFill>
+                <a:gsLst>
+                  <a:gs pos="0">
+                    <a:prstClr val="black"/>
+                  </a:gs>
+                  <a:gs pos="100000">
+                    <a:prstClr val="black"/>
+                  </a:gs>
+                </a:gsLst>
+                <a:lin ang="5400000" scaled="0"/>
+              </a:gradFill>
+              <a:latin typeface="Segoe UI" pitchFamily="34" charset="0"/>
+              <a:ea typeface="Segoe UI" pitchFamily="34" charset="0"/>
+              <a:cs typeface="Segoe UI" pitchFamily="34" charset="0"/>
+            </a:endParaRPr>
+          </a:p>
+        </p:txBody>
+      </p:sp>
+      <p:sp>
+        <p:nvSpPr>
+          <p:cNvPr id="6" name="Slide Number Placeholder 5"/>
+          <p:cNvSpPr>
+            <a:spLocks noGrp="1"/>
+          </p:cNvSpPr>
+          <p:nvPr>
+            <p:ph type="sldNum" sz="quarter" idx="12"/>
+          </p:nvPr>
+        </p:nvSpPr>
+        <p:spPr/>
+        <p:txBody>
+          <a:bodyPr/>
+          <a:lstStyle/>
+          <a:p>
+            <a:fld id="{B4008EB6-D09E-4580-8CD6-DDB14511944F}" type="slidenum">
+              <a:rPr lang="en-US" smtClean="0"/>
+              <a:pPr/>
+              <a:t>17</a:t>
+            </a:fld>
+            <a:endParaRPr lang="en-US" dirty="0"/>
+          </a:p>
+        </p:txBody>
+      </p:sp>
+    </p:spTree>
+    <p:extLst>
+      <p:ext uri="{BB962C8B-B14F-4D97-AF65-F5344CB8AC3E}">
+        <p14:creationId xmlns:p14="http://schemas.microsoft.com/office/powerpoint/2010/main" val="524509501"/>
+      </p:ext>
+    </p:extLst>
+  </p:cSld>
+  <p:clrMapOvr>
+    <a:masterClrMapping/>
+  </p:clrMapOvr>
+</p:notes>
+</file>
+
+<file path=ppt/notesSlides/notesSlide17.xml><?xml version="1.0" encoding="utf-8"?>
+<p:notes xmlns:a="http://schemas.openxmlformats.org/drawingml/2006/main" xmlns:r="http://schemas.openxmlformats.org/officeDocument/2006/relationships" xmlns:p="http://schemas.openxmlformats.org/presentationml/2006/main">
+  <p:cSld>
+    <p:spTree>
+      <p:nvGrpSpPr>
+        <p:cNvPr id="1" name=""/>
+        <p:cNvGrpSpPr/>
+        <p:nvPr/>
+      </p:nvGrpSpPr>
+      <p:grpSpPr>
+        <a:xfrm>
+          <a:off x="0" y="0"/>
+          <a:ext cx="0" cy="0"/>
+          <a:chOff x="0" y="0"/>
+          <a:chExt cx="0" cy="0"/>
+        </a:xfrm>
+      </p:grpSpPr>
+      <p:sp>
+        <p:nvSpPr>
+          <p:cNvPr id="2" name="Slide Image Placeholder 1"/>
+          <p:cNvSpPr>
+            <a:spLocks noGrp="1" noRot="1" noChangeAspect="1"/>
+          </p:cNvSpPr>
+          <p:nvPr>
+            <p:ph type="sldImg"/>
+          </p:nvPr>
+        </p:nvSpPr>
+        <p:spPr/>
+      </p:sp>
+      <p:sp>
+        <p:nvSpPr>
+          <p:cNvPr id="3" name="Notes Placeholder 2"/>
+          <p:cNvSpPr>
+            <a:spLocks noGrp="1"/>
+          </p:cNvSpPr>
+          <p:nvPr>
+            <p:ph type="body" idx="1"/>
+          </p:nvPr>
+        </p:nvSpPr>
+        <p:spPr/>
+        <p:txBody>
+          <a:bodyPr/>
+          <a:lstStyle/>
+          <a:p>
             <a:endParaRPr lang="en-US"/>
           </a:p>
         </p:txBody>
@@ -3044,7 +3453,369 @@
           <a:p>
             <a:fld id="{D18B56EA-E28F-4F92-9F16-7A6F2501B303}" type="datetime8">
               <a:rPr lang="en-US" smtClean="0"/>
-              <a:t>8/25/2019 9:56 PM</a:t>
+              <a:t>2/26/20 5:36 AM</a:t>
+            </a:fld>
+            <a:endParaRPr lang="en-US" dirty="0"/>
+          </a:p>
+        </p:txBody>
+      </p:sp>
+      <p:sp>
+        <p:nvSpPr>
+          <p:cNvPr id="7" name="Slide Number Placeholder 6"/>
+          <p:cNvSpPr>
+            <a:spLocks noGrp="1"/>
+          </p:cNvSpPr>
+          <p:nvPr>
+            <p:ph type="sldNum" sz="quarter" idx="13"/>
+          </p:nvPr>
+        </p:nvSpPr>
+        <p:spPr/>
+        <p:txBody>
+          <a:bodyPr/>
+          <a:lstStyle/>
+          <a:p>
+            <a:fld id="{B4008EB6-D09E-4580-8CD6-DDB14511944F}" type="slidenum">
+              <a:rPr lang="en-US" smtClean="0"/>
+              <a:pPr/>
+              <a:t>18</a:t>
+            </a:fld>
+            <a:endParaRPr lang="en-US" dirty="0"/>
+          </a:p>
+        </p:txBody>
+      </p:sp>
+    </p:spTree>
+    <p:extLst>
+      <p:ext uri="{BB962C8B-B14F-4D97-AF65-F5344CB8AC3E}">
+        <p14:creationId xmlns:p14="http://schemas.microsoft.com/office/powerpoint/2010/main" val="3194793939"/>
+      </p:ext>
+    </p:extLst>
+  </p:cSld>
+  <p:clrMapOvr>
+    <a:masterClrMapping/>
+  </p:clrMapOvr>
+</p:notes>
+</file>
+
+<file path=ppt/notesSlides/notesSlide18.xml><?xml version="1.0" encoding="utf-8"?>
+<p:notes xmlns:a="http://schemas.openxmlformats.org/drawingml/2006/main" xmlns:r="http://schemas.openxmlformats.org/officeDocument/2006/relationships" xmlns:p="http://schemas.openxmlformats.org/presentationml/2006/main">
+  <p:cSld>
+    <p:spTree>
+      <p:nvGrpSpPr>
+        <p:cNvPr id="1" name=""/>
+        <p:cNvGrpSpPr/>
+        <p:nvPr/>
+      </p:nvGrpSpPr>
+      <p:grpSpPr>
+        <a:xfrm>
+          <a:off x="0" y="0"/>
+          <a:ext cx="0" cy="0"/>
+          <a:chOff x="0" y="0"/>
+          <a:chExt cx="0" cy="0"/>
+        </a:xfrm>
+      </p:grpSpPr>
+      <p:sp>
+        <p:nvSpPr>
+          <p:cNvPr id="2" name="Slide Image Placeholder 1"/>
+          <p:cNvSpPr>
+            <a:spLocks noGrp="1" noRot="1" noChangeAspect="1"/>
+          </p:cNvSpPr>
+          <p:nvPr>
+            <p:ph type="sldImg"/>
+          </p:nvPr>
+        </p:nvSpPr>
+        <p:spPr/>
+      </p:sp>
+      <p:sp>
+        <p:nvSpPr>
+          <p:cNvPr id="3" name="Notes Placeholder 2"/>
+          <p:cNvSpPr>
+            <a:spLocks noGrp="1"/>
+          </p:cNvSpPr>
+          <p:nvPr>
+            <p:ph type="body" idx="1"/>
+          </p:nvPr>
+        </p:nvSpPr>
+        <p:spPr/>
+        <p:txBody>
+          <a:bodyPr/>
+          <a:lstStyle/>
+          <a:p>
+            <a:endParaRPr lang="en-US"/>
+          </a:p>
+        </p:txBody>
+      </p:sp>
+      <p:sp>
+        <p:nvSpPr>
+          <p:cNvPr id="4" name="Header Placeholder 3"/>
+          <p:cNvSpPr>
+            <a:spLocks noGrp="1"/>
+          </p:cNvSpPr>
+          <p:nvPr>
+            <p:ph type="hdr" sz="quarter" idx="10"/>
+          </p:nvPr>
+        </p:nvSpPr>
+        <p:spPr/>
+        <p:txBody>
+          <a:bodyPr/>
+          <a:lstStyle/>
+          <a:p>
+            <a:endParaRPr lang="en-US" dirty="0"/>
+          </a:p>
+        </p:txBody>
+      </p:sp>
+      <p:sp>
+        <p:nvSpPr>
+          <p:cNvPr id="5" name="Footer Placeholder 4"/>
+          <p:cNvSpPr>
+            <a:spLocks noGrp="1"/>
+          </p:cNvSpPr>
+          <p:nvPr>
+            <p:ph type="ftr" sz="quarter" idx="11"/>
+          </p:nvPr>
+        </p:nvSpPr>
+        <p:spPr/>
+        <p:txBody>
+          <a:bodyPr/>
+          <a:lstStyle/>
+          <a:p>
+            <a:pPr defTabSz="914099" eaLnBrk="0" hangingPunct="0"/>
+            <a:r>
+              <a:rPr lang="en-US" sz="400">
+                <a:gradFill>
+                  <a:gsLst>
+                    <a:gs pos="0">
+                      <a:prstClr val="black"/>
+                    </a:gs>
+                    <a:gs pos="100000">
+                      <a:prstClr val="black"/>
+                    </a:gs>
+                  </a:gsLst>
+                  <a:lin ang="5400000" scaled="0"/>
+                </a:gradFill>
+                <a:latin typeface="Segoe UI" pitchFamily="34" charset="0"/>
+                <a:ea typeface="Segoe UI" pitchFamily="34" charset="0"/>
+                <a:cs typeface="Segoe UI" pitchFamily="34" charset="0"/>
+              </a:rPr>
+              <a:t>© Microsoft Corporation. All rights reserved. MICROSOFT MAKES NO WARRANTIES, EXPRESS, IMPLIED OR STATUTORY, AS TO THE INFORMATION IN THIS PRESENTATION.</a:t>
+            </a:r>
+            <a:endParaRPr lang="en-US" sz="400" dirty="0">
+              <a:gradFill>
+                <a:gsLst>
+                  <a:gs pos="0">
+                    <a:prstClr val="black"/>
+                  </a:gs>
+                  <a:gs pos="100000">
+                    <a:prstClr val="black"/>
+                  </a:gs>
+                </a:gsLst>
+                <a:lin ang="5400000" scaled="0"/>
+              </a:gradFill>
+              <a:latin typeface="Segoe UI" pitchFamily="34" charset="0"/>
+              <a:ea typeface="Segoe UI" pitchFamily="34" charset="0"/>
+              <a:cs typeface="Segoe UI" pitchFamily="34" charset="0"/>
+            </a:endParaRPr>
+          </a:p>
+        </p:txBody>
+      </p:sp>
+      <p:sp>
+        <p:nvSpPr>
+          <p:cNvPr id="6" name="Date Placeholder 5"/>
+          <p:cNvSpPr>
+            <a:spLocks noGrp="1"/>
+          </p:cNvSpPr>
+          <p:nvPr>
+            <p:ph type="dt" idx="12"/>
+          </p:nvPr>
+        </p:nvSpPr>
+        <p:spPr/>
+        <p:txBody>
+          <a:bodyPr/>
+          <a:lstStyle/>
+          <a:p>
+            <a:fld id="{D18B56EA-E28F-4F92-9F16-7A6F2501B303}" type="datetime8">
+              <a:rPr lang="en-US" smtClean="0"/>
+              <a:t>2/26/20 5:36 AM</a:t>
+            </a:fld>
+            <a:endParaRPr lang="en-US" dirty="0"/>
+          </a:p>
+        </p:txBody>
+      </p:sp>
+      <p:sp>
+        <p:nvSpPr>
+          <p:cNvPr id="7" name="Slide Number Placeholder 6"/>
+          <p:cNvSpPr>
+            <a:spLocks noGrp="1"/>
+          </p:cNvSpPr>
+          <p:nvPr>
+            <p:ph type="sldNum" sz="quarter" idx="13"/>
+          </p:nvPr>
+        </p:nvSpPr>
+        <p:spPr/>
+        <p:txBody>
+          <a:bodyPr/>
+          <a:lstStyle/>
+          <a:p>
+            <a:fld id="{B4008EB6-D09E-4580-8CD6-DDB14511944F}" type="slidenum">
+              <a:rPr lang="en-US" smtClean="0"/>
+              <a:pPr/>
+              <a:t>20</a:t>
+            </a:fld>
+            <a:endParaRPr lang="en-US" dirty="0"/>
+          </a:p>
+        </p:txBody>
+      </p:sp>
+    </p:spTree>
+    <p:extLst>
+      <p:ext uri="{BB962C8B-B14F-4D97-AF65-F5344CB8AC3E}">
+        <p14:creationId xmlns:p14="http://schemas.microsoft.com/office/powerpoint/2010/main" val="2510823477"/>
+      </p:ext>
+    </p:extLst>
+  </p:cSld>
+  <p:clrMapOvr>
+    <a:masterClrMapping/>
+  </p:clrMapOvr>
+</p:notes>
+</file>
+
+<file path=ppt/notesSlides/notesSlide19.xml><?xml version="1.0" encoding="utf-8"?>
+<p:notes xmlns:a="http://schemas.openxmlformats.org/drawingml/2006/main" xmlns:r="http://schemas.openxmlformats.org/officeDocument/2006/relationships" xmlns:p="http://schemas.openxmlformats.org/presentationml/2006/main">
+  <p:cSld>
+    <p:spTree>
+      <p:nvGrpSpPr>
+        <p:cNvPr id="1" name=""/>
+        <p:cNvGrpSpPr/>
+        <p:nvPr/>
+      </p:nvGrpSpPr>
+      <p:grpSpPr>
+        <a:xfrm>
+          <a:off x="0" y="0"/>
+          <a:ext cx="0" cy="0"/>
+          <a:chOff x="0" y="0"/>
+          <a:chExt cx="0" cy="0"/>
+        </a:xfrm>
+      </p:grpSpPr>
+      <p:sp>
+        <p:nvSpPr>
+          <p:cNvPr id="2" name="Slide Image Placeholder 1"/>
+          <p:cNvSpPr>
+            <a:spLocks noGrp="1" noRot="1" noChangeAspect="1"/>
+          </p:cNvSpPr>
+          <p:nvPr>
+            <p:ph type="sldImg"/>
+          </p:nvPr>
+        </p:nvSpPr>
+        <p:spPr/>
+      </p:sp>
+      <p:sp>
+        <p:nvSpPr>
+          <p:cNvPr id="3" name="Notes Placeholder 2"/>
+          <p:cNvSpPr>
+            <a:spLocks noGrp="1"/>
+          </p:cNvSpPr>
+          <p:nvPr>
+            <p:ph type="body" idx="1"/>
+          </p:nvPr>
+        </p:nvSpPr>
+        <p:spPr/>
+        <p:txBody>
+          <a:bodyPr/>
+          <a:lstStyle/>
+          <a:p>
+            <a:endParaRPr lang="en-US"/>
+          </a:p>
+        </p:txBody>
+      </p:sp>
+      <p:sp>
+        <p:nvSpPr>
+          <p:cNvPr id="4" name="Header Placeholder 3"/>
+          <p:cNvSpPr>
+            <a:spLocks noGrp="1"/>
+          </p:cNvSpPr>
+          <p:nvPr>
+            <p:ph type="hdr" sz="quarter" idx="10"/>
+          </p:nvPr>
+        </p:nvSpPr>
+        <p:spPr/>
+        <p:txBody>
+          <a:bodyPr/>
+          <a:lstStyle/>
+          <a:p>
+            <a:endParaRPr lang="en-US" dirty="0"/>
+          </a:p>
+        </p:txBody>
+      </p:sp>
+      <p:sp>
+        <p:nvSpPr>
+          <p:cNvPr id="5" name="Footer Placeholder 4"/>
+          <p:cNvSpPr>
+            <a:spLocks noGrp="1"/>
+          </p:cNvSpPr>
+          <p:nvPr>
+            <p:ph type="ftr" sz="quarter" idx="11"/>
+          </p:nvPr>
+        </p:nvSpPr>
+        <p:spPr/>
+        <p:txBody>
+          <a:bodyPr/>
+          <a:lstStyle/>
+          <a:p>
+            <a:pPr defTabSz="914099" eaLnBrk="0" hangingPunct="0"/>
+            <a:r>
+              <a:rPr lang="en-US" sz="400">
+                <a:gradFill>
+                  <a:gsLst>
+                    <a:gs pos="0">
+                      <a:prstClr val="black"/>
+                    </a:gs>
+                    <a:gs pos="100000">
+                      <a:prstClr val="black"/>
+                    </a:gs>
+                  </a:gsLst>
+                  <a:lin ang="5400000" scaled="0"/>
+                </a:gradFill>
+                <a:latin typeface="Segoe UI" pitchFamily="34" charset="0"/>
+                <a:ea typeface="Segoe UI" pitchFamily="34" charset="0"/>
+                <a:cs typeface="Segoe UI" pitchFamily="34" charset="0"/>
+              </a:rPr>
+              <a:t>© Microsoft Corporation. All rights reserved. MICROSOFT MAKES NO WARRANTIES, EXPRESS, IMPLIED OR STATUTORY, AS TO THE INFORMATION IN THIS PRESENTATION.</a:t>
+            </a:r>
+            <a:endParaRPr lang="en-US" sz="400" dirty="0">
+              <a:gradFill>
+                <a:gsLst>
+                  <a:gs pos="0">
+                    <a:prstClr val="black"/>
+                  </a:gs>
+                  <a:gs pos="100000">
+                    <a:prstClr val="black"/>
+                  </a:gs>
+                </a:gsLst>
+                <a:lin ang="5400000" scaled="0"/>
+              </a:gradFill>
+              <a:latin typeface="Segoe UI" pitchFamily="34" charset="0"/>
+              <a:ea typeface="Segoe UI" pitchFamily="34" charset="0"/>
+              <a:cs typeface="Segoe UI" pitchFamily="34" charset="0"/>
+            </a:endParaRPr>
+          </a:p>
+        </p:txBody>
+      </p:sp>
+      <p:sp>
+        <p:nvSpPr>
+          <p:cNvPr id="6" name="Date Placeholder 5"/>
+          <p:cNvSpPr>
+            <a:spLocks noGrp="1"/>
+          </p:cNvSpPr>
+          <p:nvPr>
+            <p:ph type="dt" idx="12"/>
+          </p:nvPr>
+        </p:nvSpPr>
+        <p:spPr/>
+        <p:txBody>
+          <a:bodyPr/>
+          <a:lstStyle/>
+          <a:p>
+            <a:fld id="{D18B56EA-E28F-4F92-9F16-7A6F2501B303}" type="datetime8">
+              <a:rPr lang="en-US" smtClean="0"/>
+              <a:t>2/26/20 5:36 AM</a:t>
             </a:fld>
             <a:endParaRPr lang="en-US" dirty="0"/>
           </a:p>
@@ -3131,7 +3902,38 @@
           <a:bodyPr/>
           <a:lstStyle/>
           <a:p>
-            <a:endParaRPr lang="en-US"/>
+            <a:pPr marL="0" marR="0" lvl="0" indent="0" algn="l" defTabSz="932742" rtl="0" eaLnBrk="1" fontAlgn="auto" latinLnBrk="0" hangingPunct="1">
+              <a:lnSpc>
+                <a:spcPct val="90000"/>
+              </a:lnSpc>
+              <a:spcBef>
+                <a:spcPts val="0"/>
+              </a:spcBef>
+              <a:spcAft>
+                <a:spcPts val="340"/>
+              </a:spcAft>
+              <a:buClrTx/>
+              <a:buSzTx/>
+              <a:buFontTx/>
+              <a:buNone/>
+              <a:tabLst/>
+              <a:defRPr/>
+            </a:pPr>
+            <a:r>
+              <a:rPr lang="en-US" sz="900" b="0" kern="1200" dirty="0">
+                <a:solidFill>
+                  <a:schemeClr val="tx1"/>
+                </a:solidFill>
+                <a:effectLst/>
+                <a:latin typeface="Segoe UI Light" pitchFamily="34" charset="0"/>
+                <a:ea typeface="+mn-ea"/>
+                <a:cs typeface="+mn-cs"/>
+              </a:rPr>
+              <a:t>In this unit, you'll learn about some of the features included in the SharePoint Framework API.</a:t>
+            </a:r>
+          </a:p>
+          <a:p>
+            <a:endParaRPr lang="en-US" dirty="0"/>
           </a:p>
         </p:txBody>
       </p:sp>
@@ -3225,7 +4027,7 @@
           <a:p>
             <a:fld id="{D18B56EA-E28F-4F92-9F16-7A6F2501B303}" type="datetime8">
               <a:rPr lang="en-US" smtClean="0"/>
-              <a:t>8/25/2019 9:56 PM</a:t>
+              <a:t>2/26/20 5:35 AM</a:t>
             </a:fld>
             <a:endParaRPr lang="en-US" dirty="0"/>
           </a:p>
@@ -3312,6 +4114,37 @@
           <a:bodyPr/>
           <a:lstStyle/>
           <a:p>
+            <a:pPr marL="0" marR="0" lvl="0" indent="0" algn="l" defTabSz="932742" rtl="0" eaLnBrk="1" fontAlgn="auto" latinLnBrk="0" hangingPunct="1">
+              <a:lnSpc>
+                <a:spcPct val="90000"/>
+              </a:lnSpc>
+              <a:spcBef>
+                <a:spcPts val="0"/>
+              </a:spcBef>
+              <a:spcAft>
+                <a:spcPts val="340"/>
+              </a:spcAft>
+              <a:buClrTx/>
+              <a:buSzTx/>
+              <a:buFontTx/>
+              <a:buNone/>
+              <a:tabLst/>
+              <a:defRPr/>
+            </a:pPr>
+            <a:r>
+              <a:rPr lang="en-US" sz="900" b="0" kern="1200" dirty="0">
+                <a:solidFill>
+                  <a:schemeClr val="tx1"/>
+                </a:solidFill>
+                <a:effectLst/>
+                <a:latin typeface="Segoe UI Light" pitchFamily="34" charset="0"/>
+                <a:ea typeface="+mn-ea"/>
+                <a:cs typeface="+mn-cs"/>
+              </a:rPr>
+              <a:t>The SharePoint Framework includes many utility APIs and libraries that make developing SharePoint Framework components easier for developers. These utilities are available either from the Framework API while others are available as external libraries. Depending on the utility, you may need to import additional packages into your project or the code files in your project.</a:t>
+            </a:r>
+          </a:p>
+          <a:p>
             <a:endParaRPr lang="en-US" dirty="0"/>
           </a:p>
         </p:txBody>
@@ -3323,7 +4156,7 @@
             <a:spLocks noGrp="1"/>
           </p:cNvSpPr>
           <p:nvPr>
-            <p:ph type="hdr" sz="quarter" idx="10"/>
+            <p:ph type="hdr" sz="quarter"/>
           </p:nvPr>
         </p:nvSpPr>
         <p:spPr/>
@@ -3333,7 +4166,7 @@
           <a:p>
             <a:r>
               <a:rPr lang="en-US"/>
-              <a:t>SharePoint</a:t>
+              <a:t>SharePoint Framework</a:t>
             </a:r>
             <a:endParaRPr lang="en-US" dirty="0"/>
           </a:p>
@@ -3346,7 +4179,7 @@
             <a:spLocks noGrp="1"/>
           </p:cNvSpPr>
           <p:nvPr>
-            <p:ph type="ftr" sz="quarter" idx="11"/>
+            <p:ph type="ftr" sz="quarter" idx="4"/>
           </p:nvPr>
         </p:nvSpPr>
         <p:spPr/>
@@ -3354,7 +4187,7 @@
           <a:bodyPr/>
           <a:lstStyle/>
           <a:p>
-            <a:pPr defTabSz="924154" eaLnBrk="0" hangingPunct="0"/>
+            <a:pPr defTabSz="914099" eaLnBrk="0" hangingPunct="0"/>
             <a:r>
               <a:rPr lang="en-US" sz="400">
                 <a:gradFill>
@@ -3372,7 +4205,7 @@
                 <a:ea typeface="Segoe UI" pitchFamily="34" charset="0"/>
                 <a:cs typeface="Segoe UI" pitchFamily="34" charset="0"/>
               </a:rPr>
-              <a:t>© 2016 Microsoft Corporation. All rights reserved. MICROSOFT MAKES NO WARRANTIES, EXPRESS, IMPLIED OR STATUTORY, AS TO THE INFORMATION IN THIS PRESENTATION.</a:t>
+              <a:t>© Microsoft Corporation. All rights reserved. MICROSOFT MAKES NO WARRANTIES, EXPRESS, IMPLIED OR STATUTORY, AS TO THE INFORMATION IN THIS PRESENTATION.</a:t>
             </a:r>
             <a:endParaRPr lang="en-US" sz="400" dirty="0">
               <a:gradFill>
@@ -3395,12 +4228,35 @@
       </p:sp>
       <p:sp>
         <p:nvSpPr>
-          <p:cNvPr id="6" name="Slide Number Placeholder 5"/>
+          <p:cNvPr id="6" name="Date Placeholder 5"/>
           <p:cNvSpPr>
             <a:spLocks noGrp="1"/>
           </p:cNvSpPr>
           <p:nvPr>
-            <p:ph type="sldNum" sz="quarter" idx="12"/>
+            <p:ph type="dt" idx="1"/>
+          </p:nvPr>
+        </p:nvSpPr>
+        <p:spPr/>
+        <p:txBody>
+          <a:bodyPr/>
+          <a:lstStyle/>
+          <a:p>
+            <a:fld id="{D18B56EA-E28F-4F92-9F16-7A6F2501B303}" type="datetime8">
+              <a:rPr lang="en-US" smtClean="0"/>
+              <a:t>2/26/20 5:45 AM</a:t>
+            </a:fld>
+            <a:endParaRPr lang="en-US" dirty="0"/>
+          </a:p>
+        </p:txBody>
+      </p:sp>
+      <p:sp>
+        <p:nvSpPr>
+          <p:cNvPr id="7" name="Slide Number Placeholder 6"/>
+          <p:cNvSpPr>
+            <a:spLocks noGrp="1"/>
+          </p:cNvSpPr>
+          <p:nvPr>
+            <p:ph type="sldNum" sz="quarter" idx="5"/>
           </p:nvPr>
         </p:nvSpPr>
         <p:spPr/>
@@ -3411,7 +4267,7 @@
             <a:fld id="{B4008EB6-D09E-4580-8CD6-DDB14511944F}" type="slidenum">
               <a:rPr lang="en-US" smtClean="0"/>
               <a:pPr/>
-              <a:t>5</a:t>
+              <a:t>3</a:t>
             </a:fld>
             <a:endParaRPr lang="en-US" dirty="0"/>
           </a:p>
@@ -3420,7 +4276,7 @@
     </p:spTree>
     <p:extLst>
       <p:ext uri="{BB962C8B-B14F-4D97-AF65-F5344CB8AC3E}">
-        <p14:creationId xmlns:p14="http://schemas.microsoft.com/office/powerpoint/2010/main" val="1935793008"/>
+        <p14:creationId xmlns:p14="http://schemas.microsoft.com/office/powerpoint/2010/main" val="812907755"/>
       </p:ext>
     </p:extLst>
   </p:cSld>
@@ -3474,6 +4330,55 @@
           <a:bodyPr/>
           <a:lstStyle/>
           <a:p>
+            <a:r>
+              <a:rPr lang="en-US" dirty="0"/>
+              <a:t>Loading indicators are used when you need to initialize your web part and you want to provide some feedback to the user that something is happening. For example, a loading indicator can be shown when a web part is first added to the page, but needs to fetch information from Microsoft Graph, a remote API, when it first loads.</a:t>
+            </a:r>
+          </a:p>
+          <a:p>
+            <a:endParaRPr lang="en-US" dirty="0"/>
+          </a:p>
+          <a:p>
+            <a:r>
+              <a:rPr lang="en-US" dirty="0"/>
+              <a:t>Instead of the user seeing a blank box on the page with no feedback that something is happening, you can show a loading indicator with an animated image and the message "Loading data.." to to user.</a:t>
+            </a:r>
+          </a:p>
+          <a:p>
+            <a:endParaRPr lang="en-US" dirty="0"/>
+          </a:p>
+          <a:p>
+            <a:r>
+              <a:rPr lang="en-US" dirty="0"/>
+              <a:t>The two methods you'll use to control the indicator are `</a:t>
+            </a:r>
+            <a:r>
+              <a:rPr lang="en-US" dirty="0" err="1"/>
+              <a:t>displayLoadingIndicator</a:t>
+            </a:r>
+            <a:r>
+              <a:rPr lang="en-US" dirty="0"/>
+              <a:t>()` and `</a:t>
+            </a:r>
+            <a:r>
+              <a:rPr lang="en-US" dirty="0" err="1"/>
+              <a:t>clearLoadingIndicator</a:t>
+            </a:r>
+            <a:r>
+              <a:rPr lang="en-US" dirty="0"/>
+              <a:t>()`. Both methods are available from the `context` property on the web part.</a:t>
+            </a:r>
+          </a:p>
+          <a:p>
+            <a:endParaRPr lang="en-US" dirty="0"/>
+          </a:p>
+          <a:p>
+            <a:r>
+              <a:rPr lang="en-US" dirty="0"/>
+              <a:t>The first parameter of both methods is the DOM element where the indicator should be placed. In this case, the indicator is taking up the entire area reserved for rendering the web part on the page.</a:t>
+            </a:r>
+          </a:p>
+          <a:p>
             <a:endParaRPr lang="en-US" dirty="0"/>
           </a:p>
         </p:txBody>
@@ -3573,7 +4478,7 @@
             <a:fld id="{B4008EB6-D09E-4580-8CD6-DDB14511944F}" type="slidenum">
               <a:rPr lang="en-US" smtClean="0"/>
               <a:pPr/>
-              <a:t>6</a:t>
+              <a:t>5</a:t>
             </a:fld>
             <a:endParaRPr lang="en-US" dirty="0"/>
           </a:p>
@@ -3582,7 +4487,7 @@
     </p:spTree>
     <p:extLst>
       <p:ext uri="{BB962C8B-B14F-4D97-AF65-F5344CB8AC3E}">
-        <p14:creationId xmlns:p14="http://schemas.microsoft.com/office/powerpoint/2010/main" val="4001692008"/>
+        <p14:creationId xmlns:p14="http://schemas.microsoft.com/office/powerpoint/2010/main" val="1935793008"/>
       </p:ext>
     </p:extLst>
   </p:cSld>
@@ -3637,20 +4542,16 @@
           <a:lstStyle/>
           <a:p>
             <a:r>
-              <a:rPr lang="en-US" sz="900" b="0" i="0" u="none" strike="noStrike" kern="1200" dirty="0" err="1">
-                <a:solidFill>
-                  <a:schemeClr val="tx1"/>
-                </a:solidFill>
-                <a:effectLst/>
-                <a:latin typeface="Segoe UI Light" pitchFamily="34" charset="0"/>
-                <a:ea typeface="+mn-ea"/>
-                <a:cs typeface="+mn-cs"/>
-                <a:hlinkClick r:id="rId3"/>
-              </a:rPr>
-              <a:t>Lodash</a:t>
-            </a:r>
-            <a:r>
-              <a:rPr lang="en-US" sz="900" b="0" i="0" kern="1200" dirty="0">
+              <a:rPr lang="en-US" dirty="0"/>
+              <a:t>Error indicators are used when you need to display errors to your users. They work the same way as loading indicators and are available from the `context` property on the web part.</a:t>
+            </a:r>
+          </a:p>
+          <a:p>
+            <a:endParaRPr lang="en-US" dirty="0"/>
+          </a:p>
+          <a:p>
+            <a:r>
+              <a:rPr lang="en-US" sz="900" b="0" kern="1200" dirty="0">
                 <a:solidFill>
                   <a:schemeClr val="tx1"/>
                 </a:solidFill>
@@ -3659,71 +4560,8 @@
                 <a:ea typeface="+mn-ea"/>
                 <a:cs typeface="+mn-cs"/>
               </a:rPr>
-              <a:t> is a great JavaScript utility library that you can use to perform operations on various objects like arrays, numbers, strings etc., SharePoint Framework includes the </a:t>
-            </a:r>
-            <a:r>
-              <a:rPr lang="en-US" sz="900" b="0" i="0" u="none" strike="noStrike" kern="1200" dirty="0" err="1">
-                <a:solidFill>
-                  <a:schemeClr val="tx1"/>
-                </a:solidFill>
-                <a:effectLst/>
-                <a:latin typeface="Segoe UI Light" pitchFamily="34" charset="0"/>
-                <a:ea typeface="+mn-ea"/>
-                <a:cs typeface="+mn-cs"/>
-                <a:hlinkClick r:id="rId4"/>
-              </a:rPr>
-              <a:t>lodash</a:t>
-            </a:r>
-            <a:r>
-              <a:rPr lang="en-US" sz="900" b="0" i="0" u="none" strike="noStrike" kern="1200" dirty="0">
-                <a:solidFill>
-                  <a:schemeClr val="tx1"/>
-                </a:solidFill>
-                <a:effectLst/>
-                <a:latin typeface="Segoe UI Light" pitchFamily="34" charset="0"/>
-                <a:ea typeface="+mn-ea"/>
-                <a:cs typeface="+mn-cs"/>
-                <a:hlinkClick r:id="rId4"/>
-              </a:rPr>
-              <a:t> utility library</a:t>
-            </a:r>
-            <a:r>
-              <a:rPr lang="en-US" sz="900" b="0" i="0" kern="1200" dirty="0">
-                <a:solidFill>
-                  <a:schemeClr val="tx1"/>
-                </a:solidFill>
-                <a:effectLst/>
-                <a:latin typeface="Segoe UI Light" pitchFamily="34" charset="0"/>
-                <a:ea typeface="+mn-ea"/>
-                <a:cs typeface="+mn-cs"/>
-              </a:rPr>
-              <a:t> for use with SharePoint Framework out-of-the-box so you do not need to install it separately. To improve run-time performance, it only includes a subset of the most essential </a:t>
-            </a:r>
-            <a:r>
-              <a:rPr lang="en-US" sz="900" b="0" i="0" kern="1200" dirty="0" err="1">
-                <a:solidFill>
-                  <a:schemeClr val="tx1"/>
-                </a:solidFill>
-                <a:effectLst/>
-                <a:latin typeface="Segoe UI Light" pitchFamily="34" charset="0"/>
-                <a:ea typeface="+mn-ea"/>
-                <a:cs typeface="+mn-cs"/>
-              </a:rPr>
-              <a:t>lodash</a:t>
-            </a:r>
-            <a:r>
-              <a:rPr lang="en-US" sz="900" b="0" i="0" kern="1200" dirty="0">
-                <a:solidFill>
-                  <a:schemeClr val="tx1"/>
-                </a:solidFill>
-                <a:effectLst/>
-                <a:latin typeface="Segoe UI Light" pitchFamily="34" charset="0"/>
-                <a:ea typeface="+mn-ea"/>
-                <a:cs typeface="+mn-cs"/>
-              </a:rPr>
-              <a:t> functions.</a:t>
-            </a:r>
-            <a:endParaRPr lang="en-US" dirty="0"/>
+              <a:t>Like the loading indicator, the first parameter of both methods is the DOM element where the indicator should be placed. </a:t>
+            </a:r>
           </a:p>
         </p:txBody>
       </p:sp>
@@ -3822,7 +4660,7 @@
             <a:fld id="{B4008EB6-D09E-4580-8CD6-DDB14511944F}" type="slidenum">
               <a:rPr lang="en-US" smtClean="0"/>
               <a:pPr/>
-              <a:t>7</a:t>
+              <a:t>6</a:t>
             </a:fld>
             <a:endParaRPr lang="en-US" dirty="0"/>
           </a:p>
@@ -3831,7 +4669,7 @@
     </p:spTree>
     <p:extLst>
       <p:ext uri="{BB962C8B-B14F-4D97-AF65-F5344CB8AC3E}">
-        <p14:creationId xmlns:p14="http://schemas.microsoft.com/office/powerpoint/2010/main" val="1435310729"/>
+        <p14:creationId xmlns:p14="http://schemas.microsoft.com/office/powerpoint/2010/main" val="4001692008"/>
       </p:ext>
     </p:extLst>
   </p:cSld>
@@ -3886,8 +4724,150 @@
           <a:lstStyle/>
           <a:p>
             <a:r>
-              <a:rPr lang="en-US" dirty="0"/>
-              <a:t>SharePoint pages have display modes which indicate in which mode that page and/or its contents (e.g. text and web parts) are displayed. In the classic server-side SharePoint page, the web page and the web part can be in different modes.  For example, the web page can be in edit mode while the web part is not in edit mode.  In the modern client-side SharePoint page, both the page and/or its contents are in the same mode.</a:t>
+              <a:rPr lang="en-US" sz="900" b="0" i="0" u="none" strike="noStrike" kern="1200" dirty="0" err="1">
+                <a:solidFill>
+                  <a:schemeClr val="tx1"/>
+                </a:solidFill>
+                <a:effectLst/>
+                <a:latin typeface="Segoe UI Light" pitchFamily="34" charset="0"/>
+                <a:ea typeface="+mn-ea"/>
+                <a:cs typeface="+mn-cs"/>
+              </a:rPr>
+              <a:t>Lodash</a:t>
+            </a:r>
+            <a:r>
+              <a:rPr lang="en-US" sz="900" b="0" i="0" u="none" strike="noStrike" kern="1200" dirty="0">
+                <a:solidFill>
+                  <a:schemeClr val="tx1"/>
+                </a:solidFill>
+                <a:effectLst/>
+                <a:latin typeface="Segoe UI Light" pitchFamily="34" charset="0"/>
+                <a:ea typeface="+mn-ea"/>
+                <a:cs typeface="+mn-cs"/>
+              </a:rPr>
+              <a:t> is a great JavaScript utility library that you can use to perform operations on various objects such as arrays, numbers, and strings.</a:t>
+            </a:r>
+          </a:p>
+          <a:p>
+            <a:endParaRPr lang="en-US" sz="900" b="0" i="0" u="none" strike="noStrike" kern="1200" dirty="0">
+              <a:solidFill>
+                <a:schemeClr val="tx1"/>
+              </a:solidFill>
+              <a:effectLst/>
+              <a:latin typeface="Segoe UI Light" pitchFamily="34" charset="0"/>
+              <a:ea typeface="+mn-ea"/>
+              <a:cs typeface="+mn-cs"/>
+            </a:endParaRPr>
+          </a:p>
+          <a:p>
+            <a:r>
+              <a:rPr lang="en-US" sz="900" b="0" i="0" u="none" strike="noStrike" kern="1200" dirty="0">
+                <a:solidFill>
+                  <a:schemeClr val="tx1"/>
+                </a:solidFill>
+                <a:effectLst/>
+                <a:latin typeface="Segoe UI Light" pitchFamily="34" charset="0"/>
+                <a:ea typeface="+mn-ea"/>
+                <a:cs typeface="+mn-cs"/>
+              </a:rPr>
+              <a:t>SharePoint Framework includes a repackage version of the the </a:t>
+            </a:r>
+            <a:r>
+              <a:rPr lang="en-US" sz="900" b="0" i="0" u="none" strike="noStrike" kern="1200" dirty="0" err="1">
+                <a:solidFill>
+                  <a:schemeClr val="tx1"/>
+                </a:solidFill>
+                <a:effectLst/>
+                <a:latin typeface="Segoe UI Light" pitchFamily="34" charset="0"/>
+                <a:ea typeface="+mn-ea"/>
+                <a:cs typeface="+mn-cs"/>
+              </a:rPr>
+              <a:t>Lodash</a:t>
+            </a:r>
+            <a:r>
+              <a:rPr lang="en-US" sz="900" b="0" i="0" u="none" strike="noStrike" kern="1200" dirty="0">
+                <a:solidFill>
+                  <a:schemeClr val="tx1"/>
+                </a:solidFill>
+                <a:effectLst/>
+                <a:latin typeface="Segoe UI Light" pitchFamily="34" charset="0"/>
+                <a:ea typeface="+mn-ea"/>
+                <a:cs typeface="+mn-cs"/>
+              </a:rPr>
+              <a:t> utility library that contains a subset of the most common and essential functions from larger </a:t>
+            </a:r>
+            <a:r>
+              <a:rPr lang="en-US" sz="900" b="0" i="0" u="none" strike="noStrike" kern="1200" dirty="0" err="1">
+                <a:solidFill>
+                  <a:schemeClr val="tx1"/>
+                </a:solidFill>
+                <a:effectLst/>
+                <a:latin typeface="Segoe UI Light" pitchFamily="34" charset="0"/>
+                <a:ea typeface="+mn-ea"/>
+                <a:cs typeface="+mn-cs"/>
+              </a:rPr>
+              <a:t>Lodash</a:t>
+            </a:r>
+            <a:r>
+              <a:rPr lang="en-US" sz="900" b="0" i="0" u="none" strike="noStrike" kern="1200" dirty="0">
+                <a:solidFill>
+                  <a:schemeClr val="tx1"/>
+                </a:solidFill>
+                <a:effectLst/>
+                <a:latin typeface="Segoe UI Light" pitchFamily="34" charset="0"/>
+                <a:ea typeface="+mn-ea"/>
+                <a:cs typeface="+mn-cs"/>
+              </a:rPr>
+              <a:t> to improve performance.</a:t>
+            </a:r>
+          </a:p>
+          <a:p>
+            <a:endParaRPr lang="en-US" sz="900" b="0" i="0" u="none" strike="noStrike" kern="1200" dirty="0">
+              <a:solidFill>
+                <a:schemeClr val="tx1"/>
+              </a:solidFill>
+              <a:effectLst/>
+              <a:latin typeface="Segoe UI Light" pitchFamily="34" charset="0"/>
+              <a:ea typeface="+mn-ea"/>
+              <a:cs typeface="+mn-cs"/>
+            </a:endParaRPr>
+          </a:p>
+          <a:p>
+            <a:r>
+              <a:rPr lang="en-US" sz="900" b="0" i="0" u="none" strike="noStrike" kern="1200" dirty="0">
+                <a:solidFill>
+                  <a:schemeClr val="tx1"/>
+                </a:solidFill>
+                <a:effectLst/>
+                <a:latin typeface="Segoe UI Light" pitchFamily="34" charset="0"/>
+                <a:ea typeface="+mn-ea"/>
+                <a:cs typeface="+mn-cs"/>
+              </a:rPr>
+              <a:t>To use functions from the library, make sure you only import those functions that you will use in the current file. This will ensure you load only the minimally required code and not the entire </a:t>
+            </a:r>
+            <a:r>
+              <a:rPr lang="en-US" sz="900" b="0" i="0" u="none" strike="noStrike" kern="1200" dirty="0" err="1">
+                <a:solidFill>
+                  <a:schemeClr val="tx1"/>
+                </a:solidFill>
+                <a:effectLst/>
+                <a:latin typeface="Segoe UI Light" pitchFamily="34" charset="0"/>
+                <a:ea typeface="+mn-ea"/>
+                <a:cs typeface="+mn-cs"/>
+              </a:rPr>
+              <a:t>Lodash</a:t>
+            </a:r>
+            <a:r>
+              <a:rPr lang="en-US" sz="900" b="0" i="0" u="none" strike="noStrike" kern="1200" dirty="0">
+                <a:solidFill>
+                  <a:schemeClr val="tx1"/>
+                </a:solidFill>
+                <a:effectLst/>
+                <a:latin typeface="Segoe UI Light" pitchFamily="34" charset="0"/>
+                <a:ea typeface="+mn-ea"/>
+                <a:cs typeface="+mn-cs"/>
+              </a:rPr>
+              <a:t> subset library on the page:</a:t>
             </a:r>
           </a:p>
         </p:txBody>
@@ -3987,7 +4967,7 @@
             <a:fld id="{B4008EB6-D09E-4580-8CD6-DDB14511944F}" type="slidenum">
               <a:rPr lang="en-US" smtClean="0"/>
               <a:pPr/>
-              <a:t>8</a:t>
+              <a:t>7</a:t>
             </a:fld>
             <a:endParaRPr lang="en-US" dirty="0"/>
           </a:p>
@@ -3996,7 +4976,7 @@
     </p:spTree>
     <p:extLst>
       <p:ext uri="{BB962C8B-B14F-4D97-AF65-F5344CB8AC3E}">
-        <p14:creationId xmlns:p14="http://schemas.microsoft.com/office/powerpoint/2010/main" val="813964822"/>
+        <p14:creationId xmlns:p14="http://schemas.microsoft.com/office/powerpoint/2010/main" val="1435310729"/>
       </p:ext>
     </p:extLst>
   </p:cSld>
@@ -4052,96 +5032,63 @@
           <a:p>
             <a:r>
               <a:rPr lang="en-US" dirty="0"/>
-              <a:t>When the SharePoint workbench is hosted locally, you do not have the SharePoint page context. However, you can still test your web part in many different ways. For example, you can build the web part's UX and use mock data to simulate SharePoint interaction when you don't have the SharePoint context.</a:t>
-            </a:r>
-            <a:br>
-              <a:rPr lang="en-US" dirty="0"/>
-            </a:br>
-            <a:br>
-              <a:rPr lang="en-US" dirty="0"/>
-            </a:br>
-            <a:r>
-              <a:rPr lang="en-US" dirty="0"/>
-              <a:t>However, when the workbench is hosted in SharePoint, you get access to the page context which provides various key properties, such as:</a:t>
-            </a:r>
-            <a:br>
-              <a:rPr lang="en-US" dirty="0"/>
-            </a:br>
-            <a:br>
-              <a:rPr lang="en-US" dirty="0"/>
-            </a:br>
-            <a:r>
-              <a:rPr lang="en-US" sz="900" kern="1200" dirty="0">
-                <a:solidFill>
-                  <a:schemeClr val="tx1"/>
-                </a:solidFill>
-                <a:effectLst/>
-                <a:latin typeface="Segoe UI Light" pitchFamily="34" charset="0"/>
-                <a:ea typeface="+mn-ea"/>
-                <a:cs typeface="+mn-cs"/>
-              </a:rPr>
-              <a:t>- </a:t>
-            </a:r>
-            <a:r>
-              <a:rPr lang="en-US" dirty="0"/>
-              <a:t>Web title</a:t>
-            </a:r>
-            <a:br>
-              <a:rPr lang="en-US" dirty="0"/>
-            </a:br>
-            <a:r>
-              <a:rPr lang="en-US" sz="900" kern="1200" dirty="0">
-                <a:solidFill>
-                  <a:schemeClr val="tx1"/>
-                </a:solidFill>
-                <a:effectLst/>
-                <a:latin typeface="Segoe UI Light" pitchFamily="34" charset="0"/>
-                <a:ea typeface="+mn-ea"/>
-                <a:cs typeface="+mn-cs"/>
-              </a:rPr>
-              <a:t>- </a:t>
-            </a:r>
-            <a:r>
-              <a:rPr lang="en-US" dirty="0"/>
-              <a:t>Web absolute URL</a:t>
-            </a:r>
-            <a:br>
-              <a:rPr lang="en-US" dirty="0"/>
-            </a:br>
-            <a:r>
-              <a:rPr lang="en-US" sz="900" kern="1200" dirty="0">
-                <a:solidFill>
-                  <a:schemeClr val="tx1"/>
-                </a:solidFill>
-                <a:effectLst/>
-                <a:latin typeface="Segoe UI Light" pitchFamily="34" charset="0"/>
-                <a:ea typeface="+mn-ea"/>
-                <a:cs typeface="+mn-cs"/>
-              </a:rPr>
-              <a:t>- </a:t>
-            </a:r>
-            <a:r>
-              <a:rPr lang="en-US" dirty="0"/>
-              <a:t>Web server-relative URL</a:t>
-            </a:r>
-            <a:br>
-              <a:rPr lang="en-US" dirty="0"/>
-            </a:br>
-            <a:r>
-              <a:rPr lang="en-US" sz="900" kern="1200" dirty="0">
-                <a:solidFill>
-                  <a:schemeClr val="tx1"/>
-                </a:solidFill>
-                <a:effectLst/>
-                <a:latin typeface="Segoe UI Light" pitchFamily="34" charset="0"/>
-                <a:ea typeface="+mn-ea"/>
-                <a:cs typeface="+mn-cs"/>
-              </a:rPr>
-              <a:t>- </a:t>
-            </a:r>
-            <a:r>
-              <a:rPr lang="en-US" dirty="0"/>
-              <a:t>User login name</a:t>
+              <a:t>The SharePoint Framework API offers developers a way to determine the current display mode of a page. You can use this information to display a different experience for your users if the page is in read mode or edit mode.</a:t>
+            </a:r>
+          </a:p>
+          <a:p>
+            <a:endParaRPr lang="en-US" dirty="0"/>
+          </a:p>
+          <a:p>
+            <a:r>
+              <a:rPr lang="en-US" dirty="0"/>
+              <a:t>To do this, use the `</a:t>
+            </a:r>
+            <a:r>
+              <a:rPr lang="en-US" dirty="0" err="1"/>
+              <a:t>displayMode</a:t>
+            </a:r>
+            <a:r>
+              <a:rPr lang="en-US" dirty="0"/>
+              <a:t>` property on the current component and compare it to one of the options on the enumeration `</a:t>
+            </a:r>
+            <a:r>
+              <a:rPr lang="en-US" dirty="0" err="1"/>
+              <a:t>DisplayMode</a:t>
+            </a:r>
+            <a:r>
+              <a:rPr lang="en-US" dirty="0"/>
+              <a:t>` available from the **@</a:t>
+            </a:r>
+            <a:r>
+              <a:rPr lang="en-US" dirty="0" err="1"/>
+              <a:t>microsoft</a:t>
+            </a:r>
+            <a:r>
+              <a:rPr lang="en-US" dirty="0"/>
+              <a:t>/</a:t>
+            </a:r>
+            <a:r>
+              <a:rPr lang="en-US" dirty="0" err="1"/>
+              <a:t>sp</a:t>
+            </a:r>
+            <a:r>
+              <a:rPr lang="en-US" dirty="0"/>
+              <a:t>-core-library** package:</a:t>
+            </a:r>
+          </a:p>
+          <a:p>
+            <a:endParaRPr lang="en-US" dirty="0"/>
+          </a:p>
+          <a:p>
+            <a:r>
+              <a:rPr lang="en-US" dirty="0"/>
+              <a:t>&gt; [!IMPORTANT]</a:t>
+            </a:r>
+          </a:p>
+          <a:p>
+            <a:r>
+              <a:rPr lang="en-US" dirty="0"/>
+              <a:t>&gt; In a classic server-side SharePoint page, the web page and the web part can be in different modes. For example, the web page can be in edit mode while the web part is not in edit mode. In the modern client-side SharePoint page, both the page and/or its contents are in the same mode.</a:t>
             </a:r>
           </a:p>
         </p:txBody>
@@ -4241,7 +5188,7 @@
             <a:fld id="{B4008EB6-D09E-4580-8CD6-DDB14511944F}" type="slidenum">
               <a:rPr lang="en-US" smtClean="0"/>
               <a:pPr/>
-              <a:t>11</a:t>
+              <a:t>8</a:t>
             </a:fld>
             <a:endParaRPr lang="en-US" dirty="0"/>
           </a:p>
@@ -4250,7 +5197,7 @@
     </p:spTree>
     <p:extLst>
       <p:ext uri="{BB962C8B-B14F-4D97-AF65-F5344CB8AC3E}">
-        <p14:creationId xmlns:p14="http://schemas.microsoft.com/office/powerpoint/2010/main" val="878822592"/>
+        <p14:creationId xmlns:p14="http://schemas.microsoft.com/office/powerpoint/2010/main" val="813964822"/>
       </p:ext>
     </p:extLst>
   </p:cSld>
@@ -4305,7 +5252,7 @@
           <a:lstStyle/>
           <a:p>
             <a:r>
-              <a:rPr lang="en-US" sz="900" b="0" i="0" kern="1200" dirty="0">
+              <a:rPr lang="en-US" sz="900" b="0" kern="1200" dirty="0">
                 <a:solidFill>
                   <a:schemeClr val="tx1"/>
                 </a:solidFill>
@@ -4314,10 +5261,12 @@
                 <a:ea typeface="+mn-ea"/>
                 <a:cs typeface="+mn-cs"/>
               </a:rPr>
-              <a:t>The SharePoint workbench gives you the flexibility to test web parts in your local environment and from a SharePoint site. The </a:t>
-            </a:r>
-            <a:r>
-              <a:rPr lang="en-US" sz="900" b="0" i="0" kern="1200" dirty="0" err="1">
+              <a:t>Here you can see the difference between the different page modes when the previous code runs on a web part. In this example, the web part has been added to a classic page. Notice how the page's and web part's display mode don't always match up. This is because a web part can be in read or edit mode when the page is also in edit mode:</a:t>
+            </a:r>
+          </a:p>
+          <a:p>
+            <a:br>
+              <a:rPr lang="en-US" sz="900" b="0" kern="1200" dirty="0">
                 <a:solidFill>
                   <a:schemeClr val="tx1"/>
                 </a:solidFill>
@@ -4326,20 +5275,18 @@
                 <a:ea typeface="+mn-ea"/>
                 <a:cs typeface="+mn-cs"/>
               </a:rPr>
-              <a:t>EnvironmentType</a:t>
-            </a:r>
-            <a:r>
-              <a:rPr lang="en-US" sz="900" b="0" i="0" kern="1200" dirty="0">
-                <a:solidFill>
-                  <a:schemeClr val="tx1"/>
-                </a:solidFill>
-                <a:effectLst/>
-                <a:latin typeface="Segoe UI Light" pitchFamily="34" charset="0"/>
-                <a:ea typeface="+mn-ea"/>
-                <a:cs typeface="+mn-cs"/>
-              </a:rPr>
-              <a:t> module is used to determine which environment your web part is running in.</a:t>
-            </a:r>
+            </a:br>
+            <a:endParaRPr lang="en-US" sz="900" b="0" kern="1200" dirty="0">
+              <a:solidFill>
+                <a:schemeClr val="tx1"/>
+              </a:solidFill>
+              <a:effectLst/>
+              <a:latin typeface="Segoe UI Light" pitchFamily="34" charset="0"/>
+              <a:ea typeface="+mn-ea"/>
+              <a:cs typeface="+mn-cs"/>
+            </a:endParaRPr>
+          </a:p>
+          <a:p>
             <a:endParaRPr lang="en-US" dirty="0"/>
           </a:p>
         </p:txBody>
@@ -4351,7 +5298,7 @@
             <a:spLocks noGrp="1"/>
           </p:cNvSpPr>
           <p:nvPr>
-            <p:ph type="hdr" sz="quarter" idx="10"/>
+            <p:ph type="hdr" sz="quarter"/>
           </p:nvPr>
         </p:nvSpPr>
         <p:spPr/>
@@ -4361,7 +5308,7 @@
           <a:p>
             <a:r>
               <a:rPr lang="en-US"/>
-              <a:t>SharePoint</a:t>
+              <a:t>SharePoint Framework</a:t>
             </a:r>
             <a:endParaRPr lang="en-US" dirty="0"/>
           </a:p>
@@ -4374,7 +5321,7 @@
             <a:spLocks noGrp="1"/>
           </p:cNvSpPr>
           <p:nvPr>
-            <p:ph type="ftr" sz="quarter" idx="11"/>
+            <p:ph type="ftr" sz="quarter" idx="4"/>
           </p:nvPr>
         </p:nvSpPr>
         <p:spPr/>
@@ -4382,7 +5329,7 @@
           <a:bodyPr/>
           <a:lstStyle/>
           <a:p>
-            <a:pPr defTabSz="924154" eaLnBrk="0" hangingPunct="0"/>
+            <a:pPr defTabSz="914099" eaLnBrk="0" hangingPunct="0"/>
             <a:r>
               <a:rPr lang="en-US" sz="400">
                 <a:gradFill>
@@ -4400,7 +5347,7 @@
                 <a:ea typeface="Segoe UI" pitchFamily="34" charset="0"/>
                 <a:cs typeface="Segoe UI" pitchFamily="34" charset="0"/>
               </a:rPr>
-              <a:t>© 2016 Microsoft Corporation. All rights reserved. MICROSOFT MAKES NO WARRANTIES, EXPRESS, IMPLIED OR STATUTORY, AS TO THE INFORMATION IN THIS PRESENTATION.</a:t>
+              <a:t>© Microsoft Corporation. All rights reserved. MICROSOFT MAKES NO WARRANTIES, EXPRESS, IMPLIED OR STATUTORY, AS TO THE INFORMATION IN THIS PRESENTATION.</a:t>
             </a:r>
             <a:endParaRPr lang="en-US" sz="400" dirty="0">
               <a:gradFill>
@@ -4423,12 +5370,35 @@
       </p:sp>
       <p:sp>
         <p:nvSpPr>
-          <p:cNvPr id="6" name="Slide Number Placeholder 5"/>
+          <p:cNvPr id="6" name="Date Placeholder 5"/>
           <p:cNvSpPr>
             <a:spLocks noGrp="1"/>
           </p:cNvSpPr>
           <p:nvPr>
-            <p:ph type="sldNum" sz="quarter" idx="12"/>
+            <p:ph type="dt" idx="1"/>
+          </p:nvPr>
+        </p:nvSpPr>
+        <p:spPr/>
+        <p:txBody>
+          <a:bodyPr/>
+          <a:lstStyle/>
+          <a:p>
+            <a:fld id="{D18B56EA-E28F-4F92-9F16-7A6F2501B303}" type="datetime8">
+              <a:rPr lang="en-US" smtClean="0"/>
+              <a:t>2/26/20 6:19 AM</a:t>
+            </a:fld>
+            <a:endParaRPr lang="en-US" dirty="0"/>
+          </a:p>
+        </p:txBody>
+      </p:sp>
+      <p:sp>
+        <p:nvSpPr>
+          <p:cNvPr id="7" name="Slide Number Placeholder 6"/>
+          <p:cNvSpPr>
+            <a:spLocks noGrp="1"/>
+          </p:cNvSpPr>
+          <p:nvPr>
+            <p:ph type="sldNum" sz="quarter" idx="5"/>
           </p:nvPr>
         </p:nvSpPr>
         <p:spPr/>
@@ -4439,7 +5409,7 @@
             <a:fld id="{B4008EB6-D09E-4580-8CD6-DDB14511944F}" type="slidenum">
               <a:rPr lang="en-US" smtClean="0"/>
               <a:pPr/>
-              <a:t>13</a:t>
+              <a:t>9</a:t>
             </a:fld>
             <a:endParaRPr lang="en-US" dirty="0"/>
           </a:p>
@@ -4448,7 +5418,7 @@
     </p:spTree>
     <p:extLst>
       <p:ext uri="{BB962C8B-B14F-4D97-AF65-F5344CB8AC3E}">
-        <p14:creationId xmlns:p14="http://schemas.microsoft.com/office/powerpoint/2010/main" val="2465334039"/>
+        <p14:creationId xmlns:p14="http://schemas.microsoft.com/office/powerpoint/2010/main" val="4032323946"/>
       </p:ext>
     </p:extLst>
   </p:cSld>
@@ -4503,7 +5473,7 @@
           <a:lstStyle/>
           <a:p>
             <a:r>
-              <a:rPr lang="en-US" sz="900" b="0" i="0" kern="1200" dirty="0">
+              <a:rPr lang="en-US" sz="900" b="0" kern="1200" dirty="0">
                 <a:solidFill>
                   <a:schemeClr val="tx1"/>
                 </a:solidFill>
@@ -4512,33 +5482,8 @@
                 <a:ea typeface="+mn-ea"/>
                 <a:cs typeface="+mn-cs"/>
               </a:rPr>
-              <a:t>The SharePoint workbench gives you the flexibility to test web parts in your local environment and from a SharePoint site. The </a:t>
-            </a:r>
-            <a:r>
-              <a:rPr lang="en-US" sz="900" b="0" i="0" kern="1200" dirty="0" err="1">
-                <a:solidFill>
-                  <a:schemeClr val="tx1"/>
-                </a:solidFill>
-                <a:effectLst/>
-                <a:latin typeface="Segoe UI Light" pitchFamily="34" charset="0"/>
-                <a:ea typeface="+mn-ea"/>
-                <a:cs typeface="+mn-cs"/>
-              </a:rPr>
-              <a:t>EnvironmentType</a:t>
-            </a:r>
-            <a:r>
-              <a:rPr lang="en-US" sz="900" b="0" i="0" kern="1200" dirty="0">
-                <a:solidFill>
-                  <a:schemeClr val="tx1"/>
-                </a:solidFill>
-                <a:effectLst/>
-                <a:latin typeface="Segoe UI Light" pitchFamily="34" charset="0"/>
-                <a:ea typeface="+mn-ea"/>
-                <a:cs typeface="+mn-cs"/>
-              </a:rPr>
-              <a:t> module is used to determine which environment your web part is running in.</a:t>
-            </a:r>
-            <a:endParaRPr lang="en-US" dirty="0"/>
+              <a:t>While on a modern page, the display mode of the web part follows the same mode as the page.</a:t>
+            </a:r>
           </a:p>
         </p:txBody>
       </p:sp>
@@ -4549,7 +5494,7 @@
             <a:spLocks noGrp="1"/>
           </p:cNvSpPr>
           <p:nvPr>
-            <p:ph type="hdr" sz="quarter" idx="10"/>
+            <p:ph type="hdr" sz="quarter"/>
           </p:nvPr>
         </p:nvSpPr>
         <p:spPr/>
@@ -4559,7 +5504,7 @@
           <a:p>
             <a:r>
               <a:rPr lang="en-US"/>
-              <a:t>SharePoint</a:t>
+              <a:t>SharePoint Framework</a:t>
             </a:r>
             <a:endParaRPr lang="en-US" dirty="0"/>
           </a:p>
@@ -4572,7 +5517,7 @@
             <a:spLocks noGrp="1"/>
           </p:cNvSpPr>
           <p:nvPr>
-            <p:ph type="ftr" sz="quarter" idx="11"/>
+            <p:ph type="ftr" sz="quarter" idx="4"/>
           </p:nvPr>
         </p:nvSpPr>
         <p:spPr/>
@@ -4580,7 +5525,7 @@
           <a:bodyPr/>
           <a:lstStyle/>
           <a:p>
-            <a:pPr defTabSz="924154" eaLnBrk="0" hangingPunct="0"/>
+            <a:pPr defTabSz="914099" eaLnBrk="0" hangingPunct="0"/>
             <a:r>
               <a:rPr lang="en-US" sz="400">
                 <a:gradFill>
@@ -4598,7 +5543,7 @@
                 <a:ea typeface="Segoe UI" pitchFamily="34" charset="0"/>
                 <a:cs typeface="Segoe UI" pitchFamily="34" charset="0"/>
               </a:rPr>
-              <a:t>© 2016 Microsoft Corporation. All rights reserved. MICROSOFT MAKES NO WARRANTIES, EXPRESS, IMPLIED OR STATUTORY, AS TO THE INFORMATION IN THIS PRESENTATION.</a:t>
+              <a:t>© Microsoft Corporation. All rights reserved. MICROSOFT MAKES NO WARRANTIES, EXPRESS, IMPLIED OR STATUTORY, AS TO THE INFORMATION IN THIS PRESENTATION.</a:t>
             </a:r>
             <a:endParaRPr lang="en-US" sz="400" dirty="0">
               <a:gradFill>
@@ -4621,12 +5566,35 @@
       </p:sp>
       <p:sp>
         <p:nvSpPr>
-          <p:cNvPr id="6" name="Slide Number Placeholder 5"/>
+          <p:cNvPr id="6" name="Date Placeholder 5"/>
           <p:cNvSpPr>
             <a:spLocks noGrp="1"/>
           </p:cNvSpPr>
           <p:nvPr>
-            <p:ph type="sldNum" sz="quarter" idx="12"/>
+            <p:ph type="dt" idx="1"/>
+          </p:nvPr>
+        </p:nvSpPr>
+        <p:spPr/>
+        <p:txBody>
+          <a:bodyPr/>
+          <a:lstStyle/>
+          <a:p>
+            <a:fld id="{D18B56EA-E28F-4F92-9F16-7A6F2501B303}" type="datetime8">
+              <a:rPr lang="en-US" smtClean="0"/>
+              <a:t>2/26/20 1:12 PM</a:t>
+            </a:fld>
+            <a:endParaRPr lang="en-US" dirty="0"/>
+          </a:p>
+        </p:txBody>
+      </p:sp>
+      <p:sp>
+        <p:nvSpPr>
+          <p:cNvPr id="7" name="Slide Number Placeholder 6"/>
+          <p:cNvSpPr>
+            <a:spLocks noGrp="1"/>
+          </p:cNvSpPr>
+          <p:nvPr>
+            <p:ph type="sldNum" sz="quarter" idx="5"/>
           </p:nvPr>
         </p:nvSpPr>
         <p:spPr/>
@@ -4637,7 +5605,7 @@
             <a:fld id="{B4008EB6-D09E-4580-8CD6-DDB14511944F}" type="slidenum">
               <a:rPr lang="en-US" smtClean="0"/>
               <a:pPr/>
-              <a:t>14</a:t>
+              <a:t>10</a:t>
             </a:fld>
             <a:endParaRPr lang="en-US" dirty="0"/>
           </a:p>
@@ -4646,7 +5614,7 @@
     </p:spTree>
     <p:extLst>
       <p:ext uri="{BB962C8B-B14F-4D97-AF65-F5344CB8AC3E}">
-        <p14:creationId xmlns:p14="http://schemas.microsoft.com/office/powerpoint/2010/main" val="1812727307"/>
+        <p14:creationId xmlns:p14="http://schemas.microsoft.com/office/powerpoint/2010/main" val="3897742959"/>
       </p:ext>
     </p:extLst>
   </p:cSld>
@@ -17181,7 +18149,7 @@
       </a:lvl9pPr>
     </p:otherStyle>
   </p:txStyles>
-  <p:extLst mod="1">
+  <p:extLst>
     <p:ext uri="{27BBF7A9-308A-43DC-89C8-2F10F3537804}">
       <p15:sldGuideLst xmlns:p15="http://schemas.microsoft.com/office/powerpoint/2012/main">
         <p15:guide id="3" pos="1381" userDrawn="1">
@@ -17367,7 +18335,7 @@
           <a:p>
             <a:r>
               <a:rPr lang="en-US" dirty="0"/>
-              <a:t>Testing the Web Part in the Local &amp; Hosted Workbench</a:t>
+              <a:t>Exploring the SharePoint Framework API</a:t>
             </a:r>
           </a:p>
         </p:txBody>
@@ -17490,7 +18458,7 @@
           <p:nvPr/>
         </p:nvPicPr>
         <p:blipFill>
-          <a:blip r:embed="rId2"/>
+          <a:blip r:embed="rId3"/>
           <a:stretch>
             <a:fillRect/>
           </a:stretch>
@@ -17528,7 +18496,7 @@
           <p:nvPr/>
         </p:nvPicPr>
         <p:blipFill>
-          <a:blip r:embed="rId3"/>
+          <a:blip r:embed="rId4"/>
           <a:stretch>
             <a:fillRect/>
           </a:stretch>
@@ -17670,7 +18638,21 @@
                 <a:latin typeface="Courier New" panose="02070309020205020404" pitchFamily="49" charset="0"/>
                 <a:cs typeface="Courier New" panose="02070309020205020404" pitchFamily="49" charset="0"/>
               </a:rPr>
-              <a:t>  </a:t>
+              <a:t>  const </a:t>
+            </a:r>
+            <a:r>
+              <a:rPr lang="en-US" dirty="0" err="1">
+                <a:latin typeface="Courier New" panose="02070309020205020404" pitchFamily="49" charset="0"/>
+                <a:cs typeface="Courier New" panose="02070309020205020404" pitchFamily="49" charset="0"/>
+              </a:rPr>
+              <a:t>siteTitle</a:t>
+            </a:r>
+            <a:r>
+              <a:rPr lang="en-US" dirty="0">
+                <a:latin typeface="Courier New" panose="02070309020205020404" pitchFamily="49" charset="0"/>
+                <a:cs typeface="Courier New" panose="02070309020205020404" pitchFamily="49" charset="0"/>
+              </a:rPr>
+              <a:t>: string = </a:t>
             </a:r>
             <a:r>
               <a:rPr lang="en-US" dirty="0" err="1">
@@ -17679,10 +18661,13 @@
               </a:rPr>
               <a:t>this.context.pageContext.web.title</a:t>
             </a:r>
-            <a:endParaRPr lang="en-US" dirty="0">
-              <a:latin typeface="Courier New" panose="02070309020205020404" pitchFamily="49" charset="0"/>
-              <a:cs typeface="Courier New" panose="02070309020205020404" pitchFamily="49" charset="0"/>
-            </a:endParaRPr>
+            <a:r>
+              <a:rPr lang="en-US" dirty="0">
+                <a:latin typeface="Courier New" panose="02070309020205020404" pitchFamily="49" charset="0"/>
+                <a:cs typeface="Courier New" panose="02070309020205020404" pitchFamily="49" charset="0"/>
+              </a:rPr>
+              <a:t>;</a:t>
+            </a:r>
           </a:p>
         </p:txBody>
       </p:sp>
@@ -17877,7 +18862,7 @@
           <p:nvPr/>
         </p:nvPicPr>
         <p:blipFill>
-          <a:blip r:embed="rId2"/>
+          <a:blip r:embed="rId3"/>
           <a:stretch>
             <a:fillRect/>
           </a:stretch>
@@ -17907,7 +18892,7 @@
           <p:nvPr/>
         </p:nvPicPr>
         <p:blipFill>
-          <a:blip r:embed="rId3"/>
+          <a:blip r:embed="rId4"/>
           <a:stretch>
             <a:fillRect/>
           </a:stretch>
@@ -19407,7 +20392,7 @@
           <a:p>
             <a:r>
               <a:rPr lang="en-US" sz="2800" dirty="0"/>
-              <a:t>Exploring a SharePoint Framework Project </a:t>
+              <a:t>Exploring the SharePoint Framework API</a:t>
             </a:r>
           </a:p>
         </p:txBody>
@@ -19439,7 +20424,7 @@
             </a:pPr>
             <a:r>
               <a:rPr lang="en-US" sz="2000" dirty="0"/>
-              <a:t>Local Workbench</a:t>
+              <a:t>SharePoint Framework utilities, indicators and libraries</a:t>
             </a:r>
           </a:p>
           <a:p>
@@ -19450,7 +20435,7 @@
             </a:pPr>
             <a:r>
               <a:rPr lang="en-US" sz="2000" dirty="0"/>
-              <a:t>Hosted Workbench</a:t>
+              <a:t>Page modes</a:t>
             </a:r>
           </a:p>
           <a:p>
@@ -19461,7 +20446,40 @@
             </a:pPr>
             <a:r>
               <a:rPr lang="en-US" sz="2000" dirty="0"/>
-              <a:t>Different modes of the gulp serve task</a:t>
+              <a:t>Page context</a:t>
+            </a:r>
+          </a:p>
+          <a:p>
+            <a:pPr>
+              <a:spcBef>
+                <a:spcPts val="1200"/>
+              </a:spcBef>
+            </a:pPr>
+            <a:r>
+              <a:rPr lang="en-US" sz="2000" dirty="0"/>
+              <a:t>Environment types</a:t>
+            </a:r>
+          </a:p>
+          <a:p>
+            <a:pPr>
+              <a:spcBef>
+                <a:spcPts val="1200"/>
+              </a:spcBef>
+            </a:pPr>
+            <a:r>
+              <a:rPr lang="en-US" sz="2000" dirty="0"/>
+              <a:t>Logging</a:t>
+            </a:r>
+          </a:p>
+          <a:p>
+            <a:pPr>
+              <a:spcBef>
+                <a:spcPts val="1200"/>
+              </a:spcBef>
+            </a:pPr>
+            <a:r>
+              <a:rPr lang="en-US" sz="2000" dirty="0"/>
+              <a:t>Programmatically loading libraries</a:t>
             </a:r>
           </a:p>
         </p:txBody>
@@ -19740,7 +20758,12 @@
             <p:ph type="body" sz="quarter" idx="10"/>
           </p:nvPr>
         </p:nvSpPr>
-        <p:spPr/>
+        <p:spPr>
+          <a:xfrm>
+            <a:off x="464400" y="1212850"/>
+            <a:ext cx="11574000" cy="4708981"/>
+          </a:xfrm>
+        </p:spPr>
         <p:txBody>
           <a:bodyPr/>
           <a:lstStyle/>
@@ -19751,18 +20774,27 @@
             </a:r>
           </a:p>
           <a:p>
+            <a:endParaRPr lang="en-US" dirty="0"/>
+          </a:p>
+          <a:p>
             <a:r>
               <a:rPr lang="en-US" dirty="0"/>
               <a:t>Available via the web part context property</a:t>
             </a:r>
           </a:p>
           <a:p>
+            <a:endParaRPr lang="en-US" dirty="0"/>
+          </a:p>
+          <a:p>
             <a:r>
               <a:rPr lang="en-US" dirty="0"/>
               <a:t>Use the entire web part UX</a:t>
             </a:r>
           </a:p>
           <a:p>
+            <a:endParaRPr lang="en-US" dirty="0"/>
+          </a:p>
+          <a:p>
             <a:r>
               <a:rPr lang="en-US" dirty="0"/>
               <a:t>Loading indicators</a:t>
@@ -19774,6 +20806,9 @@
               <a:rPr lang="en-US" dirty="0"/>
               <a:t>Useful when you are initializing or loading any content in your web part.</a:t>
             </a:r>
+          </a:p>
+          <a:p>
+            <a:endParaRPr lang="en-US" dirty="0"/>
           </a:p>
           <a:p>
             <a:r>
@@ -19870,11 +20905,17 @@
               <a:t>Display the loading indicator: </a:t>
             </a:r>
             <a:r>
-              <a:rPr lang="en-US" dirty="0" err="1"/>
+              <a:rPr lang="en-US" dirty="0" err="1">
+                <a:latin typeface="Courier New" panose="02070309020205020404" pitchFamily="49" charset="0"/>
+                <a:cs typeface="Courier New" panose="02070309020205020404" pitchFamily="49" charset="0"/>
+              </a:rPr>
               <a:t>displayLoadingIndicator</a:t>
             </a:r>
             <a:r>
-              <a:rPr lang="en-US" dirty="0"/>
+              <a:rPr lang="en-US" dirty="0">
+                <a:latin typeface="Courier New" panose="02070309020205020404" pitchFamily="49" charset="0"/>
+                <a:cs typeface="Courier New" panose="02070309020205020404" pitchFamily="49" charset="0"/>
+              </a:rPr>
               <a:t>()</a:t>
             </a:r>
           </a:p>
@@ -19884,11 +20925,17 @@
               <a:t>Clear the loading indicator: </a:t>
             </a:r>
             <a:r>
-              <a:rPr lang="en-US" dirty="0" err="1"/>
+              <a:rPr lang="en-US" dirty="0" err="1">
+                <a:latin typeface="Courier New" panose="02070309020205020404" pitchFamily="49" charset="0"/>
+                <a:cs typeface="Courier New" panose="02070309020205020404" pitchFamily="49" charset="0"/>
+              </a:rPr>
               <a:t>clearLoadingIndicator</a:t>
             </a:r>
             <a:r>
-              <a:rPr lang="en-US" dirty="0"/>
+              <a:rPr lang="en-US" dirty="0">
+                <a:latin typeface="Courier New" panose="02070309020205020404" pitchFamily="49" charset="0"/>
+                <a:cs typeface="Courier New" panose="02070309020205020404" pitchFamily="49" charset="0"/>
+              </a:rPr>
               <a:t>()</a:t>
             </a:r>
           </a:p>
@@ -20074,10 +21121,19 @@
               <a:t>Show an error, call </a:t>
             </a:r>
             <a:r>
-              <a:rPr lang="en-US" dirty="0" err="1"/>
+              <a:rPr lang="en-US" dirty="0" err="1">
+                <a:latin typeface="Courier New" panose="02070309020205020404" pitchFamily="49" charset="0"/>
+                <a:cs typeface="Courier New" panose="02070309020205020404" pitchFamily="49" charset="0"/>
+              </a:rPr>
               <a:t>renderError</a:t>
             </a:r>
-            <a:endParaRPr lang="en-US" dirty="0"/>
+            <a:r>
+              <a:rPr lang="en-US" dirty="0">
+                <a:latin typeface="Courier New" panose="02070309020205020404" pitchFamily="49" charset="0"/>
+                <a:cs typeface="Courier New" panose="02070309020205020404" pitchFamily="49" charset="0"/>
+              </a:rPr>
+              <a:t>()</a:t>
+            </a:r>
           </a:p>
           <a:p>
             <a:r>
@@ -20085,10 +21141,19 @@
               <a:t>Clear an error, call </a:t>
             </a:r>
             <a:r>
-              <a:rPr lang="en-US" dirty="0" err="1"/>
+              <a:rPr lang="en-US" dirty="0" err="1">
+                <a:latin typeface="Courier New" panose="02070309020205020404" pitchFamily="49" charset="0"/>
+                <a:cs typeface="Courier New" panose="02070309020205020404" pitchFamily="49" charset="0"/>
+              </a:rPr>
               <a:t>clearError</a:t>
             </a:r>
-            <a:endParaRPr lang="en-US" dirty="0"/>
+            <a:r>
+              <a:rPr lang="en-US" dirty="0">
+                <a:latin typeface="Courier New" panose="02070309020205020404" pitchFamily="49" charset="0"/>
+                <a:cs typeface="Courier New" panose="02070309020205020404" pitchFamily="49" charset="0"/>
+              </a:rPr>
+              <a:t>()</a:t>
+            </a:r>
           </a:p>
           <a:p>
             <a:endParaRPr lang="en-US" dirty="0"/>
@@ -20763,7 +21828,7 @@
           <p:nvPr/>
         </p:nvPicPr>
         <p:blipFill>
-          <a:blip r:embed="rId2"/>
+          <a:blip r:embed="rId3"/>
           <a:stretch>
             <a:fillRect/>
           </a:stretch>
@@ -20793,7 +21858,7 @@
           <p:nvPr/>
         </p:nvPicPr>
         <p:blipFill>
-          <a:blip r:embed="rId2"/>
+          <a:blip r:embed="rId3"/>
           <a:stretch>
             <a:fillRect/>
           </a:stretch>
@@ -20823,7 +21888,7 @@
           <p:nvPr/>
         </p:nvPicPr>
         <p:blipFill>
-          <a:blip r:embed="rId3"/>
+          <a:blip r:embed="rId4"/>
           <a:stretch>
             <a:fillRect/>
           </a:stretch>

--- a/03-spfxapi.pptx
+++ b/03-spfxapi.pptx
@@ -284,7 +284,7 @@
               <a:rPr lang="en-US" smtClean="0">
                 <a:latin typeface="Segoe UI" pitchFamily="34" charset="0"/>
               </a:rPr>
-              <a:t>2/26/20 5:36 AM</a:t>
+              <a:t>8/22/2020 3:18 PM</a:t>
             </a:fld>
             <a:endParaRPr lang="en-US" dirty="0">
               <a:latin typeface="Segoe UI" pitchFamily="34" charset="0"/>
@@ -581,7 +581,7 @@
           <a:p>
             <a:fld id="{D18B56EA-E28F-4F92-9F16-7A6F2501B303}" type="datetime8">
               <a:rPr lang="en-US" smtClean="0"/>
-              <a:t>2/26/20 5:35 AM</a:t>
+              <a:t>8/22/2020 3:18 PM</a:t>
             </a:fld>
             <a:endParaRPr lang="en-US" dirty="0"/>
           </a:p>
@@ -964,7 +964,7 @@
           <a:p>
             <a:fld id="{D18B56EA-E28F-4F92-9F16-7A6F2501B303}" type="datetime8">
               <a:rPr lang="en-US" smtClean="0"/>
-              <a:t>2/26/20 5:36 AM</a:t>
+              <a:t>8/22/2020 3:18 PM</a:t>
             </a:fld>
             <a:endParaRPr lang="en-US" dirty="0"/>
           </a:p>
@@ -1052,62 +1052,16 @@
           <a:lstStyle/>
           <a:p>
             <a:r>
-              <a:rPr lang="en-US" dirty="0"/>
-              <a:t>The SharePoint Framework API includes a reference to the context of the current page where the component is running. Use the `context` object, available from the component's base class, to access the page context:</a:t>
-            </a:r>
-          </a:p>
-          <a:p>
-            <a:endParaRPr lang="en-US" dirty="0"/>
-          </a:p>
-          <a:p>
-            <a:r>
-              <a:rPr lang="en-US" dirty="0"/>
-              <a:t>Custom components can access the following properties on the page context:</a:t>
-            </a:r>
-          </a:p>
-          <a:p>
-            <a:endParaRPr lang="en-US" dirty="0"/>
-          </a:p>
-          <a:p>
-            <a:r>
-              <a:rPr lang="en-US" dirty="0"/>
-              <a:t>- web title</a:t>
-            </a:r>
-          </a:p>
-          <a:p>
-            <a:r>
-              <a:rPr lang="en-US" dirty="0"/>
-              <a:t>- web absolute URL</a:t>
-            </a:r>
-          </a:p>
-          <a:p>
-            <a:r>
-              <a:rPr lang="en-US" dirty="0"/>
-              <a:t>- web server-relative URL</a:t>
-            </a:r>
-          </a:p>
-          <a:p>
-            <a:r>
-              <a:rPr lang="en-US" dirty="0"/>
-              <a:t>- current user login name</a:t>
-            </a:r>
-          </a:p>
-          <a:p>
-            <a:endParaRPr lang="en-US" dirty="0"/>
-          </a:p>
-          <a:p>
-            <a:r>
-              <a:rPr lang="en-US" dirty="0"/>
-              <a:t>The `context` property is available in both the local workbench and SharePoint-hosted workbench. When testing a component in the local workbench, mock data is returned. For example, the title of the current site and details of the current user never change because they are hard-coded in the SharePoint Framework API. </a:t>
-            </a:r>
-          </a:p>
-          <a:p>
-            <a:endParaRPr lang="en-US" dirty="0"/>
-          </a:p>
-          <a:p>
-            <a:r>
-              <a:rPr lang="en-US" dirty="0"/>
-              <a:t>The `context` property will always return real data when testing the component in the SharePoint-hosted workbench.</a:t>
+              <a:rPr lang="en-US" sz="900" b="0" kern="1200" dirty="0">
+                <a:solidFill>
+                  <a:schemeClr val="tx1"/>
+                </a:solidFill>
+                <a:effectLst/>
+                <a:latin typeface="Segoe UI Light" pitchFamily="34" charset="0"/>
+                <a:ea typeface="+mn-ea"/>
+                <a:cs typeface="+mn-cs"/>
+              </a:rPr>
+              <a:t>While on a modern page, the display mode of the web part follows the same mode as the page.</a:t>
             </a:r>
           </a:p>
         </p:txBody>
@@ -1119,7 +1073,7 @@
             <a:spLocks noGrp="1"/>
           </p:cNvSpPr>
           <p:nvPr>
-            <p:ph type="hdr" sz="quarter" idx="10"/>
+            <p:ph type="hdr" sz="quarter"/>
           </p:nvPr>
         </p:nvSpPr>
         <p:spPr/>
@@ -1129,7 +1083,7 @@
           <a:p>
             <a:r>
               <a:rPr lang="en-US"/>
-              <a:t>SharePoint</a:t>
+              <a:t>SharePoint Framework</a:t>
             </a:r>
             <a:endParaRPr lang="en-US" dirty="0"/>
           </a:p>
@@ -1142,7 +1096,7 @@
             <a:spLocks noGrp="1"/>
           </p:cNvSpPr>
           <p:nvPr>
-            <p:ph type="ftr" sz="quarter" idx="11"/>
+            <p:ph type="ftr" sz="quarter" idx="4"/>
           </p:nvPr>
         </p:nvSpPr>
         <p:spPr/>
@@ -1150,7 +1104,7 @@
           <a:bodyPr/>
           <a:lstStyle/>
           <a:p>
-            <a:pPr defTabSz="924154" eaLnBrk="0" hangingPunct="0"/>
+            <a:pPr defTabSz="914099" eaLnBrk="0" hangingPunct="0"/>
             <a:r>
               <a:rPr lang="en-US" sz="400">
                 <a:gradFill>
@@ -1168,7 +1122,7 @@
                 <a:ea typeface="Segoe UI" pitchFamily="34" charset="0"/>
                 <a:cs typeface="Segoe UI" pitchFamily="34" charset="0"/>
               </a:rPr>
-              <a:t>© 2016 Microsoft Corporation. All rights reserved. MICROSOFT MAKES NO WARRANTIES, EXPRESS, IMPLIED OR STATUTORY, AS TO THE INFORMATION IN THIS PRESENTATION.</a:t>
+              <a:t>© Microsoft Corporation. All rights reserved. MICROSOFT MAKES NO WARRANTIES, EXPRESS, IMPLIED OR STATUTORY, AS TO THE INFORMATION IN THIS PRESENTATION.</a:t>
             </a:r>
             <a:endParaRPr lang="en-US" sz="400" dirty="0">
               <a:gradFill>
@@ -1191,12 +1145,35 @@
       </p:sp>
       <p:sp>
         <p:nvSpPr>
-          <p:cNvPr id="6" name="Slide Number Placeholder 5"/>
+          <p:cNvPr id="6" name="Date Placeholder 5"/>
           <p:cNvSpPr>
             <a:spLocks noGrp="1"/>
           </p:cNvSpPr>
           <p:nvPr>
-            <p:ph type="sldNum" sz="quarter" idx="12"/>
+            <p:ph type="dt" idx="1"/>
+          </p:nvPr>
+        </p:nvSpPr>
+        <p:spPr/>
+        <p:txBody>
+          <a:bodyPr/>
+          <a:lstStyle/>
+          <a:p>
+            <a:fld id="{D18B56EA-E28F-4F92-9F16-7A6F2501B303}" type="datetime8">
+              <a:rPr lang="en-US" smtClean="0"/>
+              <a:t>8/22/2020 3:18 PM</a:t>
+            </a:fld>
+            <a:endParaRPr lang="en-US" dirty="0"/>
+          </a:p>
+        </p:txBody>
+      </p:sp>
+      <p:sp>
+        <p:nvSpPr>
+          <p:cNvPr id="7" name="Slide Number Placeholder 6"/>
+          <p:cNvSpPr>
+            <a:spLocks noGrp="1"/>
+          </p:cNvSpPr>
+          <p:nvPr>
+            <p:ph type="sldNum" sz="quarter" idx="5"/>
           </p:nvPr>
         </p:nvSpPr>
         <p:spPr/>
@@ -1207,7 +1184,7 @@
             <a:fld id="{B4008EB6-D09E-4580-8CD6-DDB14511944F}" type="slidenum">
               <a:rPr lang="en-US" smtClean="0"/>
               <a:pPr/>
-              <a:t>11</a:t>
+              <a:t>10</a:t>
             </a:fld>
             <a:endParaRPr lang="en-US" dirty="0"/>
           </a:p>
@@ -1216,7 +1193,7 @@
     </p:spTree>
     <p:extLst>
       <p:ext uri="{BB962C8B-B14F-4D97-AF65-F5344CB8AC3E}">
-        <p14:creationId xmlns:p14="http://schemas.microsoft.com/office/powerpoint/2010/main" val="878822592"/>
+        <p14:creationId xmlns:p14="http://schemas.microsoft.com/office/powerpoint/2010/main" val="3897742959"/>
       </p:ext>
     </p:extLst>
   </p:cSld>
@@ -1272,7 +1249,7 @@
           <a:p>
             <a:r>
               <a:rPr lang="en-US" dirty="0"/>
-              <a:t>Here's a web part running in the local workbench compared to running in the SharePoint-hosted workbench. Notice the local workbench version has a site title of **Local Workbench**. </a:t>
+              <a:t>The SharePoint Framework API includes a reference to the context of the current page where the component is running. Use the `context` object, available from the component's base class, to access the page context:</a:t>
             </a:r>
           </a:p>
           <a:p>
@@ -1281,13 +1258,52 @@
           <a:p>
             <a:r>
               <a:rPr lang="en-US" dirty="0"/>
-              <a:t>In the other version of the web part, it's running in a real SharePoint page. This can be in the SharePoint-hosted workbench or on a web part page. Notice the title of the current site is different from the local workbench and will match the title of the site where the web part is currently running.</a:t>
-            </a:r>
-          </a:p>
-          <a:p>
-            <a:r>
-              <a:rPr lang="en-US" dirty="0"/>
-              <a:t> </a:t>
+              <a:t>Custom components can access the following properties on the page context:</a:t>
+            </a:r>
+          </a:p>
+          <a:p>
+            <a:endParaRPr lang="en-US" dirty="0"/>
+          </a:p>
+          <a:p>
+            <a:r>
+              <a:rPr lang="en-US" dirty="0"/>
+              <a:t>- web title</a:t>
+            </a:r>
+          </a:p>
+          <a:p>
+            <a:r>
+              <a:rPr lang="en-US" dirty="0"/>
+              <a:t>- web absolute URL</a:t>
+            </a:r>
+          </a:p>
+          <a:p>
+            <a:r>
+              <a:rPr lang="en-US" dirty="0"/>
+              <a:t>- web server-relative URL</a:t>
+            </a:r>
+          </a:p>
+          <a:p>
+            <a:r>
+              <a:rPr lang="en-US" dirty="0"/>
+              <a:t>- current user login name</a:t>
+            </a:r>
+          </a:p>
+          <a:p>
+            <a:endParaRPr lang="en-US" dirty="0"/>
+          </a:p>
+          <a:p>
+            <a:r>
+              <a:rPr lang="en-US" dirty="0"/>
+              <a:t>The `context` property is available in both the local workbench and SharePoint-hosted workbench. When testing a component in the local workbench, mock data is returned. For example, the title of the current site and details of the current user never change because they are hard-coded in the SharePoint Framework API. </a:t>
+            </a:r>
+          </a:p>
+          <a:p>
+            <a:endParaRPr lang="en-US" dirty="0"/>
+          </a:p>
+          <a:p>
+            <a:r>
+              <a:rPr lang="en-US" dirty="0"/>
+              <a:t>The `context` property will always return real data when testing the component in the SharePoint-hosted workbench.</a:t>
             </a:r>
           </a:p>
         </p:txBody>
@@ -1299,7 +1315,7 @@
             <a:spLocks noGrp="1"/>
           </p:cNvSpPr>
           <p:nvPr>
-            <p:ph type="hdr" sz="quarter"/>
+            <p:ph type="hdr" sz="quarter" idx="10"/>
           </p:nvPr>
         </p:nvSpPr>
         <p:spPr/>
@@ -1309,7 +1325,7 @@
           <a:p>
             <a:r>
               <a:rPr lang="en-US"/>
-              <a:t>SharePoint Framework</a:t>
+              <a:t>SharePoint</a:t>
             </a:r>
             <a:endParaRPr lang="en-US" dirty="0"/>
           </a:p>
@@ -1322,7 +1338,7 @@
             <a:spLocks noGrp="1"/>
           </p:cNvSpPr>
           <p:nvPr>
-            <p:ph type="ftr" sz="quarter" idx="4"/>
+            <p:ph type="ftr" sz="quarter" idx="11"/>
           </p:nvPr>
         </p:nvSpPr>
         <p:spPr/>
@@ -1330,7 +1346,7 @@
           <a:bodyPr/>
           <a:lstStyle/>
           <a:p>
-            <a:pPr defTabSz="914099" eaLnBrk="0" hangingPunct="0"/>
+            <a:pPr defTabSz="924154" eaLnBrk="0" hangingPunct="0"/>
             <a:r>
               <a:rPr lang="en-US" sz="400">
                 <a:gradFill>
@@ -1348,7 +1364,7 @@
                 <a:ea typeface="Segoe UI" pitchFamily="34" charset="0"/>
                 <a:cs typeface="Segoe UI" pitchFamily="34" charset="0"/>
               </a:rPr>
-              <a:t>© Microsoft Corporation. All rights reserved. MICROSOFT MAKES NO WARRANTIES, EXPRESS, IMPLIED OR STATUTORY, AS TO THE INFORMATION IN THIS PRESENTATION.</a:t>
+              <a:t>© 2016 Microsoft Corporation. All rights reserved. MICROSOFT MAKES NO WARRANTIES, EXPRESS, IMPLIED OR STATUTORY, AS TO THE INFORMATION IN THIS PRESENTATION.</a:t>
             </a:r>
             <a:endParaRPr lang="en-US" sz="400" dirty="0">
               <a:gradFill>
@@ -1371,35 +1387,12 @@
       </p:sp>
       <p:sp>
         <p:nvSpPr>
-          <p:cNvPr id="6" name="Date Placeholder 5"/>
+          <p:cNvPr id="6" name="Slide Number Placeholder 5"/>
           <p:cNvSpPr>
             <a:spLocks noGrp="1"/>
           </p:cNvSpPr>
           <p:nvPr>
-            <p:ph type="dt" idx="1"/>
-          </p:nvPr>
-        </p:nvSpPr>
-        <p:spPr/>
-        <p:txBody>
-          <a:bodyPr/>
-          <a:lstStyle/>
-          <a:p>
-            <a:fld id="{D18B56EA-E28F-4F92-9F16-7A6F2501B303}" type="datetime8">
-              <a:rPr lang="en-US" smtClean="0"/>
-              <a:t>2/26/20 1:28 PM</a:t>
-            </a:fld>
-            <a:endParaRPr lang="en-US" dirty="0"/>
-          </a:p>
-        </p:txBody>
-      </p:sp>
-      <p:sp>
-        <p:nvSpPr>
-          <p:cNvPr id="7" name="Slide Number Placeholder 6"/>
-          <p:cNvSpPr>
-            <a:spLocks noGrp="1"/>
-          </p:cNvSpPr>
-          <p:nvPr>
-            <p:ph type="sldNum" sz="quarter" idx="5"/>
+            <p:ph type="sldNum" sz="quarter" idx="12"/>
           </p:nvPr>
         </p:nvSpPr>
         <p:spPr/>
@@ -1410,7 +1403,7 @@
             <a:fld id="{B4008EB6-D09E-4580-8CD6-DDB14511944F}" type="slidenum">
               <a:rPr lang="en-US" smtClean="0"/>
               <a:pPr/>
-              <a:t>12</a:t>
+              <a:t>11</a:t>
             </a:fld>
             <a:endParaRPr lang="en-US" dirty="0"/>
           </a:p>
@@ -1419,7 +1412,7 @@
     </p:spTree>
     <p:extLst>
       <p:ext uri="{BB962C8B-B14F-4D97-AF65-F5344CB8AC3E}">
-        <p14:creationId xmlns:p14="http://schemas.microsoft.com/office/powerpoint/2010/main" val="2742595068"/>
+        <p14:creationId xmlns:p14="http://schemas.microsoft.com/office/powerpoint/2010/main" val="878822592"/>
       </p:ext>
     </p:extLst>
   </p:cSld>
@@ -1474,253 +1467,23 @@
           <a:lstStyle/>
           <a:p>
             <a:r>
-              <a:rPr lang="en-US" sz="900" b="0" i="0" kern="1200" dirty="0">
-                <a:solidFill>
-                  <a:schemeClr val="tx1"/>
-                </a:solidFill>
-                <a:effectLst/>
-                <a:latin typeface="Segoe UI Light" pitchFamily="34" charset="0"/>
-                <a:ea typeface="+mn-ea"/>
-                <a:cs typeface="+mn-cs"/>
-              </a:rPr>
-              <a:t>If your custom component works with data from Microsoft Graph or another external API, you should consider adding logic that detects if the web part is running in the local workbench or in a real SharePoint environment. In the case where it is running in the local workbench, you can return mock data instead of calling the external APIs.</a:t>
-            </a:r>
-          </a:p>
-          <a:p>
-            <a:endParaRPr lang="en-US" sz="900" b="0" i="0" kern="1200" dirty="0">
-              <a:solidFill>
-                <a:schemeClr val="tx1"/>
-              </a:solidFill>
-              <a:effectLst/>
-              <a:latin typeface="Segoe UI Light" pitchFamily="34" charset="0"/>
-              <a:ea typeface="+mn-ea"/>
-              <a:cs typeface="+mn-cs"/>
-            </a:endParaRPr>
-          </a:p>
-          <a:p>
-            <a:r>
-              <a:rPr lang="en-US" sz="900" b="0" i="0" kern="1200" dirty="0">
-                <a:solidFill>
-                  <a:schemeClr val="tx1"/>
-                </a:solidFill>
-                <a:effectLst/>
-                <a:latin typeface="Segoe UI Light" pitchFamily="34" charset="0"/>
-                <a:ea typeface="+mn-ea"/>
-                <a:cs typeface="+mn-cs"/>
-              </a:rPr>
-              <a:t>To do this, you need to use the SharePoint Framework API to detect the current environment. To check for the current environment, import the `Environment` object and the `</a:t>
-            </a:r>
-            <a:r>
-              <a:rPr lang="en-US" sz="900" b="0" i="0" kern="1200" dirty="0" err="1">
-                <a:solidFill>
-                  <a:schemeClr val="tx1"/>
-                </a:solidFill>
-                <a:effectLst/>
-                <a:latin typeface="Segoe UI Light" pitchFamily="34" charset="0"/>
-                <a:ea typeface="+mn-ea"/>
-                <a:cs typeface="+mn-cs"/>
-              </a:rPr>
-              <a:t>EnvironmentType</a:t>
-            </a:r>
-            <a:r>
-              <a:rPr lang="en-US" sz="900" b="0" i="0" kern="1200" dirty="0">
-                <a:solidFill>
-                  <a:schemeClr val="tx1"/>
-                </a:solidFill>
-                <a:effectLst/>
-                <a:latin typeface="Segoe UI Light" pitchFamily="34" charset="0"/>
-                <a:ea typeface="+mn-ea"/>
-                <a:cs typeface="+mn-cs"/>
-              </a:rPr>
-              <a:t>` enumeration from the **@</a:t>
-            </a:r>
-            <a:r>
-              <a:rPr lang="en-US" sz="900" b="0" i="0" kern="1200" dirty="0" err="1">
-                <a:solidFill>
-                  <a:schemeClr val="tx1"/>
-                </a:solidFill>
-                <a:effectLst/>
-                <a:latin typeface="Segoe UI Light" pitchFamily="34" charset="0"/>
-                <a:ea typeface="+mn-ea"/>
-                <a:cs typeface="+mn-cs"/>
-              </a:rPr>
-              <a:t>microsoft</a:t>
-            </a:r>
-            <a:r>
-              <a:rPr lang="en-US" sz="900" b="0" i="0" kern="1200" dirty="0">
-                <a:solidFill>
-                  <a:schemeClr val="tx1"/>
-                </a:solidFill>
-                <a:effectLst/>
-                <a:latin typeface="Segoe UI Light" pitchFamily="34" charset="0"/>
-                <a:ea typeface="+mn-ea"/>
-                <a:cs typeface="+mn-cs"/>
-              </a:rPr>
-              <a:t>/</a:t>
-            </a:r>
-            <a:r>
-              <a:rPr lang="en-US" sz="900" b="0" i="0" kern="1200" dirty="0" err="1">
-                <a:solidFill>
-                  <a:schemeClr val="tx1"/>
-                </a:solidFill>
-                <a:effectLst/>
-                <a:latin typeface="Segoe UI Light" pitchFamily="34" charset="0"/>
-                <a:ea typeface="+mn-ea"/>
-                <a:cs typeface="+mn-cs"/>
-              </a:rPr>
-              <a:t>sp</a:t>
-            </a:r>
-            <a:r>
-              <a:rPr lang="en-US" sz="900" b="0" i="0" kern="1200" dirty="0">
-                <a:solidFill>
-                  <a:schemeClr val="tx1"/>
-                </a:solidFill>
-                <a:effectLst/>
-                <a:latin typeface="Segoe UI Light" pitchFamily="34" charset="0"/>
-                <a:ea typeface="+mn-ea"/>
-                <a:cs typeface="+mn-cs"/>
-              </a:rPr>
-              <a:t>-core-library** package:</a:t>
-            </a:r>
-          </a:p>
-          <a:p>
-            <a:endParaRPr lang="en-US" sz="900" b="0" i="0" kern="1200" dirty="0">
-              <a:solidFill>
-                <a:schemeClr val="tx1"/>
-              </a:solidFill>
-              <a:effectLst/>
-              <a:latin typeface="Segoe UI Light" pitchFamily="34" charset="0"/>
-              <a:ea typeface="+mn-ea"/>
-              <a:cs typeface="+mn-cs"/>
-            </a:endParaRPr>
-          </a:p>
-          <a:p>
-            <a:r>
-              <a:rPr lang="en-US" sz="900" b="0" i="0" kern="1200" dirty="0">
-                <a:solidFill>
-                  <a:schemeClr val="tx1"/>
-                </a:solidFill>
-                <a:effectLst/>
-                <a:latin typeface="Segoe UI Light" pitchFamily="34" charset="0"/>
-                <a:ea typeface="+mn-ea"/>
-                <a:cs typeface="+mn-cs"/>
-              </a:rPr>
-              <a:t>The `</a:t>
-            </a:r>
-            <a:r>
-              <a:rPr lang="en-US" sz="900" b="0" i="0" kern="1200" dirty="0" err="1">
-                <a:solidFill>
-                  <a:schemeClr val="tx1"/>
-                </a:solidFill>
-                <a:effectLst/>
-                <a:latin typeface="Segoe UI Light" pitchFamily="34" charset="0"/>
-                <a:ea typeface="+mn-ea"/>
-                <a:cs typeface="+mn-cs"/>
-              </a:rPr>
-              <a:t>EnvironmentType</a:t>
-            </a:r>
-            <a:r>
-              <a:rPr lang="en-US" sz="900" b="0" i="0" kern="1200" dirty="0">
-                <a:solidFill>
-                  <a:schemeClr val="tx1"/>
-                </a:solidFill>
-                <a:effectLst/>
-                <a:latin typeface="Segoe UI Light" pitchFamily="34" charset="0"/>
-                <a:ea typeface="+mn-ea"/>
-                <a:cs typeface="+mn-cs"/>
-              </a:rPr>
-              <a:t>` enumeration has the following options:</a:t>
-            </a:r>
-          </a:p>
-          <a:p>
-            <a:endParaRPr lang="en-US" sz="900" b="0" i="0" kern="1200" dirty="0">
-              <a:solidFill>
-                <a:schemeClr val="tx1"/>
-              </a:solidFill>
-              <a:effectLst/>
-              <a:latin typeface="Segoe UI Light" pitchFamily="34" charset="0"/>
-              <a:ea typeface="+mn-ea"/>
-              <a:cs typeface="+mn-cs"/>
-            </a:endParaRPr>
-          </a:p>
-          <a:p>
-            <a:r>
-              <a:rPr lang="en-US" sz="900" b="0" i="0" kern="1200" dirty="0">
-                <a:solidFill>
-                  <a:schemeClr val="tx1"/>
-                </a:solidFill>
-                <a:effectLst/>
-                <a:latin typeface="Segoe UI Light" pitchFamily="34" charset="0"/>
-                <a:ea typeface="+mn-ea"/>
-                <a:cs typeface="+mn-cs"/>
-              </a:rPr>
-              <a:t>- **Local**: indicates the component is running in the local workbench</a:t>
-            </a:r>
-          </a:p>
-          <a:p>
-            <a:r>
-              <a:rPr lang="en-US" sz="900" b="0" i="0" kern="1200" dirty="0">
-                <a:solidFill>
-                  <a:schemeClr val="tx1"/>
-                </a:solidFill>
-                <a:effectLst/>
-                <a:latin typeface="Segoe UI Light" pitchFamily="34" charset="0"/>
-                <a:ea typeface="+mn-ea"/>
-                <a:cs typeface="+mn-cs"/>
-              </a:rPr>
-              <a:t>- **</a:t>
-            </a:r>
-            <a:r>
-              <a:rPr lang="en-US" sz="900" b="0" i="0" kern="1200" dirty="0" err="1">
-                <a:solidFill>
-                  <a:schemeClr val="tx1"/>
-                </a:solidFill>
-                <a:effectLst/>
-                <a:latin typeface="Segoe UI Light" pitchFamily="34" charset="0"/>
-                <a:ea typeface="+mn-ea"/>
-                <a:cs typeface="+mn-cs"/>
-              </a:rPr>
-              <a:t>ClassicSharePoint</a:t>
-            </a:r>
-            <a:r>
-              <a:rPr lang="en-US" sz="900" b="0" i="0" kern="1200" dirty="0">
-                <a:solidFill>
-                  <a:schemeClr val="tx1"/>
-                </a:solidFill>
-                <a:effectLst/>
-                <a:latin typeface="Segoe UI Light" pitchFamily="34" charset="0"/>
-                <a:ea typeface="+mn-ea"/>
-                <a:cs typeface="+mn-cs"/>
-              </a:rPr>
-              <a:t>**: indicates the component is running on a classic page in a real SharePoint environment</a:t>
-            </a:r>
-          </a:p>
-          <a:p>
-            <a:r>
-              <a:rPr lang="en-US" sz="900" b="0" i="0" kern="1200" dirty="0">
-                <a:solidFill>
-                  <a:schemeClr val="tx1"/>
-                </a:solidFill>
-                <a:effectLst/>
-                <a:latin typeface="Segoe UI Light" pitchFamily="34" charset="0"/>
-                <a:ea typeface="+mn-ea"/>
-                <a:cs typeface="+mn-cs"/>
-              </a:rPr>
-              <a:t>- **SharePoint**: indicates the component is running on a modern page in a real SharePoint environment (*includes the SharePoint-hosted workbench*)</a:t>
-            </a:r>
-          </a:p>
-          <a:p>
-            <a:r>
-              <a:rPr lang="en-US" sz="900" b="0" i="0" kern="1200" dirty="0">
-                <a:solidFill>
-                  <a:schemeClr val="tx1"/>
-                </a:solidFill>
-                <a:effectLst/>
-                <a:latin typeface="Segoe UI Light" pitchFamily="34" charset="0"/>
-                <a:ea typeface="+mn-ea"/>
-                <a:cs typeface="+mn-cs"/>
-              </a:rPr>
-              <a:t>- **Test**: indicates the component is running in a test harness</a:t>
+              <a:rPr lang="en-US" dirty="0"/>
+              <a:t>Here's a web part running in the local workbench compared to running in the SharePoint-hosted workbench. Notice the local workbench version has a site title of **Local Workbench**. </a:t>
+            </a:r>
+          </a:p>
+          <a:p>
+            <a:endParaRPr lang="en-US" dirty="0"/>
+          </a:p>
+          <a:p>
+            <a:r>
+              <a:rPr lang="en-US" dirty="0"/>
+              <a:t>In the other version of the web part, it's running in a real SharePoint page. This can be in the SharePoint-hosted workbench or on a web part page. Notice the title of the current site is different from the local workbench and will match the title of the site where the web part is currently running.</a:t>
+            </a:r>
+          </a:p>
+          <a:p>
+            <a:r>
+              <a:rPr lang="en-US" dirty="0"/>
+              <a:t> </a:t>
             </a:r>
           </a:p>
         </p:txBody>
@@ -1732,7 +1495,7 @@
             <a:spLocks noGrp="1"/>
           </p:cNvSpPr>
           <p:nvPr>
-            <p:ph type="hdr" sz="quarter" idx="10"/>
+            <p:ph type="hdr" sz="quarter"/>
           </p:nvPr>
         </p:nvSpPr>
         <p:spPr/>
@@ -1742,7 +1505,7 @@
           <a:p>
             <a:r>
               <a:rPr lang="en-US"/>
-              <a:t>SharePoint</a:t>
+              <a:t>SharePoint Framework</a:t>
             </a:r>
             <a:endParaRPr lang="en-US" dirty="0"/>
           </a:p>
@@ -1755,7 +1518,7 @@
             <a:spLocks noGrp="1"/>
           </p:cNvSpPr>
           <p:nvPr>
-            <p:ph type="ftr" sz="quarter" idx="11"/>
+            <p:ph type="ftr" sz="quarter" idx="4"/>
           </p:nvPr>
         </p:nvSpPr>
         <p:spPr/>
@@ -1763,7 +1526,7 @@
           <a:bodyPr/>
           <a:lstStyle/>
           <a:p>
-            <a:pPr defTabSz="924154" eaLnBrk="0" hangingPunct="0"/>
+            <a:pPr defTabSz="914099" eaLnBrk="0" hangingPunct="0"/>
             <a:r>
               <a:rPr lang="en-US" sz="400">
                 <a:gradFill>
@@ -1781,7 +1544,7 @@
                 <a:ea typeface="Segoe UI" pitchFamily="34" charset="0"/>
                 <a:cs typeface="Segoe UI" pitchFamily="34" charset="0"/>
               </a:rPr>
-              <a:t>© 2016 Microsoft Corporation. All rights reserved. MICROSOFT MAKES NO WARRANTIES, EXPRESS, IMPLIED OR STATUTORY, AS TO THE INFORMATION IN THIS PRESENTATION.</a:t>
+              <a:t>© Microsoft Corporation. All rights reserved. MICROSOFT MAKES NO WARRANTIES, EXPRESS, IMPLIED OR STATUTORY, AS TO THE INFORMATION IN THIS PRESENTATION.</a:t>
             </a:r>
             <a:endParaRPr lang="en-US" sz="400" dirty="0">
               <a:gradFill>
@@ -1804,12 +1567,35 @@
       </p:sp>
       <p:sp>
         <p:nvSpPr>
-          <p:cNvPr id="6" name="Slide Number Placeholder 5"/>
+          <p:cNvPr id="6" name="Date Placeholder 5"/>
           <p:cNvSpPr>
             <a:spLocks noGrp="1"/>
           </p:cNvSpPr>
           <p:nvPr>
-            <p:ph type="sldNum" sz="quarter" idx="12"/>
+            <p:ph type="dt" idx="1"/>
+          </p:nvPr>
+        </p:nvSpPr>
+        <p:spPr/>
+        <p:txBody>
+          <a:bodyPr/>
+          <a:lstStyle/>
+          <a:p>
+            <a:fld id="{D18B56EA-E28F-4F92-9F16-7A6F2501B303}" type="datetime8">
+              <a:rPr lang="en-US" smtClean="0"/>
+              <a:t>8/22/2020 3:18 PM</a:t>
+            </a:fld>
+            <a:endParaRPr lang="en-US" dirty="0"/>
+          </a:p>
+        </p:txBody>
+      </p:sp>
+      <p:sp>
+        <p:nvSpPr>
+          <p:cNvPr id="7" name="Slide Number Placeholder 6"/>
+          <p:cNvSpPr>
+            <a:spLocks noGrp="1"/>
+          </p:cNvSpPr>
+          <p:nvPr>
+            <p:ph type="sldNum" sz="quarter" idx="5"/>
           </p:nvPr>
         </p:nvSpPr>
         <p:spPr/>
@@ -1820,7 +1606,7 @@
             <a:fld id="{B4008EB6-D09E-4580-8CD6-DDB14511944F}" type="slidenum">
               <a:rPr lang="en-US" smtClean="0"/>
               <a:pPr/>
-              <a:t>13</a:t>
+              <a:t>12</a:t>
             </a:fld>
             <a:endParaRPr lang="en-US" dirty="0"/>
           </a:p>
@@ -1829,7 +1615,7 @@
     </p:spTree>
     <p:extLst>
       <p:ext uri="{BB962C8B-B14F-4D97-AF65-F5344CB8AC3E}">
-        <p14:creationId xmlns:p14="http://schemas.microsoft.com/office/powerpoint/2010/main" val="2465334039"/>
+        <p14:creationId xmlns:p14="http://schemas.microsoft.com/office/powerpoint/2010/main" val="2742595068"/>
       </p:ext>
     </p:extLst>
   </p:cSld>
@@ -1884,7 +1670,7 @@
           <a:lstStyle/>
           <a:p>
             <a:r>
-              <a:rPr lang="en-US" sz="900" b="0" kern="1200" dirty="0">
+              <a:rPr lang="en-US" sz="900" b="0" i="0" kern="1200" dirty="0">
                 <a:solidFill>
                   <a:schemeClr val="tx1"/>
                 </a:solidFill>
@@ -1893,12 +1679,23 @@
                 <a:ea typeface="+mn-ea"/>
                 <a:cs typeface="+mn-cs"/>
               </a:rPr>
-              <a:t>The following figure shows a web part running in the local workbench on the left, and another running in a real SharePoint environment on the right:</a:t>
-            </a:r>
-          </a:p>
-          <a:p>
-            <a:br>
-              <a:rPr lang="en-US" sz="900" b="0" kern="1200" dirty="0">
+              <a:t>If your custom component works with data from Microsoft Graph or another external API, you should consider adding logic that detects if the web part is running in the local workbench or in a real SharePoint environment. In the case where it is running in the local workbench, you can return mock data instead of calling the external APIs.</a:t>
+            </a:r>
+          </a:p>
+          <a:p>
+            <a:endParaRPr lang="en-US" sz="900" b="0" i="0" kern="1200" dirty="0">
+              <a:solidFill>
+                <a:schemeClr val="tx1"/>
+              </a:solidFill>
+              <a:effectLst/>
+              <a:latin typeface="Segoe UI Light" pitchFamily="34" charset="0"/>
+              <a:ea typeface="+mn-ea"/>
+              <a:cs typeface="+mn-cs"/>
+            </a:endParaRPr>
+          </a:p>
+          <a:p>
+            <a:r>
+              <a:rPr lang="en-US" sz="900" b="0" i="0" kern="1200" dirty="0">
                 <a:solidFill>
                   <a:schemeClr val="tx1"/>
                 </a:solidFill>
@@ -1907,8 +1704,83 @@
                 <a:ea typeface="+mn-ea"/>
                 <a:cs typeface="+mn-cs"/>
               </a:rPr>
-            </a:br>
-            <a:endParaRPr lang="en-US" sz="900" b="0" kern="1200" dirty="0">
+              <a:t>To do this, you need to use the SharePoint Framework API to detect the current environment. To check for the current environment, import the `Environment` object and the `</a:t>
+            </a:r>
+            <a:r>
+              <a:rPr lang="en-US" sz="900" b="0" i="0" kern="1200" dirty="0" err="1">
+                <a:solidFill>
+                  <a:schemeClr val="tx1"/>
+                </a:solidFill>
+                <a:effectLst/>
+                <a:latin typeface="Segoe UI Light" pitchFamily="34" charset="0"/>
+                <a:ea typeface="+mn-ea"/>
+                <a:cs typeface="+mn-cs"/>
+              </a:rPr>
+              <a:t>EnvironmentType</a:t>
+            </a:r>
+            <a:r>
+              <a:rPr lang="en-US" sz="900" b="0" i="0" kern="1200" dirty="0">
+                <a:solidFill>
+                  <a:schemeClr val="tx1"/>
+                </a:solidFill>
+                <a:effectLst/>
+                <a:latin typeface="Segoe UI Light" pitchFamily="34" charset="0"/>
+                <a:ea typeface="+mn-ea"/>
+                <a:cs typeface="+mn-cs"/>
+              </a:rPr>
+              <a:t>` enumeration from the **@</a:t>
+            </a:r>
+            <a:r>
+              <a:rPr lang="en-US" sz="900" b="0" i="0" kern="1200" dirty="0" err="1">
+                <a:solidFill>
+                  <a:schemeClr val="tx1"/>
+                </a:solidFill>
+                <a:effectLst/>
+                <a:latin typeface="Segoe UI Light" pitchFamily="34" charset="0"/>
+                <a:ea typeface="+mn-ea"/>
+                <a:cs typeface="+mn-cs"/>
+              </a:rPr>
+              <a:t>microsoft</a:t>
+            </a:r>
+            <a:r>
+              <a:rPr lang="en-US" sz="900" b="0" i="0" kern="1200" dirty="0">
+                <a:solidFill>
+                  <a:schemeClr val="tx1"/>
+                </a:solidFill>
+                <a:effectLst/>
+                <a:latin typeface="Segoe UI Light" pitchFamily="34" charset="0"/>
+                <a:ea typeface="+mn-ea"/>
+                <a:cs typeface="+mn-cs"/>
+              </a:rPr>
+              <a:t>/</a:t>
+            </a:r>
+            <a:r>
+              <a:rPr lang="en-US" sz="900" b="0" i="0" kern="1200" dirty="0" err="1">
+                <a:solidFill>
+                  <a:schemeClr val="tx1"/>
+                </a:solidFill>
+                <a:effectLst/>
+                <a:latin typeface="Segoe UI Light" pitchFamily="34" charset="0"/>
+                <a:ea typeface="+mn-ea"/>
+                <a:cs typeface="+mn-cs"/>
+              </a:rPr>
+              <a:t>sp</a:t>
+            </a:r>
+            <a:r>
+              <a:rPr lang="en-US" sz="900" b="0" i="0" kern="1200" dirty="0">
+                <a:solidFill>
+                  <a:schemeClr val="tx1"/>
+                </a:solidFill>
+                <a:effectLst/>
+                <a:latin typeface="Segoe UI Light" pitchFamily="34" charset="0"/>
+                <a:ea typeface="+mn-ea"/>
+                <a:cs typeface="+mn-cs"/>
+              </a:rPr>
+              <a:t>-core-library** package:</a:t>
+            </a:r>
+          </a:p>
+          <a:p>
+            <a:endParaRPr lang="en-US" sz="900" b="0" i="0" kern="1200" dirty="0">
               <a:solidFill>
                 <a:schemeClr val="tx1"/>
               </a:solidFill>
@@ -1917,6 +1789,135 @@
               <a:ea typeface="+mn-ea"/>
               <a:cs typeface="+mn-cs"/>
             </a:endParaRPr>
+          </a:p>
+          <a:p>
+            <a:r>
+              <a:rPr lang="en-US" sz="900" b="0" i="0" kern="1200" dirty="0">
+                <a:solidFill>
+                  <a:schemeClr val="tx1"/>
+                </a:solidFill>
+                <a:effectLst/>
+                <a:latin typeface="Segoe UI Light" pitchFamily="34" charset="0"/>
+                <a:ea typeface="+mn-ea"/>
+                <a:cs typeface="+mn-cs"/>
+              </a:rPr>
+              <a:t>The `</a:t>
+            </a:r>
+            <a:r>
+              <a:rPr lang="en-US" sz="900" b="0" i="0" kern="1200" dirty="0" err="1">
+                <a:solidFill>
+                  <a:schemeClr val="tx1"/>
+                </a:solidFill>
+                <a:effectLst/>
+                <a:latin typeface="Segoe UI Light" pitchFamily="34" charset="0"/>
+                <a:ea typeface="+mn-ea"/>
+                <a:cs typeface="+mn-cs"/>
+              </a:rPr>
+              <a:t>EnvironmentType</a:t>
+            </a:r>
+            <a:r>
+              <a:rPr lang="en-US" sz="900" b="0" i="0" kern="1200" dirty="0">
+                <a:solidFill>
+                  <a:schemeClr val="tx1"/>
+                </a:solidFill>
+                <a:effectLst/>
+                <a:latin typeface="Segoe UI Light" pitchFamily="34" charset="0"/>
+                <a:ea typeface="+mn-ea"/>
+                <a:cs typeface="+mn-cs"/>
+              </a:rPr>
+              <a:t>` enumeration has the following options:</a:t>
+            </a:r>
+          </a:p>
+          <a:p>
+            <a:endParaRPr lang="en-US" sz="900" b="0" i="0" kern="1200" dirty="0">
+              <a:solidFill>
+                <a:schemeClr val="tx1"/>
+              </a:solidFill>
+              <a:effectLst/>
+              <a:latin typeface="Segoe UI Light" pitchFamily="34" charset="0"/>
+              <a:ea typeface="+mn-ea"/>
+              <a:cs typeface="+mn-cs"/>
+            </a:endParaRPr>
+          </a:p>
+          <a:p>
+            <a:r>
+              <a:rPr lang="en-US" sz="900" b="0" i="0" kern="1200" dirty="0">
+                <a:solidFill>
+                  <a:schemeClr val="tx1"/>
+                </a:solidFill>
+                <a:effectLst/>
+                <a:latin typeface="Segoe UI Light" pitchFamily="34" charset="0"/>
+                <a:ea typeface="+mn-ea"/>
+                <a:cs typeface="+mn-cs"/>
+              </a:rPr>
+              <a:t>- **Local**: indicates the component is running in the local workbench</a:t>
+            </a:r>
+          </a:p>
+          <a:p>
+            <a:r>
+              <a:rPr lang="en-US" sz="900" b="0" i="0" kern="1200" dirty="0">
+                <a:solidFill>
+                  <a:schemeClr val="tx1"/>
+                </a:solidFill>
+                <a:effectLst/>
+                <a:latin typeface="Segoe UI Light" pitchFamily="34" charset="0"/>
+                <a:ea typeface="+mn-ea"/>
+                <a:cs typeface="+mn-cs"/>
+              </a:rPr>
+              <a:t>- **</a:t>
+            </a:r>
+            <a:r>
+              <a:rPr lang="en-US" sz="900" b="0" i="0" kern="1200" dirty="0" err="1">
+                <a:solidFill>
+                  <a:schemeClr val="tx1"/>
+                </a:solidFill>
+                <a:effectLst/>
+                <a:latin typeface="Segoe UI Light" pitchFamily="34" charset="0"/>
+                <a:ea typeface="+mn-ea"/>
+                <a:cs typeface="+mn-cs"/>
+              </a:rPr>
+              <a:t>ClassicSharePoint</a:t>
+            </a:r>
+            <a:r>
+              <a:rPr lang="en-US" sz="900" b="0" i="0" kern="1200" dirty="0">
+                <a:solidFill>
+                  <a:schemeClr val="tx1"/>
+                </a:solidFill>
+                <a:effectLst/>
+                <a:latin typeface="Segoe UI Light" pitchFamily="34" charset="0"/>
+                <a:ea typeface="+mn-ea"/>
+                <a:cs typeface="+mn-cs"/>
+              </a:rPr>
+              <a:t>**: indicates the component is running on a classic page in a real SharePoint environment</a:t>
+            </a:r>
+          </a:p>
+          <a:p>
+            <a:r>
+              <a:rPr lang="en-US" sz="900" b="0" i="0" kern="1200" dirty="0">
+                <a:solidFill>
+                  <a:schemeClr val="tx1"/>
+                </a:solidFill>
+                <a:effectLst/>
+                <a:latin typeface="Segoe UI Light" pitchFamily="34" charset="0"/>
+                <a:ea typeface="+mn-ea"/>
+                <a:cs typeface="+mn-cs"/>
+              </a:rPr>
+              <a:t>- **SharePoint**: indicates the component is running on a modern page in a real SharePoint environment (*includes the SharePoint-hosted workbench*)</a:t>
+            </a:r>
+          </a:p>
+          <a:p>
+            <a:r>
+              <a:rPr lang="en-US" sz="900" b="0" i="0" kern="1200" dirty="0">
+                <a:solidFill>
+                  <a:schemeClr val="tx1"/>
+                </a:solidFill>
+                <a:effectLst/>
+                <a:latin typeface="Segoe UI Light" pitchFamily="34" charset="0"/>
+                <a:ea typeface="+mn-ea"/>
+                <a:cs typeface="+mn-cs"/>
+              </a:rPr>
+              <a:t>- **Test**: indicates the component is running in a test harness</a:t>
+            </a:r>
           </a:p>
         </p:txBody>
       </p:sp>
@@ -2015,7 +2016,7 @@
             <a:fld id="{B4008EB6-D09E-4580-8CD6-DDB14511944F}" type="slidenum">
               <a:rPr lang="en-US" smtClean="0"/>
               <a:pPr/>
-              <a:t>14</a:t>
+              <a:t>13</a:t>
             </a:fld>
             <a:endParaRPr lang="en-US" dirty="0"/>
           </a:p>
@@ -2024,7 +2025,7 @@
     </p:spTree>
     <p:extLst>
       <p:ext uri="{BB962C8B-B14F-4D97-AF65-F5344CB8AC3E}">
-        <p14:creationId xmlns:p14="http://schemas.microsoft.com/office/powerpoint/2010/main" val="1812727307"/>
+        <p14:creationId xmlns:p14="http://schemas.microsoft.com/office/powerpoint/2010/main" val="2465334039"/>
       </p:ext>
     </p:extLst>
   </p:cSld>
@@ -2079,7 +2080,7 @@
           <a:lstStyle/>
           <a:p>
             <a:r>
-              <a:rPr lang="en-US" sz="900" b="0" i="0" kern="1200" dirty="0">
+              <a:rPr lang="en-US" sz="900" b="0" kern="1200" dirty="0">
                 <a:solidFill>
                   <a:schemeClr val="tx1"/>
                 </a:solidFill>
@@ -2088,11 +2089,22 @@
                 <a:ea typeface="+mn-ea"/>
                 <a:cs typeface="+mn-cs"/>
               </a:rPr>
-              <a:t>Logging is a very convenient and easy way to keep track of events happening in the web part. The SharePoint Framework has a built-in logging mechanism.</a:t>
-            </a:r>
-          </a:p>
-          <a:p>
-            <a:endParaRPr lang="en-US" sz="900" b="0" i="0" kern="1200" dirty="0">
+              <a:t>The following figure shows a web part running in the local workbench on the left, and another running in a real SharePoint environment on the right:</a:t>
+            </a:r>
+          </a:p>
+          <a:p>
+            <a:br>
+              <a:rPr lang="en-US" sz="900" b="0" kern="1200" dirty="0">
+                <a:solidFill>
+                  <a:schemeClr val="tx1"/>
+                </a:solidFill>
+                <a:effectLst/>
+                <a:latin typeface="Segoe UI Light" pitchFamily="34" charset="0"/>
+                <a:ea typeface="+mn-ea"/>
+                <a:cs typeface="+mn-cs"/>
+              </a:rPr>
+            </a:br>
+            <a:endParaRPr lang="en-US" sz="900" b="0" kern="1200" dirty="0">
               <a:solidFill>
                 <a:schemeClr val="tx1"/>
               </a:solidFill>
@@ -2101,215 +2113,6 @@
               <a:ea typeface="+mn-ea"/>
               <a:cs typeface="+mn-cs"/>
             </a:endParaRPr>
-          </a:p>
-          <a:p>
-            <a:r>
-              <a:rPr lang="en-US" sz="900" b="0" i="0" kern="1200" dirty="0">
-                <a:solidFill>
-                  <a:schemeClr val="tx1"/>
-                </a:solidFill>
-                <a:effectLst/>
-                <a:latin typeface="Segoe UI Light" pitchFamily="34" charset="0"/>
-                <a:ea typeface="+mn-ea"/>
-                <a:cs typeface="+mn-cs"/>
-              </a:rPr>
-              <a:t>The `Log` class contains four static methods for logging:</a:t>
-            </a:r>
-          </a:p>
-          <a:p>
-            <a:endParaRPr lang="en-US" sz="900" b="0" i="0" kern="1200" dirty="0">
-              <a:solidFill>
-                <a:schemeClr val="tx1"/>
-              </a:solidFill>
-              <a:effectLst/>
-              <a:latin typeface="Segoe UI Light" pitchFamily="34" charset="0"/>
-              <a:ea typeface="+mn-ea"/>
-              <a:cs typeface="+mn-cs"/>
-            </a:endParaRPr>
-          </a:p>
-          <a:p>
-            <a:r>
-              <a:rPr lang="en-US" sz="900" b="0" i="0" kern="1200" dirty="0">
-                <a:solidFill>
-                  <a:schemeClr val="tx1"/>
-                </a:solidFill>
-                <a:effectLst/>
-                <a:latin typeface="Segoe UI Light" pitchFamily="34" charset="0"/>
-                <a:ea typeface="+mn-ea"/>
-                <a:cs typeface="+mn-cs"/>
-              </a:rPr>
-              <a:t>- **info**: log information</a:t>
-            </a:r>
-          </a:p>
-          <a:p>
-            <a:r>
-              <a:rPr lang="en-US" sz="900" b="0" i="0" kern="1200" dirty="0">
-                <a:solidFill>
-                  <a:schemeClr val="tx1"/>
-                </a:solidFill>
-                <a:effectLst/>
-                <a:latin typeface="Segoe UI Light" pitchFamily="34" charset="0"/>
-                <a:ea typeface="+mn-ea"/>
-                <a:cs typeface="+mn-cs"/>
-              </a:rPr>
-              <a:t>- **warn**: log warnings</a:t>
-            </a:r>
-          </a:p>
-          <a:p>
-            <a:r>
-              <a:rPr lang="en-US" sz="900" b="0" i="0" kern="1200" dirty="0">
-                <a:solidFill>
-                  <a:schemeClr val="tx1"/>
-                </a:solidFill>
-                <a:effectLst/>
-                <a:latin typeface="Segoe UI Light" pitchFamily="34" charset="0"/>
-                <a:ea typeface="+mn-ea"/>
-                <a:cs typeface="+mn-cs"/>
-              </a:rPr>
-              <a:t>- **error**: log errors</a:t>
-            </a:r>
-          </a:p>
-          <a:p>
-            <a:r>
-              <a:rPr lang="en-US" sz="900" b="0" i="0" kern="1200" dirty="0">
-                <a:solidFill>
-                  <a:schemeClr val="tx1"/>
-                </a:solidFill>
-                <a:effectLst/>
-                <a:latin typeface="Segoe UI Light" pitchFamily="34" charset="0"/>
-                <a:ea typeface="+mn-ea"/>
-                <a:cs typeface="+mn-cs"/>
-              </a:rPr>
-              <a:t>- **verbose**: log everything</a:t>
-            </a:r>
-          </a:p>
-          <a:p>
-            <a:endParaRPr lang="en-US" sz="900" b="0" i="0" kern="1200" dirty="0">
-              <a:solidFill>
-                <a:schemeClr val="tx1"/>
-              </a:solidFill>
-              <a:effectLst/>
-              <a:latin typeface="Segoe UI Light" pitchFamily="34" charset="0"/>
-              <a:ea typeface="+mn-ea"/>
-              <a:cs typeface="+mn-cs"/>
-            </a:endParaRPr>
-          </a:p>
-          <a:p>
-            <a:r>
-              <a:rPr lang="en-US" sz="900" b="0" i="0" kern="1200" dirty="0">
-                <a:solidFill>
-                  <a:schemeClr val="tx1"/>
-                </a:solidFill>
-                <a:effectLst/>
-                <a:latin typeface="Segoe UI Light" pitchFamily="34" charset="0"/>
-                <a:ea typeface="+mn-ea"/>
-                <a:cs typeface="+mn-cs"/>
-              </a:rPr>
-              <a:t>In the SharePoint Framework, all logging is written to the JavaScript console. You can see the logging messages using the developer tools in a web browser.</a:t>
-            </a:r>
-          </a:p>
-          <a:p>
-            <a:endParaRPr lang="en-US" sz="900" b="0" i="0" kern="1200" dirty="0">
-              <a:solidFill>
-                <a:schemeClr val="tx1"/>
-              </a:solidFill>
-              <a:effectLst/>
-              <a:latin typeface="Segoe UI Light" pitchFamily="34" charset="0"/>
-              <a:ea typeface="+mn-ea"/>
-              <a:cs typeface="+mn-cs"/>
-            </a:endParaRPr>
-          </a:p>
-          <a:p>
-            <a:r>
-              <a:rPr lang="en-US" sz="900" b="0" i="0" kern="1200" dirty="0">
-                <a:solidFill>
-                  <a:schemeClr val="tx1"/>
-                </a:solidFill>
-                <a:effectLst/>
-                <a:latin typeface="Segoe UI Light" pitchFamily="34" charset="0"/>
-                <a:ea typeface="+mn-ea"/>
-                <a:cs typeface="+mn-cs"/>
-              </a:rPr>
-              <a:t>All static methods have the same signature, except the error method - they take three arguments:</a:t>
-            </a:r>
-          </a:p>
-          <a:p>
-            <a:endParaRPr lang="en-US" sz="900" b="0" i="0" kern="1200" dirty="0">
-              <a:solidFill>
-                <a:schemeClr val="tx1"/>
-              </a:solidFill>
-              <a:effectLst/>
-              <a:latin typeface="Segoe UI Light" pitchFamily="34" charset="0"/>
-              <a:ea typeface="+mn-ea"/>
-              <a:cs typeface="+mn-cs"/>
-            </a:endParaRPr>
-          </a:p>
-          <a:p>
-            <a:r>
-              <a:rPr lang="en-US" sz="900" b="0" i="0" kern="1200" dirty="0">
-                <a:solidFill>
-                  <a:schemeClr val="tx1"/>
-                </a:solidFill>
-                <a:effectLst/>
-                <a:latin typeface="Segoe UI Light" pitchFamily="34" charset="0"/>
-                <a:ea typeface="+mn-ea"/>
-                <a:cs typeface="+mn-cs"/>
-              </a:rPr>
-              <a:t>- **source**: the source of the logging information (*max 20 characters*), such as the method or the class name</a:t>
-            </a:r>
-          </a:p>
-          <a:p>
-            <a:r>
-              <a:rPr lang="en-US" sz="900" b="0" i="0" kern="1200" dirty="0">
-                <a:solidFill>
-                  <a:schemeClr val="tx1"/>
-                </a:solidFill>
-                <a:effectLst/>
-                <a:latin typeface="Segoe UI Light" pitchFamily="34" charset="0"/>
-                <a:ea typeface="+mn-ea"/>
-                <a:cs typeface="+mn-cs"/>
-              </a:rPr>
-              <a:t>- **message**: the actual message to log (*max 100 characters*)</a:t>
-            </a:r>
-          </a:p>
-          <a:p>
-            <a:r>
-              <a:rPr lang="en-US" sz="900" b="0" i="0" kern="1200" dirty="0">
-                <a:solidFill>
-                  <a:schemeClr val="tx1"/>
-                </a:solidFill>
-                <a:effectLst/>
-                <a:latin typeface="Segoe UI Light" pitchFamily="34" charset="0"/>
-                <a:ea typeface="+mn-ea"/>
-                <a:cs typeface="+mn-cs"/>
-              </a:rPr>
-              <a:t>- **scope**: an optional service scope</a:t>
-            </a:r>
-          </a:p>
-          <a:p>
-            <a:endParaRPr lang="en-US" sz="900" b="0" i="0" kern="1200" dirty="0">
-              <a:solidFill>
-                <a:schemeClr val="tx1"/>
-              </a:solidFill>
-              <a:effectLst/>
-              <a:latin typeface="Segoe UI Light" pitchFamily="34" charset="0"/>
-              <a:ea typeface="+mn-ea"/>
-              <a:cs typeface="+mn-cs"/>
-            </a:endParaRPr>
-          </a:p>
-          <a:p>
-            <a:r>
-              <a:rPr lang="en-US" sz="900" b="0" i="0" kern="1200" dirty="0">
-                <a:solidFill>
-                  <a:schemeClr val="tx1"/>
-                </a:solidFill>
-                <a:effectLst/>
-                <a:latin typeface="Segoe UI Light" pitchFamily="34" charset="0"/>
-                <a:ea typeface="+mn-ea"/>
-                <a:cs typeface="+mn-cs"/>
-              </a:rPr>
-              <a:t>The error method takes an `Error` object instead of the message string, otherwise they are the same.</a:t>
-            </a:r>
           </a:p>
         </p:txBody>
       </p:sp>
@@ -2408,7 +2211,7 @@
             <a:fld id="{B4008EB6-D09E-4580-8CD6-DDB14511944F}" type="slidenum">
               <a:rPr lang="en-US" smtClean="0"/>
               <a:pPr/>
-              <a:t>15</a:t>
+              <a:t>14</a:t>
             </a:fld>
             <a:endParaRPr lang="en-US" dirty="0"/>
           </a:p>
@@ -2417,7 +2220,7 @@
     </p:spTree>
     <p:extLst>
       <p:ext uri="{BB962C8B-B14F-4D97-AF65-F5344CB8AC3E}">
-        <p14:creationId xmlns:p14="http://schemas.microsoft.com/office/powerpoint/2010/main" val="3428289797"/>
+        <p14:creationId xmlns:p14="http://schemas.microsoft.com/office/powerpoint/2010/main" val="1812727307"/>
       </p:ext>
     </p:extLst>
   </p:cSld>
@@ -2481,20 +2284,21 @@
                 <a:ea typeface="+mn-ea"/>
                 <a:cs typeface="+mn-cs"/>
               </a:rPr>
-              <a:t>To use the SharePoint Framework logging infrastructure, import the `Log` object from the **@</a:t>
-            </a:r>
-            <a:r>
-              <a:rPr lang="en-US" sz="900" b="0" i="0" kern="1200" dirty="0" err="1">
-                <a:solidFill>
-                  <a:schemeClr val="tx1"/>
-                </a:solidFill>
-                <a:effectLst/>
-                <a:latin typeface="Segoe UI Light" pitchFamily="34" charset="0"/>
-                <a:ea typeface="+mn-ea"/>
-                <a:cs typeface="+mn-cs"/>
-              </a:rPr>
-              <a:t>microsoft</a:t>
-            </a:r>
+              <a:t>Logging is a very convenient and easy way to keep track of events happening in the web part. The SharePoint Framework has a built-in logging mechanism.</a:t>
+            </a:r>
+          </a:p>
+          <a:p>
+            <a:endParaRPr lang="en-US" sz="900" b="0" i="0" kern="1200" dirty="0">
+              <a:solidFill>
+                <a:schemeClr val="tx1"/>
+              </a:solidFill>
+              <a:effectLst/>
+              <a:latin typeface="Segoe UI Light" pitchFamily="34" charset="0"/>
+              <a:ea typeface="+mn-ea"/>
+              <a:cs typeface="+mn-cs"/>
+            </a:endParaRPr>
+          </a:p>
+          <a:p>
             <a:r>
               <a:rPr lang="en-US" sz="900" b="0" i="0" kern="1200" dirty="0">
                 <a:solidFill>
@@ -2505,20 +2309,21 @@
                 <a:ea typeface="+mn-ea"/>
                 <a:cs typeface="+mn-cs"/>
               </a:rPr>
-              <a:t>/</a:t>
-            </a:r>
-            <a:r>
-              <a:rPr lang="en-US" sz="900" b="0" i="0" kern="1200" dirty="0" err="1">
-                <a:solidFill>
-                  <a:schemeClr val="tx1"/>
-                </a:solidFill>
-                <a:effectLst/>
-                <a:latin typeface="Segoe UI Light" pitchFamily="34" charset="0"/>
-                <a:ea typeface="+mn-ea"/>
-                <a:cs typeface="+mn-cs"/>
-              </a:rPr>
-              <a:t>sp</a:t>
-            </a:r>
+              <a:t>The `Log` class contains four static methods for logging:</a:t>
+            </a:r>
+          </a:p>
+          <a:p>
+            <a:endParaRPr lang="en-US" sz="900" b="0" i="0" kern="1200" dirty="0">
+              <a:solidFill>
+                <a:schemeClr val="tx1"/>
+              </a:solidFill>
+              <a:effectLst/>
+              <a:latin typeface="Segoe UI Light" pitchFamily="34" charset="0"/>
+              <a:ea typeface="+mn-ea"/>
+              <a:cs typeface="+mn-cs"/>
+            </a:endParaRPr>
+          </a:p>
+          <a:p>
             <a:r>
               <a:rPr lang="en-US" sz="900" b="0" i="0" kern="1200" dirty="0">
                 <a:solidFill>
@@ -2529,7 +2334,177 @@
                 <a:ea typeface="+mn-ea"/>
                 <a:cs typeface="+mn-cs"/>
               </a:rPr>
-              <a:t>-core-library** package. Each of the methods will write a different type of logging message to the JavaScript console, as you can see here:</a:t>
+              <a:t>- **info**: log information</a:t>
+            </a:r>
+          </a:p>
+          <a:p>
+            <a:r>
+              <a:rPr lang="en-US" sz="900" b="0" i="0" kern="1200" dirty="0">
+                <a:solidFill>
+                  <a:schemeClr val="tx1"/>
+                </a:solidFill>
+                <a:effectLst/>
+                <a:latin typeface="Segoe UI Light" pitchFamily="34" charset="0"/>
+                <a:ea typeface="+mn-ea"/>
+                <a:cs typeface="+mn-cs"/>
+              </a:rPr>
+              <a:t>- **warn**: log warnings</a:t>
+            </a:r>
+          </a:p>
+          <a:p>
+            <a:r>
+              <a:rPr lang="en-US" sz="900" b="0" i="0" kern="1200" dirty="0">
+                <a:solidFill>
+                  <a:schemeClr val="tx1"/>
+                </a:solidFill>
+                <a:effectLst/>
+                <a:latin typeface="Segoe UI Light" pitchFamily="34" charset="0"/>
+                <a:ea typeface="+mn-ea"/>
+                <a:cs typeface="+mn-cs"/>
+              </a:rPr>
+              <a:t>- **error**: log errors</a:t>
+            </a:r>
+          </a:p>
+          <a:p>
+            <a:r>
+              <a:rPr lang="en-US" sz="900" b="0" i="0" kern="1200" dirty="0">
+                <a:solidFill>
+                  <a:schemeClr val="tx1"/>
+                </a:solidFill>
+                <a:effectLst/>
+                <a:latin typeface="Segoe UI Light" pitchFamily="34" charset="0"/>
+                <a:ea typeface="+mn-ea"/>
+                <a:cs typeface="+mn-cs"/>
+              </a:rPr>
+              <a:t>- **verbose**: log everything</a:t>
+            </a:r>
+          </a:p>
+          <a:p>
+            <a:endParaRPr lang="en-US" sz="900" b="0" i="0" kern="1200" dirty="0">
+              <a:solidFill>
+                <a:schemeClr val="tx1"/>
+              </a:solidFill>
+              <a:effectLst/>
+              <a:latin typeface="Segoe UI Light" pitchFamily="34" charset="0"/>
+              <a:ea typeface="+mn-ea"/>
+              <a:cs typeface="+mn-cs"/>
+            </a:endParaRPr>
+          </a:p>
+          <a:p>
+            <a:r>
+              <a:rPr lang="en-US" sz="900" b="0" i="0" kern="1200" dirty="0">
+                <a:solidFill>
+                  <a:schemeClr val="tx1"/>
+                </a:solidFill>
+                <a:effectLst/>
+                <a:latin typeface="Segoe UI Light" pitchFamily="34" charset="0"/>
+                <a:ea typeface="+mn-ea"/>
+                <a:cs typeface="+mn-cs"/>
+              </a:rPr>
+              <a:t>In the SharePoint Framework, all logging is written to the JavaScript console. You can see the logging messages using the developer tools in a web browser.</a:t>
+            </a:r>
+          </a:p>
+          <a:p>
+            <a:endParaRPr lang="en-US" sz="900" b="0" i="0" kern="1200" dirty="0">
+              <a:solidFill>
+                <a:schemeClr val="tx1"/>
+              </a:solidFill>
+              <a:effectLst/>
+              <a:latin typeface="Segoe UI Light" pitchFamily="34" charset="0"/>
+              <a:ea typeface="+mn-ea"/>
+              <a:cs typeface="+mn-cs"/>
+            </a:endParaRPr>
+          </a:p>
+          <a:p>
+            <a:r>
+              <a:rPr lang="en-US" sz="900" b="0" i="0" kern="1200" dirty="0">
+                <a:solidFill>
+                  <a:schemeClr val="tx1"/>
+                </a:solidFill>
+                <a:effectLst/>
+                <a:latin typeface="Segoe UI Light" pitchFamily="34" charset="0"/>
+                <a:ea typeface="+mn-ea"/>
+                <a:cs typeface="+mn-cs"/>
+              </a:rPr>
+              <a:t>All static methods have the same signature, except the error method - they take three arguments:</a:t>
+            </a:r>
+          </a:p>
+          <a:p>
+            <a:endParaRPr lang="en-US" sz="900" b="0" i="0" kern="1200" dirty="0">
+              <a:solidFill>
+                <a:schemeClr val="tx1"/>
+              </a:solidFill>
+              <a:effectLst/>
+              <a:latin typeface="Segoe UI Light" pitchFamily="34" charset="0"/>
+              <a:ea typeface="+mn-ea"/>
+              <a:cs typeface="+mn-cs"/>
+            </a:endParaRPr>
+          </a:p>
+          <a:p>
+            <a:r>
+              <a:rPr lang="en-US" sz="900" b="0" i="0" kern="1200" dirty="0">
+                <a:solidFill>
+                  <a:schemeClr val="tx1"/>
+                </a:solidFill>
+                <a:effectLst/>
+                <a:latin typeface="Segoe UI Light" pitchFamily="34" charset="0"/>
+                <a:ea typeface="+mn-ea"/>
+                <a:cs typeface="+mn-cs"/>
+              </a:rPr>
+              <a:t>- **source**: the source of the logging information (*max 20 characters*), such as the method or the class name</a:t>
+            </a:r>
+          </a:p>
+          <a:p>
+            <a:r>
+              <a:rPr lang="en-US" sz="900" b="0" i="0" kern="1200" dirty="0">
+                <a:solidFill>
+                  <a:schemeClr val="tx1"/>
+                </a:solidFill>
+                <a:effectLst/>
+                <a:latin typeface="Segoe UI Light" pitchFamily="34" charset="0"/>
+                <a:ea typeface="+mn-ea"/>
+                <a:cs typeface="+mn-cs"/>
+              </a:rPr>
+              <a:t>- **message**: the actual message to log (*max 100 characters*)</a:t>
+            </a:r>
+          </a:p>
+          <a:p>
+            <a:r>
+              <a:rPr lang="en-US" sz="900" b="0" i="0" kern="1200" dirty="0">
+                <a:solidFill>
+                  <a:schemeClr val="tx1"/>
+                </a:solidFill>
+                <a:effectLst/>
+                <a:latin typeface="Segoe UI Light" pitchFamily="34" charset="0"/>
+                <a:ea typeface="+mn-ea"/>
+                <a:cs typeface="+mn-cs"/>
+              </a:rPr>
+              <a:t>- **scope**: an optional service scope</a:t>
+            </a:r>
+          </a:p>
+          <a:p>
+            <a:endParaRPr lang="en-US" sz="900" b="0" i="0" kern="1200" dirty="0">
+              <a:solidFill>
+                <a:schemeClr val="tx1"/>
+              </a:solidFill>
+              <a:effectLst/>
+              <a:latin typeface="Segoe UI Light" pitchFamily="34" charset="0"/>
+              <a:ea typeface="+mn-ea"/>
+              <a:cs typeface="+mn-cs"/>
+            </a:endParaRPr>
+          </a:p>
+          <a:p>
+            <a:r>
+              <a:rPr lang="en-US" sz="900" b="0" i="0" kern="1200" dirty="0">
+                <a:solidFill>
+                  <a:schemeClr val="tx1"/>
+                </a:solidFill>
+                <a:effectLst/>
+                <a:latin typeface="Segoe UI Light" pitchFamily="34" charset="0"/>
+                <a:ea typeface="+mn-ea"/>
+                <a:cs typeface="+mn-cs"/>
+              </a:rPr>
+              <a:t>The error method takes an `Error` object instead of the message string, otherwise they are the same.</a:t>
             </a:r>
           </a:p>
         </p:txBody>
@@ -2629,7 +2604,7 @@
             <a:fld id="{B4008EB6-D09E-4580-8CD6-DDB14511944F}" type="slidenum">
               <a:rPr lang="en-US" smtClean="0"/>
               <a:pPr/>
-              <a:t>16</a:t>
+              <a:t>15</a:t>
             </a:fld>
             <a:endParaRPr lang="en-US" dirty="0"/>
           </a:p>
@@ -2638,7 +2613,7 @@
     </p:spTree>
     <p:extLst>
       <p:ext uri="{BB962C8B-B14F-4D97-AF65-F5344CB8AC3E}">
-        <p14:creationId xmlns:p14="http://schemas.microsoft.com/office/powerpoint/2010/main" val="1170131775"/>
+        <p14:creationId xmlns:p14="http://schemas.microsoft.com/office/powerpoint/2010/main" val="3428289797"/>
       </p:ext>
     </p:extLst>
   </p:cSld>
@@ -2693,7 +2668,7 @@
           <a:lstStyle/>
           <a:p>
             <a:r>
-              <a:rPr lang="en-US" sz="900" b="0" kern="1200" dirty="0">
+              <a:rPr lang="en-US" sz="900" b="0" i="0" kern="1200" dirty="0">
                 <a:solidFill>
                   <a:schemeClr val="tx1"/>
                 </a:solidFill>
@@ -2702,46 +2677,10 @@
                 <a:ea typeface="+mn-ea"/>
                 <a:cs typeface="+mn-cs"/>
               </a:rPr>
-              <a:t>When your component needs to programmatically load an external JavaScript or CSS file, you can use the `</a:t>
-            </a:r>
-            <a:r>
-              <a:rPr lang="en-US" sz="900" b="0" kern="1200" dirty="0" err="1">
-                <a:solidFill>
-                  <a:schemeClr val="tx1"/>
-                </a:solidFill>
-                <a:effectLst/>
-                <a:latin typeface="Segoe UI Light" pitchFamily="34" charset="0"/>
-                <a:ea typeface="+mn-ea"/>
-                <a:cs typeface="+mn-cs"/>
-              </a:rPr>
-              <a:t>SPComponentLoader</a:t>
-            </a:r>
-            <a:r>
-              <a:rPr lang="en-US" sz="900" b="0" kern="1200" dirty="0">
-                <a:solidFill>
-                  <a:schemeClr val="tx1"/>
-                </a:solidFill>
-                <a:effectLst/>
-                <a:latin typeface="Segoe UI Light" pitchFamily="34" charset="0"/>
-                <a:ea typeface="+mn-ea"/>
-                <a:cs typeface="+mn-cs"/>
-              </a:rPr>
-              <a:t>` object. This object can be found in the </a:t>
-            </a:r>
-            <a:r>
-              <a:rPr lang="en-US" sz="900" b="1" kern="1200" dirty="0">
-                <a:solidFill>
-                  <a:schemeClr val="tx1"/>
-                </a:solidFill>
-                <a:effectLst/>
-                <a:latin typeface="Segoe UI Light" pitchFamily="34" charset="0"/>
-                <a:ea typeface="+mn-ea"/>
-                <a:cs typeface="+mn-cs"/>
-              </a:rPr>
-              <a:t>**@</a:t>
-            </a:r>
-            <a:r>
-              <a:rPr lang="en-US" sz="900" b="1" kern="1200" dirty="0" err="1">
+              <a:t>To use the SharePoint Framework logging infrastructure, import the `Log` object from the **@</a:t>
+            </a:r>
+            <a:r>
+              <a:rPr lang="en-US" sz="900" b="0" i="0" kern="1200" dirty="0" err="1">
                 <a:solidFill>
                   <a:schemeClr val="tx1"/>
                 </a:solidFill>
@@ -2753,7 +2692,7 @@
               <a:t>microsoft</a:t>
             </a:r>
             <a:r>
-              <a:rPr lang="en-US" sz="900" b="1" kern="1200" dirty="0">
+              <a:rPr lang="en-US" sz="900" b="0" i="0" kern="1200" dirty="0">
                 <a:solidFill>
                   <a:schemeClr val="tx1"/>
                 </a:solidFill>
@@ -2765,7 +2704,7 @@
               <a:t>/</a:t>
             </a:r>
             <a:r>
-              <a:rPr lang="en-US" sz="900" b="1" kern="1200" dirty="0" err="1">
+              <a:rPr lang="en-US" sz="900" b="0" i="0" kern="1200" dirty="0" err="1">
                 <a:solidFill>
                   <a:schemeClr val="tx1"/>
                 </a:solidFill>
@@ -2777,7 +2716,7 @@
               <a:t>sp</a:t>
             </a:r>
             <a:r>
-              <a:rPr lang="en-US" sz="900" b="1" kern="1200" dirty="0">
+              <a:rPr lang="en-US" sz="900" b="0" i="0" kern="1200" dirty="0">
                 <a:solidFill>
                   <a:schemeClr val="tx1"/>
                 </a:solidFill>
@@ -2786,418 +2725,8 @@
                 <a:ea typeface="+mn-ea"/>
                 <a:cs typeface="+mn-cs"/>
               </a:rPr>
-              <a:t>-loader**</a:t>
-            </a:r>
-            <a:r>
-              <a:rPr lang="en-US" sz="900" b="0" kern="1200" dirty="0">
-                <a:solidFill>
-                  <a:schemeClr val="tx1"/>
-                </a:solidFill>
-                <a:effectLst/>
-                <a:latin typeface="Segoe UI Light" pitchFamily="34" charset="0"/>
-                <a:ea typeface="+mn-ea"/>
-                <a:cs typeface="+mn-cs"/>
-              </a:rPr>
-              <a:t> package.</a:t>
-            </a:r>
-          </a:p>
-          <a:p>
-            <a:br>
-              <a:rPr lang="en-US" sz="900" b="0" kern="1200" dirty="0">
-                <a:solidFill>
-                  <a:schemeClr val="tx1"/>
-                </a:solidFill>
-                <a:effectLst/>
-                <a:latin typeface="Segoe UI Light" pitchFamily="34" charset="0"/>
-                <a:ea typeface="+mn-ea"/>
-                <a:cs typeface="+mn-cs"/>
-              </a:rPr>
-            </a:br>
-            <a:r>
-              <a:rPr lang="en-US" sz="900" b="0" kern="1200" dirty="0">
-                <a:solidFill>
-                  <a:schemeClr val="tx1"/>
-                </a:solidFill>
-                <a:effectLst/>
-                <a:latin typeface="Segoe UI Light" pitchFamily="34" charset="0"/>
-                <a:ea typeface="+mn-ea"/>
-                <a:cs typeface="+mn-cs"/>
-              </a:rPr>
-              <a:t>`</a:t>
-            </a:r>
-            <a:r>
-              <a:rPr lang="en-US" sz="900" b="0" kern="1200" dirty="0" err="1">
-                <a:solidFill>
-                  <a:schemeClr val="tx1"/>
-                </a:solidFill>
-                <a:effectLst/>
-                <a:latin typeface="Segoe UI Light" pitchFamily="34" charset="0"/>
-                <a:ea typeface="+mn-ea"/>
-                <a:cs typeface="+mn-cs"/>
-              </a:rPr>
-              <a:t>SPComponentLoader</a:t>
-            </a:r>
-            <a:r>
-              <a:rPr lang="en-US" sz="900" b="0" kern="1200" dirty="0">
-                <a:solidFill>
-                  <a:schemeClr val="tx1"/>
-                </a:solidFill>
-                <a:effectLst/>
-                <a:latin typeface="Segoe UI Light" pitchFamily="34" charset="0"/>
-                <a:ea typeface="+mn-ea"/>
-                <a:cs typeface="+mn-cs"/>
-              </a:rPr>
-              <a:t>` contains two methods: `</a:t>
-            </a:r>
-            <a:r>
-              <a:rPr lang="en-US" sz="900" b="0" kern="1200" dirty="0" err="1">
-                <a:solidFill>
-                  <a:schemeClr val="tx1"/>
-                </a:solidFill>
-                <a:effectLst/>
-                <a:latin typeface="Segoe UI Light" pitchFamily="34" charset="0"/>
-                <a:ea typeface="+mn-ea"/>
-                <a:cs typeface="+mn-cs"/>
-              </a:rPr>
-              <a:t>loadScript</a:t>
-            </a:r>
-            <a:r>
-              <a:rPr lang="en-US" sz="900" b="0" kern="1200" dirty="0">
-                <a:solidFill>
-                  <a:schemeClr val="tx1"/>
-                </a:solidFill>
-                <a:effectLst/>
-                <a:latin typeface="Segoe UI Light" pitchFamily="34" charset="0"/>
-                <a:ea typeface="+mn-ea"/>
-                <a:cs typeface="+mn-cs"/>
-              </a:rPr>
-              <a:t>()` and `</a:t>
-            </a:r>
-            <a:r>
-              <a:rPr lang="en-US" sz="900" b="0" kern="1200" dirty="0" err="1">
-                <a:solidFill>
-                  <a:schemeClr val="tx1"/>
-                </a:solidFill>
-                <a:effectLst/>
-                <a:latin typeface="Segoe UI Light" pitchFamily="34" charset="0"/>
-                <a:ea typeface="+mn-ea"/>
-                <a:cs typeface="+mn-cs"/>
-              </a:rPr>
-              <a:t>loadCss</a:t>
-            </a:r>
-            <a:r>
-              <a:rPr lang="en-US" sz="900" b="0" kern="1200" dirty="0">
-                <a:solidFill>
-                  <a:schemeClr val="tx1"/>
-                </a:solidFill>
-                <a:effectLst/>
-                <a:latin typeface="Segoe UI Light" pitchFamily="34" charset="0"/>
-                <a:ea typeface="+mn-ea"/>
-                <a:cs typeface="+mn-cs"/>
-              </a:rPr>
-              <a:t>()`. Both methods accept a string parameter of the URL of the file to load and return a JavaScript promise once the file has been loaded.</a:t>
-            </a:r>
-          </a:p>
-          <a:p>
-            <a:br>
-              <a:rPr lang="en-US" sz="900" b="0" kern="1200" dirty="0">
-                <a:solidFill>
-                  <a:schemeClr val="tx1"/>
-                </a:solidFill>
-                <a:effectLst/>
-                <a:latin typeface="Segoe UI Light" pitchFamily="34" charset="0"/>
-                <a:ea typeface="+mn-ea"/>
-                <a:cs typeface="+mn-cs"/>
-              </a:rPr>
-            </a:br>
-            <a:r>
-              <a:rPr lang="en-US" sz="900" b="0" kern="1200" dirty="0">
-                <a:solidFill>
-                  <a:schemeClr val="tx1"/>
-                </a:solidFill>
-                <a:effectLst/>
-                <a:latin typeface="Segoe UI Light" pitchFamily="34" charset="0"/>
-                <a:ea typeface="+mn-ea"/>
-                <a:cs typeface="+mn-cs"/>
-              </a:rPr>
-              <a:t>The `</a:t>
-            </a:r>
-            <a:r>
-              <a:rPr lang="en-US" sz="900" b="0" kern="1200" dirty="0" err="1">
-                <a:solidFill>
-                  <a:schemeClr val="tx1"/>
-                </a:solidFill>
-                <a:effectLst/>
-                <a:latin typeface="Segoe UI Light" pitchFamily="34" charset="0"/>
-                <a:ea typeface="+mn-ea"/>
-                <a:cs typeface="+mn-cs"/>
-              </a:rPr>
-              <a:t>loadScript</a:t>
-            </a:r>
-            <a:r>
-              <a:rPr lang="en-US" sz="900" b="0" kern="1200" dirty="0">
-                <a:solidFill>
-                  <a:schemeClr val="tx1"/>
-                </a:solidFill>
-                <a:effectLst/>
-                <a:latin typeface="Segoe UI Light" pitchFamily="34" charset="0"/>
-                <a:ea typeface="+mn-ea"/>
-                <a:cs typeface="+mn-cs"/>
-              </a:rPr>
-              <a:t>()` method accepts a second parameter that you can use to specify the object that the script should be assigned to when it is exported.</a:t>
-            </a:r>
-          </a:p>
-          <a:p>
-            <a:br>
-              <a:rPr lang="en-US" sz="900" b="0" kern="1200" dirty="0">
-                <a:solidFill>
-                  <a:schemeClr val="tx1"/>
-                </a:solidFill>
-                <a:effectLst/>
-                <a:latin typeface="Segoe UI Light" pitchFamily="34" charset="0"/>
-                <a:ea typeface="+mn-ea"/>
-                <a:cs typeface="+mn-cs"/>
-              </a:rPr>
-            </a:br>
-            <a:r>
-              <a:rPr lang="en-US" sz="900" b="0" kern="1200" dirty="0">
-                <a:solidFill>
-                  <a:schemeClr val="tx1"/>
-                </a:solidFill>
-                <a:effectLst/>
-                <a:latin typeface="Segoe UI Light" pitchFamily="34" charset="0"/>
-                <a:ea typeface="+mn-ea"/>
-                <a:cs typeface="+mn-cs"/>
-              </a:rPr>
-              <a:t>Notice how the `</a:t>
-            </a:r>
-            <a:r>
-              <a:rPr lang="en-US" sz="900" b="0" kern="1200" dirty="0" err="1">
-                <a:solidFill>
-                  <a:schemeClr val="tx1"/>
-                </a:solidFill>
-                <a:effectLst/>
-                <a:latin typeface="Segoe UI Light" pitchFamily="34" charset="0"/>
-                <a:ea typeface="+mn-ea"/>
-                <a:cs typeface="+mn-cs"/>
-              </a:rPr>
-              <a:t>SPComponentLoader</a:t>
-            </a:r>
-            <a:r>
-              <a:rPr lang="en-US" sz="900" b="0" kern="1200" dirty="0">
-                <a:solidFill>
-                  <a:schemeClr val="tx1"/>
-                </a:solidFill>
-                <a:effectLst/>
-                <a:latin typeface="Segoe UI Light" pitchFamily="34" charset="0"/>
-                <a:ea typeface="+mn-ea"/>
-                <a:cs typeface="+mn-cs"/>
-              </a:rPr>
-              <a:t>` is wrapped in the `if (!</a:t>
-            </a:r>
-            <a:r>
-              <a:rPr lang="en-US" sz="900" b="0" kern="1200" dirty="0" err="1">
-                <a:solidFill>
-                  <a:schemeClr val="tx1"/>
-                </a:solidFill>
-                <a:effectLst/>
-                <a:latin typeface="Segoe UI Light" pitchFamily="34" charset="0"/>
-                <a:ea typeface="+mn-ea"/>
-                <a:cs typeface="+mn-cs"/>
-              </a:rPr>
-              <a:t>this.renderedOnce</a:t>
-            </a:r>
-            <a:r>
-              <a:rPr lang="en-US" sz="900" b="0" kern="1200" dirty="0">
-                <a:solidFill>
-                  <a:schemeClr val="tx1"/>
-                </a:solidFill>
-                <a:effectLst/>
-                <a:latin typeface="Segoe UI Light" pitchFamily="34" charset="0"/>
-                <a:ea typeface="+mn-ea"/>
-                <a:cs typeface="+mn-cs"/>
-              </a:rPr>
-              <a:t>)` clause. The `render` function of client-side web parts is called initially whenever a web part is added to the page, but also every time a web part property is changed in the property pane. Because we only want to load the scripts with the `</a:t>
-            </a:r>
-            <a:r>
-              <a:rPr lang="en-US" sz="900" b="0" kern="1200" dirty="0" err="1">
-                <a:solidFill>
-                  <a:schemeClr val="tx1"/>
-                </a:solidFill>
-                <a:effectLst/>
-                <a:latin typeface="Segoe UI Light" pitchFamily="34" charset="0"/>
-                <a:ea typeface="+mn-ea"/>
-                <a:cs typeface="+mn-cs"/>
-              </a:rPr>
-              <a:t>SPComponentLoader</a:t>
-            </a:r>
-            <a:r>
-              <a:rPr lang="en-US" sz="900" b="0" kern="1200" dirty="0">
-                <a:solidFill>
-                  <a:schemeClr val="tx1"/>
-                </a:solidFill>
-                <a:effectLst/>
-                <a:latin typeface="Segoe UI Light" pitchFamily="34" charset="0"/>
-                <a:ea typeface="+mn-ea"/>
-                <a:cs typeface="+mn-cs"/>
-              </a:rPr>
-              <a:t>` one time, we use the `</a:t>
-            </a:r>
-            <a:r>
-              <a:rPr lang="en-US" sz="900" b="0" kern="1200" dirty="0" err="1">
-                <a:solidFill>
-                  <a:schemeClr val="tx1"/>
-                </a:solidFill>
-                <a:effectLst/>
-                <a:latin typeface="Segoe UI Light" pitchFamily="34" charset="0"/>
-                <a:ea typeface="+mn-ea"/>
-                <a:cs typeface="+mn-cs"/>
-              </a:rPr>
-              <a:t>renderedOnce</a:t>
-            </a:r>
-            <a:r>
-              <a:rPr lang="en-US" sz="900" b="0" kern="1200" dirty="0">
-                <a:solidFill>
-                  <a:schemeClr val="tx1"/>
-                </a:solidFill>
-                <a:effectLst/>
-                <a:latin typeface="Segoe UI Light" pitchFamily="34" charset="0"/>
-                <a:ea typeface="+mn-ea"/>
-                <a:cs typeface="+mn-cs"/>
-              </a:rPr>
-              <a:t>` property to verify that the web part is rendering initially and then load the required modules.</a:t>
-            </a:r>
-          </a:p>
-          <a:p>
-            <a:br>
-              <a:rPr lang="en-US" sz="900" b="0" kern="1200" dirty="0">
-                <a:solidFill>
-                  <a:schemeClr val="tx1"/>
-                </a:solidFill>
-                <a:effectLst/>
-                <a:latin typeface="Segoe UI Light" pitchFamily="34" charset="0"/>
-                <a:ea typeface="+mn-ea"/>
-                <a:cs typeface="+mn-cs"/>
-              </a:rPr>
-            </a:br>
-            <a:r>
-              <a:rPr lang="en-US" sz="900" b="0" kern="1200" dirty="0">
-                <a:solidFill>
-                  <a:schemeClr val="tx1"/>
-                </a:solidFill>
-                <a:effectLst/>
-                <a:latin typeface="Segoe UI Light" pitchFamily="34" charset="0"/>
-                <a:ea typeface="+mn-ea"/>
-                <a:cs typeface="+mn-cs"/>
-              </a:rPr>
-              <a:t>When loading jQuery using the `</a:t>
-            </a:r>
-            <a:r>
-              <a:rPr lang="en-US" sz="900" b="0" kern="1200" dirty="0" err="1">
-                <a:solidFill>
-                  <a:schemeClr val="tx1"/>
-                </a:solidFill>
-                <a:effectLst/>
-                <a:latin typeface="Segoe UI Light" pitchFamily="34" charset="0"/>
-                <a:ea typeface="+mn-ea"/>
-                <a:cs typeface="+mn-cs"/>
-              </a:rPr>
-              <a:t>SPComponentLoader</a:t>
-            </a:r>
-            <a:r>
-              <a:rPr lang="en-US" sz="900" b="0" kern="1200" dirty="0">
-                <a:solidFill>
-                  <a:schemeClr val="tx1"/>
-                </a:solidFill>
-                <a:effectLst/>
-                <a:latin typeface="Segoe UI Light" pitchFamily="34" charset="0"/>
-                <a:ea typeface="+mn-ea"/>
-                <a:cs typeface="+mn-cs"/>
-              </a:rPr>
-              <a:t>`, we load it as a global script associated with the `jQuery` variable.</a:t>
-            </a:r>
-          </a:p>
-          <a:p>
-            <a:br>
-              <a:rPr lang="en-US" sz="900" b="0" kern="1200" dirty="0">
-                <a:solidFill>
-                  <a:schemeClr val="tx1"/>
-                </a:solidFill>
-                <a:effectLst/>
-                <a:latin typeface="Segoe UI Light" pitchFamily="34" charset="0"/>
-                <a:ea typeface="+mn-ea"/>
-                <a:cs typeface="+mn-cs"/>
-              </a:rPr>
-            </a:br>
-            <a:r>
-              <a:rPr lang="en-US" sz="900" b="0" kern="1200" dirty="0">
-                <a:solidFill>
-                  <a:schemeClr val="tx1"/>
-                </a:solidFill>
-                <a:effectLst/>
-                <a:latin typeface="Segoe UI Light" pitchFamily="34" charset="0"/>
-                <a:ea typeface="+mn-ea"/>
-                <a:cs typeface="+mn-cs"/>
-              </a:rPr>
-              <a:t>Notice that after loading the jQuery library and before loading a CSS file for the jQuery UI project, we store the reference to jQuery in the `</a:t>
-            </a:r>
-            <a:r>
-              <a:rPr lang="en-US" sz="900" b="0" kern="1200" dirty="0" err="1">
-                <a:solidFill>
-                  <a:schemeClr val="tx1"/>
-                </a:solidFill>
-                <a:effectLst/>
-                <a:latin typeface="Segoe UI Light" pitchFamily="34" charset="0"/>
-                <a:ea typeface="+mn-ea"/>
-                <a:cs typeface="+mn-cs"/>
-              </a:rPr>
-              <a:t>this.jQuery</a:t>
-            </a:r>
-            <a:r>
-              <a:rPr lang="en-US" sz="900" b="0" kern="1200" dirty="0">
-                <a:solidFill>
-                  <a:schemeClr val="tx1"/>
-                </a:solidFill>
-                <a:effectLst/>
-                <a:latin typeface="Segoe UI Light" pitchFamily="34" charset="0"/>
-                <a:ea typeface="+mn-ea"/>
-                <a:cs typeface="+mn-cs"/>
-              </a:rPr>
-              <a:t>` variable.</a:t>
-            </a:r>
-          </a:p>
-          <a:p>
-            <a:br>
-              <a:rPr lang="en-US" sz="900" b="0" kern="1200" dirty="0">
-                <a:solidFill>
-                  <a:schemeClr val="tx1"/>
-                </a:solidFill>
-                <a:effectLst/>
-                <a:latin typeface="Segoe UI Light" pitchFamily="34" charset="0"/>
-                <a:ea typeface="+mn-ea"/>
-                <a:cs typeface="+mn-cs"/>
-              </a:rPr>
-            </a:br>
-            <a:endParaRPr lang="en-US" sz="900" b="0" kern="1200" dirty="0">
-              <a:solidFill>
-                <a:schemeClr val="tx1"/>
-              </a:solidFill>
-              <a:effectLst/>
-              <a:latin typeface="Segoe UI Light" pitchFamily="34" charset="0"/>
-              <a:ea typeface="+mn-ea"/>
-              <a:cs typeface="+mn-cs"/>
-            </a:endParaRPr>
-          </a:p>
-          <a:p>
-            <a:endParaRPr lang="en-US" sz="900" b="0" kern="1200" dirty="0">
-              <a:solidFill>
-                <a:schemeClr val="tx1"/>
-              </a:solidFill>
-              <a:effectLst/>
-              <a:latin typeface="Segoe UI Light" pitchFamily="34" charset="0"/>
-              <a:ea typeface="+mn-ea"/>
-              <a:cs typeface="+mn-cs"/>
-            </a:endParaRPr>
+              <a:t>-core-library** package. Each of the methods will write a different type of logging message to the JavaScript console, as you can see here:</a:t>
+            </a:r>
           </a:p>
         </p:txBody>
       </p:sp>
@@ -3296,7 +2825,7 @@
             <a:fld id="{B4008EB6-D09E-4580-8CD6-DDB14511944F}" type="slidenum">
               <a:rPr lang="en-US" smtClean="0"/>
               <a:pPr/>
-              <a:t>17</a:t>
+              <a:t>16</a:t>
             </a:fld>
             <a:endParaRPr lang="en-US" dirty="0"/>
           </a:p>
@@ -3305,7 +2834,7 @@
     </p:spTree>
     <p:extLst>
       <p:ext uri="{BB962C8B-B14F-4D97-AF65-F5344CB8AC3E}">
-        <p14:creationId xmlns:p14="http://schemas.microsoft.com/office/powerpoint/2010/main" val="524509501"/>
+        <p14:creationId xmlns:p14="http://schemas.microsoft.com/office/powerpoint/2010/main" val="1170131775"/>
       </p:ext>
     </p:extLst>
   </p:cSld>
@@ -3359,7 +2888,512 @@
           <a:bodyPr/>
           <a:lstStyle/>
           <a:p>
-            <a:endParaRPr lang="en-US"/>
+            <a:r>
+              <a:rPr lang="en-US" sz="900" b="0" kern="1200" dirty="0">
+                <a:solidFill>
+                  <a:schemeClr val="tx1"/>
+                </a:solidFill>
+                <a:effectLst/>
+                <a:latin typeface="Segoe UI Light" pitchFamily="34" charset="0"/>
+                <a:ea typeface="+mn-ea"/>
+                <a:cs typeface="+mn-cs"/>
+              </a:rPr>
+              <a:t>When your component needs to programmatically load an external JavaScript or CSS file, you can use the `</a:t>
+            </a:r>
+            <a:r>
+              <a:rPr lang="en-US" sz="900" b="0" kern="1200" dirty="0" err="1">
+                <a:solidFill>
+                  <a:schemeClr val="tx1"/>
+                </a:solidFill>
+                <a:effectLst/>
+                <a:latin typeface="Segoe UI Light" pitchFamily="34" charset="0"/>
+                <a:ea typeface="+mn-ea"/>
+                <a:cs typeface="+mn-cs"/>
+              </a:rPr>
+              <a:t>SPComponentLoader</a:t>
+            </a:r>
+            <a:r>
+              <a:rPr lang="en-US" sz="900" b="0" kern="1200" dirty="0">
+                <a:solidFill>
+                  <a:schemeClr val="tx1"/>
+                </a:solidFill>
+                <a:effectLst/>
+                <a:latin typeface="Segoe UI Light" pitchFamily="34" charset="0"/>
+                <a:ea typeface="+mn-ea"/>
+                <a:cs typeface="+mn-cs"/>
+              </a:rPr>
+              <a:t>` object. This object can be found in the </a:t>
+            </a:r>
+            <a:r>
+              <a:rPr lang="en-US" sz="900" b="1" kern="1200" dirty="0">
+                <a:solidFill>
+                  <a:schemeClr val="tx1"/>
+                </a:solidFill>
+                <a:effectLst/>
+                <a:latin typeface="Segoe UI Light" pitchFamily="34" charset="0"/>
+                <a:ea typeface="+mn-ea"/>
+                <a:cs typeface="+mn-cs"/>
+              </a:rPr>
+              <a:t>**@</a:t>
+            </a:r>
+            <a:r>
+              <a:rPr lang="en-US" sz="900" b="1" kern="1200" dirty="0" err="1">
+                <a:solidFill>
+                  <a:schemeClr val="tx1"/>
+                </a:solidFill>
+                <a:effectLst/>
+                <a:latin typeface="Segoe UI Light" pitchFamily="34" charset="0"/>
+                <a:ea typeface="+mn-ea"/>
+                <a:cs typeface="+mn-cs"/>
+              </a:rPr>
+              <a:t>microsoft</a:t>
+            </a:r>
+            <a:r>
+              <a:rPr lang="en-US" sz="900" b="1" kern="1200" dirty="0">
+                <a:solidFill>
+                  <a:schemeClr val="tx1"/>
+                </a:solidFill>
+                <a:effectLst/>
+                <a:latin typeface="Segoe UI Light" pitchFamily="34" charset="0"/>
+                <a:ea typeface="+mn-ea"/>
+                <a:cs typeface="+mn-cs"/>
+              </a:rPr>
+              <a:t>/</a:t>
+            </a:r>
+            <a:r>
+              <a:rPr lang="en-US" sz="900" b="1" kern="1200" dirty="0" err="1">
+                <a:solidFill>
+                  <a:schemeClr val="tx1"/>
+                </a:solidFill>
+                <a:effectLst/>
+                <a:latin typeface="Segoe UI Light" pitchFamily="34" charset="0"/>
+                <a:ea typeface="+mn-ea"/>
+                <a:cs typeface="+mn-cs"/>
+              </a:rPr>
+              <a:t>sp</a:t>
+            </a:r>
+            <a:r>
+              <a:rPr lang="en-US" sz="900" b="1" kern="1200" dirty="0">
+                <a:solidFill>
+                  <a:schemeClr val="tx1"/>
+                </a:solidFill>
+                <a:effectLst/>
+                <a:latin typeface="Segoe UI Light" pitchFamily="34" charset="0"/>
+                <a:ea typeface="+mn-ea"/>
+                <a:cs typeface="+mn-cs"/>
+              </a:rPr>
+              <a:t>-loader**</a:t>
+            </a:r>
+            <a:r>
+              <a:rPr lang="en-US" sz="900" b="0" kern="1200" dirty="0">
+                <a:solidFill>
+                  <a:schemeClr val="tx1"/>
+                </a:solidFill>
+                <a:effectLst/>
+                <a:latin typeface="Segoe UI Light" pitchFamily="34" charset="0"/>
+                <a:ea typeface="+mn-ea"/>
+                <a:cs typeface="+mn-cs"/>
+              </a:rPr>
+              <a:t> package.</a:t>
+            </a:r>
+          </a:p>
+          <a:p>
+            <a:br>
+              <a:rPr lang="en-US" sz="900" b="0" kern="1200" dirty="0">
+                <a:solidFill>
+                  <a:schemeClr val="tx1"/>
+                </a:solidFill>
+                <a:effectLst/>
+                <a:latin typeface="Segoe UI Light" pitchFamily="34" charset="0"/>
+                <a:ea typeface="+mn-ea"/>
+                <a:cs typeface="+mn-cs"/>
+              </a:rPr>
+            </a:br>
+            <a:r>
+              <a:rPr lang="en-US" sz="900" b="0" kern="1200" dirty="0">
+                <a:solidFill>
+                  <a:schemeClr val="tx1"/>
+                </a:solidFill>
+                <a:effectLst/>
+                <a:latin typeface="Segoe UI Light" pitchFamily="34" charset="0"/>
+                <a:ea typeface="+mn-ea"/>
+                <a:cs typeface="+mn-cs"/>
+              </a:rPr>
+              <a:t>`</a:t>
+            </a:r>
+            <a:r>
+              <a:rPr lang="en-US" sz="900" b="0" kern="1200" dirty="0" err="1">
+                <a:solidFill>
+                  <a:schemeClr val="tx1"/>
+                </a:solidFill>
+                <a:effectLst/>
+                <a:latin typeface="Segoe UI Light" pitchFamily="34" charset="0"/>
+                <a:ea typeface="+mn-ea"/>
+                <a:cs typeface="+mn-cs"/>
+              </a:rPr>
+              <a:t>SPComponentLoader</a:t>
+            </a:r>
+            <a:r>
+              <a:rPr lang="en-US" sz="900" b="0" kern="1200" dirty="0">
+                <a:solidFill>
+                  <a:schemeClr val="tx1"/>
+                </a:solidFill>
+                <a:effectLst/>
+                <a:latin typeface="Segoe UI Light" pitchFamily="34" charset="0"/>
+                <a:ea typeface="+mn-ea"/>
+                <a:cs typeface="+mn-cs"/>
+              </a:rPr>
+              <a:t>` contains two methods: `</a:t>
+            </a:r>
+            <a:r>
+              <a:rPr lang="en-US" sz="900" b="0" kern="1200" dirty="0" err="1">
+                <a:solidFill>
+                  <a:schemeClr val="tx1"/>
+                </a:solidFill>
+                <a:effectLst/>
+                <a:latin typeface="Segoe UI Light" pitchFamily="34" charset="0"/>
+                <a:ea typeface="+mn-ea"/>
+                <a:cs typeface="+mn-cs"/>
+              </a:rPr>
+              <a:t>loadScript</a:t>
+            </a:r>
+            <a:r>
+              <a:rPr lang="en-US" sz="900" b="0" kern="1200" dirty="0">
+                <a:solidFill>
+                  <a:schemeClr val="tx1"/>
+                </a:solidFill>
+                <a:effectLst/>
+                <a:latin typeface="Segoe UI Light" pitchFamily="34" charset="0"/>
+                <a:ea typeface="+mn-ea"/>
+                <a:cs typeface="+mn-cs"/>
+              </a:rPr>
+              <a:t>()` and `</a:t>
+            </a:r>
+            <a:r>
+              <a:rPr lang="en-US" sz="900" b="0" kern="1200" dirty="0" err="1">
+                <a:solidFill>
+                  <a:schemeClr val="tx1"/>
+                </a:solidFill>
+                <a:effectLst/>
+                <a:latin typeface="Segoe UI Light" pitchFamily="34" charset="0"/>
+                <a:ea typeface="+mn-ea"/>
+                <a:cs typeface="+mn-cs"/>
+              </a:rPr>
+              <a:t>loadCss</a:t>
+            </a:r>
+            <a:r>
+              <a:rPr lang="en-US" sz="900" b="0" kern="1200" dirty="0">
+                <a:solidFill>
+                  <a:schemeClr val="tx1"/>
+                </a:solidFill>
+                <a:effectLst/>
+                <a:latin typeface="Segoe UI Light" pitchFamily="34" charset="0"/>
+                <a:ea typeface="+mn-ea"/>
+                <a:cs typeface="+mn-cs"/>
+              </a:rPr>
+              <a:t>()`. Both methods accept a string parameter of the URL of the file to load and return a JavaScript promise once the file has been loaded.</a:t>
+            </a:r>
+          </a:p>
+          <a:p>
+            <a:br>
+              <a:rPr lang="en-US" sz="900" b="0" kern="1200" dirty="0">
+                <a:solidFill>
+                  <a:schemeClr val="tx1"/>
+                </a:solidFill>
+                <a:effectLst/>
+                <a:latin typeface="Segoe UI Light" pitchFamily="34" charset="0"/>
+                <a:ea typeface="+mn-ea"/>
+                <a:cs typeface="+mn-cs"/>
+              </a:rPr>
+            </a:br>
+            <a:r>
+              <a:rPr lang="en-US" sz="900" b="0" kern="1200" dirty="0">
+                <a:solidFill>
+                  <a:schemeClr val="tx1"/>
+                </a:solidFill>
+                <a:effectLst/>
+                <a:latin typeface="Segoe UI Light" pitchFamily="34" charset="0"/>
+                <a:ea typeface="+mn-ea"/>
+                <a:cs typeface="+mn-cs"/>
+              </a:rPr>
+              <a:t>The `</a:t>
+            </a:r>
+            <a:r>
+              <a:rPr lang="en-US" sz="900" b="0" kern="1200" dirty="0" err="1">
+                <a:solidFill>
+                  <a:schemeClr val="tx1"/>
+                </a:solidFill>
+                <a:effectLst/>
+                <a:latin typeface="Segoe UI Light" pitchFamily="34" charset="0"/>
+                <a:ea typeface="+mn-ea"/>
+                <a:cs typeface="+mn-cs"/>
+              </a:rPr>
+              <a:t>loadScript</a:t>
+            </a:r>
+            <a:r>
+              <a:rPr lang="en-US" sz="900" b="0" kern="1200" dirty="0">
+                <a:solidFill>
+                  <a:schemeClr val="tx1"/>
+                </a:solidFill>
+                <a:effectLst/>
+                <a:latin typeface="Segoe UI Light" pitchFamily="34" charset="0"/>
+                <a:ea typeface="+mn-ea"/>
+                <a:cs typeface="+mn-cs"/>
+              </a:rPr>
+              <a:t>()` method accepts a second parameter that you can use to specify the object that the script should be assigned to when it is exported.</a:t>
+            </a:r>
+          </a:p>
+          <a:p>
+            <a:br>
+              <a:rPr lang="en-US" sz="900" b="0" kern="1200" dirty="0">
+                <a:solidFill>
+                  <a:schemeClr val="tx1"/>
+                </a:solidFill>
+                <a:effectLst/>
+                <a:latin typeface="Segoe UI Light" pitchFamily="34" charset="0"/>
+                <a:ea typeface="+mn-ea"/>
+                <a:cs typeface="+mn-cs"/>
+              </a:rPr>
+            </a:br>
+            <a:r>
+              <a:rPr lang="en-US" sz="900" b="0" kern="1200" dirty="0">
+                <a:solidFill>
+                  <a:schemeClr val="tx1"/>
+                </a:solidFill>
+                <a:effectLst/>
+                <a:latin typeface="Segoe UI Light" pitchFamily="34" charset="0"/>
+                <a:ea typeface="+mn-ea"/>
+                <a:cs typeface="+mn-cs"/>
+              </a:rPr>
+              <a:t>Notice how the `</a:t>
+            </a:r>
+            <a:r>
+              <a:rPr lang="en-US" sz="900" b="0" kern="1200" dirty="0" err="1">
+                <a:solidFill>
+                  <a:schemeClr val="tx1"/>
+                </a:solidFill>
+                <a:effectLst/>
+                <a:latin typeface="Segoe UI Light" pitchFamily="34" charset="0"/>
+                <a:ea typeface="+mn-ea"/>
+                <a:cs typeface="+mn-cs"/>
+              </a:rPr>
+              <a:t>SPComponentLoader</a:t>
+            </a:r>
+            <a:r>
+              <a:rPr lang="en-US" sz="900" b="0" kern="1200" dirty="0">
+                <a:solidFill>
+                  <a:schemeClr val="tx1"/>
+                </a:solidFill>
+                <a:effectLst/>
+                <a:latin typeface="Segoe UI Light" pitchFamily="34" charset="0"/>
+                <a:ea typeface="+mn-ea"/>
+                <a:cs typeface="+mn-cs"/>
+              </a:rPr>
+              <a:t>` is wrapped in the `if (!</a:t>
+            </a:r>
+            <a:r>
+              <a:rPr lang="en-US" sz="900" b="0" kern="1200" dirty="0" err="1">
+                <a:solidFill>
+                  <a:schemeClr val="tx1"/>
+                </a:solidFill>
+                <a:effectLst/>
+                <a:latin typeface="Segoe UI Light" pitchFamily="34" charset="0"/>
+                <a:ea typeface="+mn-ea"/>
+                <a:cs typeface="+mn-cs"/>
+              </a:rPr>
+              <a:t>this.renderedOnce</a:t>
+            </a:r>
+            <a:r>
+              <a:rPr lang="en-US" sz="900" b="0" kern="1200" dirty="0">
+                <a:solidFill>
+                  <a:schemeClr val="tx1"/>
+                </a:solidFill>
+                <a:effectLst/>
+                <a:latin typeface="Segoe UI Light" pitchFamily="34" charset="0"/>
+                <a:ea typeface="+mn-ea"/>
+                <a:cs typeface="+mn-cs"/>
+              </a:rPr>
+              <a:t>)` clause. The `render` function of client-side web parts is called initially whenever a web part is added to the page, but also every time a web part property is changed in the property pane. Because we only want to load the scripts with the `</a:t>
+            </a:r>
+            <a:r>
+              <a:rPr lang="en-US" sz="900" b="0" kern="1200" dirty="0" err="1">
+                <a:solidFill>
+                  <a:schemeClr val="tx1"/>
+                </a:solidFill>
+                <a:effectLst/>
+                <a:latin typeface="Segoe UI Light" pitchFamily="34" charset="0"/>
+                <a:ea typeface="+mn-ea"/>
+                <a:cs typeface="+mn-cs"/>
+              </a:rPr>
+              <a:t>SPComponentLoader</a:t>
+            </a:r>
+            <a:r>
+              <a:rPr lang="en-US" sz="900" b="0" kern="1200" dirty="0">
+                <a:solidFill>
+                  <a:schemeClr val="tx1"/>
+                </a:solidFill>
+                <a:effectLst/>
+                <a:latin typeface="Segoe UI Light" pitchFamily="34" charset="0"/>
+                <a:ea typeface="+mn-ea"/>
+                <a:cs typeface="+mn-cs"/>
+              </a:rPr>
+              <a:t>` one time, we use the `</a:t>
+            </a:r>
+            <a:r>
+              <a:rPr lang="en-US" sz="900" b="0" kern="1200" dirty="0" err="1">
+                <a:solidFill>
+                  <a:schemeClr val="tx1"/>
+                </a:solidFill>
+                <a:effectLst/>
+                <a:latin typeface="Segoe UI Light" pitchFamily="34" charset="0"/>
+                <a:ea typeface="+mn-ea"/>
+                <a:cs typeface="+mn-cs"/>
+              </a:rPr>
+              <a:t>renderedOnce</a:t>
+            </a:r>
+            <a:r>
+              <a:rPr lang="en-US" sz="900" b="0" kern="1200" dirty="0">
+                <a:solidFill>
+                  <a:schemeClr val="tx1"/>
+                </a:solidFill>
+                <a:effectLst/>
+                <a:latin typeface="Segoe UI Light" pitchFamily="34" charset="0"/>
+                <a:ea typeface="+mn-ea"/>
+                <a:cs typeface="+mn-cs"/>
+              </a:rPr>
+              <a:t>` property to verify that the web part is rendering initially and then load the required modules.</a:t>
+            </a:r>
+          </a:p>
+          <a:p>
+            <a:br>
+              <a:rPr lang="en-US" sz="900" b="0" kern="1200" dirty="0">
+                <a:solidFill>
+                  <a:schemeClr val="tx1"/>
+                </a:solidFill>
+                <a:effectLst/>
+                <a:latin typeface="Segoe UI Light" pitchFamily="34" charset="0"/>
+                <a:ea typeface="+mn-ea"/>
+                <a:cs typeface="+mn-cs"/>
+              </a:rPr>
+            </a:br>
+            <a:r>
+              <a:rPr lang="en-US" sz="900" b="0" kern="1200" dirty="0">
+                <a:solidFill>
+                  <a:schemeClr val="tx1"/>
+                </a:solidFill>
+                <a:effectLst/>
+                <a:latin typeface="Segoe UI Light" pitchFamily="34" charset="0"/>
+                <a:ea typeface="+mn-ea"/>
+                <a:cs typeface="+mn-cs"/>
+              </a:rPr>
+              <a:t>When loading jQuery using the `</a:t>
+            </a:r>
+            <a:r>
+              <a:rPr lang="en-US" sz="900" b="0" kern="1200" dirty="0" err="1">
+                <a:solidFill>
+                  <a:schemeClr val="tx1"/>
+                </a:solidFill>
+                <a:effectLst/>
+                <a:latin typeface="Segoe UI Light" pitchFamily="34" charset="0"/>
+                <a:ea typeface="+mn-ea"/>
+                <a:cs typeface="+mn-cs"/>
+              </a:rPr>
+              <a:t>SPComponentLoader</a:t>
+            </a:r>
+            <a:r>
+              <a:rPr lang="en-US" sz="900" b="0" kern="1200" dirty="0">
+                <a:solidFill>
+                  <a:schemeClr val="tx1"/>
+                </a:solidFill>
+                <a:effectLst/>
+                <a:latin typeface="Segoe UI Light" pitchFamily="34" charset="0"/>
+                <a:ea typeface="+mn-ea"/>
+                <a:cs typeface="+mn-cs"/>
+              </a:rPr>
+              <a:t>`, we load it as a global script associated with the `jQuery` variable.</a:t>
+            </a:r>
+          </a:p>
+          <a:p>
+            <a:br>
+              <a:rPr lang="en-US" sz="900" b="0" kern="1200" dirty="0">
+                <a:solidFill>
+                  <a:schemeClr val="tx1"/>
+                </a:solidFill>
+                <a:effectLst/>
+                <a:latin typeface="Segoe UI Light" pitchFamily="34" charset="0"/>
+                <a:ea typeface="+mn-ea"/>
+                <a:cs typeface="+mn-cs"/>
+              </a:rPr>
+            </a:br>
+            <a:r>
+              <a:rPr lang="en-US" sz="900" b="0" kern="1200" dirty="0">
+                <a:solidFill>
+                  <a:schemeClr val="tx1"/>
+                </a:solidFill>
+                <a:effectLst/>
+                <a:latin typeface="Segoe UI Light" pitchFamily="34" charset="0"/>
+                <a:ea typeface="+mn-ea"/>
+                <a:cs typeface="+mn-cs"/>
+              </a:rPr>
+              <a:t>Notice that after loading the jQuery library and before loading a CSS file for the jQuery UI project, we store the reference to jQuery in the `</a:t>
+            </a:r>
+            <a:r>
+              <a:rPr lang="en-US" sz="900" b="0" kern="1200" dirty="0" err="1">
+                <a:solidFill>
+                  <a:schemeClr val="tx1"/>
+                </a:solidFill>
+                <a:effectLst/>
+                <a:latin typeface="Segoe UI Light" pitchFamily="34" charset="0"/>
+                <a:ea typeface="+mn-ea"/>
+                <a:cs typeface="+mn-cs"/>
+              </a:rPr>
+              <a:t>this.jQuery</a:t>
+            </a:r>
+            <a:r>
+              <a:rPr lang="en-US" sz="900" b="0" kern="1200" dirty="0">
+                <a:solidFill>
+                  <a:schemeClr val="tx1"/>
+                </a:solidFill>
+                <a:effectLst/>
+                <a:latin typeface="Segoe UI Light" pitchFamily="34" charset="0"/>
+                <a:ea typeface="+mn-ea"/>
+                <a:cs typeface="+mn-cs"/>
+              </a:rPr>
+              <a:t>` variable.</a:t>
+            </a:r>
+          </a:p>
+          <a:p>
+            <a:br>
+              <a:rPr lang="en-US" sz="900" b="0" kern="1200" dirty="0">
+                <a:solidFill>
+                  <a:schemeClr val="tx1"/>
+                </a:solidFill>
+                <a:effectLst/>
+                <a:latin typeface="Segoe UI Light" pitchFamily="34" charset="0"/>
+                <a:ea typeface="+mn-ea"/>
+                <a:cs typeface="+mn-cs"/>
+              </a:rPr>
+            </a:br>
+            <a:endParaRPr lang="en-US" sz="900" b="0" kern="1200" dirty="0">
+              <a:solidFill>
+                <a:schemeClr val="tx1"/>
+              </a:solidFill>
+              <a:effectLst/>
+              <a:latin typeface="Segoe UI Light" pitchFamily="34" charset="0"/>
+              <a:ea typeface="+mn-ea"/>
+              <a:cs typeface="+mn-cs"/>
+            </a:endParaRPr>
+          </a:p>
+          <a:p>
+            <a:endParaRPr lang="en-US" sz="900" b="0" kern="1200" dirty="0">
+              <a:solidFill>
+                <a:schemeClr val="tx1"/>
+              </a:solidFill>
+              <a:effectLst/>
+              <a:latin typeface="Segoe UI Light" pitchFamily="34" charset="0"/>
+              <a:ea typeface="+mn-ea"/>
+              <a:cs typeface="+mn-cs"/>
+            </a:endParaRPr>
           </a:p>
         </p:txBody>
       </p:sp>
@@ -3378,6 +3412,10 @@
           <a:bodyPr/>
           <a:lstStyle/>
           <a:p>
+            <a:r>
+              <a:rPr lang="en-US"/>
+              <a:t>SharePoint</a:t>
+            </a:r>
             <a:endParaRPr lang="en-US" dirty="0"/>
           </a:p>
         </p:txBody>
@@ -3397,7 +3435,7 @@
           <a:bodyPr/>
           <a:lstStyle/>
           <a:p>
-            <a:pPr defTabSz="914099" eaLnBrk="0" hangingPunct="0"/>
+            <a:pPr defTabSz="924154" eaLnBrk="0" hangingPunct="0"/>
             <a:r>
               <a:rPr lang="en-US" sz="400">
                 <a:gradFill>
@@ -3415,7 +3453,7 @@
                 <a:ea typeface="Segoe UI" pitchFamily="34" charset="0"/>
                 <a:cs typeface="Segoe UI" pitchFamily="34" charset="0"/>
               </a:rPr>
-              <a:t>© Microsoft Corporation. All rights reserved. MICROSOFT MAKES NO WARRANTIES, EXPRESS, IMPLIED OR STATUTORY, AS TO THE INFORMATION IN THIS PRESENTATION.</a:t>
+              <a:t>© 2016 Microsoft Corporation. All rights reserved. MICROSOFT MAKES NO WARRANTIES, EXPRESS, IMPLIED OR STATUTORY, AS TO THE INFORMATION IN THIS PRESENTATION.</a:t>
             </a:r>
             <a:endParaRPr lang="en-US" sz="400" dirty="0">
               <a:gradFill>
@@ -3438,35 +3476,12 @@
       </p:sp>
       <p:sp>
         <p:nvSpPr>
-          <p:cNvPr id="6" name="Date Placeholder 5"/>
+          <p:cNvPr id="6" name="Slide Number Placeholder 5"/>
           <p:cNvSpPr>
             <a:spLocks noGrp="1"/>
           </p:cNvSpPr>
           <p:nvPr>
-            <p:ph type="dt" idx="12"/>
-          </p:nvPr>
-        </p:nvSpPr>
-        <p:spPr/>
-        <p:txBody>
-          <a:bodyPr/>
-          <a:lstStyle/>
-          <a:p>
-            <a:fld id="{D18B56EA-E28F-4F92-9F16-7A6F2501B303}" type="datetime8">
-              <a:rPr lang="en-US" smtClean="0"/>
-              <a:t>2/26/20 5:36 AM</a:t>
-            </a:fld>
-            <a:endParaRPr lang="en-US" dirty="0"/>
-          </a:p>
-        </p:txBody>
-      </p:sp>
-      <p:sp>
-        <p:nvSpPr>
-          <p:cNvPr id="7" name="Slide Number Placeholder 6"/>
-          <p:cNvSpPr>
-            <a:spLocks noGrp="1"/>
-          </p:cNvSpPr>
-          <p:nvPr>
-            <p:ph type="sldNum" sz="quarter" idx="13"/>
+            <p:ph type="sldNum" sz="quarter" idx="12"/>
           </p:nvPr>
         </p:nvSpPr>
         <p:spPr/>
@@ -3477,7 +3492,7 @@
             <a:fld id="{B4008EB6-D09E-4580-8CD6-DDB14511944F}" type="slidenum">
               <a:rPr lang="en-US" smtClean="0"/>
               <a:pPr/>
-              <a:t>18</a:t>
+              <a:t>17</a:t>
             </a:fld>
             <a:endParaRPr lang="en-US" dirty="0"/>
           </a:p>
@@ -3486,7 +3501,7 @@
     </p:spTree>
     <p:extLst>
       <p:ext uri="{BB962C8B-B14F-4D97-AF65-F5344CB8AC3E}">
-        <p14:creationId xmlns:p14="http://schemas.microsoft.com/office/powerpoint/2010/main" val="3194793939"/>
+        <p14:creationId xmlns:p14="http://schemas.microsoft.com/office/powerpoint/2010/main" val="524509501"/>
       </p:ext>
     </p:extLst>
   </p:cSld>
@@ -3634,7 +3649,7 @@
           <a:p>
             <a:fld id="{D18B56EA-E28F-4F92-9F16-7A6F2501B303}" type="datetime8">
               <a:rPr lang="en-US" smtClean="0"/>
-              <a:t>2/26/20 5:36 AM</a:t>
+              <a:t>8/22/2020 3:18 PM</a:t>
             </a:fld>
             <a:endParaRPr lang="en-US" dirty="0"/>
           </a:p>
@@ -3658,7 +3673,7 @@
             <a:fld id="{B4008EB6-D09E-4580-8CD6-DDB14511944F}" type="slidenum">
               <a:rPr lang="en-US" smtClean="0"/>
               <a:pPr/>
-              <a:t>20</a:t>
+              <a:t>18</a:t>
             </a:fld>
             <a:endParaRPr lang="en-US" dirty="0"/>
           </a:p>
@@ -3667,7 +3682,7 @@
     </p:spTree>
     <p:extLst>
       <p:ext uri="{BB962C8B-B14F-4D97-AF65-F5344CB8AC3E}">
-        <p14:creationId xmlns:p14="http://schemas.microsoft.com/office/powerpoint/2010/main" val="2510823477"/>
+        <p14:creationId xmlns:p14="http://schemas.microsoft.com/office/powerpoint/2010/main" val="3194793939"/>
       </p:ext>
     </p:extLst>
   </p:cSld>
@@ -3815,7 +3830,7 @@
           <a:p>
             <a:fld id="{D18B56EA-E28F-4F92-9F16-7A6F2501B303}" type="datetime8">
               <a:rPr lang="en-US" smtClean="0"/>
-              <a:t>2/26/20 5:36 AM</a:t>
+              <a:t>8/22/2020 3:18 PM</a:t>
             </a:fld>
             <a:endParaRPr lang="en-US" dirty="0"/>
           </a:p>
@@ -3839,7 +3854,7 @@
             <a:fld id="{B4008EB6-D09E-4580-8CD6-DDB14511944F}" type="slidenum">
               <a:rPr lang="en-US" smtClean="0"/>
               <a:pPr/>
-              <a:t>21</a:t>
+              <a:t>20</a:t>
             </a:fld>
             <a:endParaRPr lang="en-US" dirty="0"/>
           </a:p>
@@ -3848,7 +3863,7 @@
     </p:spTree>
     <p:extLst>
       <p:ext uri="{BB962C8B-B14F-4D97-AF65-F5344CB8AC3E}">
-        <p14:creationId xmlns:p14="http://schemas.microsoft.com/office/powerpoint/2010/main" val="1685519606"/>
+        <p14:creationId xmlns:p14="http://schemas.microsoft.com/office/powerpoint/2010/main" val="2510823477"/>
       </p:ext>
     </p:extLst>
   </p:cSld>
@@ -4027,7 +4042,7 @@
           <a:p>
             <a:fld id="{D18B56EA-E28F-4F92-9F16-7A6F2501B303}" type="datetime8">
               <a:rPr lang="en-US" smtClean="0"/>
-              <a:t>2/26/20 5:35 AM</a:t>
+              <a:t>8/22/2020 3:18 PM</a:t>
             </a:fld>
             <a:endParaRPr lang="en-US" dirty="0"/>
           </a:p>
@@ -4061,6 +4076,187 @@
     <p:extLst>
       <p:ext uri="{BB962C8B-B14F-4D97-AF65-F5344CB8AC3E}">
         <p14:creationId xmlns:p14="http://schemas.microsoft.com/office/powerpoint/2010/main" val="2897042868"/>
+      </p:ext>
+    </p:extLst>
+  </p:cSld>
+  <p:clrMapOvr>
+    <a:masterClrMapping/>
+  </p:clrMapOvr>
+</p:notes>
+</file>
+
+<file path=ppt/notesSlides/notesSlide20.xml><?xml version="1.0" encoding="utf-8"?>
+<p:notes xmlns:a="http://schemas.openxmlformats.org/drawingml/2006/main" xmlns:r="http://schemas.openxmlformats.org/officeDocument/2006/relationships" xmlns:p="http://schemas.openxmlformats.org/presentationml/2006/main">
+  <p:cSld>
+    <p:spTree>
+      <p:nvGrpSpPr>
+        <p:cNvPr id="1" name=""/>
+        <p:cNvGrpSpPr/>
+        <p:nvPr/>
+      </p:nvGrpSpPr>
+      <p:grpSpPr>
+        <a:xfrm>
+          <a:off x="0" y="0"/>
+          <a:ext cx="0" cy="0"/>
+          <a:chOff x="0" y="0"/>
+          <a:chExt cx="0" cy="0"/>
+        </a:xfrm>
+      </p:grpSpPr>
+      <p:sp>
+        <p:nvSpPr>
+          <p:cNvPr id="2" name="Slide Image Placeholder 1"/>
+          <p:cNvSpPr>
+            <a:spLocks noGrp="1" noRot="1" noChangeAspect="1"/>
+          </p:cNvSpPr>
+          <p:nvPr>
+            <p:ph type="sldImg"/>
+          </p:nvPr>
+        </p:nvSpPr>
+        <p:spPr/>
+      </p:sp>
+      <p:sp>
+        <p:nvSpPr>
+          <p:cNvPr id="3" name="Notes Placeholder 2"/>
+          <p:cNvSpPr>
+            <a:spLocks noGrp="1"/>
+          </p:cNvSpPr>
+          <p:nvPr>
+            <p:ph type="body" idx="1"/>
+          </p:nvPr>
+        </p:nvSpPr>
+        <p:spPr/>
+        <p:txBody>
+          <a:bodyPr/>
+          <a:lstStyle/>
+          <a:p>
+            <a:endParaRPr lang="en-US"/>
+          </a:p>
+        </p:txBody>
+      </p:sp>
+      <p:sp>
+        <p:nvSpPr>
+          <p:cNvPr id="4" name="Header Placeholder 3"/>
+          <p:cNvSpPr>
+            <a:spLocks noGrp="1"/>
+          </p:cNvSpPr>
+          <p:nvPr>
+            <p:ph type="hdr" sz="quarter" idx="10"/>
+          </p:nvPr>
+        </p:nvSpPr>
+        <p:spPr/>
+        <p:txBody>
+          <a:bodyPr/>
+          <a:lstStyle/>
+          <a:p>
+            <a:endParaRPr lang="en-US" dirty="0"/>
+          </a:p>
+        </p:txBody>
+      </p:sp>
+      <p:sp>
+        <p:nvSpPr>
+          <p:cNvPr id="5" name="Footer Placeholder 4"/>
+          <p:cNvSpPr>
+            <a:spLocks noGrp="1"/>
+          </p:cNvSpPr>
+          <p:nvPr>
+            <p:ph type="ftr" sz="quarter" idx="11"/>
+          </p:nvPr>
+        </p:nvSpPr>
+        <p:spPr/>
+        <p:txBody>
+          <a:bodyPr/>
+          <a:lstStyle/>
+          <a:p>
+            <a:pPr defTabSz="914099" eaLnBrk="0" hangingPunct="0"/>
+            <a:r>
+              <a:rPr lang="en-US" sz="400">
+                <a:gradFill>
+                  <a:gsLst>
+                    <a:gs pos="0">
+                      <a:prstClr val="black"/>
+                    </a:gs>
+                    <a:gs pos="100000">
+                      <a:prstClr val="black"/>
+                    </a:gs>
+                  </a:gsLst>
+                  <a:lin ang="5400000" scaled="0"/>
+                </a:gradFill>
+                <a:latin typeface="Segoe UI" pitchFamily="34" charset="0"/>
+                <a:ea typeface="Segoe UI" pitchFamily="34" charset="0"/>
+                <a:cs typeface="Segoe UI" pitchFamily="34" charset="0"/>
+              </a:rPr>
+              <a:t>© Microsoft Corporation. All rights reserved. MICROSOFT MAKES NO WARRANTIES, EXPRESS, IMPLIED OR STATUTORY, AS TO THE INFORMATION IN THIS PRESENTATION.</a:t>
+            </a:r>
+            <a:endParaRPr lang="en-US" sz="400" dirty="0">
+              <a:gradFill>
+                <a:gsLst>
+                  <a:gs pos="0">
+                    <a:prstClr val="black"/>
+                  </a:gs>
+                  <a:gs pos="100000">
+                    <a:prstClr val="black"/>
+                  </a:gs>
+                </a:gsLst>
+                <a:lin ang="5400000" scaled="0"/>
+              </a:gradFill>
+              <a:latin typeface="Segoe UI" pitchFamily="34" charset="0"/>
+              <a:ea typeface="Segoe UI" pitchFamily="34" charset="0"/>
+              <a:cs typeface="Segoe UI" pitchFamily="34" charset="0"/>
+            </a:endParaRPr>
+          </a:p>
+        </p:txBody>
+      </p:sp>
+      <p:sp>
+        <p:nvSpPr>
+          <p:cNvPr id="6" name="Date Placeholder 5"/>
+          <p:cNvSpPr>
+            <a:spLocks noGrp="1"/>
+          </p:cNvSpPr>
+          <p:nvPr>
+            <p:ph type="dt" idx="12"/>
+          </p:nvPr>
+        </p:nvSpPr>
+        <p:spPr/>
+        <p:txBody>
+          <a:bodyPr/>
+          <a:lstStyle/>
+          <a:p>
+            <a:fld id="{D18B56EA-E28F-4F92-9F16-7A6F2501B303}" type="datetime8">
+              <a:rPr lang="en-US" smtClean="0"/>
+              <a:t>8/22/2020 3:18 PM</a:t>
+            </a:fld>
+            <a:endParaRPr lang="en-US" dirty="0"/>
+          </a:p>
+        </p:txBody>
+      </p:sp>
+      <p:sp>
+        <p:nvSpPr>
+          <p:cNvPr id="7" name="Slide Number Placeholder 6"/>
+          <p:cNvSpPr>
+            <a:spLocks noGrp="1"/>
+          </p:cNvSpPr>
+          <p:nvPr>
+            <p:ph type="sldNum" sz="quarter" idx="13"/>
+          </p:nvPr>
+        </p:nvSpPr>
+        <p:spPr/>
+        <p:txBody>
+          <a:bodyPr/>
+          <a:lstStyle/>
+          <a:p>
+            <a:fld id="{B4008EB6-D09E-4580-8CD6-DDB14511944F}" type="slidenum">
+              <a:rPr lang="en-US" smtClean="0"/>
+              <a:pPr/>
+              <a:t>21</a:t>
+            </a:fld>
+            <a:endParaRPr lang="en-US" dirty="0"/>
+          </a:p>
+        </p:txBody>
+      </p:sp>
+    </p:spTree>
+    <p:extLst>
+      <p:ext uri="{BB962C8B-B14F-4D97-AF65-F5344CB8AC3E}">
+        <p14:creationId xmlns:p14="http://schemas.microsoft.com/office/powerpoint/2010/main" val="1685519606"/>
       </p:ext>
     </p:extLst>
   </p:cSld>
@@ -4114,34 +4310,15 @@
           <a:bodyPr/>
           <a:lstStyle/>
           <a:p>
-            <a:pPr marL="0" marR="0" lvl="0" indent="0" algn="l" defTabSz="932742" rtl="0" eaLnBrk="1" fontAlgn="auto" latinLnBrk="0" hangingPunct="1">
-              <a:lnSpc>
-                <a:spcPct val="90000"/>
-              </a:lnSpc>
-              <a:spcBef>
-                <a:spcPts val="0"/>
-              </a:spcBef>
-              <a:spcAft>
-                <a:spcPts val="340"/>
-              </a:spcAft>
-              <a:buClrTx/>
-              <a:buSzTx/>
-              <a:buFontTx/>
-              <a:buNone/>
-              <a:tabLst/>
-              <a:defRPr/>
-            </a:pPr>
-            <a:r>
-              <a:rPr lang="en-US" sz="900" b="0" kern="1200" dirty="0">
+            <a:r>
+              <a:rPr lang="en-US" b="0" dirty="0">
                 <a:solidFill>
-                  <a:schemeClr val="tx1"/>
+                  <a:srgbClr val="000000"/>
                 </a:solidFill>
                 <a:effectLst/>
-                <a:latin typeface="Segoe UI Light" pitchFamily="34" charset="0"/>
-                <a:ea typeface="+mn-ea"/>
-                <a:cs typeface="+mn-cs"/>
+                <a:latin typeface="Consolas" panose="020B0609020204030204" pitchFamily="49" charset="0"/>
               </a:rPr>
-              <a:t>The SharePoint Framework includes many utility APIs and libraries that make developing SharePoint Framework components easier for developers. These utilities are available either from the Framework API while others are available as external libraries. Depending on the utility, you may need to import additional packages into your project or the code files in your project.</a:t>
+              <a:t>The SharePoint Framework includes many utility APIs and libraries that make developing SharePoint Framework components easier. These utilities are available from the Framework API and from external libraries.</a:t>
             </a:r>
           </a:p>
           <a:p>
@@ -4243,7 +4420,7 @@
           <a:p>
             <a:fld id="{D18B56EA-E28F-4F92-9F16-7A6F2501B303}" type="datetime8">
               <a:rPr lang="en-US" smtClean="0"/>
-              <a:t>2/26/20 5:45 AM</a:t>
+              <a:t>8/22/2020 3:18 PM</a:t>
             </a:fld>
             <a:endParaRPr lang="en-US" dirty="0"/>
           </a:p>
@@ -4331,56 +4508,170 @@
           <a:lstStyle/>
           <a:p>
             <a:r>
-              <a:rPr lang="en-US" dirty="0"/>
-              <a:t>Loading indicators are used when you need to initialize your web part and you want to provide some feedback to the user that something is happening. For example, a loading indicator can be shown when a web part is first added to the page, but needs to fetch information from Microsoft Graph, a remote API, when it first loads.</a:t>
+              <a:rPr lang="en-US" b="0" dirty="0">
+                <a:solidFill>
+                  <a:srgbClr val="000000"/>
+                </a:solidFill>
+                <a:effectLst/>
+                <a:latin typeface="Consolas" panose="020B0609020204030204" pitchFamily="49" charset="0"/>
+              </a:rPr>
+              <a:t>The first utility we'll cover is the status renderers. These indicators are ideal for use when you have an error to display or when your component is doing a long-running asynchronous operation.</a:t>
+            </a:r>
+          </a:p>
+          <a:p>
+            <a:pPr marL="0" marR="0" lvl="0" indent="0" algn="l" defTabSz="932742" rtl="0" eaLnBrk="1" fontAlgn="auto" latinLnBrk="0" hangingPunct="1">
+              <a:lnSpc>
+                <a:spcPct val="90000"/>
+              </a:lnSpc>
+              <a:spcBef>
+                <a:spcPts val="0"/>
+              </a:spcBef>
+              <a:spcAft>
+                <a:spcPts val="340"/>
+              </a:spcAft>
+              <a:buClrTx/>
+              <a:buSzTx/>
+              <a:buFontTx/>
+              <a:buNone/>
+              <a:tabLst/>
+              <a:defRPr/>
+            </a:pPr>
+            <a:br>
+              <a:rPr lang="en-US" b="0" dirty="0">
+                <a:solidFill>
+                  <a:srgbClr val="000000"/>
+                </a:solidFill>
+                <a:effectLst/>
+                <a:latin typeface="Consolas" panose="020B0609020204030204" pitchFamily="49" charset="0"/>
+              </a:rPr>
+            </a:br>
+            <a:r>
+              <a:rPr lang="en-US" b="0" dirty="0">
+                <a:solidFill>
+                  <a:srgbClr val="000000"/>
+                </a:solidFill>
+                <a:effectLst/>
+                <a:latin typeface="Consolas" panose="020B0609020204030204" pitchFamily="49" charset="0"/>
+              </a:rPr>
+              <a:t>The status renderers are available from the web part's </a:t>
+            </a:r>
+            <a:r>
+              <a:rPr lang="en-US" b="0" dirty="0">
+                <a:solidFill>
+                  <a:srgbClr val="800000"/>
+                </a:solidFill>
+                <a:effectLst/>
+                <a:latin typeface="Consolas" panose="020B0609020204030204" pitchFamily="49" charset="0"/>
+              </a:rPr>
+              <a:t>`context`</a:t>
+            </a:r>
+            <a:r>
+              <a:rPr lang="en-US" b="0" dirty="0">
+                <a:solidFill>
+                  <a:srgbClr val="000000"/>
+                </a:solidFill>
+                <a:effectLst/>
+                <a:latin typeface="Consolas" panose="020B0609020204030204" pitchFamily="49" charset="0"/>
+              </a:rPr>
+              <a:t> property so there's nothing to import or add to your project to use them. When used, the status renderer will take up the entire web part user experience. There are two types of renderers available to developers:</a:t>
+            </a:r>
+          </a:p>
+          <a:p>
+            <a:br>
+              <a:rPr lang="en-US" b="0" dirty="0">
+                <a:solidFill>
+                  <a:srgbClr val="000000"/>
+                </a:solidFill>
+                <a:effectLst/>
+                <a:latin typeface="Consolas" panose="020B0609020204030204" pitchFamily="49" charset="0"/>
+              </a:rPr>
+            </a:br>
+            <a:r>
+              <a:rPr lang="en-US" b="0" dirty="0">
+                <a:solidFill>
+                  <a:srgbClr val="0451A5"/>
+                </a:solidFill>
+                <a:effectLst/>
+                <a:latin typeface="Consolas" panose="020B0609020204030204" pitchFamily="49" charset="0"/>
+              </a:rPr>
+              <a:t>-</a:t>
+            </a:r>
+            <a:r>
+              <a:rPr lang="en-US" b="0" dirty="0">
+                <a:solidFill>
+                  <a:srgbClr val="000000"/>
+                </a:solidFill>
+                <a:effectLst/>
+                <a:latin typeface="Consolas" panose="020B0609020204030204" pitchFamily="49" charset="0"/>
+              </a:rPr>
+              <a:t> </a:t>
+            </a:r>
+            <a:r>
+              <a:rPr lang="en-US" b="1" dirty="0">
+                <a:solidFill>
+                  <a:srgbClr val="000080"/>
+                </a:solidFill>
+                <a:effectLst/>
+                <a:latin typeface="Consolas" panose="020B0609020204030204" pitchFamily="49" charset="0"/>
+              </a:rPr>
+              <a:t>**loading indicators**</a:t>
+            </a:r>
+            <a:r>
+              <a:rPr lang="en-US" b="0" dirty="0">
+                <a:solidFill>
+                  <a:srgbClr val="000000"/>
+                </a:solidFill>
+                <a:effectLst/>
+                <a:latin typeface="Consolas" panose="020B0609020204030204" pitchFamily="49" charset="0"/>
+              </a:rPr>
+              <a:t>: used when initializing or loading content in your web part</a:t>
+            </a:r>
+          </a:p>
+          <a:p>
+            <a:r>
+              <a:rPr lang="en-US" b="0" dirty="0">
+                <a:solidFill>
+                  <a:srgbClr val="0451A5"/>
+                </a:solidFill>
+                <a:effectLst/>
+                <a:latin typeface="Consolas" panose="020B0609020204030204" pitchFamily="49" charset="0"/>
+              </a:rPr>
+              <a:t>-</a:t>
+            </a:r>
+            <a:r>
+              <a:rPr lang="en-US" b="0" dirty="0">
+                <a:solidFill>
+                  <a:srgbClr val="000000"/>
+                </a:solidFill>
+                <a:effectLst/>
+                <a:latin typeface="Consolas" panose="020B0609020204030204" pitchFamily="49" charset="0"/>
+              </a:rPr>
+              <a:t> </a:t>
+            </a:r>
+            <a:r>
+              <a:rPr lang="en-US" b="1" dirty="0">
+                <a:solidFill>
+                  <a:srgbClr val="000080"/>
+                </a:solidFill>
+                <a:effectLst/>
+                <a:latin typeface="Consolas" panose="020B0609020204030204" pitchFamily="49" charset="0"/>
+              </a:rPr>
+              <a:t>**error indicator**</a:t>
+            </a:r>
+            <a:r>
+              <a:rPr lang="en-US" b="0" dirty="0">
+                <a:solidFill>
+                  <a:srgbClr val="000000"/>
+                </a:solidFill>
+                <a:effectLst/>
+                <a:latin typeface="Consolas" panose="020B0609020204030204" pitchFamily="49" charset="0"/>
+              </a:rPr>
+              <a:t>: used to display error messages</a:t>
             </a:r>
           </a:p>
           <a:p>
             <a:endParaRPr lang="en-US" dirty="0"/>
           </a:p>
-          <a:p>
-            <a:r>
-              <a:rPr lang="en-US" dirty="0"/>
-              <a:t>Instead of the user seeing a blank box on the page with no feedback that something is happening, you can show a loading indicator with an animated image and the message "Loading data.." to to user.</a:t>
-            </a:r>
-          </a:p>
-          <a:p>
-            <a:endParaRPr lang="en-US" dirty="0"/>
-          </a:p>
-          <a:p>
-            <a:r>
-              <a:rPr lang="en-US" dirty="0"/>
-              <a:t>The two methods you'll use to control the indicator are `</a:t>
-            </a:r>
-            <a:r>
-              <a:rPr lang="en-US" dirty="0" err="1"/>
-              <a:t>displayLoadingIndicator</a:t>
-            </a:r>
-            <a:r>
-              <a:rPr lang="en-US" dirty="0"/>
-              <a:t>()` and `</a:t>
-            </a:r>
-            <a:r>
-              <a:rPr lang="en-US" dirty="0" err="1"/>
-              <a:t>clearLoadingIndicator</a:t>
-            </a:r>
-            <a:r>
-              <a:rPr lang="en-US" dirty="0"/>
-              <a:t>()`. Both methods are available from the `context` property on the web part.</a:t>
-            </a:r>
-          </a:p>
-          <a:p>
-            <a:endParaRPr lang="en-US" dirty="0"/>
-          </a:p>
-          <a:p>
-            <a:r>
-              <a:rPr lang="en-US" dirty="0"/>
-              <a:t>The first parameter of both methods is the DOM element where the indicator should be placed. In this case, the indicator is taking up the entire area reserved for rendering the web part on the page.</a:t>
-            </a:r>
-          </a:p>
-          <a:p>
-            <a:endParaRPr lang="en-US" dirty="0"/>
-          </a:p>
         </p:txBody>
       </p:sp>
       <p:sp>
@@ -4390,7 +4681,7 @@
             <a:spLocks noGrp="1"/>
           </p:cNvSpPr>
           <p:nvPr>
-            <p:ph type="hdr" sz="quarter" idx="10"/>
+            <p:ph type="hdr" sz="quarter"/>
           </p:nvPr>
         </p:nvSpPr>
         <p:spPr/>
@@ -4400,7 +4691,7 @@
           <a:p>
             <a:r>
               <a:rPr lang="en-US"/>
-              <a:t>SharePoint</a:t>
+              <a:t>SharePoint Framework</a:t>
             </a:r>
             <a:endParaRPr lang="en-US" dirty="0"/>
           </a:p>
@@ -4413,7 +4704,7 @@
             <a:spLocks noGrp="1"/>
           </p:cNvSpPr>
           <p:nvPr>
-            <p:ph type="ftr" sz="quarter" idx="11"/>
+            <p:ph type="ftr" sz="quarter" idx="4"/>
           </p:nvPr>
         </p:nvSpPr>
         <p:spPr/>
@@ -4421,7 +4712,7 @@
           <a:bodyPr/>
           <a:lstStyle/>
           <a:p>
-            <a:pPr defTabSz="924154" eaLnBrk="0" hangingPunct="0"/>
+            <a:pPr defTabSz="914099" eaLnBrk="0" hangingPunct="0"/>
             <a:r>
               <a:rPr lang="en-US" sz="400">
                 <a:gradFill>
@@ -4439,7 +4730,7 @@
                 <a:ea typeface="Segoe UI" pitchFamily="34" charset="0"/>
                 <a:cs typeface="Segoe UI" pitchFamily="34" charset="0"/>
               </a:rPr>
-              <a:t>© 2016 Microsoft Corporation. All rights reserved. MICROSOFT MAKES NO WARRANTIES, EXPRESS, IMPLIED OR STATUTORY, AS TO THE INFORMATION IN THIS PRESENTATION.</a:t>
+              <a:t>© Microsoft Corporation. All rights reserved. MICROSOFT MAKES NO WARRANTIES, EXPRESS, IMPLIED OR STATUTORY, AS TO THE INFORMATION IN THIS PRESENTATION.</a:t>
             </a:r>
             <a:endParaRPr lang="en-US" sz="400" dirty="0">
               <a:gradFill>
@@ -4462,12 +4753,35 @@
       </p:sp>
       <p:sp>
         <p:nvSpPr>
-          <p:cNvPr id="6" name="Slide Number Placeholder 5"/>
+          <p:cNvPr id="6" name="Date Placeholder 5"/>
           <p:cNvSpPr>
             <a:spLocks noGrp="1"/>
           </p:cNvSpPr>
           <p:nvPr>
-            <p:ph type="sldNum" sz="quarter" idx="12"/>
+            <p:ph type="dt" idx="1"/>
+          </p:nvPr>
+        </p:nvSpPr>
+        <p:spPr/>
+        <p:txBody>
+          <a:bodyPr/>
+          <a:lstStyle/>
+          <a:p>
+            <a:fld id="{D18B56EA-E28F-4F92-9F16-7A6F2501B303}" type="datetime8">
+              <a:rPr lang="en-US" smtClean="0"/>
+              <a:t>8/22/2020 3:22 PM</a:t>
+            </a:fld>
+            <a:endParaRPr lang="en-US" dirty="0"/>
+          </a:p>
+        </p:txBody>
+      </p:sp>
+      <p:sp>
+        <p:nvSpPr>
+          <p:cNvPr id="7" name="Slide Number Placeholder 6"/>
+          <p:cNvSpPr>
+            <a:spLocks noGrp="1"/>
+          </p:cNvSpPr>
+          <p:nvPr>
+            <p:ph type="sldNum" sz="quarter" idx="5"/>
           </p:nvPr>
         </p:nvSpPr>
         <p:spPr/>
@@ -4478,7 +4792,7 @@
             <a:fld id="{B4008EB6-D09E-4580-8CD6-DDB14511944F}" type="slidenum">
               <a:rPr lang="en-US" smtClean="0"/>
               <a:pPr/>
-              <a:t>5</a:t>
+              <a:t>4</a:t>
             </a:fld>
             <a:endParaRPr lang="en-US" dirty="0"/>
           </a:p>
@@ -4487,7 +4801,7 @@
     </p:spTree>
     <p:extLst>
       <p:ext uri="{BB962C8B-B14F-4D97-AF65-F5344CB8AC3E}">
-        <p14:creationId xmlns:p14="http://schemas.microsoft.com/office/powerpoint/2010/main" val="1935793008"/>
+        <p14:creationId xmlns:p14="http://schemas.microsoft.com/office/powerpoint/2010/main" val="2399827138"/>
       </p:ext>
     </p:extLst>
   </p:cSld>
@@ -4543,7 +4857,7 @@
           <a:p>
             <a:r>
               <a:rPr lang="en-US" dirty="0"/>
-              <a:t>Error indicators are used when you need to display errors to your users. They work the same way as loading indicators and are available from the `context` property on the web part.</a:t>
+              <a:t>Loading indicators are used when you need to initialize your web part and you want to provide some feedback to the user that something is happening. For example, a loading indicator can be shown when a web part is first added to the page, but needs to fetch information from Microsoft Graph, a remote API, when it first loads.</a:t>
             </a:r>
           </a:p>
           <a:p>
@@ -4551,17 +4865,46 @@
           </a:p>
           <a:p>
             <a:r>
-              <a:rPr lang="en-US" sz="900" b="0" kern="1200" dirty="0">
-                <a:solidFill>
-                  <a:schemeClr val="tx1"/>
-                </a:solidFill>
-                <a:effectLst/>
-                <a:latin typeface="Segoe UI Light" pitchFamily="34" charset="0"/>
-                <a:ea typeface="+mn-ea"/>
-                <a:cs typeface="+mn-cs"/>
-              </a:rPr>
-              <a:t>Like the loading indicator, the first parameter of both methods is the DOM element where the indicator should be placed. </a:t>
-            </a:r>
+              <a:rPr lang="en-US" dirty="0"/>
+              <a:t>Instead of the user seeing a blank box on the page with no feedback that something is happening, you can show a loading indicator with an animated image and the message "Loading data.." to to user.</a:t>
+            </a:r>
+          </a:p>
+          <a:p>
+            <a:endParaRPr lang="en-US" dirty="0"/>
+          </a:p>
+          <a:p>
+            <a:r>
+              <a:rPr lang="en-US" dirty="0"/>
+              <a:t>The two methods you'll use to control the indicator are `</a:t>
+            </a:r>
+            <a:r>
+              <a:rPr lang="en-US" dirty="0" err="1"/>
+              <a:t>displayLoadingIndicator</a:t>
+            </a:r>
+            <a:r>
+              <a:rPr lang="en-US" dirty="0"/>
+              <a:t>()` and `</a:t>
+            </a:r>
+            <a:r>
+              <a:rPr lang="en-US" dirty="0" err="1"/>
+              <a:t>clearLoadingIndicator</a:t>
+            </a:r>
+            <a:r>
+              <a:rPr lang="en-US" dirty="0"/>
+              <a:t>()`. Both methods are available from the `context` property on the web part.</a:t>
+            </a:r>
+          </a:p>
+          <a:p>
+            <a:endParaRPr lang="en-US" dirty="0"/>
+          </a:p>
+          <a:p>
+            <a:r>
+              <a:rPr lang="en-US" dirty="0"/>
+              <a:t>The first parameter of both methods is the DOM element where the indicator should be placed. In this case, the indicator is taking up the entire area reserved for rendering the web part on the page.</a:t>
+            </a:r>
+          </a:p>
+          <a:p>
+            <a:endParaRPr lang="en-US" dirty="0"/>
           </a:p>
         </p:txBody>
       </p:sp>
@@ -4660,7 +5003,7 @@
             <a:fld id="{B4008EB6-D09E-4580-8CD6-DDB14511944F}" type="slidenum">
               <a:rPr lang="en-US" smtClean="0"/>
               <a:pPr/>
-              <a:t>6</a:t>
+              <a:t>5</a:t>
             </a:fld>
             <a:endParaRPr lang="en-US" dirty="0"/>
           </a:p>
@@ -4669,7 +5012,7 @@
     </p:spTree>
     <p:extLst>
       <p:ext uri="{BB962C8B-B14F-4D97-AF65-F5344CB8AC3E}">
-        <p14:creationId xmlns:p14="http://schemas.microsoft.com/office/powerpoint/2010/main" val="4001692008"/>
+        <p14:creationId xmlns:p14="http://schemas.microsoft.com/office/powerpoint/2010/main" val="1935793008"/>
       </p:ext>
     </p:extLst>
   </p:cSld>
@@ -4724,7 +5067,16 @@
           <a:lstStyle/>
           <a:p>
             <a:r>
-              <a:rPr lang="en-US" sz="900" b="0" i="0" u="none" strike="noStrike" kern="1200" dirty="0" err="1">
+              <a:rPr lang="en-US" dirty="0"/>
+              <a:t>Error indicators are used when you need to display errors to your users. They work the same way as loading indicators and are available from the `context` property on the web part.</a:t>
+            </a:r>
+          </a:p>
+          <a:p>
+            <a:endParaRPr lang="en-US" dirty="0"/>
+          </a:p>
+          <a:p>
+            <a:r>
+              <a:rPr lang="en-US" sz="900" b="0" kern="1200" dirty="0">
                 <a:solidFill>
                   <a:schemeClr val="tx1"/>
                 </a:solidFill>
@@ -4733,141 +5085,7 @@
                 <a:ea typeface="+mn-ea"/>
                 <a:cs typeface="+mn-cs"/>
               </a:rPr>
-              <a:t>Lodash</a:t>
-            </a:r>
-            <a:r>
-              <a:rPr lang="en-US" sz="900" b="0" i="0" u="none" strike="noStrike" kern="1200" dirty="0">
-                <a:solidFill>
-                  <a:schemeClr val="tx1"/>
-                </a:solidFill>
-                <a:effectLst/>
-                <a:latin typeface="Segoe UI Light" pitchFamily="34" charset="0"/>
-                <a:ea typeface="+mn-ea"/>
-                <a:cs typeface="+mn-cs"/>
-              </a:rPr>
-              <a:t> is a great JavaScript utility library that you can use to perform operations on various objects such as arrays, numbers, and strings.</a:t>
-            </a:r>
-          </a:p>
-          <a:p>
-            <a:endParaRPr lang="en-US" sz="900" b="0" i="0" u="none" strike="noStrike" kern="1200" dirty="0">
-              <a:solidFill>
-                <a:schemeClr val="tx1"/>
-              </a:solidFill>
-              <a:effectLst/>
-              <a:latin typeface="Segoe UI Light" pitchFamily="34" charset="0"/>
-              <a:ea typeface="+mn-ea"/>
-              <a:cs typeface="+mn-cs"/>
-            </a:endParaRPr>
-          </a:p>
-          <a:p>
-            <a:r>
-              <a:rPr lang="en-US" sz="900" b="0" i="0" u="none" strike="noStrike" kern="1200" dirty="0">
-                <a:solidFill>
-                  <a:schemeClr val="tx1"/>
-                </a:solidFill>
-                <a:effectLst/>
-                <a:latin typeface="Segoe UI Light" pitchFamily="34" charset="0"/>
-                <a:ea typeface="+mn-ea"/>
-                <a:cs typeface="+mn-cs"/>
-              </a:rPr>
-              <a:t>SharePoint Framework includes a repackage version of the the </a:t>
-            </a:r>
-            <a:r>
-              <a:rPr lang="en-US" sz="900" b="0" i="0" u="none" strike="noStrike" kern="1200" dirty="0" err="1">
-                <a:solidFill>
-                  <a:schemeClr val="tx1"/>
-                </a:solidFill>
-                <a:effectLst/>
-                <a:latin typeface="Segoe UI Light" pitchFamily="34" charset="0"/>
-                <a:ea typeface="+mn-ea"/>
-                <a:cs typeface="+mn-cs"/>
-              </a:rPr>
-              <a:t>Lodash</a:t>
-            </a:r>
-            <a:r>
-              <a:rPr lang="en-US" sz="900" b="0" i="0" u="none" strike="noStrike" kern="1200" dirty="0">
-                <a:solidFill>
-                  <a:schemeClr val="tx1"/>
-                </a:solidFill>
-                <a:effectLst/>
-                <a:latin typeface="Segoe UI Light" pitchFamily="34" charset="0"/>
-                <a:ea typeface="+mn-ea"/>
-                <a:cs typeface="+mn-cs"/>
-              </a:rPr>
-              <a:t> utility library that contains a subset of the most common and essential functions from larger </a:t>
-            </a:r>
-            <a:r>
-              <a:rPr lang="en-US" sz="900" b="0" i="0" u="none" strike="noStrike" kern="1200" dirty="0" err="1">
-                <a:solidFill>
-                  <a:schemeClr val="tx1"/>
-                </a:solidFill>
-                <a:effectLst/>
-                <a:latin typeface="Segoe UI Light" pitchFamily="34" charset="0"/>
-                <a:ea typeface="+mn-ea"/>
-                <a:cs typeface="+mn-cs"/>
-              </a:rPr>
-              <a:t>Lodash</a:t>
-            </a:r>
-            <a:r>
-              <a:rPr lang="en-US" sz="900" b="0" i="0" u="none" strike="noStrike" kern="1200" dirty="0">
-                <a:solidFill>
-                  <a:schemeClr val="tx1"/>
-                </a:solidFill>
-                <a:effectLst/>
-                <a:latin typeface="Segoe UI Light" pitchFamily="34" charset="0"/>
-                <a:ea typeface="+mn-ea"/>
-                <a:cs typeface="+mn-cs"/>
-              </a:rPr>
-              <a:t> to improve performance.</a:t>
-            </a:r>
-          </a:p>
-          <a:p>
-            <a:endParaRPr lang="en-US" sz="900" b="0" i="0" u="none" strike="noStrike" kern="1200" dirty="0">
-              <a:solidFill>
-                <a:schemeClr val="tx1"/>
-              </a:solidFill>
-              <a:effectLst/>
-              <a:latin typeface="Segoe UI Light" pitchFamily="34" charset="0"/>
-              <a:ea typeface="+mn-ea"/>
-              <a:cs typeface="+mn-cs"/>
-            </a:endParaRPr>
-          </a:p>
-          <a:p>
-            <a:r>
-              <a:rPr lang="en-US" sz="900" b="0" i="0" u="none" strike="noStrike" kern="1200" dirty="0">
-                <a:solidFill>
-                  <a:schemeClr val="tx1"/>
-                </a:solidFill>
-                <a:effectLst/>
-                <a:latin typeface="Segoe UI Light" pitchFamily="34" charset="0"/>
-                <a:ea typeface="+mn-ea"/>
-                <a:cs typeface="+mn-cs"/>
-              </a:rPr>
-              <a:t>To use functions from the library, make sure you only import those functions that you will use in the current file. This will ensure you load only the minimally required code and not the entire </a:t>
-            </a:r>
-            <a:r>
-              <a:rPr lang="en-US" sz="900" b="0" i="0" u="none" strike="noStrike" kern="1200" dirty="0" err="1">
-                <a:solidFill>
-                  <a:schemeClr val="tx1"/>
-                </a:solidFill>
-                <a:effectLst/>
-                <a:latin typeface="Segoe UI Light" pitchFamily="34" charset="0"/>
-                <a:ea typeface="+mn-ea"/>
-                <a:cs typeface="+mn-cs"/>
-              </a:rPr>
-              <a:t>Lodash</a:t>
-            </a:r>
-            <a:r>
-              <a:rPr lang="en-US" sz="900" b="0" i="0" u="none" strike="noStrike" kern="1200" dirty="0">
-                <a:solidFill>
-                  <a:schemeClr val="tx1"/>
-                </a:solidFill>
-                <a:effectLst/>
-                <a:latin typeface="Segoe UI Light" pitchFamily="34" charset="0"/>
-                <a:ea typeface="+mn-ea"/>
-                <a:cs typeface="+mn-cs"/>
-              </a:rPr>
-              <a:t> subset library on the page:</a:t>
+              <a:t>Like the loading indicator, the first parameter of both methods is the DOM element where the indicator should be placed. </a:t>
             </a:r>
           </a:p>
         </p:txBody>
@@ -4967,7 +5185,7 @@
             <a:fld id="{B4008EB6-D09E-4580-8CD6-DDB14511944F}" type="slidenum">
               <a:rPr lang="en-US" smtClean="0"/>
               <a:pPr/>
-              <a:t>7</a:t>
+              <a:t>6</a:t>
             </a:fld>
             <a:endParaRPr lang="en-US" dirty="0"/>
           </a:p>
@@ -4976,7 +5194,7 @@
     </p:spTree>
     <p:extLst>
       <p:ext uri="{BB962C8B-B14F-4D97-AF65-F5344CB8AC3E}">
-        <p14:creationId xmlns:p14="http://schemas.microsoft.com/office/powerpoint/2010/main" val="1435310729"/>
+        <p14:creationId xmlns:p14="http://schemas.microsoft.com/office/powerpoint/2010/main" val="4001692008"/>
       </p:ext>
     </p:extLst>
   </p:cSld>
@@ -5031,64 +5249,150 @@
           <a:lstStyle/>
           <a:p>
             <a:r>
-              <a:rPr lang="en-US" dirty="0"/>
-              <a:t>The SharePoint Framework API offers developers a way to determine the current display mode of a page. You can use this information to display a different experience for your users if the page is in read mode or edit mode.</a:t>
-            </a:r>
-          </a:p>
-          <a:p>
-            <a:endParaRPr lang="en-US" dirty="0"/>
-          </a:p>
-          <a:p>
-            <a:r>
-              <a:rPr lang="en-US" dirty="0"/>
-              <a:t>To do this, use the `</a:t>
-            </a:r>
-            <a:r>
-              <a:rPr lang="en-US" dirty="0" err="1"/>
-              <a:t>displayMode</a:t>
-            </a:r>
-            <a:r>
-              <a:rPr lang="en-US" dirty="0"/>
-              <a:t>` property on the current component and compare it to one of the options on the enumeration `</a:t>
-            </a:r>
-            <a:r>
-              <a:rPr lang="en-US" dirty="0" err="1"/>
-              <a:t>DisplayMode</a:t>
-            </a:r>
-            <a:r>
-              <a:rPr lang="en-US" dirty="0"/>
-              <a:t>` available from the **@</a:t>
-            </a:r>
-            <a:r>
-              <a:rPr lang="en-US" dirty="0" err="1"/>
-              <a:t>microsoft</a:t>
-            </a:r>
-            <a:r>
-              <a:rPr lang="en-US" dirty="0"/>
-              <a:t>/</a:t>
-            </a:r>
-            <a:r>
-              <a:rPr lang="en-US" dirty="0" err="1"/>
-              <a:t>sp</a:t>
-            </a:r>
-            <a:r>
-              <a:rPr lang="en-US" dirty="0"/>
-              <a:t>-core-library** package:</a:t>
-            </a:r>
-          </a:p>
-          <a:p>
-            <a:endParaRPr lang="en-US" dirty="0"/>
-          </a:p>
-          <a:p>
-            <a:r>
-              <a:rPr lang="en-US" dirty="0"/>
-              <a:t>&gt; [!IMPORTANT]</a:t>
-            </a:r>
-          </a:p>
-          <a:p>
-            <a:r>
-              <a:rPr lang="en-US" dirty="0"/>
-              <a:t>&gt; In a classic server-side SharePoint page, the web page and the web part can be in different modes. For example, the web page can be in edit mode while the web part is not in edit mode. In the modern client-side SharePoint page, both the page and/or its contents are in the same mode.</a:t>
+              <a:rPr lang="en-US" sz="900" b="0" i="0" u="none" strike="noStrike" kern="1200" dirty="0" err="1">
+                <a:solidFill>
+                  <a:schemeClr val="tx1"/>
+                </a:solidFill>
+                <a:effectLst/>
+                <a:latin typeface="Segoe UI Light" pitchFamily="34" charset="0"/>
+                <a:ea typeface="+mn-ea"/>
+                <a:cs typeface="+mn-cs"/>
+              </a:rPr>
+              <a:t>Lodash</a:t>
+            </a:r>
+            <a:r>
+              <a:rPr lang="en-US" sz="900" b="0" i="0" u="none" strike="noStrike" kern="1200" dirty="0">
+                <a:solidFill>
+                  <a:schemeClr val="tx1"/>
+                </a:solidFill>
+                <a:effectLst/>
+                <a:latin typeface="Segoe UI Light" pitchFamily="34" charset="0"/>
+                <a:ea typeface="+mn-ea"/>
+                <a:cs typeface="+mn-cs"/>
+              </a:rPr>
+              <a:t> is a great JavaScript utility library that you can use to perform operations on various objects such as arrays, numbers, and strings.</a:t>
+            </a:r>
+          </a:p>
+          <a:p>
+            <a:endParaRPr lang="en-US" sz="900" b="0" i="0" u="none" strike="noStrike" kern="1200" dirty="0">
+              <a:solidFill>
+                <a:schemeClr val="tx1"/>
+              </a:solidFill>
+              <a:effectLst/>
+              <a:latin typeface="Segoe UI Light" pitchFamily="34" charset="0"/>
+              <a:ea typeface="+mn-ea"/>
+              <a:cs typeface="+mn-cs"/>
+            </a:endParaRPr>
+          </a:p>
+          <a:p>
+            <a:r>
+              <a:rPr lang="en-US" sz="900" b="0" i="0" u="none" strike="noStrike" kern="1200" dirty="0">
+                <a:solidFill>
+                  <a:schemeClr val="tx1"/>
+                </a:solidFill>
+                <a:effectLst/>
+                <a:latin typeface="Segoe UI Light" pitchFamily="34" charset="0"/>
+                <a:ea typeface="+mn-ea"/>
+                <a:cs typeface="+mn-cs"/>
+              </a:rPr>
+              <a:t>SharePoint Framework includes a repackage version of the the </a:t>
+            </a:r>
+            <a:r>
+              <a:rPr lang="en-US" sz="900" b="0" i="0" u="none" strike="noStrike" kern="1200" dirty="0" err="1">
+                <a:solidFill>
+                  <a:schemeClr val="tx1"/>
+                </a:solidFill>
+                <a:effectLst/>
+                <a:latin typeface="Segoe UI Light" pitchFamily="34" charset="0"/>
+                <a:ea typeface="+mn-ea"/>
+                <a:cs typeface="+mn-cs"/>
+              </a:rPr>
+              <a:t>Lodash</a:t>
+            </a:r>
+            <a:r>
+              <a:rPr lang="en-US" sz="900" b="0" i="0" u="none" strike="noStrike" kern="1200" dirty="0">
+                <a:solidFill>
+                  <a:schemeClr val="tx1"/>
+                </a:solidFill>
+                <a:effectLst/>
+                <a:latin typeface="Segoe UI Light" pitchFamily="34" charset="0"/>
+                <a:ea typeface="+mn-ea"/>
+                <a:cs typeface="+mn-cs"/>
+              </a:rPr>
+              <a:t> utility library that contains a subset of the most common and essential functions from larger </a:t>
+            </a:r>
+            <a:r>
+              <a:rPr lang="en-US" sz="900" b="0" i="0" u="none" strike="noStrike" kern="1200" dirty="0" err="1">
+                <a:solidFill>
+                  <a:schemeClr val="tx1"/>
+                </a:solidFill>
+                <a:effectLst/>
+                <a:latin typeface="Segoe UI Light" pitchFamily="34" charset="0"/>
+                <a:ea typeface="+mn-ea"/>
+                <a:cs typeface="+mn-cs"/>
+              </a:rPr>
+              <a:t>Lodash</a:t>
+            </a:r>
+            <a:r>
+              <a:rPr lang="en-US" sz="900" b="0" i="0" u="none" strike="noStrike" kern="1200" dirty="0">
+                <a:solidFill>
+                  <a:schemeClr val="tx1"/>
+                </a:solidFill>
+                <a:effectLst/>
+                <a:latin typeface="Segoe UI Light" pitchFamily="34" charset="0"/>
+                <a:ea typeface="+mn-ea"/>
+                <a:cs typeface="+mn-cs"/>
+              </a:rPr>
+              <a:t> to improve performance.</a:t>
+            </a:r>
+          </a:p>
+          <a:p>
+            <a:endParaRPr lang="en-US" sz="900" b="0" i="0" u="none" strike="noStrike" kern="1200" dirty="0">
+              <a:solidFill>
+                <a:schemeClr val="tx1"/>
+              </a:solidFill>
+              <a:effectLst/>
+              <a:latin typeface="Segoe UI Light" pitchFamily="34" charset="0"/>
+              <a:ea typeface="+mn-ea"/>
+              <a:cs typeface="+mn-cs"/>
+            </a:endParaRPr>
+          </a:p>
+          <a:p>
+            <a:r>
+              <a:rPr lang="en-US" sz="900" b="0" i="0" u="none" strike="noStrike" kern="1200" dirty="0">
+                <a:solidFill>
+                  <a:schemeClr val="tx1"/>
+                </a:solidFill>
+                <a:effectLst/>
+                <a:latin typeface="Segoe UI Light" pitchFamily="34" charset="0"/>
+                <a:ea typeface="+mn-ea"/>
+                <a:cs typeface="+mn-cs"/>
+              </a:rPr>
+              <a:t>To use functions from the library, make sure you only import those functions that you will use in the current file. This will ensure you load only the minimally required code and not the entire </a:t>
+            </a:r>
+            <a:r>
+              <a:rPr lang="en-US" sz="900" b="0" i="0" u="none" strike="noStrike" kern="1200" dirty="0" err="1">
+                <a:solidFill>
+                  <a:schemeClr val="tx1"/>
+                </a:solidFill>
+                <a:effectLst/>
+                <a:latin typeface="Segoe UI Light" pitchFamily="34" charset="0"/>
+                <a:ea typeface="+mn-ea"/>
+                <a:cs typeface="+mn-cs"/>
+              </a:rPr>
+              <a:t>Lodash</a:t>
+            </a:r>
+            <a:r>
+              <a:rPr lang="en-US" sz="900" b="0" i="0" u="none" strike="noStrike" kern="1200" dirty="0">
+                <a:solidFill>
+                  <a:schemeClr val="tx1"/>
+                </a:solidFill>
+                <a:effectLst/>
+                <a:latin typeface="Segoe UI Light" pitchFamily="34" charset="0"/>
+                <a:ea typeface="+mn-ea"/>
+                <a:cs typeface="+mn-cs"/>
+              </a:rPr>
+              <a:t> subset library on the page:</a:t>
             </a:r>
           </a:p>
         </p:txBody>
@@ -5188,7 +5492,7 @@
             <a:fld id="{B4008EB6-D09E-4580-8CD6-DDB14511944F}" type="slidenum">
               <a:rPr lang="en-US" smtClean="0"/>
               <a:pPr/>
-              <a:t>8</a:t>
+              <a:t>7</a:t>
             </a:fld>
             <a:endParaRPr lang="en-US" dirty="0"/>
           </a:p>
@@ -5197,7 +5501,7 @@
     </p:spTree>
     <p:extLst>
       <p:ext uri="{BB962C8B-B14F-4D97-AF65-F5344CB8AC3E}">
-        <p14:creationId xmlns:p14="http://schemas.microsoft.com/office/powerpoint/2010/main" val="813964822"/>
+        <p14:creationId xmlns:p14="http://schemas.microsoft.com/office/powerpoint/2010/main" val="1435310729"/>
       </p:ext>
     </p:extLst>
   </p:cSld>
@@ -5252,43 +5556,66 @@
           <a:lstStyle/>
           <a:p>
             <a:r>
-              <a:rPr lang="en-US" sz="900" b="0" kern="1200" dirty="0">
-                <a:solidFill>
-                  <a:schemeClr val="tx1"/>
-                </a:solidFill>
-                <a:effectLst/>
-                <a:latin typeface="Segoe UI Light" pitchFamily="34" charset="0"/>
-                <a:ea typeface="+mn-ea"/>
-                <a:cs typeface="+mn-cs"/>
-              </a:rPr>
-              <a:t>Here you can see the difference between the different page modes when the previous code runs on a web part. In this example, the web part has been added to a classic page. Notice how the page's and web part's display mode don't always match up. This is because a web part can be in read or edit mode when the page is also in edit mode:</a:t>
-            </a:r>
-          </a:p>
-          <a:p>
-            <a:br>
-              <a:rPr lang="en-US" sz="900" b="0" kern="1200" dirty="0">
-                <a:solidFill>
-                  <a:schemeClr val="tx1"/>
-                </a:solidFill>
-                <a:effectLst/>
-                <a:latin typeface="Segoe UI Light" pitchFamily="34" charset="0"/>
-                <a:ea typeface="+mn-ea"/>
-                <a:cs typeface="+mn-cs"/>
-              </a:rPr>
-            </a:br>
-            <a:endParaRPr lang="en-US" sz="900" b="0" kern="1200" dirty="0">
-              <a:solidFill>
-                <a:schemeClr val="tx1"/>
-              </a:solidFill>
-              <a:effectLst/>
-              <a:latin typeface="Segoe UI Light" pitchFamily="34" charset="0"/>
-              <a:ea typeface="+mn-ea"/>
-              <a:cs typeface="+mn-cs"/>
-            </a:endParaRPr>
+              <a:rPr lang="en-US" dirty="0"/>
+              <a:t>The SharePoint Framework API offers developers a way to determine the current display mode of a page. You can use this information to display a different experience for your users if the page is in read mode or edit mode.</a:t>
+            </a:r>
           </a:p>
           <a:p>
             <a:endParaRPr lang="en-US" dirty="0"/>
           </a:p>
+          <a:p>
+            <a:r>
+              <a:rPr lang="en-US" dirty="0"/>
+              <a:t>To do this, use the `</a:t>
+            </a:r>
+            <a:r>
+              <a:rPr lang="en-US" dirty="0" err="1"/>
+              <a:t>displayMode</a:t>
+            </a:r>
+            <a:r>
+              <a:rPr lang="en-US" dirty="0"/>
+              <a:t>` property on the current component and compare it to one of the options on the enumeration `</a:t>
+            </a:r>
+            <a:r>
+              <a:rPr lang="en-US" dirty="0" err="1"/>
+              <a:t>DisplayMode</a:t>
+            </a:r>
+            <a:r>
+              <a:rPr lang="en-US" dirty="0"/>
+              <a:t>` available from the **@</a:t>
+            </a:r>
+            <a:r>
+              <a:rPr lang="en-US" dirty="0" err="1"/>
+              <a:t>microsoft</a:t>
+            </a:r>
+            <a:r>
+              <a:rPr lang="en-US" dirty="0"/>
+              <a:t>/</a:t>
+            </a:r>
+            <a:r>
+              <a:rPr lang="en-US" dirty="0" err="1"/>
+              <a:t>sp</a:t>
+            </a:r>
+            <a:r>
+              <a:rPr lang="en-US" dirty="0"/>
+              <a:t>-core-library** package:</a:t>
+            </a:r>
+          </a:p>
+          <a:p>
+            <a:endParaRPr lang="en-US" dirty="0"/>
+          </a:p>
+          <a:p>
+            <a:r>
+              <a:rPr lang="en-US" dirty="0"/>
+              <a:t>&gt; [!IMPORTANT]</a:t>
+            </a:r>
+          </a:p>
+          <a:p>
+            <a:r>
+              <a:rPr lang="en-US" dirty="0"/>
+              <a:t>&gt; In a classic server-side SharePoint page, the web page and the web part can be in different modes. For example, the web page can be in edit mode while the web part is not in edit mode. In the modern client-side SharePoint page, both the page and/or its contents are in the same mode.</a:t>
+            </a:r>
+          </a:p>
         </p:txBody>
       </p:sp>
       <p:sp>
@@ -5298,7 +5625,7 @@
             <a:spLocks noGrp="1"/>
           </p:cNvSpPr>
           <p:nvPr>
-            <p:ph type="hdr" sz="quarter"/>
+            <p:ph type="hdr" sz="quarter" idx="10"/>
           </p:nvPr>
         </p:nvSpPr>
         <p:spPr/>
@@ -5308,7 +5635,7 @@
           <a:p>
             <a:r>
               <a:rPr lang="en-US"/>
-              <a:t>SharePoint Framework</a:t>
+              <a:t>SharePoint</a:t>
             </a:r>
             <a:endParaRPr lang="en-US" dirty="0"/>
           </a:p>
@@ -5321,7 +5648,7 @@
             <a:spLocks noGrp="1"/>
           </p:cNvSpPr>
           <p:nvPr>
-            <p:ph type="ftr" sz="quarter" idx="4"/>
+            <p:ph type="ftr" sz="quarter" idx="11"/>
           </p:nvPr>
         </p:nvSpPr>
         <p:spPr/>
@@ -5329,7 +5656,7 @@
           <a:bodyPr/>
           <a:lstStyle/>
           <a:p>
-            <a:pPr defTabSz="914099" eaLnBrk="0" hangingPunct="0"/>
+            <a:pPr defTabSz="924154" eaLnBrk="0" hangingPunct="0"/>
             <a:r>
               <a:rPr lang="en-US" sz="400">
                 <a:gradFill>
@@ -5347,7 +5674,7 @@
                 <a:ea typeface="Segoe UI" pitchFamily="34" charset="0"/>
                 <a:cs typeface="Segoe UI" pitchFamily="34" charset="0"/>
               </a:rPr>
-              <a:t>© Microsoft Corporation. All rights reserved. MICROSOFT MAKES NO WARRANTIES, EXPRESS, IMPLIED OR STATUTORY, AS TO THE INFORMATION IN THIS PRESENTATION.</a:t>
+              <a:t>© 2016 Microsoft Corporation. All rights reserved. MICROSOFT MAKES NO WARRANTIES, EXPRESS, IMPLIED OR STATUTORY, AS TO THE INFORMATION IN THIS PRESENTATION.</a:t>
             </a:r>
             <a:endParaRPr lang="en-US" sz="400" dirty="0">
               <a:gradFill>
@@ -5370,35 +5697,12 @@
       </p:sp>
       <p:sp>
         <p:nvSpPr>
-          <p:cNvPr id="6" name="Date Placeholder 5"/>
+          <p:cNvPr id="6" name="Slide Number Placeholder 5"/>
           <p:cNvSpPr>
             <a:spLocks noGrp="1"/>
           </p:cNvSpPr>
           <p:nvPr>
-            <p:ph type="dt" idx="1"/>
-          </p:nvPr>
-        </p:nvSpPr>
-        <p:spPr/>
-        <p:txBody>
-          <a:bodyPr/>
-          <a:lstStyle/>
-          <a:p>
-            <a:fld id="{D18B56EA-E28F-4F92-9F16-7A6F2501B303}" type="datetime8">
-              <a:rPr lang="en-US" smtClean="0"/>
-              <a:t>2/26/20 6:19 AM</a:t>
-            </a:fld>
-            <a:endParaRPr lang="en-US" dirty="0"/>
-          </a:p>
-        </p:txBody>
-      </p:sp>
-      <p:sp>
-        <p:nvSpPr>
-          <p:cNvPr id="7" name="Slide Number Placeholder 6"/>
-          <p:cNvSpPr>
-            <a:spLocks noGrp="1"/>
-          </p:cNvSpPr>
-          <p:nvPr>
-            <p:ph type="sldNum" sz="quarter" idx="5"/>
+            <p:ph type="sldNum" sz="quarter" idx="12"/>
           </p:nvPr>
         </p:nvSpPr>
         <p:spPr/>
@@ -5409,7 +5713,7 @@
             <a:fld id="{B4008EB6-D09E-4580-8CD6-DDB14511944F}" type="slidenum">
               <a:rPr lang="en-US" smtClean="0"/>
               <a:pPr/>
-              <a:t>9</a:t>
+              <a:t>8</a:t>
             </a:fld>
             <a:endParaRPr lang="en-US" dirty="0"/>
           </a:p>
@@ -5418,7 +5722,7 @@
     </p:spTree>
     <p:extLst>
       <p:ext uri="{BB962C8B-B14F-4D97-AF65-F5344CB8AC3E}">
-        <p14:creationId xmlns:p14="http://schemas.microsoft.com/office/powerpoint/2010/main" val="4032323946"/>
+        <p14:creationId xmlns:p14="http://schemas.microsoft.com/office/powerpoint/2010/main" val="813964822"/>
       </p:ext>
     </p:extLst>
   </p:cSld>
@@ -5482,8 +5786,33 @@
                 <a:ea typeface="+mn-ea"/>
                 <a:cs typeface="+mn-cs"/>
               </a:rPr>
-              <a:t>While on a modern page, the display mode of the web part follows the same mode as the page.</a:t>
-            </a:r>
+              <a:t>Here you can see the difference between the different page modes when the previous code runs on a web part. In this example, the web part has been added to a classic page. Notice how the page's and web part's display mode don't always match up. This is because a web part can be in read or edit mode when the page is also in edit mode:</a:t>
+            </a:r>
+          </a:p>
+          <a:p>
+            <a:br>
+              <a:rPr lang="en-US" sz="900" b="0" kern="1200" dirty="0">
+                <a:solidFill>
+                  <a:schemeClr val="tx1"/>
+                </a:solidFill>
+                <a:effectLst/>
+                <a:latin typeface="Segoe UI Light" pitchFamily="34" charset="0"/>
+                <a:ea typeface="+mn-ea"/>
+                <a:cs typeface="+mn-cs"/>
+              </a:rPr>
+            </a:br>
+            <a:endParaRPr lang="en-US" sz="900" b="0" kern="1200" dirty="0">
+              <a:solidFill>
+                <a:schemeClr val="tx1"/>
+              </a:solidFill>
+              <a:effectLst/>
+              <a:latin typeface="Segoe UI Light" pitchFamily="34" charset="0"/>
+              <a:ea typeface="+mn-ea"/>
+              <a:cs typeface="+mn-cs"/>
+            </a:endParaRPr>
+          </a:p>
+          <a:p>
+            <a:endParaRPr lang="en-US" dirty="0"/>
           </a:p>
         </p:txBody>
       </p:sp>
@@ -5581,7 +5910,7 @@
           <a:p>
             <a:fld id="{D18B56EA-E28F-4F92-9F16-7A6F2501B303}" type="datetime8">
               <a:rPr lang="en-US" smtClean="0"/>
-              <a:t>2/26/20 1:12 PM</a:t>
+              <a:t>8/22/2020 3:18 PM</a:t>
             </a:fld>
             <a:endParaRPr lang="en-US" dirty="0"/>
           </a:p>
@@ -5605,7 +5934,7 @@
             <a:fld id="{B4008EB6-D09E-4580-8CD6-DDB14511944F}" type="slidenum">
               <a:rPr lang="en-US" smtClean="0"/>
               <a:pPr/>
-              <a:t>10</a:t>
+              <a:t>9</a:t>
             </a:fld>
             <a:endParaRPr lang="en-US" dirty="0"/>
           </a:p>
@@ -5614,7 +5943,7 @@
     </p:spTree>
     <p:extLst>
       <p:ext uri="{BB962C8B-B14F-4D97-AF65-F5344CB8AC3E}">
-        <p14:creationId xmlns:p14="http://schemas.microsoft.com/office/powerpoint/2010/main" val="3897742959"/>
+        <p14:creationId xmlns:p14="http://schemas.microsoft.com/office/powerpoint/2010/main" val="4032323946"/>
       </p:ext>
     </p:extLst>
   </p:cSld>

--- a/03-spfxapi.pptx
+++ b/03-spfxapi.pptx
@@ -5,10 +5,10 @@
     <p:sldMasterId id="2147484229" r:id="rId2"/>
   </p:sldMasterIdLst>
   <p:notesMasterIdLst>
-    <p:notesMasterId r:id="rId24"/>
+    <p:notesMasterId r:id="rId23"/>
   </p:notesMasterIdLst>
   <p:handoutMasterIdLst>
-    <p:handoutMasterId r:id="rId25"/>
+    <p:handoutMasterId r:id="rId24"/>
   </p:handoutMasterIdLst>
   <p:sldIdLst>
     <p:sldId id="257" r:id="rId3"/>
@@ -22,16 +22,15 @@
     <p:sldId id="1560" r:id="rId11"/>
     <p:sldId id="1559" r:id="rId12"/>
     <p:sldId id="1585" r:id="rId13"/>
-    <p:sldId id="1562" r:id="rId14"/>
-    <p:sldId id="1561" r:id="rId15"/>
-    <p:sldId id="1586" r:id="rId16"/>
-    <p:sldId id="1556" r:id="rId17"/>
-    <p:sldId id="1565" r:id="rId18"/>
-    <p:sldId id="1587" r:id="rId19"/>
-    <p:sldId id="265" r:id="rId20"/>
-    <p:sldId id="1588" r:id="rId21"/>
-    <p:sldId id="1589" r:id="rId22"/>
-    <p:sldId id="1590" r:id="rId23"/>
+    <p:sldId id="1561" r:id="rId14"/>
+    <p:sldId id="1586" r:id="rId15"/>
+    <p:sldId id="1556" r:id="rId16"/>
+    <p:sldId id="1565" r:id="rId17"/>
+    <p:sldId id="1587" r:id="rId18"/>
+    <p:sldId id="265" r:id="rId19"/>
+    <p:sldId id="1588" r:id="rId20"/>
+    <p:sldId id="1589" r:id="rId21"/>
+    <p:sldId id="1590" r:id="rId22"/>
   </p:sldIdLst>
   <p:sldSz cx="12436475" cy="6994525"/>
   <p:notesSz cx="6858000" cy="9144000"/>
@@ -150,7 +149,6 @@
             <p14:sldId id="1560"/>
             <p14:sldId id="1559"/>
             <p14:sldId id="1585"/>
-            <p14:sldId id="1562"/>
             <p14:sldId id="1561"/>
             <p14:sldId id="1586"/>
             <p14:sldId id="1556"/>
@@ -284,7 +282,7 @@
               <a:rPr lang="en-US" smtClean="0">
                 <a:latin typeface="Segoe UI" pitchFamily="34" charset="0"/>
               </a:rPr>
-              <a:t>8/22/2020 3:18 PM</a:t>
+              <a:t>10/23/2021 8:58 AM</a:t>
             </a:fld>
             <a:endParaRPr lang="en-US" dirty="0">
               <a:latin typeface="Segoe UI" pitchFamily="34" charset="0"/>
@@ -581,7 +579,7 @@
           <a:p>
             <a:fld id="{D18B56EA-E28F-4F92-9F16-7A6F2501B303}" type="datetime8">
               <a:rPr lang="en-US" smtClean="0"/>
-              <a:t>8/22/2020 3:18 PM</a:t>
+              <a:t>10/23/2021 8:58 AM</a:t>
             </a:fld>
             <a:endParaRPr lang="en-US" dirty="0"/>
           </a:p>
@@ -964,7 +962,7 @@
           <a:p>
             <a:fld id="{D18B56EA-E28F-4F92-9F16-7A6F2501B303}" type="datetime8">
               <a:rPr lang="en-US" smtClean="0"/>
-              <a:t>8/22/2020 3:18 PM</a:t>
+              <a:t>10/23/2021 8:58 AM</a:t>
             </a:fld>
             <a:endParaRPr lang="en-US" dirty="0"/>
           </a:p>
@@ -1160,7 +1158,7 @@
           <a:p>
             <a:fld id="{D18B56EA-E28F-4F92-9F16-7A6F2501B303}" type="datetime8">
               <a:rPr lang="en-US" smtClean="0"/>
-              <a:t>8/22/2020 3:18 PM</a:t>
+              <a:t>10/23/2021 8:58 AM</a:t>
             </a:fld>
             <a:endParaRPr lang="en-US" dirty="0"/>
           </a:p>
@@ -1291,21 +1289,6 @@
           <a:p>
             <a:endParaRPr lang="en-US" dirty="0"/>
           </a:p>
-          <a:p>
-            <a:r>
-              <a:rPr lang="en-US" dirty="0"/>
-              <a:t>The `context` property is available in both the local workbench and SharePoint-hosted workbench. When testing a component in the local workbench, mock data is returned. For example, the title of the current site and details of the current user never change because they are hard-coded in the SharePoint Framework API. </a:t>
-            </a:r>
-          </a:p>
-          <a:p>
-            <a:endParaRPr lang="en-US" dirty="0"/>
-          </a:p>
-          <a:p>
-            <a:r>
-              <a:rPr lang="en-US" dirty="0"/>
-              <a:t>The `context` property will always return real data when testing the component in the SharePoint-hosted workbench.</a:t>
-            </a:r>
-          </a:p>
         </p:txBody>
       </p:sp>
       <p:sp>
@@ -1467,23 +1450,180 @@
           <a:lstStyle/>
           <a:p>
             <a:r>
-              <a:rPr lang="en-US" dirty="0"/>
-              <a:t>Here's a web part running in the local workbench compared to running in the SharePoint-hosted workbench. Notice the local workbench version has a site title of **Local Workbench**. </a:t>
-            </a:r>
-          </a:p>
-          <a:p>
-            <a:endParaRPr lang="en-US" dirty="0"/>
-          </a:p>
-          <a:p>
-            <a:r>
-              <a:rPr lang="en-US" dirty="0"/>
-              <a:t>In the other version of the web part, it's running in a real SharePoint page. This can be in the SharePoint-hosted workbench or on a web part page. Notice the title of the current site is different from the local workbench and will match the title of the site where the web part is currently running.</a:t>
-            </a:r>
-          </a:p>
-          <a:p>
-            <a:r>
-              <a:rPr lang="en-US" dirty="0"/>
-              <a:t> </a:t>
+              <a:rPr lang="en-US" sz="900" b="0" i="0" kern="1200" dirty="0">
+                <a:solidFill>
+                  <a:schemeClr val="tx1"/>
+                </a:solidFill>
+                <a:effectLst/>
+                <a:latin typeface="Segoe UI Light" pitchFamily="34" charset="0"/>
+                <a:ea typeface="+mn-ea"/>
+                <a:cs typeface="+mn-cs"/>
+              </a:rPr>
+              <a:t>The SharePoint Framework API provides a mechanism you can use to detect the current environment. For example, to check if your web part is running in a classic or a modern page. To determine the current environment, import the Environment object and the </a:t>
+            </a:r>
+            <a:r>
+              <a:rPr lang="en-US" sz="900" b="0" i="0" kern="1200" dirty="0" err="1">
+                <a:solidFill>
+                  <a:schemeClr val="tx1"/>
+                </a:solidFill>
+                <a:effectLst/>
+                <a:latin typeface="Segoe UI Light" pitchFamily="34" charset="0"/>
+                <a:ea typeface="+mn-ea"/>
+                <a:cs typeface="+mn-cs"/>
+              </a:rPr>
+              <a:t>EnvironmentType</a:t>
+            </a:r>
+            <a:r>
+              <a:rPr lang="en-US" sz="900" b="0" i="0" kern="1200" dirty="0">
+                <a:solidFill>
+                  <a:schemeClr val="tx1"/>
+                </a:solidFill>
+                <a:effectLst/>
+                <a:latin typeface="Segoe UI Light" pitchFamily="34" charset="0"/>
+                <a:ea typeface="+mn-ea"/>
+                <a:cs typeface="+mn-cs"/>
+              </a:rPr>
+              <a:t> enumeration from the @microsoft/sp-core-library package:</a:t>
+            </a:r>
+          </a:p>
+          <a:p>
+            <a:endParaRPr lang="en-US" sz="900" b="0" i="0" kern="1200" dirty="0">
+              <a:solidFill>
+                <a:schemeClr val="tx1"/>
+              </a:solidFill>
+              <a:effectLst/>
+              <a:latin typeface="Segoe UI Light" pitchFamily="34" charset="0"/>
+              <a:ea typeface="+mn-ea"/>
+              <a:cs typeface="+mn-cs"/>
+            </a:endParaRPr>
+          </a:p>
+          <a:p>
+            <a:r>
+              <a:rPr lang="en-US" sz="900" b="0" i="0" kern="1200" dirty="0">
+                <a:solidFill>
+                  <a:schemeClr val="tx1"/>
+                </a:solidFill>
+                <a:effectLst/>
+                <a:latin typeface="Segoe UI Light" pitchFamily="34" charset="0"/>
+                <a:ea typeface="+mn-ea"/>
+                <a:cs typeface="+mn-cs"/>
+              </a:rPr>
+              <a:t>The `</a:t>
+            </a:r>
+            <a:r>
+              <a:rPr lang="en-US" sz="900" b="0" i="0" kern="1200" dirty="0" err="1">
+                <a:solidFill>
+                  <a:schemeClr val="tx1"/>
+                </a:solidFill>
+                <a:effectLst/>
+                <a:latin typeface="Segoe UI Light" pitchFamily="34" charset="0"/>
+                <a:ea typeface="+mn-ea"/>
+                <a:cs typeface="+mn-cs"/>
+              </a:rPr>
+              <a:t>EnvironmentType</a:t>
+            </a:r>
+            <a:r>
+              <a:rPr lang="en-US" sz="900" b="0" i="0" kern="1200" dirty="0">
+                <a:solidFill>
+                  <a:schemeClr val="tx1"/>
+                </a:solidFill>
+                <a:effectLst/>
+                <a:latin typeface="Segoe UI Light" pitchFamily="34" charset="0"/>
+                <a:ea typeface="+mn-ea"/>
+                <a:cs typeface="+mn-cs"/>
+              </a:rPr>
+              <a:t>` enumeration has the following options:</a:t>
+            </a:r>
+          </a:p>
+          <a:p>
+            <a:endParaRPr lang="en-US" sz="900" b="0" i="0" kern="1200" dirty="0">
+              <a:solidFill>
+                <a:schemeClr val="tx1"/>
+              </a:solidFill>
+              <a:effectLst/>
+              <a:latin typeface="Segoe UI Light" pitchFamily="34" charset="0"/>
+              <a:ea typeface="+mn-ea"/>
+              <a:cs typeface="+mn-cs"/>
+            </a:endParaRPr>
+          </a:p>
+          <a:p>
+            <a:r>
+              <a:rPr lang="en-US" sz="900" b="0" i="0" kern="1200" dirty="0">
+                <a:solidFill>
+                  <a:schemeClr val="tx1"/>
+                </a:solidFill>
+                <a:effectLst/>
+                <a:latin typeface="Segoe UI Light" pitchFamily="34" charset="0"/>
+                <a:ea typeface="+mn-ea"/>
+                <a:cs typeface="+mn-cs"/>
+              </a:rPr>
+              <a:t>- **Local**: (deprecated after SPFx v1.12.1) indicates the component is running in the local workbench</a:t>
+            </a:r>
+          </a:p>
+          <a:p>
+            <a:r>
+              <a:rPr lang="en-US" sz="900" b="0" i="0" kern="1200" dirty="0">
+                <a:solidFill>
+                  <a:schemeClr val="tx1"/>
+                </a:solidFill>
+                <a:effectLst/>
+                <a:latin typeface="Segoe UI Light" pitchFamily="34" charset="0"/>
+                <a:ea typeface="+mn-ea"/>
+                <a:cs typeface="+mn-cs"/>
+              </a:rPr>
+              <a:t>- **</a:t>
+            </a:r>
+            <a:r>
+              <a:rPr lang="en-US" sz="900" b="0" i="0" kern="1200" dirty="0" err="1">
+                <a:solidFill>
+                  <a:schemeClr val="tx1"/>
+                </a:solidFill>
+                <a:effectLst/>
+                <a:latin typeface="Segoe UI Light" pitchFamily="34" charset="0"/>
+                <a:ea typeface="+mn-ea"/>
+                <a:cs typeface="+mn-cs"/>
+              </a:rPr>
+              <a:t>ClassicSharePoint</a:t>
+            </a:r>
+            <a:r>
+              <a:rPr lang="en-US" sz="900" b="0" i="0" kern="1200" dirty="0">
+                <a:solidFill>
+                  <a:schemeClr val="tx1"/>
+                </a:solidFill>
+                <a:effectLst/>
+                <a:latin typeface="Segoe UI Light" pitchFamily="34" charset="0"/>
+                <a:ea typeface="+mn-ea"/>
+                <a:cs typeface="+mn-cs"/>
+              </a:rPr>
+              <a:t>**: indicates the component is running on a classic page</a:t>
+            </a:r>
+          </a:p>
+          <a:p>
+            <a:r>
+              <a:rPr lang="en-US" sz="900" b="0" i="0" kern="1200" dirty="0">
+                <a:solidFill>
+                  <a:schemeClr val="tx1"/>
+                </a:solidFill>
+                <a:effectLst/>
+                <a:latin typeface="Segoe UI Light" pitchFamily="34" charset="0"/>
+                <a:ea typeface="+mn-ea"/>
+                <a:cs typeface="+mn-cs"/>
+              </a:rPr>
+              <a:t>- **SharePoint**: indicates the component is running on a modern page (*includes the SharePoint-hosted workbench*)</a:t>
+            </a:r>
+          </a:p>
+          <a:p>
+            <a:r>
+              <a:rPr lang="en-US" sz="900" b="0" i="0" kern="1200" dirty="0">
+                <a:solidFill>
+                  <a:schemeClr val="tx1"/>
+                </a:solidFill>
+                <a:effectLst/>
+                <a:latin typeface="Segoe UI Light" pitchFamily="34" charset="0"/>
+                <a:ea typeface="+mn-ea"/>
+                <a:cs typeface="+mn-cs"/>
+              </a:rPr>
+              <a:t>- **Test**: indicates the component is running in a test harness</a:t>
             </a:r>
           </a:p>
         </p:txBody>
@@ -1495,7 +1635,7 @@
             <a:spLocks noGrp="1"/>
           </p:cNvSpPr>
           <p:nvPr>
-            <p:ph type="hdr" sz="quarter"/>
+            <p:ph type="hdr" sz="quarter" idx="10"/>
           </p:nvPr>
         </p:nvSpPr>
         <p:spPr/>
@@ -1505,7 +1645,7 @@
           <a:p>
             <a:r>
               <a:rPr lang="en-US"/>
-              <a:t>SharePoint Framework</a:t>
+              <a:t>SharePoint</a:t>
             </a:r>
             <a:endParaRPr lang="en-US" dirty="0"/>
           </a:p>
@@ -1518,7 +1658,7 @@
             <a:spLocks noGrp="1"/>
           </p:cNvSpPr>
           <p:nvPr>
-            <p:ph type="ftr" sz="quarter" idx="4"/>
+            <p:ph type="ftr" sz="quarter" idx="11"/>
           </p:nvPr>
         </p:nvSpPr>
         <p:spPr/>
@@ -1526,7 +1666,7 @@
           <a:bodyPr/>
           <a:lstStyle/>
           <a:p>
-            <a:pPr defTabSz="914099" eaLnBrk="0" hangingPunct="0"/>
+            <a:pPr defTabSz="924154" eaLnBrk="0" hangingPunct="0"/>
             <a:r>
               <a:rPr lang="en-US" sz="400">
                 <a:gradFill>
@@ -1544,7 +1684,7 @@
                 <a:ea typeface="Segoe UI" pitchFamily="34" charset="0"/>
                 <a:cs typeface="Segoe UI" pitchFamily="34" charset="0"/>
               </a:rPr>
-              <a:t>© Microsoft Corporation. All rights reserved. MICROSOFT MAKES NO WARRANTIES, EXPRESS, IMPLIED OR STATUTORY, AS TO THE INFORMATION IN THIS PRESENTATION.</a:t>
+              <a:t>© 2016 Microsoft Corporation. All rights reserved. MICROSOFT MAKES NO WARRANTIES, EXPRESS, IMPLIED OR STATUTORY, AS TO THE INFORMATION IN THIS PRESENTATION.</a:t>
             </a:r>
             <a:endParaRPr lang="en-US" sz="400" dirty="0">
               <a:gradFill>
@@ -1567,35 +1707,12 @@
       </p:sp>
       <p:sp>
         <p:nvSpPr>
-          <p:cNvPr id="6" name="Date Placeholder 5"/>
+          <p:cNvPr id="6" name="Slide Number Placeholder 5"/>
           <p:cNvSpPr>
             <a:spLocks noGrp="1"/>
           </p:cNvSpPr>
           <p:nvPr>
-            <p:ph type="dt" idx="1"/>
-          </p:nvPr>
-        </p:nvSpPr>
-        <p:spPr/>
-        <p:txBody>
-          <a:bodyPr/>
-          <a:lstStyle/>
-          <a:p>
-            <a:fld id="{D18B56EA-E28F-4F92-9F16-7A6F2501B303}" type="datetime8">
-              <a:rPr lang="en-US" smtClean="0"/>
-              <a:t>8/22/2020 3:18 PM</a:t>
-            </a:fld>
-            <a:endParaRPr lang="en-US" dirty="0"/>
-          </a:p>
-        </p:txBody>
-      </p:sp>
-      <p:sp>
-        <p:nvSpPr>
-          <p:cNvPr id="7" name="Slide Number Placeholder 6"/>
-          <p:cNvSpPr>
-            <a:spLocks noGrp="1"/>
-          </p:cNvSpPr>
-          <p:nvPr>
-            <p:ph type="sldNum" sz="quarter" idx="5"/>
+            <p:ph type="sldNum" sz="quarter" idx="12"/>
           </p:nvPr>
         </p:nvSpPr>
         <p:spPr/>
@@ -1615,7 +1732,7 @@
     </p:spTree>
     <p:extLst>
       <p:ext uri="{BB962C8B-B14F-4D97-AF65-F5344CB8AC3E}">
-        <p14:creationId xmlns:p14="http://schemas.microsoft.com/office/powerpoint/2010/main" val="2742595068"/>
+        <p14:creationId xmlns:p14="http://schemas.microsoft.com/office/powerpoint/2010/main" val="2465334039"/>
       </p:ext>
     </p:extLst>
   </p:cSld>
@@ -1670,7 +1787,7 @@
           <a:lstStyle/>
           <a:p>
             <a:r>
-              <a:rPr lang="en-US" sz="900" b="0" i="0" kern="1200" dirty="0">
+              <a:rPr lang="en-US" sz="900" b="0" kern="1200" dirty="0">
                 <a:solidFill>
                   <a:schemeClr val="tx1"/>
                 </a:solidFill>
@@ -1679,244 +1796,7 @@
                 <a:ea typeface="+mn-ea"/>
                 <a:cs typeface="+mn-cs"/>
               </a:rPr>
-              <a:t>If your custom component works with data from Microsoft Graph or another external API, you should consider adding logic that detects if the web part is running in the local workbench or in a real SharePoint environment. In the case where it is running in the local workbench, you can return mock data instead of calling the external APIs.</a:t>
-            </a:r>
-          </a:p>
-          <a:p>
-            <a:endParaRPr lang="en-US" sz="900" b="0" i="0" kern="1200" dirty="0">
-              <a:solidFill>
-                <a:schemeClr val="tx1"/>
-              </a:solidFill>
-              <a:effectLst/>
-              <a:latin typeface="Segoe UI Light" pitchFamily="34" charset="0"/>
-              <a:ea typeface="+mn-ea"/>
-              <a:cs typeface="+mn-cs"/>
-            </a:endParaRPr>
-          </a:p>
-          <a:p>
-            <a:r>
-              <a:rPr lang="en-US" sz="900" b="0" i="0" kern="1200" dirty="0">
-                <a:solidFill>
-                  <a:schemeClr val="tx1"/>
-                </a:solidFill>
-                <a:effectLst/>
-                <a:latin typeface="Segoe UI Light" pitchFamily="34" charset="0"/>
-                <a:ea typeface="+mn-ea"/>
-                <a:cs typeface="+mn-cs"/>
-              </a:rPr>
-              <a:t>To do this, you need to use the SharePoint Framework API to detect the current environment. To check for the current environment, import the `Environment` object and the `</a:t>
-            </a:r>
-            <a:r>
-              <a:rPr lang="en-US" sz="900" b="0" i="0" kern="1200" dirty="0" err="1">
-                <a:solidFill>
-                  <a:schemeClr val="tx1"/>
-                </a:solidFill>
-                <a:effectLst/>
-                <a:latin typeface="Segoe UI Light" pitchFamily="34" charset="0"/>
-                <a:ea typeface="+mn-ea"/>
-                <a:cs typeface="+mn-cs"/>
-              </a:rPr>
-              <a:t>EnvironmentType</a:t>
-            </a:r>
-            <a:r>
-              <a:rPr lang="en-US" sz="900" b="0" i="0" kern="1200" dirty="0">
-                <a:solidFill>
-                  <a:schemeClr val="tx1"/>
-                </a:solidFill>
-                <a:effectLst/>
-                <a:latin typeface="Segoe UI Light" pitchFamily="34" charset="0"/>
-                <a:ea typeface="+mn-ea"/>
-                <a:cs typeface="+mn-cs"/>
-              </a:rPr>
-              <a:t>` enumeration from the **@</a:t>
-            </a:r>
-            <a:r>
-              <a:rPr lang="en-US" sz="900" b="0" i="0" kern="1200" dirty="0" err="1">
-                <a:solidFill>
-                  <a:schemeClr val="tx1"/>
-                </a:solidFill>
-                <a:effectLst/>
-                <a:latin typeface="Segoe UI Light" pitchFamily="34" charset="0"/>
-                <a:ea typeface="+mn-ea"/>
-                <a:cs typeface="+mn-cs"/>
-              </a:rPr>
-              <a:t>microsoft</a:t>
-            </a:r>
-            <a:r>
-              <a:rPr lang="en-US" sz="900" b="0" i="0" kern="1200" dirty="0">
-                <a:solidFill>
-                  <a:schemeClr val="tx1"/>
-                </a:solidFill>
-                <a:effectLst/>
-                <a:latin typeface="Segoe UI Light" pitchFamily="34" charset="0"/>
-                <a:ea typeface="+mn-ea"/>
-                <a:cs typeface="+mn-cs"/>
-              </a:rPr>
-              <a:t>/</a:t>
-            </a:r>
-            <a:r>
-              <a:rPr lang="en-US" sz="900" b="0" i="0" kern="1200" dirty="0" err="1">
-                <a:solidFill>
-                  <a:schemeClr val="tx1"/>
-                </a:solidFill>
-                <a:effectLst/>
-                <a:latin typeface="Segoe UI Light" pitchFamily="34" charset="0"/>
-                <a:ea typeface="+mn-ea"/>
-                <a:cs typeface="+mn-cs"/>
-              </a:rPr>
-              <a:t>sp</a:t>
-            </a:r>
-            <a:r>
-              <a:rPr lang="en-US" sz="900" b="0" i="0" kern="1200" dirty="0">
-                <a:solidFill>
-                  <a:schemeClr val="tx1"/>
-                </a:solidFill>
-                <a:effectLst/>
-                <a:latin typeface="Segoe UI Light" pitchFamily="34" charset="0"/>
-                <a:ea typeface="+mn-ea"/>
-                <a:cs typeface="+mn-cs"/>
-              </a:rPr>
-              <a:t>-core-library** package:</a:t>
-            </a:r>
-          </a:p>
-          <a:p>
-            <a:endParaRPr lang="en-US" sz="900" b="0" i="0" kern="1200" dirty="0">
-              <a:solidFill>
-                <a:schemeClr val="tx1"/>
-              </a:solidFill>
-              <a:effectLst/>
-              <a:latin typeface="Segoe UI Light" pitchFamily="34" charset="0"/>
-              <a:ea typeface="+mn-ea"/>
-              <a:cs typeface="+mn-cs"/>
-            </a:endParaRPr>
-          </a:p>
-          <a:p>
-            <a:r>
-              <a:rPr lang="en-US" sz="900" b="0" i="0" kern="1200" dirty="0">
-                <a:solidFill>
-                  <a:schemeClr val="tx1"/>
-                </a:solidFill>
-                <a:effectLst/>
-                <a:latin typeface="Segoe UI Light" pitchFamily="34" charset="0"/>
-                <a:ea typeface="+mn-ea"/>
-                <a:cs typeface="+mn-cs"/>
-              </a:rPr>
-              <a:t>The `</a:t>
-            </a:r>
-            <a:r>
-              <a:rPr lang="en-US" sz="900" b="0" i="0" kern="1200" dirty="0" err="1">
-                <a:solidFill>
-                  <a:schemeClr val="tx1"/>
-                </a:solidFill>
-                <a:effectLst/>
-                <a:latin typeface="Segoe UI Light" pitchFamily="34" charset="0"/>
-                <a:ea typeface="+mn-ea"/>
-                <a:cs typeface="+mn-cs"/>
-              </a:rPr>
-              <a:t>EnvironmentType</a:t>
-            </a:r>
-            <a:r>
-              <a:rPr lang="en-US" sz="900" b="0" i="0" kern="1200" dirty="0">
-                <a:solidFill>
-                  <a:schemeClr val="tx1"/>
-                </a:solidFill>
-                <a:effectLst/>
-                <a:latin typeface="Segoe UI Light" pitchFamily="34" charset="0"/>
-                <a:ea typeface="+mn-ea"/>
-                <a:cs typeface="+mn-cs"/>
-              </a:rPr>
-              <a:t>` enumeration has the following options:</a:t>
-            </a:r>
-          </a:p>
-          <a:p>
-            <a:endParaRPr lang="en-US" sz="900" b="0" i="0" kern="1200" dirty="0">
-              <a:solidFill>
-                <a:schemeClr val="tx1"/>
-              </a:solidFill>
-              <a:effectLst/>
-              <a:latin typeface="Segoe UI Light" pitchFamily="34" charset="0"/>
-              <a:ea typeface="+mn-ea"/>
-              <a:cs typeface="+mn-cs"/>
-            </a:endParaRPr>
-          </a:p>
-          <a:p>
-            <a:r>
-              <a:rPr lang="en-US" sz="900" b="0" i="0" kern="1200" dirty="0">
-                <a:solidFill>
-                  <a:schemeClr val="tx1"/>
-                </a:solidFill>
-                <a:effectLst/>
-                <a:latin typeface="Segoe UI Light" pitchFamily="34" charset="0"/>
-                <a:ea typeface="+mn-ea"/>
-                <a:cs typeface="+mn-cs"/>
-              </a:rPr>
-              <a:t>- **Local**: indicates the component is running in the local workbench</a:t>
-            </a:r>
-          </a:p>
-          <a:p>
-            <a:r>
-              <a:rPr lang="en-US" sz="900" b="0" i="0" kern="1200" dirty="0">
-                <a:solidFill>
-                  <a:schemeClr val="tx1"/>
-                </a:solidFill>
-                <a:effectLst/>
-                <a:latin typeface="Segoe UI Light" pitchFamily="34" charset="0"/>
-                <a:ea typeface="+mn-ea"/>
-                <a:cs typeface="+mn-cs"/>
-              </a:rPr>
-              <a:t>- **</a:t>
-            </a:r>
-            <a:r>
-              <a:rPr lang="en-US" sz="900" b="0" i="0" kern="1200" dirty="0" err="1">
-                <a:solidFill>
-                  <a:schemeClr val="tx1"/>
-                </a:solidFill>
-                <a:effectLst/>
-                <a:latin typeface="Segoe UI Light" pitchFamily="34" charset="0"/>
-                <a:ea typeface="+mn-ea"/>
-                <a:cs typeface="+mn-cs"/>
-              </a:rPr>
-              <a:t>ClassicSharePoint</a:t>
-            </a:r>
-            <a:r>
-              <a:rPr lang="en-US" sz="900" b="0" i="0" kern="1200" dirty="0">
-                <a:solidFill>
-                  <a:schemeClr val="tx1"/>
-                </a:solidFill>
-                <a:effectLst/>
-                <a:latin typeface="Segoe UI Light" pitchFamily="34" charset="0"/>
-                <a:ea typeface="+mn-ea"/>
-                <a:cs typeface="+mn-cs"/>
-              </a:rPr>
-              <a:t>**: indicates the component is running on a classic page in a real SharePoint environment</a:t>
-            </a:r>
-          </a:p>
-          <a:p>
-            <a:r>
-              <a:rPr lang="en-US" sz="900" b="0" i="0" kern="1200" dirty="0">
-                <a:solidFill>
-                  <a:schemeClr val="tx1"/>
-                </a:solidFill>
-                <a:effectLst/>
-                <a:latin typeface="Segoe UI Light" pitchFamily="34" charset="0"/>
-                <a:ea typeface="+mn-ea"/>
-                <a:cs typeface="+mn-cs"/>
-              </a:rPr>
-              <a:t>- **SharePoint**: indicates the component is running on a modern page in a real SharePoint environment (*includes the SharePoint-hosted workbench*)</a:t>
-            </a:r>
-          </a:p>
-          <a:p>
-            <a:r>
-              <a:rPr lang="en-US" sz="900" b="0" i="0" kern="1200" dirty="0">
-                <a:solidFill>
-                  <a:schemeClr val="tx1"/>
-                </a:solidFill>
-                <a:effectLst/>
-                <a:latin typeface="Segoe UI Light" pitchFamily="34" charset="0"/>
-                <a:ea typeface="+mn-ea"/>
-                <a:cs typeface="+mn-cs"/>
-              </a:rPr>
-              <a:t>- **Test**: indicates the component is running in a test harness</a:t>
+              <a:t>The following figures show a web part running in a classic page and in a modern page:</a:t>
             </a:r>
           </a:p>
         </p:txBody>
@@ -2025,7 +1905,7 @@
     </p:spTree>
     <p:extLst>
       <p:ext uri="{BB962C8B-B14F-4D97-AF65-F5344CB8AC3E}">
-        <p14:creationId xmlns:p14="http://schemas.microsoft.com/office/powerpoint/2010/main" val="2465334039"/>
+        <p14:creationId xmlns:p14="http://schemas.microsoft.com/office/powerpoint/2010/main" val="1812727307"/>
       </p:ext>
     </p:extLst>
   </p:cSld>
@@ -2080,7 +1960,7 @@
           <a:lstStyle/>
           <a:p>
             <a:r>
-              <a:rPr lang="en-US" sz="900" b="0" kern="1200" dirty="0">
+              <a:rPr lang="en-US" sz="900" b="0" i="0" kern="1200" dirty="0">
                 <a:solidFill>
                   <a:schemeClr val="tx1"/>
                 </a:solidFill>
@@ -2089,12 +1969,23 @@
                 <a:ea typeface="+mn-ea"/>
                 <a:cs typeface="+mn-cs"/>
               </a:rPr>
-              <a:t>The following figure shows a web part running in the local workbench on the left, and another running in a real SharePoint environment on the right:</a:t>
-            </a:r>
-          </a:p>
-          <a:p>
-            <a:br>
-              <a:rPr lang="en-US" sz="900" b="0" kern="1200" dirty="0">
+              <a:t>Logging is a very convenient and easy way to keep track of events happening in the web part. The SharePoint Framework has a built-in logging mechanism.</a:t>
+            </a:r>
+          </a:p>
+          <a:p>
+            <a:endParaRPr lang="en-US" sz="900" b="0" i="0" kern="1200" dirty="0">
+              <a:solidFill>
+                <a:schemeClr val="tx1"/>
+              </a:solidFill>
+              <a:effectLst/>
+              <a:latin typeface="Segoe UI Light" pitchFamily="34" charset="0"/>
+              <a:ea typeface="+mn-ea"/>
+              <a:cs typeface="+mn-cs"/>
+            </a:endParaRPr>
+          </a:p>
+          <a:p>
+            <a:r>
+              <a:rPr lang="en-US" sz="900" b="0" i="0" kern="1200" dirty="0">
                 <a:solidFill>
                   <a:schemeClr val="tx1"/>
                 </a:solidFill>
@@ -2103,8 +1994,11 @@
                 <a:ea typeface="+mn-ea"/>
                 <a:cs typeface="+mn-cs"/>
               </a:rPr>
-            </a:br>
-            <a:endParaRPr lang="en-US" sz="900" b="0" kern="1200" dirty="0">
+              <a:t>The `Log` class contains four static methods for logging:</a:t>
+            </a:r>
+          </a:p>
+          <a:p>
+            <a:endParaRPr lang="en-US" sz="900" b="0" i="0" kern="1200" dirty="0">
               <a:solidFill>
                 <a:schemeClr val="tx1"/>
               </a:solidFill>
@@ -2113,6 +2007,190 @@
               <a:ea typeface="+mn-ea"/>
               <a:cs typeface="+mn-cs"/>
             </a:endParaRPr>
+          </a:p>
+          <a:p>
+            <a:r>
+              <a:rPr lang="en-US" sz="900" b="0" i="0" kern="1200" dirty="0">
+                <a:solidFill>
+                  <a:schemeClr val="tx1"/>
+                </a:solidFill>
+                <a:effectLst/>
+                <a:latin typeface="Segoe UI Light" pitchFamily="34" charset="0"/>
+                <a:ea typeface="+mn-ea"/>
+                <a:cs typeface="+mn-cs"/>
+              </a:rPr>
+              <a:t>- **info**: log information</a:t>
+            </a:r>
+          </a:p>
+          <a:p>
+            <a:r>
+              <a:rPr lang="en-US" sz="900" b="0" i="0" kern="1200" dirty="0">
+                <a:solidFill>
+                  <a:schemeClr val="tx1"/>
+                </a:solidFill>
+                <a:effectLst/>
+                <a:latin typeface="Segoe UI Light" pitchFamily="34" charset="0"/>
+                <a:ea typeface="+mn-ea"/>
+                <a:cs typeface="+mn-cs"/>
+              </a:rPr>
+              <a:t>- **warn**: log warnings</a:t>
+            </a:r>
+          </a:p>
+          <a:p>
+            <a:r>
+              <a:rPr lang="en-US" sz="900" b="0" i="0" kern="1200" dirty="0">
+                <a:solidFill>
+                  <a:schemeClr val="tx1"/>
+                </a:solidFill>
+                <a:effectLst/>
+                <a:latin typeface="Segoe UI Light" pitchFamily="34" charset="0"/>
+                <a:ea typeface="+mn-ea"/>
+                <a:cs typeface="+mn-cs"/>
+              </a:rPr>
+              <a:t>- **error**: log errors</a:t>
+            </a:r>
+          </a:p>
+          <a:p>
+            <a:r>
+              <a:rPr lang="en-US" sz="900" b="0" i="0" kern="1200" dirty="0">
+                <a:solidFill>
+                  <a:schemeClr val="tx1"/>
+                </a:solidFill>
+                <a:effectLst/>
+                <a:latin typeface="Segoe UI Light" pitchFamily="34" charset="0"/>
+                <a:ea typeface="+mn-ea"/>
+                <a:cs typeface="+mn-cs"/>
+              </a:rPr>
+              <a:t>- **verbose**: log everything</a:t>
+            </a:r>
+          </a:p>
+          <a:p>
+            <a:endParaRPr lang="en-US" sz="900" b="0" i="0" kern="1200" dirty="0">
+              <a:solidFill>
+                <a:schemeClr val="tx1"/>
+              </a:solidFill>
+              <a:effectLst/>
+              <a:latin typeface="Segoe UI Light" pitchFamily="34" charset="0"/>
+              <a:ea typeface="+mn-ea"/>
+              <a:cs typeface="+mn-cs"/>
+            </a:endParaRPr>
+          </a:p>
+          <a:p>
+            <a:r>
+              <a:rPr lang="en-US" sz="900" b="0" i="0" kern="1200" dirty="0">
+                <a:solidFill>
+                  <a:schemeClr val="tx1"/>
+                </a:solidFill>
+                <a:effectLst/>
+                <a:latin typeface="Segoe UI Light" pitchFamily="34" charset="0"/>
+                <a:ea typeface="+mn-ea"/>
+                <a:cs typeface="+mn-cs"/>
+              </a:rPr>
+              <a:t>In the SharePoint Framework, all logging is written to the developer dashboard.</a:t>
+            </a:r>
+          </a:p>
+          <a:p>
+            <a:endParaRPr lang="en-US" sz="900" b="0" i="0" kern="1200" dirty="0">
+              <a:solidFill>
+                <a:schemeClr val="tx1"/>
+              </a:solidFill>
+              <a:effectLst/>
+              <a:latin typeface="Segoe UI Light" pitchFamily="34" charset="0"/>
+              <a:ea typeface="+mn-ea"/>
+              <a:cs typeface="+mn-cs"/>
+            </a:endParaRPr>
+          </a:p>
+          <a:p>
+            <a:r>
+              <a:rPr lang="en-US" sz="900" b="0" i="0" kern="1200" dirty="0">
+                <a:solidFill>
+                  <a:schemeClr val="tx1"/>
+                </a:solidFill>
+                <a:effectLst/>
+                <a:latin typeface="Segoe UI Light" pitchFamily="34" charset="0"/>
+                <a:ea typeface="+mn-ea"/>
+                <a:cs typeface="+mn-cs"/>
+              </a:rPr>
+              <a:t>All static methods have the same signature, except the error method - they take three arguments:</a:t>
+            </a:r>
+          </a:p>
+          <a:p>
+            <a:endParaRPr lang="en-US" sz="900" b="0" i="0" kern="1200" dirty="0">
+              <a:solidFill>
+                <a:schemeClr val="tx1"/>
+              </a:solidFill>
+              <a:effectLst/>
+              <a:latin typeface="Segoe UI Light" pitchFamily="34" charset="0"/>
+              <a:ea typeface="+mn-ea"/>
+              <a:cs typeface="+mn-cs"/>
+            </a:endParaRPr>
+          </a:p>
+          <a:p>
+            <a:r>
+              <a:rPr lang="en-US" sz="900" b="0" i="0" kern="1200" dirty="0">
+                <a:solidFill>
+                  <a:schemeClr val="tx1"/>
+                </a:solidFill>
+                <a:effectLst/>
+                <a:latin typeface="Segoe UI Light" pitchFamily="34" charset="0"/>
+                <a:ea typeface="+mn-ea"/>
+                <a:cs typeface="+mn-cs"/>
+              </a:rPr>
+              <a:t>- **source**: the source of the logging information (*max 20 characters*), such as the method or the class name</a:t>
+            </a:r>
+          </a:p>
+          <a:p>
+            <a:r>
+              <a:rPr lang="en-US" sz="900" b="0" i="0" kern="1200" dirty="0">
+                <a:solidFill>
+                  <a:schemeClr val="tx1"/>
+                </a:solidFill>
+                <a:effectLst/>
+                <a:latin typeface="Segoe UI Light" pitchFamily="34" charset="0"/>
+                <a:ea typeface="+mn-ea"/>
+                <a:cs typeface="+mn-cs"/>
+              </a:rPr>
+              <a:t>- **message**: the actual message to log (*max 100 characters*)</a:t>
+            </a:r>
+          </a:p>
+          <a:p>
+            <a:r>
+              <a:rPr lang="en-US" sz="900" b="0" i="0" kern="1200" dirty="0">
+                <a:solidFill>
+                  <a:schemeClr val="tx1"/>
+                </a:solidFill>
+                <a:effectLst/>
+                <a:latin typeface="Segoe UI Light" pitchFamily="34" charset="0"/>
+                <a:ea typeface="+mn-ea"/>
+                <a:cs typeface="+mn-cs"/>
+              </a:rPr>
+              <a:t>- **scope**: an optional service scope</a:t>
+            </a:r>
+          </a:p>
+          <a:p>
+            <a:endParaRPr lang="en-US" sz="900" b="0" i="0" kern="1200" dirty="0">
+              <a:solidFill>
+                <a:schemeClr val="tx1"/>
+              </a:solidFill>
+              <a:effectLst/>
+              <a:latin typeface="Segoe UI Light" pitchFamily="34" charset="0"/>
+              <a:ea typeface="+mn-ea"/>
+              <a:cs typeface="+mn-cs"/>
+            </a:endParaRPr>
+          </a:p>
+          <a:p>
+            <a:r>
+              <a:rPr lang="en-US" sz="900" b="0" i="0" kern="1200" dirty="0">
+                <a:solidFill>
+                  <a:schemeClr val="tx1"/>
+                </a:solidFill>
+                <a:effectLst/>
+                <a:latin typeface="Segoe UI Light" pitchFamily="34" charset="0"/>
+                <a:ea typeface="+mn-ea"/>
+                <a:cs typeface="+mn-cs"/>
+              </a:rPr>
+              <a:t>The error method takes an `Error` object instead of the message string, otherwise they are the same.</a:t>
+            </a:r>
           </a:p>
         </p:txBody>
       </p:sp>
@@ -2220,7 +2298,7 @@
     </p:spTree>
     <p:extLst>
       <p:ext uri="{BB962C8B-B14F-4D97-AF65-F5344CB8AC3E}">
-        <p14:creationId xmlns:p14="http://schemas.microsoft.com/office/powerpoint/2010/main" val="1812727307"/>
+        <p14:creationId xmlns:p14="http://schemas.microsoft.com/office/powerpoint/2010/main" val="3428289797"/>
       </p:ext>
     </p:extLst>
   </p:cSld>
@@ -2284,21 +2362,20 @@
                 <a:ea typeface="+mn-ea"/>
                 <a:cs typeface="+mn-cs"/>
               </a:rPr>
-              <a:t>Logging is a very convenient and easy way to keep track of events happening in the web part. The SharePoint Framework has a built-in logging mechanism.</a:t>
-            </a:r>
-          </a:p>
-          <a:p>
-            <a:endParaRPr lang="en-US" sz="900" b="0" i="0" kern="1200" dirty="0">
-              <a:solidFill>
-                <a:schemeClr val="tx1"/>
-              </a:solidFill>
-              <a:effectLst/>
-              <a:latin typeface="Segoe UI Light" pitchFamily="34" charset="0"/>
-              <a:ea typeface="+mn-ea"/>
-              <a:cs typeface="+mn-cs"/>
-            </a:endParaRPr>
-          </a:p>
-          <a:p>
+              <a:t>To use the SharePoint Framework logging infrastructure, import the `Log` object from the **@</a:t>
+            </a:r>
+            <a:r>
+              <a:rPr lang="en-US" sz="900" b="0" i="0" kern="1200" dirty="0" err="1">
+                <a:solidFill>
+                  <a:schemeClr val="tx1"/>
+                </a:solidFill>
+                <a:effectLst/>
+                <a:latin typeface="Segoe UI Light" pitchFamily="34" charset="0"/>
+                <a:ea typeface="+mn-ea"/>
+                <a:cs typeface="+mn-cs"/>
+              </a:rPr>
+              <a:t>microsoft</a:t>
+            </a:r>
             <a:r>
               <a:rPr lang="en-US" sz="900" b="0" i="0" kern="1200" dirty="0">
                 <a:solidFill>
@@ -2309,21 +2386,20 @@
                 <a:ea typeface="+mn-ea"/>
                 <a:cs typeface="+mn-cs"/>
               </a:rPr>
-              <a:t>The `Log` class contains four static methods for logging:</a:t>
-            </a:r>
-          </a:p>
-          <a:p>
-            <a:endParaRPr lang="en-US" sz="900" b="0" i="0" kern="1200" dirty="0">
-              <a:solidFill>
-                <a:schemeClr val="tx1"/>
-              </a:solidFill>
-              <a:effectLst/>
-              <a:latin typeface="Segoe UI Light" pitchFamily="34" charset="0"/>
-              <a:ea typeface="+mn-ea"/>
-              <a:cs typeface="+mn-cs"/>
-            </a:endParaRPr>
-          </a:p>
-          <a:p>
+              <a:t>/</a:t>
+            </a:r>
+            <a:r>
+              <a:rPr lang="en-US" sz="900" b="0" i="0" kern="1200" dirty="0" err="1">
+                <a:solidFill>
+                  <a:schemeClr val="tx1"/>
+                </a:solidFill>
+                <a:effectLst/>
+                <a:latin typeface="Segoe UI Light" pitchFamily="34" charset="0"/>
+                <a:ea typeface="+mn-ea"/>
+                <a:cs typeface="+mn-cs"/>
+              </a:rPr>
+              <a:t>sp</a:t>
+            </a:r>
             <a:r>
               <a:rPr lang="en-US" sz="900" b="0" i="0" kern="1200" dirty="0">
                 <a:solidFill>
@@ -2334,177 +2410,7 @@
                 <a:ea typeface="+mn-ea"/>
                 <a:cs typeface="+mn-cs"/>
               </a:rPr>
-              <a:t>- **info**: log information</a:t>
-            </a:r>
-          </a:p>
-          <a:p>
-            <a:r>
-              <a:rPr lang="en-US" sz="900" b="0" i="0" kern="1200" dirty="0">
-                <a:solidFill>
-                  <a:schemeClr val="tx1"/>
-                </a:solidFill>
-                <a:effectLst/>
-                <a:latin typeface="Segoe UI Light" pitchFamily="34" charset="0"/>
-                <a:ea typeface="+mn-ea"/>
-                <a:cs typeface="+mn-cs"/>
-              </a:rPr>
-              <a:t>- **warn**: log warnings</a:t>
-            </a:r>
-          </a:p>
-          <a:p>
-            <a:r>
-              <a:rPr lang="en-US" sz="900" b="0" i="0" kern="1200" dirty="0">
-                <a:solidFill>
-                  <a:schemeClr val="tx1"/>
-                </a:solidFill>
-                <a:effectLst/>
-                <a:latin typeface="Segoe UI Light" pitchFamily="34" charset="0"/>
-                <a:ea typeface="+mn-ea"/>
-                <a:cs typeface="+mn-cs"/>
-              </a:rPr>
-              <a:t>- **error**: log errors</a:t>
-            </a:r>
-          </a:p>
-          <a:p>
-            <a:r>
-              <a:rPr lang="en-US" sz="900" b="0" i="0" kern="1200" dirty="0">
-                <a:solidFill>
-                  <a:schemeClr val="tx1"/>
-                </a:solidFill>
-                <a:effectLst/>
-                <a:latin typeface="Segoe UI Light" pitchFamily="34" charset="0"/>
-                <a:ea typeface="+mn-ea"/>
-                <a:cs typeface="+mn-cs"/>
-              </a:rPr>
-              <a:t>- **verbose**: log everything</a:t>
-            </a:r>
-          </a:p>
-          <a:p>
-            <a:endParaRPr lang="en-US" sz="900" b="0" i="0" kern="1200" dirty="0">
-              <a:solidFill>
-                <a:schemeClr val="tx1"/>
-              </a:solidFill>
-              <a:effectLst/>
-              <a:latin typeface="Segoe UI Light" pitchFamily="34" charset="0"/>
-              <a:ea typeface="+mn-ea"/>
-              <a:cs typeface="+mn-cs"/>
-            </a:endParaRPr>
-          </a:p>
-          <a:p>
-            <a:r>
-              <a:rPr lang="en-US" sz="900" b="0" i="0" kern="1200" dirty="0">
-                <a:solidFill>
-                  <a:schemeClr val="tx1"/>
-                </a:solidFill>
-                <a:effectLst/>
-                <a:latin typeface="Segoe UI Light" pitchFamily="34" charset="0"/>
-                <a:ea typeface="+mn-ea"/>
-                <a:cs typeface="+mn-cs"/>
-              </a:rPr>
-              <a:t>In the SharePoint Framework, all logging is written to the JavaScript console. You can see the logging messages using the developer tools in a web browser.</a:t>
-            </a:r>
-          </a:p>
-          <a:p>
-            <a:endParaRPr lang="en-US" sz="900" b="0" i="0" kern="1200" dirty="0">
-              <a:solidFill>
-                <a:schemeClr val="tx1"/>
-              </a:solidFill>
-              <a:effectLst/>
-              <a:latin typeface="Segoe UI Light" pitchFamily="34" charset="0"/>
-              <a:ea typeface="+mn-ea"/>
-              <a:cs typeface="+mn-cs"/>
-            </a:endParaRPr>
-          </a:p>
-          <a:p>
-            <a:r>
-              <a:rPr lang="en-US" sz="900" b="0" i="0" kern="1200" dirty="0">
-                <a:solidFill>
-                  <a:schemeClr val="tx1"/>
-                </a:solidFill>
-                <a:effectLst/>
-                <a:latin typeface="Segoe UI Light" pitchFamily="34" charset="0"/>
-                <a:ea typeface="+mn-ea"/>
-                <a:cs typeface="+mn-cs"/>
-              </a:rPr>
-              <a:t>All static methods have the same signature, except the error method - they take three arguments:</a:t>
-            </a:r>
-          </a:p>
-          <a:p>
-            <a:endParaRPr lang="en-US" sz="900" b="0" i="0" kern="1200" dirty="0">
-              <a:solidFill>
-                <a:schemeClr val="tx1"/>
-              </a:solidFill>
-              <a:effectLst/>
-              <a:latin typeface="Segoe UI Light" pitchFamily="34" charset="0"/>
-              <a:ea typeface="+mn-ea"/>
-              <a:cs typeface="+mn-cs"/>
-            </a:endParaRPr>
-          </a:p>
-          <a:p>
-            <a:r>
-              <a:rPr lang="en-US" sz="900" b="0" i="0" kern="1200" dirty="0">
-                <a:solidFill>
-                  <a:schemeClr val="tx1"/>
-                </a:solidFill>
-                <a:effectLst/>
-                <a:latin typeface="Segoe UI Light" pitchFamily="34" charset="0"/>
-                <a:ea typeface="+mn-ea"/>
-                <a:cs typeface="+mn-cs"/>
-              </a:rPr>
-              <a:t>- **source**: the source of the logging information (*max 20 characters*), such as the method or the class name</a:t>
-            </a:r>
-          </a:p>
-          <a:p>
-            <a:r>
-              <a:rPr lang="en-US" sz="900" b="0" i="0" kern="1200" dirty="0">
-                <a:solidFill>
-                  <a:schemeClr val="tx1"/>
-                </a:solidFill>
-                <a:effectLst/>
-                <a:latin typeface="Segoe UI Light" pitchFamily="34" charset="0"/>
-                <a:ea typeface="+mn-ea"/>
-                <a:cs typeface="+mn-cs"/>
-              </a:rPr>
-              <a:t>- **message**: the actual message to log (*max 100 characters*)</a:t>
-            </a:r>
-          </a:p>
-          <a:p>
-            <a:r>
-              <a:rPr lang="en-US" sz="900" b="0" i="0" kern="1200" dirty="0">
-                <a:solidFill>
-                  <a:schemeClr val="tx1"/>
-                </a:solidFill>
-                <a:effectLst/>
-                <a:latin typeface="Segoe UI Light" pitchFamily="34" charset="0"/>
-                <a:ea typeface="+mn-ea"/>
-                <a:cs typeface="+mn-cs"/>
-              </a:rPr>
-              <a:t>- **scope**: an optional service scope</a:t>
-            </a:r>
-          </a:p>
-          <a:p>
-            <a:endParaRPr lang="en-US" sz="900" b="0" i="0" kern="1200" dirty="0">
-              <a:solidFill>
-                <a:schemeClr val="tx1"/>
-              </a:solidFill>
-              <a:effectLst/>
-              <a:latin typeface="Segoe UI Light" pitchFamily="34" charset="0"/>
-              <a:ea typeface="+mn-ea"/>
-              <a:cs typeface="+mn-cs"/>
-            </a:endParaRPr>
-          </a:p>
-          <a:p>
-            <a:r>
-              <a:rPr lang="en-US" sz="900" b="0" i="0" kern="1200" dirty="0">
-                <a:solidFill>
-                  <a:schemeClr val="tx1"/>
-                </a:solidFill>
-                <a:effectLst/>
-                <a:latin typeface="Segoe UI Light" pitchFamily="34" charset="0"/>
-                <a:ea typeface="+mn-ea"/>
-                <a:cs typeface="+mn-cs"/>
-              </a:rPr>
-              <a:t>The error method takes an `Error` object instead of the message string, otherwise they are the same.</a:t>
+              <a:t>-core-library** package. Each of the methods will write a different type of logging message to the JavaScript console, as you can see here:</a:t>
             </a:r>
           </a:p>
         </p:txBody>
@@ -2613,7 +2519,7 @@
     </p:spTree>
     <p:extLst>
       <p:ext uri="{BB962C8B-B14F-4D97-AF65-F5344CB8AC3E}">
-        <p14:creationId xmlns:p14="http://schemas.microsoft.com/office/powerpoint/2010/main" val="3428289797"/>
+        <p14:creationId xmlns:p14="http://schemas.microsoft.com/office/powerpoint/2010/main" val="1170131775"/>
       </p:ext>
     </p:extLst>
   </p:cSld>
@@ -2668,7 +2574,7 @@
           <a:lstStyle/>
           <a:p>
             <a:r>
-              <a:rPr lang="en-US" sz="900" b="0" i="0" kern="1200" dirty="0">
+              <a:rPr lang="en-US" sz="900" b="0" kern="1200" dirty="0">
                 <a:solidFill>
                   <a:schemeClr val="tx1"/>
                 </a:solidFill>
@@ -2677,10 +2583,46 @@
                 <a:ea typeface="+mn-ea"/>
                 <a:cs typeface="+mn-cs"/>
               </a:rPr>
-              <a:t>To use the SharePoint Framework logging infrastructure, import the `Log` object from the **@</a:t>
-            </a:r>
-            <a:r>
-              <a:rPr lang="en-US" sz="900" b="0" i="0" kern="1200" dirty="0" err="1">
+              <a:t>When your component needs to programmatically load an external JavaScript or CSS file, you can use the `</a:t>
+            </a:r>
+            <a:r>
+              <a:rPr lang="en-US" sz="900" b="0" kern="1200" dirty="0" err="1">
+                <a:solidFill>
+                  <a:schemeClr val="tx1"/>
+                </a:solidFill>
+                <a:effectLst/>
+                <a:latin typeface="Segoe UI Light" pitchFamily="34" charset="0"/>
+                <a:ea typeface="+mn-ea"/>
+                <a:cs typeface="+mn-cs"/>
+              </a:rPr>
+              <a:t>SPComponentLoader</a:t>
+            </a:r>
+            <a:r>
+              <a:rPr lang="en-US" sz="900" b="0" kern="1200" dirty="0">
+                <a:solidFill>
+                  <a:schemeClr val="tx1"/>
+                </a:solidFill>
+                <a:effectLst/>
+                <a:latin typeface="Segoe UI Light" pitchFamily="34" charset="0"/>
+                <a:ea typeface="+mn-ea"/>
+                <a:cs typeface="+mn-cs"/>
+              </a:rPr>
+              <a:t>` object. This object can be found in the </a:t>
+            </a:r>
+            <a:r>
+              <a:rPr lang="en-US" sz="900" b="1" kern="1200" dirty="0">
+                <a:solidFill>
+                  <a:schemeClr val="tx1"/>
+                </a:solidFill>
+                <a:effectLst/>
+                <a:latin typeface="Segoe UI Light" pitchFamily="34" charset="0"/>
+                <a:ea typeface="+mn-ea"/>
+                <a:cs typeface="+mn-cs"/>
+              </a:rPr>
+              <a:t>**@</a:t>
+            </a:r>
+            <a:r>
+              <a:rPr lang="en-US" sz="900" b="1" kern="1200" dirty="0" err="1">
                 <a:solidFill>
                   <a:schemeClr val="tx1"/>
                 </a:solidFill>
@@ -2692,7 +2634,7 @@
               <a:t>microsoft</a:t>
             </a:r>
             <a:r>
-              <a:rPr lang="en-US" sz="900" b="0" i="0" kern="1200" dirty="0">
+              <a:rPr lang="en-US" sz="900" b="1" kern="1200" dirty="0">
                 <a:solidFill>
                   <a:schemeClr val="tx1"/>
                 </a:solidFill>
@@ -2704,7 +2646,7 @@
               <a:t>/</a:t>
             </a:r>
             <a:r>
-              <a:rPr lang="en-US" sz="900" b="0" i="0" kern="1200" dirty="0" err="1">
+              <a:rPr lang="en-US" sz="900" b="1" kern="1200" dirty="0" err="1">
                 <a:solidFill>
                   <a:schemeClr val="tx1"/>
                 </a:solidFill>
@@ -2716,7 +2658,7 @@
               <a:t>sp</a:t>
             </a:r>
             <a:r>
-              <a:rPr lang="en-US" sz="900" b="0" i="0" kern="1200" dirty="0">
+              <a:rPr lang="en-US" sz="900" b="1" kern="1200" dirty="0">
                 <a:solidFill>
                   <a:schemeClr val="tx1"/>
                 </a:solidFill>
@@ -2725,8 +2667,418 @@
                 <a:ea typeface="+mn-ea"/>
                 <a:cs typeface="+mn-cs"/>
               </a:rPr>
-              <a:t>-core-library** package. Each of the methods will write a different type of logging message to the JavaScript console, as you can see here:</a:t>
-            </a:r>
+              <a:t>-loader**</a:t>
+            </a:r>
+            <a:r>
+              <a:rPr lang="en-US" sz="900" b="0" kern="1200" dirty="0">
+                <a:solidFill>
+                  <a:schemeClr val="tx1"/>
+                </a:solidFill>
+                <a:effectLst/>
+                <a:latin typeface="Segoe UI Light" pitchFamily="34" charset="0"/>
+                <a:ea typeface="+mn-ea"/>
+                <a:cs typeface="+mn-cs"/>
+              </a:rPr>
+              <a:t> package.</a:t>
+            </a:r>
+          </a:p>
+          <a:p>
+            <a:br>
+              <a:rPr lang="en-US" sz="900" b="0" kern="1200" dirty="0">
+                <a:solidFill>
+                  <a:schemeClr val="tx1"/>
+                </a:solidFill>
+                <a:effectLst/>
+                <a:latin typeface="Segoe UI Light" pitchFamily="34" charset="0"/>
+                <a:ea typeface="+mn-ea"/>
+                <a:cs typeface="+mn-cs"/>
+              </a:rPr>
+            </a:br>
+            <a:r>
+              <a:rPr lang="en-US" sz="900" b="0" kern="1200" dirty="0">
+                <a:solidFill>
+                  <a:schemeClr val="tx1"/>
+                </a:solidFill>
+                <a:effectLst/>
+                <a:latin typeface="Segoe UI Light" pitchFamily="34" charset="0"/>
+                <a:ea typeface="+mn-ea"/>
+                <a:cs typeface="+mn-cs"/>
+              </a:rPr>
+              <a:t>`</a:t>
+            </a:r>
+            <a:r>
+              <a:rPr lang="en-US" sz="900" b="0" kern="1200" dirty="0" err="1">
+                <a:solidFill>
+                  <a:schemeClr val="tx1"/>
+                </a:solidFill>
+                <a:effectLst/>
+                <a:latin typeface="Segoe UI Light" pitchFamily="34" charset="0"/>
+                <a:ea typeface="+mn-ea"/>
+                <a:cs typeface="+mn-cs"/>
+              </a:rPr>
+              <a:t>SPComponentLoader</a:t>
+            </a:r>
+            <a:r>
+              <a:rPr lang="en-US" sz="900" b="0" kern="1200" dirty="0">
+                <a:solidFill>
+                  <a:schemeClr val="tx1"/>
+                </a:solidFill>
+                <a:effectLst/>
+                <a:latin typeface="Segoe UI Light" pitchFamily="34" charset="0"/>
+                <a:ea typeface="+mn-ea"/>
+                <a:cs typeface="+mn-cs"/>
+              </a:rPr>
+              <a:t>` contains two methods: `</a:t>
+            </a:r>
+            <a:r>
+              <a:rPr lang="en-US" sz="900" b="0" kern="1200" dirty="0" err="1">
+                <a:solidFill>
+                  <a:schemeClr val="tx1"/>
+                </a:solidFill>
+                <a:effectLst/>
+                <a:latin typeface="Segoe UI Light" pitchFamily="34" charset="0"/>
+                <a:ea typeface="+mn-ea"/>
+                <a:cs typeface="+mn-cs"/>
+              </a:rPr>
+              <a:t>loadScript</a:t>
+            </a:r>
+            <a:r>
+              <a:rPr lang="en-US" sz="900" b="0" kern="1200" dirty="0">
+                <a:solidFill>
+                  <a:schemeClr val="tx1"/>
+                </a:solidFill>
+                <a:effectLst/>
+                <a:latin typeface="Segoe UI Light" pitchFamily="34" charset="0"/>
+                <a:ea typeface="+mn-ea"/>
+                <a:cs typeface="+mn-cs"/>
+              </a:rPr>
+              <a:t>()` and `</a:t>
+            </a:r>
+            <a:r>
+              <a:rPr lang="en-US" sz="900" b="0" kern="1200" dirty="0" err="1">
+                <a:solidFill>
+                  <a:schemeClr val="tx1"/>
+                </a:solidFill>
+                <a:effectLst/>
+                <a:latin typeface="Segoe UI Light" pitchFamily="34" charset="0"/>
+                <a:ea typeface="+mn-ea"/>
+                <a:cs typeface="+mn-cs"/>
+              </a:rPr>
+              <a:t>loadCss</a:t>
+            </a:r>
+            <a:r>
+              <a:rPr lang="en-US" sz="900" b="0" kern="1200" dirty="0">
+                <a:solidFill>
+                  <a:schemeClr val="tx1"/>
+                </a:solidFill>
+                <a:effectLst/>
+                <a:latin typeface="Segoe UI Light" pitchFamily="34" charset="0"/>
+                <a:ea typeface="+mn-ea"/>
+                <a:cs typeface="+mn-cs"/>
+              </a:rPr>
+              <a:t>()`. Both methods accept a string parameter of the URL of the file to load and return a JavaScript promise once the file has been loaded.</a:t>
+            </a:r>
+          </a:p>
+          <a:p>
+            <a:br>
+              <a:rPr lang="en-US" sz="900" b="0" kern="1200" dirty="0">
+                <a:solidFill>
+                  <a:schemeClr val="tx1"/>
+                </a:solidFill>
+                <a:effectLst/>
+                <a:latin typeface="Segoe UI Light" pitchFamily="34" charset="0"/>
+                <a:ea typeface="+mn-ea"/>
+                <a:cs typeface="+mn-cs"/>
+              </a:rPr>
+            </a:br>
+            <a:r>
+              <a:rPr lang="en-US" sz="900" b="0" kern="1200" dirty="0">
+                <a:solidFill>
+                  <a:schemeClr val="tx1"/>
+                </a:solidFill>
+                <a:effectLst/>
+                <a:latin typeface="Segoe UI Light" pitchFamily="34" charset="0"/>
+                <a:ea typeface="+mn-ea"/>
+                <a:cs typeface="+mn-cs"/>
+              </a:rPr>
+              <a:t>The `</a:t>
+            </a:r>
+            <a:r>
+              <a:rPr lang="en-US" sz="900" b="0" kern="1200" dirty="0" err="1">
+                <a:solidFill>
+                  <a:schemeClr val="tx1"/>
+                </a:solidFill>
+                <a:effectLst/>
+                <a:latin typeface="Segoe UI Light" pitchFamily="34" charset="0"/>
+                <a:ea typeface="+mn-ea"/>
+                <a:cs typeface="+mn-cs"/>
+              </a:rPr>
+              <a:t>loadScript</a:t>
+            </a:r>
+            <a:r>
+              <a:rPr lang="en-US" sz="900" b="0" kern="1200" dirty="0">
+                <a:solidFill>
+                  <a:schemeClr val="tx1"/>
+                </a:solidFill>
+                <a:effectLst/>
+                <a:latin typeface="Segoe UI Light" pitchFamily="34" charset="0"/>
+                <a:ea typeface="+mn-ea"/>
+                <a:cs typeface="+mn-cs"/>
+              </a:rPr>
+              <a:t>()` method accepts a second parameter that you can use to specify the object that the script should be assigned to when it is exported.</a:t>
+            </a:r>
+          </a:p>
+          <a:p>
+            <a:br>
+              <a:rPr lang="en-US" sz="900" b="0" kern="1200" dirty="0">
+                <a:solidFill>
+                  <a:schemeClr val="tx1"/>
+                </a:solidFill>
+                <a:effectLst/>
+                <a:latin typeface="Segoe UI Light" pitchFamily="34" charset="0"/>
+                <a:ea typeface="+mn-ea"/>
+                <a:cs typeface="+mn-cs"/>
+              </a:rPr>
+            </a:br>
+            <a:r>
+              <a:rPr lang="en-US" sz="900" b="0" kern="1200" dirty="0">
+                <a:solidFill>
+                  <a:schemeClr val="tx1"/>
+                </a:solidFill>
+                <a:effectLst/>
+                <a:latin typeface="Segoe UI Light" pitchFamily="34" charset="0"/>
+                <a:ea typeface="+mn-ea"/>
+                <a:cs typeface="+mn-cs"/>
+              </a:rPr>
+              <a:t>Notice how the `</a:t>
+            </a:r>
+            <a:r>
+              <a:rPr lang="en-US" sz="900" b="0" kern="1200" dirty="0" err="1">
+                <a:solidFill>
+                  <a:schemeClr val="tx1"/>
+                </a:solidFill>
+                <a:effectLst/>
+                <a:latin typeface="Segoe UI Light" pitchFamily="34" charset="0"/>
+                <a:ea typeface="+mn-ea"/>
+                <a:cs typeface="+mn-cs"/>
+              </a:rPr>
+              <a:t>SPComponentLoader</a:t>
+            </a:r>
+            <a:r>
+              <a:rPr lang="en-US" sz="900" b="0" kern="1200" dirty="0">
+                <a:solidFill>
+                  <a:schemeClr val="tx1"/>
+                </a:solidFill>
+                <a:effectLst/>
+                <a:latin typeface="Segoe UI Light" pitchFamily="34" charset="0"/>
+                <a:ea typeface="+mn-ea"/>
+                <a:cs typeface="+mn-cs"/>
+              </a:rPr>
+              <a:t>` is wrapped in the `if (!</a:t>
+            </a:r>
+            <a:r>
+              <a:rPr lang="en-US" sz="900" b="0" kern="1200" dirty="0" err="1">
+                <a:solidFill>
+                  <a:schemeClr val="tx1"/>
+                </a:solidFill>
+                <a:effectLst/>
+                <a:latin typeface="Segoe UI Light" pitchFamily="34" charset="0"/>
+                <a:ea typeface="+mn-ea"/>
+                <a:cs typeface="+mn-cs"/>
+              </a:rPr>
+              <a:t>this.renderedOnce</a:t>
+            </a:r>
+            <a:r>
+              <a:rPr lang="en-US" sz="900" b="0" kern="1200" dirty="0">
+                <a:solidFill>
+                  <a:schemeClr val="tx1"/>
+                </a:solidFill>
+                <a:effectLst/>
+                <a:latin typeface="Segoe UI Light" pitchFamily="34" charset="0"/>
+                <a:ea typeface="+mn-ea"/>
+                <a:cs typeface="+mn-cs"/>
+              </a:rPr>
+              <a:t>)` clause. The `render` function of client-side web parts is called initially whenever a web part is added to the page, but also every time a web part property is changed in the property pane. Because we only want to load the scripts with the `</a:t>
+            </a:r>
+            <a:r>
+              <a:rPr lang="en-US" sz="900" b="0" kern="1200" dirty="0" err="1">
+                <a:solidFill>
+                  <a:schemeClr val="tx1"/>
+                </a:solidFill>
+                <a:effectLst/>
+                <a:latin typeface="Segoe UI Light" pitchFamily="34" charset="0"/>
+                <a:ea typeface="+mn-ea"/>
+                <a:cs typeface="+mn-cs"/>
+              </a:rPr>
+              <a:t>SPComponentLoader</a:t>
+            </a:r>
+            <a:r>
+              <a:rPr lang="en-US" sz="900" b="0" kern="1200" dirty="0">
+                <a:solidFill>
+                  <a:schemeClr val="tx1"/>
+                </a:solidFill>
+                <a:effectLst/>
+                <a:latin typeface="Segoe UI Light" pitchFamily="34" charset="0"/>
+                <a:ea typeface="+mn-ea"/>
+                <a:cs typeface="+mn-cs"/>
+              </a:rPr>
+              <a:t>` one time, we use the `</a:t>
+            </a:r>
+            <a:r>
+              <a:rPr lang="en-US" sz="900" b="0" kern="1200" dirty="0" err="1">
+                <a:solidFill>
+                  <a:schemeClr val="tx1"/>
+                </a:solidFill>
+                <a:effectLst/>
+                <a:latin typeface="Segoe UI Light" pitchFamily="34" charset="0"/>
+                <a:ea typeface="+mn-ea"/>
+                <a:cs typeface="+mn-cs"/>
+              </a:rPr>
+              <a:t>renderedOnce</a:t>
+            </a:r>
+            <a:r>
+              <a:rPr lang="en-US" sz="900" b="0" kern="1200" dirty="0">
+                <a:solidFill>
+                  <a:schemeClr val="tx1"/>
+                </a:solidFill>
+                <a:effectLst/>
+                <a:latin typeface="Segoe UI Light" pitchFamily="34" charset="0"/>
+                <a:ea typeface="+mn-ea"/>
+                <a:cs typeface="+mn-cs"/>
+              </a:rPr>
+              <a:t>` property to verify that the web part is rendering initially and then load the required modules.</a:t>
+            </a:r>
+          </a:p>
+          <a:p>
+            <a:br>
+              <a:rPr lang="en-US" sz="900" b="0" kern="1200" dirty="0">
+                <a:solidFill>
+                  <a:schemeClr val="tx1"/>
+                </a:solidFill>
+                <a:effectLst/>
+                <a:latin typeface="Segoe UI Light" pitchFamily="34" charset="0"/>
+                <a:ea typeface="+mn-ea"/>
+                <a:cs typeface="+mn-cs"/>
+              </a:rPr>
+            </a:br>
+            <a:r>
+              <a:rPr lang="en-US" sz="900" b="0" kern="1200" dirty="0">
+                <a:solidFill>
+                  <a:schemeClr val="tx1"/>
+                </a:solidFill>
+                <a:effectLst/>
+                <a:latin typeface="Segoe UI Light" pitchFamily="34" charset="0"/>
+                <a:ea typeface="+mn-ea"/>
+                <a:cs typeface="+mn-cs"/>
+              </a:rPr>
+              <a:t>When loading jQuery using the `</a:t>
+            </a:r>
+            <a:r>
+              <a:rPr lang="en-US" sz="900" b="0" kern="1200" dirty="0" err="1">
+                <a:solidFill>
+                  <a:schemeClr val="tx1"/>
+                </a:solidFill>
+                <a:effectLst/>
+                <a:latin typeface="Segoe UI Light" pitchFamily="34" charset="0"/>
+                <a:ea typeface="+mn-ea"/>
+                <a:cs typeface="+mn-cs"/>
+              </a:rPr>
+              <a:t>SPComponentLoader</a:t>
+            </a:r>
+            <a:r>
+              <a:rPr lang="en-US" sz="900" b="0" kern="1200" dirty="0">
+                <a:solidFill>
+                  <a:schemeClr val="tx1"/>
+                </a:solidFill>
+                <a:effectLst/>
+                <a:latin typeface="Segoe UI Light" pitchFamily="34" charset="0"/>
+                <a:ea typeface="+mn-ea"/>
+                <a:cs typeface="+mn-cs"/>
+              </a:rPr>
+              <a:t>`, we load it as a global script associated with the `jQuery` variable.</a:t>
+            </a:r>
+          </a:p>
+          <a:p>
+            <a:br>
+              <a:rPr lang="en-US" sz="900" b="0" kern="1200" dirty="0">
+                <a:solidFill>
+                  <a:schemeClr val="tx1"/>
+                </a:solidFill>
+                <a:effectLst/>
+                <a:latin typeface="Segoe UI Light" pitchFamily="34" charset="0"/>
+                <a:ea typeface="+mn-ea"/>
+                <a:cs typeface="+mn-cs"/>
+              </a:rPr>
+            </a:br>
+            <a:r>
+              <a:rPr lang="en-US" sz="900" b="0" kern="1200" dirty="0">
+                <a:solidFill>
+                  <a:schemeClr val="tx1"/>
+                </a:solidFill>
+                <a:effectLst/>
+                <a:latin typeface="Segoe UI Light" pitchFamily="34" charset="0"/>
+                <a:ea typeface="+mn-ea"/>
+                <a:cs typeface="+mn-cs"/>
+              </a:rPr>
+              <a:t>Notice that after loading the jQuery library and before loading a CSS file for the jQuery UI project, we store the reference to jQuery in the `</a:t>
+            </a:r>
+            <a:r>
+              <a:rPr lang="en-US" sz="900" b="0" kern="1200" dirty="0" err="1">
+                <a:solidFill>
+                  <a:schemeClr val="tx1"/>
+                </a:solidFill>
+                <a:effectLst/>
+                <a:latin typeface="Segoe UI Light" pitchFamily="34" charset="0"/>
+                <a:ea typeface="+mn-ea"/>
+                <a:cs typeface="+mn-cs"/>
+              </a:rPr>
+              <a:t>this.jQuery</a:t>
+            </a:r>
+            <a:r>
+              <a:rPr lang="en-US" sz="900" b="0" kern="1200" dirty="0">
+                <a:solidFill>
+                  <a:schemeClr val="tx1"/>
+                </a:solidFill>
+                <a:effectLst/>
+                <a:latin typeface="Segoe UI Light" pitchFamily="34" charset="0"/>
+                <a:ea typeface="+mn-ea"/>
+                <a:cs typeface="+mn-cs"/>
+              </a:rPr>
+              <a:t>` variable.</a:t>
+            </a:r>
+          </a:p>
+          <a:p>
+            <a:br>
+              <a:rPr lang="en-US" sz="900" b="0" kern="1200" dirty="0">
+                <a:solidFill>
+                  <a:schemeClr val="tx1"/>
+                </a:solidFill>
+                <a:effectLst/>
+                <a:latin typeface="Segoe UI Light" pitchFamily="34" charset="0"/>
+                <a:ea typeface="+mn-ea"/>
+                <a:cs typeface="+mn-cs"/>
+              </a:rPr>
+            </a:br>
+            <a:endParaRPr lang="en-US" sz="900" b="0" kern="1200" dirty="0">
+              <a:solidFill>
+                <a:schemeClr val="tx1"/>
+              </a:solidFill>
+              <a:effectLst/>
+              <a:latin typeface="Segoe UI Light" pitchFamily="34" charset="0"/>
+              <a:ea typeface="+mn-ea"/>
+              <a:cs typeface="+mn-cs"/>
+            </a:endParaRPr>
+          </a:p>
+          <a:p>
+            <a:endParaRPr lang="en-US" sz="900" b="0" kern="1200" dirty="0">
+              <a:solidFill>
+                <a:schemeClr val="tx1"/>
+              </a:solidFill>
+              <a:effectLst/>
+              <a:latin typeface="Segoe UI Light" pitchFamily="34" charset="0"/>
+              <a:ea typeface="+mn-ea"/>
+              <a:cs typeface="+mn-cs"/>
+            </a:endParaRPr>
           </a:p>
         </p:txBody>
       </p:sp>
@@ -2834,7 +3186,7 @@
     </p:spTree>
     <p:extLst>
       <p:ext uri="{BB962C8B-B14F-4D97-AF65-F5344CB8AC3E}">
-        <p14:creationId xmlns:p14="http://schemas.microsoft.com/office/powerpoint/2010/main" val="1170131775"/>
+        <p14:creationId xmlns:p14="http://schemas.microsoft.com/office/powerpoint/2010/main" val="524509501"/>
       </p:ext>
     </p:extLst>
   </p:cSld>
@@ -2888,512 +3240,7 @@
           <a:bodyPr/>
           <a:lstStyle/>
           <a:p>
-            <a:r>
-              <a:rPr lang="en-US" sz="900" b="0" kern="1200" dirty="0">
-                <a:solidFill>
-                  <a:schemeClr val="tx1"/>
-                </a:solidFill>
-                <a:effectLst/>
-                <a:latin typeface="Segoe UI Light" pitchFamily="34" charset="0"/>
-                <a:ea typeface="+mn-ea"/>
-                <a:cs typeface="+mn-cs"/>
-              </a:rPr>
-              <a:t>When your component needs to programmatically load an external JavaScript or CSS file, you can use the `</a:t>
-            </a:r>
-            <a:r>
-              <a:rPr lang="en-US" sz="900" b="0" kern="1200" dirty="0" err="1">
-                <a:solidFill>
-                  <a:schemeClr val="tx1"/>
-                </a:solidFill>
-                <a:effectLst/>
-                <a:latin typeface="Segoe UI Light" pitchFamily="34" charset="0"/>
-                <a:ea typeface="+mn-ea"/>
-                <a:cs typeface="+mn-cs"/>
-              </a:rPr>
-              <a:t>SPComponentLoader</a:t>
-            </a:r>
-            <a:r>
-              <a:rPr lang="en-US" sz="900" b="0" kern="1200" dirty="0">
-                <a:solidFill>
-                  <a:schemeClr val="tx1"/>
-                </a:solidFill>
-                <a:effectLst/>
-                <a:latin typeface="Segoe UI Light" pitchFamily="34" charset="0"/>
-                <a:ea typeface="+mn-ea"/>
-                <a:cs typeface="+mn-cs"/>
-              </a:rPr>
-              <a:t>` object. This object can be found in the </a:t>
-            </a:r>
-            <a:r>
-              <a:rPr lang="en-US" sz="900" b="1" kern="1200" dirty="0">
-                <a:solidFill>
-                  <a:schemeClr val="tx1"/>
-                </a:solidFill>
-                <a:effectLst/>
-                <a:latin typeface="Segoe UI Light" pitchFamily="34" charset="0"/>
-                <a:ea typeface="+mn-ea"/>
-                <a:cs typeface="+mn-cs"/>
-              </a:rPr>
-              <a:t>**@</a:t>
-            </a:r>
-            <a:r>
-              <a:rPr lang="en-US" sz="900" b="1" kern="1200" dirty="0" err="1">
-                <a:solidFill>
-                  <a:schemeClr val="tx1"/>
-                </a:solidFill>
-                <a:effectLst/>
-                <a:latin typeface="Segoe UI Light" pitchFamily="34" charset="0"/>
-                <a:ea typeface="+mn-ea"/>
-                <a:cs typeface="+mn-cs"/>
-              </a:rPr>
-              <a:t>microsoft</a:t>
-            </a:r>
-            <a:r>
-              <a:rPr lang="en-US" sz="900" b="1" kern="1200" dirty="0">
-                <a:solidFill>
-                  <a:schemeClr val="tx1"/>
-                </a:solidFill>
-                <a:effectLst/>
-                <a:latin typeface="Segoe UI Light" pitchFamily="34" charset="0"/>
-                <a:ea typeface="+mn-ea"/>
-                <a:cs typeface="+mn-cs"/>
-              </a:rPr>
-              <a:t>/</a:t>
-            </a:r>
-            <a:r>
-              <a:rPr lang="en-US" sz="900" b="1" kern="1200" dirty="0" err="1">
-                <a:solidFill>
-                  <a:schemeClr val="tx1"/>
-                </a:solidFill>
-                <a:effectLst/>
-                <a:latin typeface="Segoe UI Light" pitchFamily="34" charset="0"/>
-                <a:ea typeface="+mn-ea"/>
-                <a:cs typeface="+mn-cs"/>
-              </a:rPr>
-              <a:t>sp</a:t>
-            </a:r>
-            <a:r>
-              <a:rPr lang="en-US" sz="900" b="1" kern="1200" dirty="0">
-                <a:solidFill>
-                  <a:schemeClr val="tx1"/>
-                </a:solidFill>
-                <a:effectLst/>
-                <a:latin typeface="Segoe UI Light" pitchFamily="34" charset="0"/>
-                <a:ea typeface="+mn-ea"/>
-                <a:cs typeface="+mn-cs"/>
-              </a:rPr>
-              <a:t>-loader**</a:t>
-            </a:r>
-            <a:r>
-              <a:rPr lang="en-US" sz="900" b="0" kern="1200" dirty="0">
-                <a:solidFill>
-                  <a:schemeClr val="tx1"/>
-                </a:solidFill>
-                <a:effectLst/>
-                <a:latin typeface="Segoe UI Light" pitchFamily="34" charset="0"/>
-                <a:ea typeface="+mn-ea"/>
-                <a:cs typeface="+mn-cs"/>
-              </a:rPr>
-              <a:t> package.</a:t>
-            </a:r>
-          </a:p>
-          <a:p>
-            <a:br>
-              <a:rPr lang="en-US" sz="900" b="0" kern="1200" dirty="0">
-                <a:solidFill>
-                  <a:schemeClr val="tx1"/>
-                </a:solidFill>
-                <a:effectLst/>
-                <a:latin typeface="Segoe UI Light" pitchFamily="34" charset="0"/>
-                <a:ea typeface="+mn-ea"/>
-                <a:cs typeface="+mn-cs"/>
-              </a:rPr>
-            </a:br>
-            <a:r>
-              <a:rPr lang="en-US" sz="900" b="0" kern="1200" dirty="0">
-                <a:solidFill>
-                  <a:schemeClr val="tx1"/>
-                </a:solidFill>
-                <a:effectLst/>
-                <a:latin typeface="Segoe UI Light" pitchFamily="34" charset="0"/>
-                <a:ea typeface="+mn-ea"/>
-                <a:cs typeface="+mn-cs"/>
-              </a:rPr>
-              <a:t>`</a:t>
-            </a:r>
-            <a:r>
-              <a:rPr lang="en-US" sz="900" b="0" kern="1200" dirty="0" err="1">
-                <a:solidFill>
-                  <a:schemeClr val="tx1"/>
-                </a:solidFill>
-                <a:effectLst/>
-                <a:latin typeface="Segoe UI Light" pitchFamily="34" charset="0"/>
-                <a:ea typeface="+mn-ea"/>
-                <a:cs typeface="+mn-cs"/>
-              </a:rPr>
-              <a:t>SPComponentLoader</a:t>
-            </a:r>
-            <a:r>
-              <a:rPr lang="en-US" sz="900" b="0" kern="1200" dirty="0">
-                <a:solidFill>
-                  <a:schemeClr val="tx1"/>
-                </a:solidFill>
-                <a:effectLst/>
-                <a:latin typeface="Segoe UI Light" pitchFamily="34" charset="0"/>
-                <a:ea typeface="+mn-ea"/>
-                <a:cs typeface="+mn-cs"/>
-              </a:rPr>
-              <a:t>` contains two methods: `</a:t>
-            </a:r>
-            <a:r>
-              <a:rPr lang="en-US" sz="900" b="0" kern="1200" dirty="0" err="1">
-                <a:solidFill>
-                  <a:schemeClr val="tx1"/>
-                </a:solidFill>
-                <a:effectLst/>
-                <a:latin typeface="Segoe UI Light" pitchFamily="34" charset="0"/>
-                <a:ea typeface="+mn-ea"/>
-                <a:cs typeface="+mn-cs"/>
-              </a:rPr>
-              <a:t>loadScript</a:t>
-            </a:r>
-            <a:r>
-              <a:rPr lang="en-US" sz="900" b="0" kern="1200" dirty="0">
-                <a:solidFill>
-                  <a:schemeClr val="tx1"/>
-                </a:solidFill>
-                <a:effectLst/>
-                <a:latin typeface="Segoe UI Light" pitchFamily="34" charset="0"/>
-                <a:ea typeface="+mn-ea"/>
-                <a:cs typeface="+mn-cs"/>
-              </a:rPr>
-              <a:t>()` and `</a:t>
-            </a:r>
-            <a:r>
-              <a:rPr lang="en-US" sz="900" b="0" kern="1200" dirty="0" err="1">
-                <a:solidFill>
-                  <a:schemeClr val="tx1"/>
-                </a:solidFill>
-                <a:effectLst/>
-                <a:latin typeface="Segoe UI Light" pitchFamily="34" charset="0"/>
-                <a:ea typeface="+mn-ea"/>
-                <a:cs typeface="+mn-cs"/>
-              </a:rPr>
-              <a:t>loadCss</a:t>
-            </a:r>
-            <a:r>
-              <a:rPr lang="en-US" sz="900" b="0" kern="1200" dirty="0">
-                <a:solidFill>
-                  <a:schemeClr val="tx1"/>
-                </a:solidFill>
-                <a:effectLst/>
-                <a:latin typeface="Segoe UI Light" pitchFamily="34" charset="0"/>
-                <a:ea typeface="+mn-ea"/>
-                <a:cs typeface="+mn-cs"/>
-              </a:rPr>
-              <a:t>()`. Both methods accept a string parameter of the URL of the file to load and return a JavaScript promise once the file has been loaded.</a:t>
-            </a:r>
-          </a:p>
-          <a:p>
-            <a:br>
-              <a:rPr lang="en-US" sz="900" b="0" kern="1200" dirty="0">
-                <a:solidFill>
-                  <a:schemeClr val="tx1"/>
-                </a:solidFill>
-                <a:effectLst/>
-                <a:latin typeface="Segoe UI Light" pitchFamily="34" charset="0"/>
-                <a:ea typeface="+mn-ea"/>
-                <a:cs typeface="+mn-cs"/>
-              </a:rPr>
-            </a:br>
-            <a:r>
-              <a:rPr lang="en-US" sz="900" b="0" kern="1200" dirty="0">
-                <a:solidFill>
-                  <a:schemeClr val="tx1"/>
-                </a:solidFill>
-                <a:effectLst/>
-                <a:latin typeface="Segoe UI Light" pitchFamily="34" charset="0"/>
-                <a:ea typeface="+mn-ea"/>
-                <a:cs typeface="+mn-cs"/>
-              </a:rPr>
-              <a:t>The `</a:t>
-            </a:r>
-            <a:r>
-              <a:rPr lang="en-US" sz="900" b="0" kern="1200" dirty="0" err="1">
-                <a:solidFill>
-                  <a:schemeClr val="tx1"/>
-                </a:solidFill>
-                <a:effectLst/>
-                <a:latin typeface="Segoe UI Light" pitchFamily="34" charset="0"/>
-                <a:ea typeface="+mn-ea"/>
-                <a:cs typeface="+mn-cs"/>
-              </a:rPr>
-              <a:t>loadScript</a:t>
-            </a:r>
-            <a:r>
-              <a:rPr lang="en-US" sz="900" b="0" kern="1200" dirty="0">
-                <a:solidFill>
-                  <a:schemeClr val="tx1"/>
-                </a:solidFill>
-                <a:effectLst/>
-                <a:latin typeface="Segoe UI Light" pitchFamily="34" charset="0"/>
-                <a:ea typeface="+mn-ea"/>
-                <a:cs typeface="+mn-cs"/>
-              </a:rPr>
-              <a:t>()` method accepts a second parameter that you can use to specify the object that the script should be assigned to when it is exported.</a:t>
-            </a:r>
-          </a:p>
-          <a:p>
-            <a:br>
-              <a:rPr lang="en-US" sz="900" b="0" kern="1200" dirty="0">
-                <a:solidFill>
-                  <a:schemeClr val="tx1"/>
-                </a:solidFill>
-                <a:effectLst/>
-                <a:latin typeface="Segoe UI Light" pitchFamily="34" charset="0"/>
-                <a:ea typeface="+mn-ea"/>
-                <a:cs typeface="+mn-cs"/>
-              </a:rPr>
-            </a:br>
-            <a:r>
-              <a:rPr lang="en-US" sz="900" b="0" kern="1200" dirty="0">
-                <a:solidFill>
-                  <a:schemeClr val="tx1"/>
-                </a:solidFill>
-                <a:effectLst/>
-                <a:latin typeface="Segoe UI Light" pitchFamily="34" charset="0"/>
-                <a:ea typeface="+mn-ea"/>
-                <a:cs typeface="+mn-cs"/>
-              </a:rPr>
-              <a:t>Notice how the `</a:t>
-            </a:r>
-            <a:r>
-              <a:rPr lang="en-US" sz="900" b="0" kern="1200" dirty="0" err="1">
-                <a:solidFill>
-                  <a:schemeClr val="tx1"/>
-                </a:solidFill>
-                <a:effectLst/>
-                <a:latin typeface="Segoe UI Light" pitchFamily="34" charset="0"/>
-                <a:ea typeface="+mn-ea"/>
-                <a:cs typeface="+mn-cs"/>
-              </a:rPr>
-              <a:t>SPComponentLoader</a:t>
-            </a:r>
-            <a:r>
-              <a:rPr lang="en-US" sz="900" b="0" kern="1200" dirty="0">
-                <a:solidFill>
-                  <a:schemeClr val="tx1"/>
-                </a:solidFill>
-                <a:effectLst/>
-                <a:latin typeface="Segoe UI Light" pitchFamily="34" charset="0"/>
-                <a:ea typeface="+mn-ea"/>
-                <a:cs typeface="+mn-cs"/>
-              </a:rPr>
-              <a:t>` is wrapped in the `if (!</a:t>
-            </a:r>
-            <a:r>
-              <a:rPr lang="en-US" sz="900" b="0" kern="1200" dirty="0" err="1">
-                <a:solidFill>
-                  <a:schemeClr val="tx1"/>
-                </a:solidFill>
-                <a:effectLst/>
-                <a:latin typeface="Segoe UI Light" pitchFamily="34" charset="0"/>
-                <a:ea typeface="+mn-ea"/>
-                <a:cs typeface="+mn-cs"/>
-              </a:rPr>
-              <a:t>this.renderedOnce</a:t>
-            </a:r>
-            <a:r>
-              <a:rPr lang="en-US" sz="900" b="0" kern="1200" dirty="0">
-                <a:solidFill>
-                  <a:schemeClr val="tx1"/>
-                </a:solidFill>
-                <a:effectLst/>
-                <a:latin typeface="Segoe UI Light" pitchFamily="34" charset="0"/>
-                <a:ea typeface="+mn-ea"/>
-                <a:cs typeface="+mn-cs"/>
-              </a:rPr>
-              <a:t>)` clause. The `render` function of client-side web parts is called initially whenever a web part is added to the page, but also every time a web part property is changed in the property pane. Because we only want to load the scripts with the `</a:t>
-            </a:r>
-            <a:r>
-              <a:rPr lang="en-US" sz="900" b="0" kern="1200" dirty="0" err="1">
-                <a:solidFill>
-                  <a:schemeClr val="tx1"/>
-                </a:solidFill>
-                <a:effectLst/>
-                <a:latin typeface="Segoe UI Light" pitchFamily="34" charset="0"/>
-                <a:ea typeface="+mn-ea"/>
-                <a:cs typeface="+mn-cs"/>
-              </a:rPr>
-              <a:t>SPComponentLoader</a:t>
-            </a:r>
-            <a:r>
-              <a:rPr lang="en-US" sz="900" b="0" kern="1200" dirty="0">
-                <a:solidFill>
-                  <a:schemeClr val="tx1"/>
-                </a:solidFill>
-                <a:effectLst/>
-                <a:latin typeface="Segoe UI Light" pitchFamily="34" charset="0"/>
-                <a:ea typeface="+mn-ea"/>
-                <a:cs typeface="+mn-cs"/>
-              </a:rPr>
-              <a:t>` one time, we use the `</a:t>
-            </a:r>
-            <a:r>
-              <a:rPr lang="en-US" sz="900" b="0" kern="1200" dirty="0" err="1">
-                <a:solidFill>
-                  <a:schemeClr val="tx1"/>
-                </a:solidFill>
-                <a:effectLst/>
-                <a:latin typeface="Segoe UI Light" pitchFamily="34" charset="0"/>
-                <a:ea typeface="+mn-ea"/>
-                <a:cs typeface="+mn-cs"/>
-              </a:rPr>
-              <a:t>renderedOnce</a:t>
-            </a:r>
-            <a:r>
-              <a:rPr lang="en-US" sz="900" b="0" kern="1200" dirty="0">
-                <a:solidFill>
-                  <a:schemeClr val="tx1"/>
-                </a:solidFill>
-                <a:effectLst/>
-                <a:latin typeface="Segoe UI Light" pitchFamily="34" charset="0"/>
-                <a:ea typeface="+mn-ea"/>
-                <a:cs typeface="+mn-cs"/>
-              </a:rPr>
-              <a:t>` property to verify that the web part is rendering initially and then load the required modules.</a:t>
-            </a:r>
-          </a:p>
-          <a:p>
-            <a:br>
-              <a:rPr lang="en-US" sz="900" b="0" kern="1200" dirty="0">
-                <a:solidFill>
-                  <a:schemeClr val="tx1"/>
-                </a:solidFill>
-                <a:effectLst/>
-                <a:latin typeface="Segoe UI Light" pitchFamily="34" charset="0"/>
-                <a:ea typeface="+mn-ea"/>
-                <a:cs typeface="+mn-cs"/>
-              </a:rPr>
-            </a:br>
-            <a:r>
-              <a:rPr lang="en-US" sz="900" b="0" kern="1200" dirty="0">
-                <a:solidFill>
-                  <a:schemeClr val="tx1"/>
-                </a:solidFill>
-                <a:effectLst/>
-                <a:latin typeface="Segoe UI Light" pitchFamily="34" charset="0"/>
-                <a:ea typeface="+mn-ea"/>
-                <a:cs typeface="+mn-cs"/>
-              </a:rPr>
-              <a:t>When loading jQuery using the `</a:t>
-            </a:r>
-            <a:r>
-              <a:rPr lang="en-US" sz="900" b="0" kern="1200" dirty="0" err="1">
-                <a:solidFill>
-                  <a:schemeClr val="tx1"/>
-                </a:solidFill>
-                <a:effectLst/>
-                <a:latin typeface="Segoe UI Light" pitchFamily="34" charset="0"/>
-                <a:ea typeface="+mn-ea"/>
-                <a:cs typeface="+mn-cs"/>
-              </a:rPr>
-              <a:t>SPComponentLoader</a:t>
-            </a:r>
-            <a:r>
-              <a:rPr lang="en-US" sz="900" b="0" kern="1200" dirty="0">
-                <a:solidFill>
-                  <a:schemeClr val="tx1"/>
-                </a:solidFill>
-                <a:effectLst/>
-                <a:latin typeface="Segoe UI Light" pitchFamily="34" charset="0"/>
-                <a:ea typeface="+mn-ea"/>
-                <a:cs typeface="+mn-cs"/>
-              </a:rPr>
-              <a:t>`, we load it as a global script associated with the `jQuery` variable.</a:t>
-            </a:r>
-          </a:p>
-          <a:p>
-            <a:br>
-              <a:rPr lang="en-US" sz="900" b="0" kern="1200" dirty="0">
-                <a:solidFill>
-                  <a:schemeClr val="tx1"/>
-                </a:solidFill>
-                <a:effectLst/>
-                <a:latin typeface="Segoe UI Light" pitchFamily="34" charset="0"/>
-                <a:ea typeface="+mn-ea"/>
-                <a:cs typeface="+mn-cs"/>
-              </a:rPr>
-            </a:br>
-            <a:r>
-              <a:rPr lang="en-US" sz="900" b="0" kern="1200" dirty="0">
-                <a:solidFill>
-                  <a:schemeClr val="tx1"/>
-                </a:solidFill>
-                <a:effectLst/>
-                <a:latin typeface="Segoe UI Light" pitchFamily="34" charset="0"/>
-                <a:ea typeface="+mn-ea"/>
-                <a:cs typeface="+mn-cs"/>
-              </a:rPr>
-              <a:t>Notice that after loading the jQuery library and before loading a CSS file for the jQuery UI project, we store the reference to jQuery in the `</a:t>
-            </a:r>
-            <a:r>
-              <a:rPr lang="en-US" sz="900" b="0" kern="1200" dirty="0" err="1">
-                <a:solidFill>
-                  <a:schemeClr val="tx1"/>
-                </a:solidFill>
-                <a:effectLst/>
-                <a:latin typeface="Segoe UI Light" pitchFamily="34" charset="0"/>
-                <a:ea typeface="+mn-ea"/>
-                <a:cs typeface="+mn-cs"/>
-              </a:rPr>
-              <a:t>this.jQuery</a:t>
-            </a:r>
-            <a:r>
-              <a:rPr lang="en-US" sz="900" b="0" kern="1200" dirty="0">
-                <a:solidFill>
-                  <a:schemeClr val="tx1"/>
-                </a:solidFill>
-                <a:effectLst/>
-                <a:latin typeface="Segoe UI Light" pitchFamily="34" charset="0"/>
-                <a:ea typeface="+mn-ea"/>
-                <a:cs typeface="+mn-cs"/>
-              </a:rPr>
-              <a:t>` variable.</a:t>
-            </a:r>
-          </a:p>
-          <a:p>
-            <a:br>
-              <a:rPr lang="en-US" sz="900" b="0" kern="1200" dirty="0">
-                <a:solidFill>
-                  <a:schemeClr val="tx1"/>
-                </a:solidFill>
-                <a:effectLst/>
-                <a:latin typeface="Segoe UI Light" pitchFamily="34" charset="0"/>
-                <a:ea typeface="+mn-ea"/>
-                <a:cs typeface="+mn-cs"/>
-              </a:rPr>
-            </a:br>
-            <a:endParaRPr lang="en-US" sz="900" b="0" kern="1200" dirty="0">
-              <a:solidFill>
-                <a:schemeClr val="tx1"/>
-              </a:solidFill>
-              <a:effectLst/>
-              <a:latin typeface="Segoe UI Light" pitchFamily="34" charset="0"/>
-              <a:ea typeface="+mn-ea"/>
-              <a:cs typeface="+mn-cs"/>
-            </a:endParaRPr>
-          </a:p>
-          <a:p>
-            <a:endParaRPr lang="en-US" sz="900" b="0" kern="1200" dirty="0">
-              <a:solidFill>
-                <a:schemeClr val="tx1"/>
-              </a:solidFill>
-              <a:effectLst/>
-              <a:latin typeface="Segoe UI Light" pitchFamily="34" charset="0"/>
-              <a:ea typeface="+mn-ea"/>
-              <a:cs typeface="+mn-cs"/>
-            </a:endParaRPr>
+            <a:endParaRPr lang="en-US"/>
           </a:p>
         </p:txBody>
       </p:sp>
@@ -3412,10 +3259,6 @@
           <a:bodyPr/>
           <a:lstStyle/>
           <a:p>
-            <a:r>
-              <a:rPr lang="en-US"/>
-              <a:t>SharePoint</a:t>
-            </a:r>
             <a:endParaRPr lang="en-US" dirty="0"/>
           </a:p>
         </p:txBody>
@@ -3435,7 +3278,7 @@
           <a:bodyPr/>
           <a:lstStyle/>
           <a:p>
-            <a:pPr defTabSz="924154" eaLnBrk="0" hangingPunct="0"/>
+            <a:pPr defTabSz="914099" eaLnBrk="0" hangingPunct="0"/>
             <a:r>
               <a:rPr lang="en-US" sz="400">
                 <a:gradFill>
@@ -3453,7 +3296,7 @@
                 <a:ea typeface="Segoe UI" pitchFamily="34" charset="0"/>
                 <a:cs typeface="Segoe UI" pitchFamily="34" charset="0"/>
               </a:rPr>
-              <a:t>© 2016 Microsoft Corporation. All rights reserved. MICROSOFT MAKES NO WARRANTIES, EXPRESS, IMPLIED OR STATUTORY, AS TO THE INFORMATION IN THIS PRESENTATION.</a:t>
+              <a:t>© Microsoft Corporation. All rights reserved. MICROSOFT MAKES NO WARRANTIES, EXPRESS, IMPLIED OR STATUTORY, AS TO THE INFORMATION IN THIS PRESENTATION.</a:t>
             </a:r>
             <a:endParaRPr lang="en-US" sz="400" dirty="0">
               <a:gradFill>
@@ -3476,12 +3319,35 @@
       </p:sp>
       <p:sp>
         <p:nvSpPr>
-          <p:cNvPr id="6" name="Slide Number Placeholder 5"/>
+          <p:cNvPr id="6" name="Date Placeholder 5"/>
           <p:cNvSpPr>
             <a:spLocks noGrp="1"/>
           </p:cNvSpPr>
           <p:nvPr>
-            <p:ph type="sldNum" sz="quarter" idx="12"/>
+            <p:ph type="dt" idx="12"/>
+          </p:nvPr>
+        </p:nvSpPr>
+        <p:spPr/>
+        <p:txBody>
+          <a:bodyPr/>
+          <a:lstStyle/>
+          <a:p>
+            <a:fld id="{D18B56EA-E28F-4F92-9F16-7A6F2501B303}" type="datetime8">
+              <a:rPr lang="en-US" smtClean="0"/>
+              <a:t>10/23/2021 8:58 AM</a:t>
+            </a:fld>
+            <a:endParaRPr lang="en-US" dirty="0"/>
+          </a:p>
+        </p:txBody>
+      </p:sp>
+      <p:sp>
+        <p:nvSpPr>
+          <p:cNvPr id="7" name="Slide Number Placeholder 6"/>
+          <p:cNvSpPr>
+            <a:spLocks noGrp="1"/>
+          </p:cNvSpPr>
+          <p:nvPr>
+            <p:ph type="sldNum" sz="quarter" idx="13"/>
           </p:nvPr>
         </p:nvSpPr>
         <p:spPr/>
@@ -3501,7 +3367,7 @@
     </p:spTree>
     <p:extLst>
       <p:ext uri="{BB962C8B-B14F-4D97-AF65-F5344CB8AC3E}">
-        <p14:creationId xmlns:p14="http://schemas.microsoft.com/office/powerpoint/2010/main" val="524509501"/>
+        <p14:creationId xmlns:p14="http://schemas.microsoft.com/office/powerpoint/2010/main" val="3194793939"/>
       </p:ext>
     </p:extLst>
   </p:cSld>
@@ -3649,7 +3515,7 @@
           <a:p>
             <a:fld id="{D18B56EA-E28F-4F92-9F16-7A6F2501B303}" type="datetime8">
               <a:rPr lang="en-US" smtClean="0"/>
-              <a:t>8/22/2020 3:18 PM</a:t>
+              <a:t>10/23/2021 8:58 AM</a:t>
             </a:fld>
             <a:endParaRPr lang="en-US" dirty="0"/>
           </a:p>
@@ -3673,7 +3539,7 @@
             <a:fld id="{B4008EB6-D09E-4580-8CD6-DDB14511944F}" type="slidenum">
               <a:rPr lang="en-US" smtClean="0"/>
               <a:pPr/>
-              <a:t>18</a:t>
+              <a:t>19</a:t>
             </a:fld>
             <a:endParaRPr lang="en-US" dirty="0"/>
           </a:p>
@@ -3682,7 +3548,7 @@
     </p:spTree>
     <p:extLst>
       <p:ext uri="{BB962C8B-B14F-4D97-AF65-F5344CB8AC3E}">
-        <p14:creationId xmlns:p14="http://schemas.microsoft.com/office/powerpoint/2010/main" val="3194793939"/>
+        <p14:creationId xmlns:p14="http://schemas.microsoft.com/office/powerpoint/2010/main" val="2510823477"/>
       </p:ext>
     </p:extLst>
   </p:cSld>
@@ -3830,7 +3696,7 @@
           <a:p>
             <a:fld id="{D18B56EA-E28F-4F92-9F16-7A6F2501B303}" type="datetime8">
               <a:rPr lang="en-US" smtClean="0"/>
-              <a:t>8/22/2020 3:18 PM</a:t>
+              <a:t>10/23/2021 8:58 AM</a:t>
             </a:fld>
             <a:endParaRPr lang="en-US" dirty="0"/>
           </a:p>
@@ -3863,7 +3729,7 @@
     </p:spTree>
     <p:extLst>
       <p:ext uri="{BB962C8B-B14F-4D97-AF65-F5344CB8AC3E}">
-        <p14:creationId xmlns:p14="http://schemas.microsoft.com/office/powerpoint/2010/main" val="2510823477"/>
+        <p14:creationId xmlns:p14="http://schemas.microsoft.com/office/powerpoint/2010/main" val="1685519606"/>
       </p:ext>
     </p:extLst>
   </p:cSld>
@@ -4042,7 +3908,7 @@
           <a:p>
             <a:fld id="{D18B56EA-E28F-4F92-9F16-7A6F2501B303}" type="datetime8">
               <a:rPr lang="en-US" smtClean="0"/>
-              <a:t>8/22/2020 3:18 PM</a:t>
+              <a:t>10/23/2021 8:58 AM</a:t>
             </a:fld>
             <a:endParaRPr lang="en-US" dirty="0"/>
           </a:p>
@@ -4076,187 +3942,6 @@
     <p:extLst>
       <p:ext uri="{BB962C8B-B14F-4D97-AF65-F5344CB8AC3E}">
         <p14:creationId xmlns:p14="http://schemas.microsoft.com/office/powerpoint/2010/main" val="2897042868"/>
-      </p:ext>
-    </p:extLst>
-  </p:cSld>
-  <p:clrMapOvr>
-    <a:masterClrMapping/>
-  </p:clrMapOvr>
-</p:notes>
-</file>
-
-<file path=ppt/notesSlides/notesSlide20.xml><?xml version="1.0" encoding="utf-8"?>
-<p:notes xmlns:a="http://schemas.openxmlformats.org/drawingml/2006/main" xmlns:r="http://schemas.openxmlformats.org/officeDocument/2006/relationships" xmlns:p="http://schemas.openxmlformats.org/presentationml/2006/main">
-  <p:cSld>
-    <p:spTree>
-      <p:nvGrpSpPr>
-        <p:cNvPr id="1" name=""/>
-        <p:cNvGrpSpPr/>
-        <p:nvPr/>
-      </p:nvGrpSpPr>
-      <p:grpSpPr>
-        <a:xfrm>
-          <a:off x="0" y="0"/>
-          <a:ext cx="0" cy="0"/>
-          <a:chOff x="0" y="0"/>
-          <a:chExt cx="0" cy="0"/>
-        </a:xfrm>
-      </p:grpSpPr>
-      <p:sp>
-        <p:nvSpPr>
-          <p:cNvPr id="2" name="Slide Image Placeholder 1"/>
-          <p:cNvSpPr>
-            <a:spLocks noGrp="1" noRot="1" noChangeAspect="1"/>
-          </p:cNvSpPr>
-          <p:nvPr>
-            <p:ph type="sldImg"/>
-          </p:nvPr>
-        </p:nvSpPr>
-        <p:spPr/>
-      </p:sp>
-      <p:sp>
-        <p:nvSpPr>
-          <p:cNvPr id="3" name="Notes Placeholder 2"/>
-          <p:cNvSpPr>
-            <a:spLocks noGrp="1"/>
-          </p:cNvSpPr>
-          <p:nvPr>
-            <p:ph type="body" idx="1"/>
-          </p:nvPr>
-        </p:nvSpPr>
-        <p:spPr/>
-        <p:txBody>
-          <a:bodyPr/>
-          <a:lstStyle/>
-          <a:p>
-            <a:endParaRPr lang="en-US"/>
-          </a:p>
-        </p:txBody>
-      </p:sp>
-      <p:sp>
-        <p:nvSpPr>
-          <p:cNvPr id="4" name="Header Placeholder 3"/>
-          <p:cNvSpPr>
-            <a:spLocks noGrp="1"/>
-          </p:cNvSpPr>
-          <p:nvPr>
-            <p:ph type="hdr" sz="quarter" idx="10"/>
-          </p:nvPr>
-        </p:nvSpPr>
-        <p:spPr/>
-        <p:txBody>
-          <a:bodyPr/>
-          <a:lstStyle/>
-          <a:p>
-            <a:endParaRPr lang="en-US" dirty="0"/>
-          </a:p>
-        </p:txBody>
-      </p:sp>
-      <p:sp>
-        <p:nvSpPr>
-          <p:cNvPr id="5" name="Footer Placeholder 4"/>
-          <p:cNvSpPr>
-            <a:spLocks noGrp="1"/>
-          </p:cNvSpPr>
-          <p:nvPr>
-            <p:ph type="ftr" sz="quarter" idx="11"/>
-          </p:nvPr>
-        </p:nvSpPr>
-        <p:spPr/>
-        <p:txBody>
-          <a:bodyPr/>
-          <a:lstStyle/>
-          <a:p>
-            <a:pPr defTabSz="914099" eaLnBrk="0" hangingPunct="0"/>
-            <a:r>
-              <a:rPr lang="en-US" sz="400">
-                <a:gradFill>
-                  <a:gsLst>
-                    <a:gs pos="0">
-                      <a:prstClr val="black"/>
-                    </a:gs>
-                    <a:gs pos="100000">
-                      <a:prstClr val="black"/>
-                    </a:gs>
-                  </a:gsLst>
-                  <a:lin ang="5400000" scaled="0"/>
-                </a:gradFill>
-                <a:latin typeface="Segoe UI" pitchFamily="34" charset="0"/>
-                <a:ea typeface="Segoe UI" pitchFamily="34" charset="0"/>
-                <a:cs typeface="Segoe UI" pitchFamily="34" charset="0"/>
-              </a:rPr>
-              <a:t>© Microsoft Corporation. All rights reserved. MICROSOFT MAKES NO WARRANTIES, EXPRESS, IMPLIED OR STATUTORY, AS TO THE INFORMATION IN THIS PRESENTATION.</a:t>
-            </a:r>
-            <a:endParaRPr lang="en-US" sz="400" dirty="0">
-              <a:gradFill>
-                <a:gsLst>
-                  <a:gs pos="0">
-                    <a:prstClr val="black"/>
-                  </a:gs>
-                  <a:gs pos="100000">
-                    <a:prstClr val="black"/>
-                  </a:gs>
-                </a:gsLst>
-                <a:lin ang="5400000" scaled="0"/>
-              </a:gradFill>
-              <a:latin typeface="Segoe UI" pitchFamily="34" charset="0"/>
-              <a:ea typeface="Segoe UI" pitchFamily="34" charset="0"/>
-              <a:cs typeface="Segoe UI" pitchFamily="34" charset="0"/>
-            </a:endParaRPr>
-          </a:p>
-        </p:txBody>
-      </p:sp>
-      <p:sp>
-        <p:nvSpPr>
-          <p:cNvPr id="6" name="Date Placeholder 5"/>
-          <p:cNvSpPr>
-            <a:spLocks noGrp="1"/>
-          </p:cNvSpPr>
-          <p:nvPr>
-            <p:ph type="dt" idx="12"/>
-          </p:nvPr>
-        </p:nvSpPr>
-        <p:spPr/>
-        <p:txBody>
-          <a:bodyPr/>
-          <a:lstStyle/>
-          <a:p>
-            <a:fld id="{D18B56EA-E28F-4F92-9F16-7A6F2501B303}" type="datetime8">
-              <a:rPr lang="en-US" smtClean="0"/>
-              <a:t>8/22/2020 3:18 PM</a:t>
-            </a:fld>
-            <a:endParaRPr lang="en-US" dirty="0"/>
-          </a:p>
-        </p:txBody>
-      </p:sp>
-      <p:sp>
-        <p:nvSpPr>
-          <p:cNvPr id="7" name="Slide Number Placeholder 6"/>
-          <p:cNvSpPr>
-            <a:spLocks noGrp="1"/>
-          </p:cNvSpPr>
-          <p:nvPr>
-            <p:ph type="sldNum" sz="quarter" idx="13"/>
-          </p:nvPr>
-        </p:nvSpPr>
-        <p:spPr/>
-        <p:txBody>
-          <a:bodyPr/>
-          <a:lstStyle/>
-          <a:p>
-            <a:fld id="{B4008EB6-D09E-4580-8CD6-DDB14511944F}" type="slidenum">
-              <a:rPr lang="en-US" smtClean="0"/>
-              <a:pPr/>
-              <a:t>21</a:t>
-            </a:fld>
-            <a:endParaRPr lang="en-US" dirty="0"/>
-          </a:p>
-        </p:txBody>
-      </p:sp>
-    </p:spTree>
-    <p:extLst>
-      <p:ext uri="{BB962C8B-B14F-4D97-AF65-F5344CB8AC3E}">
-        <p14:creationId xmlns:p14="http://schemas.microsoft.com/office/powerpoint/2010/main" val="1685519606"/>
       </p:ext>
     </p:extLst>
   </p:cSld>
@@ -4420,7 +4105,7 @@
           <a:p>
             <a:fld id="{D18B56EA-E28F-4F92-9F16-7A6F2501B303}" type="datetime8">
               <a:rPr lang="en-US" smtClean="0"/>
-              <a:t>8/22/2020 3:18 PM</a:t>
+              <a:t>10/23/2021 8:58 AM</a:t>
             </a:fld>
             <a:endParaRPr lang="en-US" dirty="0"/>
           </a:p>
@@ -4768,7 +4453,7 @@
           <a:p>
             <a:fld id="{D18B56EA-E28F-4F92-9F16-7A6F2501B303}" type="datetime8">
               <a:rPr lang="en-US" smtClean="0"/>
-              <a:t>8/22/2020 3:22 PM</a:t>
+              <a:t>10/23/2021 8:58 AM</a:t>
             </a:fld>
             <a:endParaRPr lang="en-US" dirty="0"/>
           </a:p>
@@ -5910,7 +5595,7 @@
           <a:p>
             <a:fld id="{D18B56EA-E28F-4F92-9F16-7A6F2501B303}" type="datetime8">
               <a:rPr lang="en-US" smtClean="0"/>
-              <a:t>8/22/2020 3:18 PM</a:t>
+              <a:t>10/23/2021 8:58 AM</a:t>
             </a:fld>
             <a:endParaRPr lang="en-US" dirty="0"/>
           </a:p>
@@ -18711,6 +18396,66 @@
           <a:chExt cx="0" cy="0"/>
         </a:xfrm>
       </p:grpSpPr>
+      <p:pic>
+        <p:nvPicPr>
+          <p:cNvPr id="9" name="Picture 8" descr="Graphical user interface&#10;&#10;Description automatically generated">
+            <a:extLst>
+              <a:ext uri="{FF2B5EF4-FFF2-40B4-BE49-F238E27FC236}">
+                <a16:creationId xmlns:a16="http://schemas.microsoft.com/office/drawing/2014/main" id="{8154FA28-0DF5-4A73-9381-10493A7D9CC5}"/>
+              </a:ext>
+            </a:extLst>
+          </p:cNvPr>
+          <p:cNvPicPr>
+            <a:picLocks noChangeAspect="1"/>
+          </p:cNvPicPr>
+          <p:nvPr/>
+        </p:nvPicPr>
+        <p:blipFill>
+          <a:blip r:embed="rId3"/>
+          <a:stretch>
+            <a:fillRect/>
+          </a:stretch>
+        </p:blipFill>
+        <p:spPr>
+          <a:xfrm>
+            <a:off x="5489633" y="1409242"/>
+            <a:ext cx="6672733" cy="3619958"/>
+          </a:xfrm>
+          <a:prstGeom prst="rect">
+            <a:avLst/>
+          </a:prstGeom>
+        </p:spPr>
+      </p:pic>
+      <p:pic>
+        <p:nvPicPr>
+          <p:cNvPr id="4" name="Picture 3" descr="Graphical user interface, application&#10;&#10;Description automatically generated">
+            <a:extLst>
+              <a:ext uri="{FF2B5EF4-FFF2-40B4-BE49-F238E27FC236}">
+                <a16:creationId xmlns:a16="http://schemas.microsoft.com/office/drawing/2014/main" id="{259C9324-7A92-458B-AA33-C73160B2291B}"/>
+              </a:ext>
+            </a:extLst>
+          </p:cNvPr>
+          <p:cNvPicPr>
+            <a:picLocks noChangeAspect="1"/>
+          </p:cNvPicPr>
+          <p:nvPr/>
+        </p:nvPicPr>
+        <p:blipFill>
+          <a:blip r:embed="rId4"/>
+          <a:stretch>
+            <a:fillRect/>
+          </a:stretch>
+        </p:blipFill>
+        <p:spPr>
+          <a:xfrm>
+            <a:off x="340525" y="1409242"/>
+            <a:ext cx="4915855" cy="4043291"/>
+          </a:xfrm>
+          <a:prstGeom prst="rect">
+            <a:avLst/>
+          </a:prstGeom>
+        </p:spPr>
+      </p:pic>
       <p:sp>
         <p:nvSpPr>
           <p:cNvPr id="3" name="Title 2"/>
@@ -18772,82 +18517,6 @@
           </a:p>
         </p:txBody>
       </p:sp>
-      <p:pic>
-        <p:nvPicPr>
-          <p:cNvPr id="7" name="Picture 6">
-            <a:extLst>
-              <a:ext uri="{FF2B5EF4-FFF2-40B4-BE49-F238E27FC236}">
-                <a16:creationId xmlns:a16="http://schemas.microsoft.com/office/drawing/2014/main" id="{81745E23-457F-486B-86CA-B6F8A2619286}"/>
-              </a:ext>
-            </a:extLst>
-          </p:cNvPr>
-          <p:cNvPicPr>
-            <a:picLocks noChangeAspect="1"/>
-          </p:cNvPicPr>
-          <p:nvPr/>
-        </p:nvPicPr>
-        <p:blipFill>
-          <a:blip r:embed="rId3"/>
-          <a:stretch>
-            <a:fillRect/>
-          </a:stretch>
-        </p:blipFill>
-        <p:spPr>
-          <a:xfrm>
-            <a:off x="340525" y="1409242"/>
-            <a:ext cx="5725311" cy="2932137"/>
-          </a:xfrm>
-          <a:prstGeom prst="rect">
-            <a:avLst/>
-          </a:prstGeom>
-          <a:ln>
-            <a:solidFill>
-              <a:schemeClr val="tx1">
-                <a:lumMod val="25000"/>
-                <a:lumOff val="75000"/>
-              </a:schemeClr>
-            </a:solidFill>
-          </a:ln>
-        </p:spPr>
-      </p:pic>
-      <p:pic>
-        <p:nvPicPr>
-          <p:cNvPr id="8" name="Picture 7">
-            <a:extLst>
-              <a:ext uri="{FF2B5EF4-FFF2-40B4-BE49-F238E27FC236}">
-                <a16:creationId xmlns:a16="http://schemas.microsoft.com/office/drawing/2014/main" id="{4B911116-DFB6-42D8-B9FC-8F9C27D28B37}"/>
-              </a:ext>
-            </a:extLst>
-          </p:cNvPr>
-          <p:cNvPicPr>
-            <a:picLocks noChangeAspect="1"/>
-          </p:cNvPicPr>
-          <p:nvPr/>
-        </p:nvPicPr>
-        <p:blipFill>
-          <a:blip r:embed="rId4"/>
-          <a:stretch>
-            <a:fillRect/>
-          </a:stretch>
-        </p:blipFill>
-        <p:spPr>
-          <a:xfrm>
-            <a:off x="6251400" y="1409242"/>
-            <a:ext cx="5891101" cy="3322637"/>
-          </a:xfrm>
-          <a:prstGeom prst="rect">
-            <a:avLst/>
-          </a:prstGeom>
-          <a:ln>
-            <a:solidFill>
-              <a:schemeClr val="tx1">
-                <a:lumMod val="25000"/>
-                <a:lumOff val="75000"/>
-              </a:schemeClr>
-            </a:solidFill>
-          </a:ln>
-        </p:spPr>
-      </p:pic>
     </p:spTree>
     <p:extLst>
       <p:ext uri="{BB962C8B-B14F-4D97-AF65-F5344CB8AC3E}">
@@ -18894,22 +18563,12 @@
         <p:spPr>
           <a:xfrm>
             <a:off x="274638" y="1212850"/>
-            <a:ext cx="11887200" cy="3268587"/>
+            <a:ext cx="11887200" cy="2862322"/>
           </a:xfrm>
         </p:spPr>
         <p:txBody>
           <a:bodyPr/>
           <a:lstStyle/>
-          <a:p>
-            <a:r>
-              <a:rPr lang="en-US" altLang="zh-CN" dirty="0"/>
-              <a:t>A</a:t>
-            </a:r>
-            <a:r>
-              <a:rPr lang="en-US" dirty="0"/>
-              <a:t>vailable with mock data in local Workbench</a:t>
-            </a:r>
-          </a:p>
           <a:p>
             <a:r>
               <a:rPr lang="en-US" altLang="zh-CN" dirty="0"/>
@@ -19057,131 +18716,80 @@
       </p:grpSpPr>
       <p:sp>
         <p:nvSpPr>
-          <p:cNvPr id="3" name="Title 2"/>
+          <p:cNvPr id="2" name="Text Placeholder 1"/>
           <p:cNvSpPr>
             <a:spLocks noGrp="1"/>
           </p:cNvSpPr>
           <p:nvPr>
-            <p:ph type="title"/>
-          </p:nvPr>
-        </p:nvSpPr>
-        <p:spPr/>
+            <p:ph type="body" sz="quarter" idx="10"/>
+          </p:nvPr>
+        </p:nvSpPr>
+        <p:spPr>
+          <a:xfrm>
+            <a:off x="464400" y="1212850"/>
+            <a:ext cx="11574000" cy="1431161"/>
+          </a:xfrm>
+        </p:spPr>
         <p:txBody>
           <a:bodyPr/>
           <a:lstStyle/>
           <a:p>
             <a:r>
               <a:rPr lang="en-US" dirty="0"/>
-              <a:t>Page Context</a:t>
-            </a:r>
-          </a:p>
-        </p:txBody>
-      </p:sp>
-      <p:sp>
-        <p:nvSpPr>
-          <p:cNvPr id="6" name="TextBox 5"/>
-          <p:cNvSpPr txBox="1"/>
-          <p:nvPr/>
-        </p:nvSpPr>
-        <p:spPr>
-          <a:xfrm>
-            <a:off x="284140" y="1541768"/>
-            <a:ext cx="4943824" cy="517065"/>
-          </a:xfrm>
-          <a:prstGeom prst="rect">
-            <a:avLst/>
-          </a:prstGeom>
-          <a:noFill/>
-        </p:spPr>
-        <p:txBody>
-          <a:bodyPr wrap="square" lIns="182880" tIns="146304" rIns="182880" bIns="146304" rtlCol="0">
-            <a:spAutoFit/>
-          </a:bodyPr>
+              <a:t>Use to determine where a web part is running</a:t>
+            </a:r>
+          </a:p>
+          <a:p>
+            <a:pPr lvl="1"/>
+            <a:r>
+              <a:rPr lang="en-US" dirty="0"/>
+              <a:t>Classic page</a:t>
+            </a:r>
+          </a:p>
+          <a:p>
+            <a:pPr lvl="1"/>
+            <a:r>
+              <a:rPr lang="en-US" dirty="0"/>
+              <a:t>Modern page</a:t>
+            </a:r>
+          </a:p>
+          <a:p>
+            <a:pPr lvl="1"/>
+            <a:r>
+              <a:rPr lang="en-US" dirty="0"/>
+              <a:t>Test harness </a:t>
+            </a:r>
+          </a:p>
+        </p:txBody>
+      </p:sp>
+      <p:sp>
+        <p:nvSpPr>
+          <p:cNvPr id="3" name="Title 2"/>
+          <p:cNvSpPr>
+            <a:spLocks noGrp="1"/>
+          </p:cNvSpPr>
+          <p:nvPr>
+            <p:ph type="title"/>
+          </p:nvPr>
+        </p:nvSpPr>
+        <p:spPr/>
+        <p:txBody>
+          <a:bodyPr/>
           <a:lstStyle/>
           <a:p>
-            <a:pPr>
-              <a:lnSpc>
-                <a:spcPct val="90000"/>
-              </a:lnSpc>
-              <a:spcAft>
-                <a:spcPts val="600"/>
-              </a:spcAft>
-            </a:pPr>
-            <a:r>
-              <a:rPr lang="en-US" sz="1600" dirty="0">
-                <a:gradFill>
-                  <a:gsLst>
-                    <a:gs pos="2917">
-                      <a:schemeClr val="tx1"/>
-                    </a:gs>
-                    <a:gs pos="30000">
-                      <a:schemeClr val="tx1"/>
-                    </a:gs>
-                  </a:gsLst>
-                  <a:lin ang="5400000" scaled="0"/>
-                </a:gradFill>
-              </a:rPr>
-              <a:t>Web part running in the local Workbench</a:t>
-            </a:r>
-          </a:p>
-        </p:txBody>
-      </p:sp>
-      <p:sp>
-        <p:nvSpPr>
-          <p:cNvPr id="7" name="TextBox 6"/>
-          <p:cNvSpPr txBox="1"/>
-          <p:nvPr/>
-        </p:nvSpPr>
-        <p:spPr>
-          <a:xfrm>
-            <a:off x="5419586" y="1541769"/>
-            <a:ext cx="6607472" cy="517065"/>
-          </a:xfrm>
-          <a:prstGeom prst="rect">
-            <a:avLst/>
-          </a:prstGeom>
-          <a:noFill/>
-        </p:spPr>
-        <p:txBody>
-          <a:bodyPr wrap="square" lIns="182880" tIns="146304" rIns="182880" bIns="146304" rtlCol="0">
-            <a:spAutoFit/>
-          </a:bodyPr>
-          <a:lstStyle/>
-          <a:p>
-            <a:pPr>
-              <a:lnSpc>
-                <a:spcPct val="90000"/>
-              </a:lnSpc>
-              <a:spcAft>
-                <a:spcPts val="600"/>
-              </a:spcAft>
-            </a:pPr>
-            <a:r>
-              <a:rPr lang="en-US" sz="1600" dirty="0"/>
-              <a:t>Web part in the SharePoint Workbench, a modern, or a classic page</a:t>
-            </a:r>
-            <a:endParaRPr lang="en-US" sz="2000" dirty="0">
-              <a:gradFill>
-                <a:gsLst>
-                  <a:gs pos="2917">
-                    <a:schemeClr val="tx1"/>
-                  </a:gs>
-                  <a:gs pos="30000">
-                    <a:schemeClr val="tx1"/>
-                  </a:gs>
-                </a:gsLst>
-                <a:lin ang="5400000" scaled="0"/>
-              </a:gradFill>
-            </a:endParaRPr>
+            <a:r>
+              <a:rPr lang="en-US" dirty="0"/>
+              <a:t>Environment Type</a:t>
+            </a:r>
           </a:p>
         </p:txBody>
       </p:sp>
       <p:pic>
         <p:nvPicPr>
-          <p:cNvPr id="9" name="Picture 8">
+          <p:cNvPr id="5" name="Picture 4">
             <a:extLst>
               <a:ext uri="{FF2B5EF4-FFF2-40B4-BE49-F238E27FC236}">
-                <a16:creationId xmlns:a16="http://schemas.microsoft.com/office/drawing/2014/main" id="{24CE407E-3FCD-4521-AF16-DC102A7A6607}"/>
+                <a16:creationId xmlns:a16="http://schemas.microsoft.com/office/drawing/2014/main" id="{9130EEF7-AE2A-4B11-A4BC-430E18BF07D9}"/>
               </a:ext>
             </a:extLst>
           </p:cNvPr>
@@ -19198,38 +18806,8 @@
         </p:blipFill>
         <p:spPr>
           <a:xfrm>
-            <a:off x="465138" y="2133016"/>
-            <a:ext cx="4551362" cy="3277511"/>
-          </a:xfrm>
-          <a:prstGeom prst="rect">
-            <a:avLst/>
-          </a:prstGeom>
-        </p:spPr>
-      </p:pic>
-      <p:pic>
-        <p:nvPicPr>
-          <p:cNvPr id="10" name="Picture 9">
-            <a:extLst>
-              <a:ext uri="{FF2B5EF4-FFF2-40B4-BE49-F238E27FC236}">
-                <a16:creationId xmlns:a16="http://schemas.microsoft.com/office/drawing/2014/main" id="{DFCE0873-4A67-42AA-AA1A-7F1CD8218851}"/>
-              </a:ext>
-            </a:extLst>
-          </p:cNvPr>
-          <p:cNvPicPr>
-            <a:picLocks noChangeAspect="1"/>
-          </p:cNvPicPr>
-          <p:nvPr/>
-        </p:nvPicPr>
-        <p:blipFill>
-          <a:blip r:embed="rId4"/>
-          <a:stretch>
-            <a:fillRect/>
-          </a:stretch>
-        </p:blipFill>
-        <p:spPr>
-          <a:xfrm>
-            <a:off x="5607238" y="2133015"/>
-            <a:ext cx="5156086" cy="3277511"/>
+            <a:off x="1626707" y="3032979"/>
+            <a:ext cx="9183059" cy="1566582"/>
           </a:xfrm>
           <a:prstGeom prst="rect">
             <a:avLst/>
@@ -19239,7 +18817,7 @@
     </p:spTree>
     <p:extLst>
       <p:ext uri="{BB962C8B-B14F-4D97-AF65-F5344CB8AC3E}">
-        <p14:creationId xmlns:p14="http://schemas.microsoft.com/office/powerpoint/2010/main" val="4202353257"/>
+        <p14:creationId xmlns:p14="http://schemas.microsoft.com/office/powerpoint/2010/main" val="2343443474"/>
       </p:ext>
     </p:extLst>
   </p:cSld>
@@ -19271,12 +18849,12 @@
       </p:grpSpPr>
       <p:sp>
         <p:nvSpPr>
-          <p:cNvPr id="2" name="Text Placeholder 1"/>
+          <p:cNvPr id="3" name="Title 2"/>
           <p:cNvSpPr>
             <a:spLocks noGrp="1"/>
           </p:cNvSpPr>
           <p:nvPr>
-            <p:ph type="body" sz="quarter" idx="10"/>
+            <p:ph type="title"/>
           </p:nvPr>
         </p:nvSpPr>
         <p:spPr/>
@@ -19286,53 +18864,145 @@
           <a:p>
             <a:r>
               <a:rPr lang="en-US" dirty="0"/>
-              <a:t>Use to determine where a web part is running</a:t>
-            </a:r>
-          </a:p>
-          <a:p>
-            <a:pPr lvl="1"/>
-            <a:r>
-              <a:rPr lang="en-US" dirty="0"/>
-              <a:t>Local environment (aka: local workbench)</a:t>
-            </a:r>
-          </a:p>
-          <a:p>
-            <a:pPr lvl="1"/>
-            <a:r>
-              <a:rPr lang="en-US" dirty="0"/>
-              <a:t>Real SharePoint environment (aka: hosted workbench)</a:t>
-            </a:r>
-          </a:p>
-        </p:txBody>
-      </p:sp>
-      <p:sp>
-        <p:nvSpPr>
-          <p:cNvPr id="3" name="Title 2"/>
-          <p:cNvSpPr>
-            <a:spLocks noGrp="1"/>
-          </p:cNvSpPr>
-          <p:nvPr>
-            <p:ph type="title"/>
-          </p:nvPr>
-        </p:nvSpPr>
-        <p:spPr/>
-        <p:txBody>
-          <a:bodyPr/>
+              <a:t>Environment Type</a:t>
+            </a:r>
+          </a:p>
+        </p:txBody>
+      </p:sp>
+      <p:sp>
+        <p:nvSpPr>
+          <p:cNvPr id="9" name="Rectangle 8"/>
+          <p:cNvSpPr/>
+          <p:nvPr/>
+        </p:nvSpPr>
+        <p:spPr>
+          <a:xfrm>
+            <a:off x="352754" y="1464159"/>
+            <a:ext cx="3683957" cy="341632"/>
+          </a:xfrm>
+          <a:prstGeom prst="rect">
+            <a:avLst/>
+          </a:prstGeom>
+        </p:spPr>
+        <p:txBody>
+          <a:bodyPr wrap="none">
+            <a:spAutoFit/>
+          </a:bodyPr>
           <a:lstStyle/>
           <a:p>
-            <a:r>
-              <a:rPr lang="en-US" dirty="0"/>
-              <a:t>Environment Type</a:t>
+            <a:pPr>
+              <a:lnSpc>
+                <a:spcPct val="90000"/>
+              </a:lnSpc>
+              <a:spcAft>
+                <a:spcPts val="600"/>
+              </a:spcAft>
+            </a:pPr>
+            <a:r>
+              <a:rPr lang="en-US" dirty="0">
+                <a:gradFill>
+                  <a:gsLst>
+                    <a:gs pos="2917">
+                      <a:schemeClr val="tx1"/>
+                    </a:gs>
+                    <a:gs pos="30000">
+                      <a:schemeClr val="tx1"/>
+                    </a:gs>
+                  </a:gsLst>
+                  <a:lin ang="5400000" scaled="0"/>
+                </a:gradFill>
+              </a:rPr>
+              <a:t>Web part running in a classic page</a:t>
+            </a:r>
+          </a:p>
+        </p:txBody>
+      </p:sp>
+      <p:sp>
+        <p:nvSpPr>
+          <p:cNvPr id="12" name="Rectangle 11"/>
+          <p:cNvSpPr/>
+          <p:nvPr/>
+        </p:nvSpPr>
+        <p:spPr>
+          <a:xfrm>
+            <a:off x="5654731" y="1471502"/>
+            <a:ext cx="6509472" cy="341632"/>
+          </a:xfrm>
+          <a:prstGeom prst="rect">
+            <a:avLst/>
+          </a:prstGeom>
+        </p:spPr>
+        <p:txBody>
+          <a:bodyPr wrap="square">
+            <a:spAutoFit/>
+          </a:bodyPr>
+          <a:lstStyle/>
+          <a:p>
+            <a:pPr>
+              <a:lnSpc>
+                <a:spcPct val="90000"/>
+              </a:lnSpc>
+              <a:spcAft>
+                <a:spcPts val="600"/>
+              </a:spcAft>
+            </a:pPr>
+            <a:r>
+              <a:rPr lang="en-US" dirty="0">
+                <a:gradFill>
+                  <a:gsLst>
+                    <a:gs pos="2917">
+                      <a:schemeClr val="tx1"/>
+                    </a:gs>
+                    <a:gs pos="30000">
+                      <a:schemeClr val="tx1"/>
+                    </a:gs>
+                  </a:gsLst>
+                  <a:lin ang="5400000" scaled="0"/>
+                </a:gradFill>
+              </a:rPr>
+              <a:t>Web part running </a:t>
+            </a:r>
+            <a:r>
+              <a:rPr lang="en-US" altLang="zh-CN" dirty="0">
+                <a:gradFill>
+                  <a:gsLst>
+                    <a:gs pos="2917">
+                      <a:schemeClr val="tx1"/>
+                    </a:gs>
+                    <a:gs pos="30000">
+                      <a:schemeClr val="tx1"/>
+                    </a:gs>
+                  </a:gsLst>
+                  <a:lin ang="5400000" scaled="0"/>
+                </a:gradFill>
+              </a:rPr>
+              <a:t>in</a:t>
+            </a:r>
+            <a:r>
+              <a:rPr lang="en-US" dirty="0">
+                <a:gradFill>
+                  <a:gsLst>
+                    <a:gs pos="2917">
+                      <a:schemeClr val="tx1"/>
+                    </a:gs>
+                    <a:gs pos="30000">
+                      <a:schemeClr val="tx1"/>
+                    </a:gs>
+                  </a:gsLst>
+                  <a:lin ang="5400000" scaled="0"/>
+                </a:gradFill>
+              </a:rPr>
+              <a:t> a modern page</a:t>
             </a:r>
           </a:p>
         </p:txBody>
       </p:sp>
       <p:pic>
         <p:nvPicPr>
-          <p:cNvPr id="7" name="Picture 6">
+          <p:cNvPr id="4" name="Picture 3" descr="Graphical user interface, application&#10;&#10;Description automatically generated">
             <a:extLst>
               <a:ext uri="{FF2B5EF4-FFF2-40B4-BE49-F238E27FC236}">
-                <a16:creationId xmlns:a16="http://schemas.microsoft.com/office/drawing/2014/main" id="{FB5F76F0-044D-C24B-9156-018E14E675BD}"/>
+                <a16:creationId xmlns:a16="http://schemas.microsoft.com/office/drawing/2014/main" id="{F68342AB-2117-4954-BA6C-C66E41E8981C}"/>
               </a:ext>
             </a:extLst>
           </p:cNvPr>
@@ -19349,8 +19019,38 @@
         </p:blipFill>
         <p:spPr>
           <a:xfrm>
-            <a:off x="1744621" y="3037654"/>
-            <a:ext cx="8947231" cy="1687875"/>
+            <a:off x="465138" y="2062433"/>
+            <a:ext cx="4933519" cy="2676434"/>
+          </a:xfrm>
+          <a:prstGeom prst="rect">
+            <a:avLst/>
+          </a:prstGeom>
+        </p:spPr>
+      </p:pic>
+      <p:pic>
+        <p:nvPicPr>
+          <p:cNvPr id="6" name="Picture 5" descr="Graphical user interface, application, website&#10;&#10;Description automatically generated">
+            <a:extLst>
+              <a:ext uri="{FF2B5EF4-FFF2-40B4-BE49-F238E27FC236}">
+                <a16:creationId xmlns:a16="http://schemas.microsoft.com/office/drawing/2014/main" id="{DBFBA495-AC8B-4EAF-ADC7-8EC98DDC3346}"/>
+              </a:ext>
+            </a:extLst>
+          </p:cNvPr>
+          <p:cNvPicPr>
+            <a:picLocks noChangeAspect="1"/>
+          </p:cNvPicPr>
+          <p:nvPr/>
+        </p:nvPicPr>
+        <p:blipFill>
+          <a:blip r:embed="rId4"/>
+          <a:stretch>
+            <a:fillRect/>
+          </a:stretch>
+        </p:blipFill>
+        <p:spPr>
+          <a:xfrm>
+            <a:off x="5654731" y="2062432"/>
+            <a:ext cx="6097002" cy="3543883"/>
           </a:xfrm>
           <a:prstGeom prst="rect">
             <a:avLst/>
@@ -19360,7 +19060,7 @@
     </p:spTree>
     <p:extLst>
       <p:ext uri="{BB962C8B-B14F-4D97-AF65-F5344CB8AC3E}">
-        <p14:creationId xmlns:p14="http://schemas.microsoft.com/office/powerpoint/2010/main" val="2343443474"/>
+        <p14:creationId xmlns:p14="http://schemas.microsoft.com/office/powerpoint/2010/main" val="3331944130"/>
       </p:ext>
     </p:extLst>
   </p:cSld>
@@ -19392,218 +19092,134 @@
       </p:grpSpPr>
       <p:sp>
         <p:nvSpPr>
-          <p:cNvPr id="3" name="Title 2"/>
+          <p:cNvPr id="3" name="Text Placeholder 2"/>
           <p:cNvSpPr>
             <a:spLocks noGrp="1"/>
           </p:cNvSpPr>
           <p:nvPr>
-            <p:ph type="title"/>
-          </p:nvPr>
-        </p:nvSpPr>
-        <p:spPr/>
+            <p:ph type="body" sz="quarter" idx="10"/>
+          </p:nvPr>
+        </p:nvSpPr>
+        <p:spPr>
+          <a:xfrm>
+            <a:off x="464400" y="1212850"/>
+            <a:ext cx="11574000" cy="4275016"/>
+          </a:xfrm>
+        </p:spPr>
         <p:txBody>
           <a:bodyPr/>
           <a:lstStyle/>
           <a:p>
             <a:r>
-              <a:rPr lang="en-US" dirty="0"/>
-              <a:t>Environment Type</a:t>
-            </a:r>
-          </a:p>
-        </p:txBody>
-      </p:sp>
-      <p:sp>
-        <p:nvSpPr>
-          <p:cNvPr id="9" name="Rectangle 8"/>
-          <p:cNvSpPr/>
-          <p:nvPr/>
-        </p:nvSpPr>
-        <p:spPr>
-          <a:xfrm>
-            <a:off x="352754" y="1464159"/>
-            <a:ext cx="4385175" cy="341632"/>
-          </a:xfrm>
-          <a:prstGeom prst="rect">
-            <a:avLst/>
-          </a:prstGeom>
-        </p:spPr>
-        <p:txBody>
-          <a:bodyPr wrap="none">
-            <a:spAutoFit/>
-          </a:bodyPr>
+              <a:rPr lang="en-US" dirty="0" err="1"/>
+              <a:t>SPFx</a:t>
+            </a:r>
+            <a:r>
+              <a:rPr lang="en-US" dirty="0"/>
+              <a:t> includes a built-in logging mechanism</a:t>
+            </a:r>
+          </a:p>
+          <a:p>
+            <a:r>
+              <a:rPr lang="en-US" dirty="0"/>
+              <a:t>All logging is output to the developer dashboard</a:t>
+            </a:r>
+          </a:p>
+          <a:p>
+            <a:r>
+              <a:rPr lang="en-US" dirty="0"/>
+              <a:t>Four static logging methods available</a:t>
+            </a:r>
+          </a:p>
+          <a:p>
+            <a:pPr lvl="1"/>
+            <a:r>
+              <a:rPr lang="en-US" dirty="0"/>
+              <a:t>info : log information</a:t>
+            </a:r>
+          </a:p>
+          <a:p>
+            <a:pPr lvl="1"/>
+            <a:r>
+              <a:rPr lang="en-US" dirty="0"/>
+              <a:t>warn : log warnings</a:t>
+            </a:r>
+          </a:p>
+          <a:p>
+            <a:pPr lvl="1"/>
+            <a:r>
+              <a:rPr lang="en-US" dirty="0"/>
+              <a:t>error : log errors</a:t>
+            </a:r>
+          </a:p>
+          <a:p>
+            <a:pPr lvl="1"/>
+            <a:r>
+              <a:rPr lang="en-US" dirty="0"/>
+              <a:t>verbose : log everything</a:t>
+            </a:r>
+          </a:p>
+          <a:p>
+            <a:r>
+              <a:rPr lang="en-US" dirty="0"/>
+              <a:t>The logging methods share the same signature</a:t>
+            </a:r>
+          </a:p>
+          <a:p>
+            <a:pPr lvl="1"/>
+            <a:r>
+              <a:rPr lang="en-US" dirty="0"/>
+              <a:t>source: the source of the logging information (max 20 characters), such as the method or the class name</a:t>
+            </a:r>
+          </a:p>
+          <a:p>
+            <a:pPr lvl="1"/>
+            <a:r>
+              <a:rPr lang="en-US" dirty="0"/>
+              <a:t>message: the actual message to log (max 100 characters)</a:t>
+            </a:r>
+          </a:p>
+          <a:p>
+            <a:pPr lvl="1"/>
+            <a:r>
+              <a:rPr lang="en-US" dirty="0"/>
+              <a:t>scope: an optional service scope</a:t>
+            </a:r>
+          </a:p>
+          <a:p>
+            <a:r>
+              <a:rPr lang="en-US" dirty="0"/>
+              <a:t>The error method takes an Error object instead of a message string</a:t>
+            </a:r>
+          </a:p>
+        </p:txBody>
+      </p:sp>
+      <p:sp>
+        <p:nvSpPr>
+          <p:cNvPr id="2" name="Title 1"/>
+          <p:cNvSpPr>
+            <a:spLocks noGrp="1"/>
+          </p:cNvSpPr>
+          <p:nvPr>
+            <p:ph type="title"/>
+          </p:nvPr>
+        </p:nvSpPr>
+        <p:spPr/>
+        <p:txBody>
+          <a:bodyPr/>
           <a:lstStyle/>
           <a:p>
-            <a:pPr>
-              <a:lnSpc>
-                <a:spcPct val="90000"/>
-              </a:lnSpc>
-              <a:spcAft>
-                <a:spcPts val="600"/>
-              </a:spcAft>
-            </a:pPr>
-            <a:r>
-              <a:rPr lang="en-US" dirty="0">
-                <a:gradFill>
-                  <a:gsLst>
-                    <a:gs pos="2917">
-                      <a:schemeClr val="tx1"/>
-                    </a:gs>
-                    <a:gs pos="30000">
-                      <a:schemeClr val="tx1"/>
-                    </a:gs>
-                  </a:gsLst>
-                  <a:lin ang="5400000" scaled="0"/>
-                </a:gradFill>
-              </a:rPr>
-              <a:t>Web part running in the local Workbench</a:t>
-            </a:r>
-          </a:p>
-        </p:txBody>
-      </p:sp>
-      <p:sp>
-        <p:nvSpPr>
-          <p:cNvPr id="12" name="Rectangle 11"/>
-          <p:cNvSpPr/>
-          <p:nvPr/>
-        </p:nvSpPr>
-        <p:spPr>
-          <a:xfrm>
-            <a:off x="5654731" y="1471502"/>
-            <a:ext cx="6509472" cy="590931"/>
-          </a:xfrm>
-          <a:prstGeom prst="rect">
-            <a:avLst/>
-          </a:prstGeom>
-        </p:spPr>
-        <p:txBody>
-          <a:bodyPr wrap="square">
-            <a:spAutoFit/>
-          </a:bodyPr>
-          <a:lstStyle/>
-          <a:p>
-            <a:pPr>
-              <a:lnSpc>
-                <a:spcPct val="90000"/>
-              </a:lnSpc>
-              <a:spcAft>
-                <a:spcPts val="600"/>
-              </a:spcAft>
-            </a:pPr>
-            <a:r>
-              <a:rPr lang="en-US" dirty="0">
-                <a:gradFill>
-                  <a:gsLst>
-                    <a:gs pos="2917">
-                      <a:schemeClr val="tx1"/>
-                    </a:gs>
-                    <a:gs pos="30000">
-                      <a:schemeClr val="tx1"/>
-                    </a:gs>
-                  </a:gsLst>
-                  <a:lin ang="5400000" scaled="0"/>
-                </a:gradFill>
-              </a:rPr>
-              <a:t>Web part running </a:t>
-            </a:r>
-            <a:r>
-              <a:rPr lang="en-US" altLang="zh-CN" dirty="0">
-                <a:gradFill>
-                  <a:gsLst>
-                    <a:gs pos="2917">
-                      <a:schemeClr val="tx1"/>
-                    </a:gs>
-                    <a:gs pos="30000">
-                      <a:schemeClr val="tx1"/>
-                    </a:gs>
-                  </a:gsLst>
-                  <a:lin ang="5400000" scaled="0"/>
-                </a:gradFill>
-              </a:rPr>
-              <a:t>in</a:t>
-            </a:r>
-            <a:r>
-              <a:rPr lang="en-US" dirty="0">
-                <a:gradFill>
-                  <a:gsLst>
-                    <a:gs pos="2917">
-                      <a:schemeClr val="tx1"/>
-                    </a:gs>
-                    <a:gs pos="30000">
-                      <a:schemeClr val="tx1"/>
-                    </a:gs>
-                  </a:gsLst>
-                  <a:lin ang="5400000" scaled="0"/>
-                </a:gradFill>
-              </a:rPr>
-              <a:t> the SharePoint Workbench in an Office 365 developer</a:t>
-            </a:r>
-          </a:p>
-        </p:txBody>
-      </p:sp>
-      <p:pic>
-        <p:nvPicPr>
-          <p:cNvPr id="7" name="Picture 6">
-            <a:extLst>
-              <a:ext uri="{FF2B5EF4-FFF2-40B4-BE49-F238E27FC236}">
-                <a16:creationId xmlns:a16="http://schemas.microsoft.com/office/drawing/2014/main" id="{0AC14D7D-EEB1-475A-ACA0-10BB6252AC87}"/>
-              </a:ext>
-            </a:extLst>
-          </p:cNvPr>
-          <p:cNvPicPr>
-            <a:picLocks noChangeAspect="1"/>
-          </p:cNvPicPr>
-          <p:nvPr/>
-        </p:nvPicPr>
-        <p:blipFill>
-          <a:blip r:embed="rId3"/>
-          <a:stretch>
-            <a:fillRect/>
-          </a:stretch>
-        </p:blipFill>
-        <p:spPr>
-          <a:xfrm>
-            <a:off x="465138" y="2226009"/>
-            <a:ext cx="4853076" cy="2947490"/>
-          </a:xfrm>
-          <a:prstGeom prst="rect">
-            <a:avLst/>
-          </a:prstGeom>
-        </p:spPr>
-      </p:pic>
-      <p:pic>
-        <p:nvPicPr>
-          <p:cNvPr id="8" name="Picture 7">
-            <a:extLst>
-              <a:ext uri="{FF2B5EF4-FFF2-40B4-BE49-F238E27FC236}">
-                <a16:creationId xmlns:a16="http://schemas.microsoft.com/office/drawing/2014/main" id="{543927EB-44D4-43DA-9819-E269C63E1B58}"/>
-              </a:ext>
-            </a:extLst>
-          </p:cNvPr>
-          <p:cNvPicPr>
-            <a:picLocks noChangeAspect="1"/>
-          </p:cNvPicPr>
-          <p:nvPr/>
-        </p:nvPicPr>
-        <p:blipFill>
-          <a:blip r:embed="rId4"/>
-          <a:stretch>
-            <a:fillRect/>
-          </a:stretch>
-        </p:blipFill>
-        <p:spPr>
-          <a:xfrm>
-            <a:off x="5654731" y="2226009"/>
-            <a:ext cx="5432369" cy="2947490"/>
-          </a:xfrm>
-          <a:prstGeom prst="rect">
-            <a:avLst/>
-          </a:prstGeom>
-        </p:spPr>
-      </p:pic>
+            <a:r>
+              <a:rPr lang="en-US" dirty="0"/>
+              <a:t>Logging</a:t>
+            </a:r>
+          </a:p>
+        </p:txBody>
+      </p:sp>
     </p:spTree>
     <p:extLst>
       <p:ext uri="{BB962C8B-B14F-4D97-AF65-F5344CB8AC3E}">
-        <p14:creationId xmlns:p14="http://schemas.microsoft.com/office/powerpoint/2010/main" val="3331944130"/>
+        <p14:creationId xmlns:p14="http://schemas.microsoft.com/office/powerpoint/2010/main" val="3241666890"/>
       </p:ext>
     </p:extLst>
   </p:cSld>
@@ -19635,160 +19251,6 @@
       </p:grpSpPr>
       <p:sp>
         <p:nvSpPr>
-          <p:cNvPr id="3" name="Text Placeholder 2"/>
-          <p:cNvSpPr>
-            <a:spLocks noGrp="1"/>
-          </p:cNvSpPr>
-          <p:nvPr>
-            <p:ph type="body" sz="quarter" idx="10"/>
-          </p:nvPr>
-        </p:nvSpPr>
-        <p:spPr/>
-        <p:txBody>
-          <a:bodyPr/>
-          <a:lstStyle/>
-          <a:p>
-            <a:r>
-              <a:rPr lang="en-US" dirty="0" err="1"/>
-              <a:t>SPFx</a:t>
-            </a:r>
-            <a:r>
-              <a:rPr lang="en-US" dirty="0"/>
-              <a:t> includes a built-in logging mechanism</a:t>
-            </a:r>
-          </a:p>
-          <a:p>
-            <a:r>
-              <a:rPr lang="en-US" dirty="0"/>
-              <a:t>All logging is output to the JavaScript console</a:t>
-            </a:r>
-          </a:p>
-          <a:p>
-            <a:r>
-              <a:rPr lang="en-US" dirty="0"/>
-              <a:t>Four static logging methods available</a:t>
-            </a:r>
-          </a:p>
-          <a:p>
-            <a:pPr lvl="1"/>
-            <a:r>
-              <a:rPr lang="en-US" dirty="0"/>
-              <a:t>info : log information</a:t>
-            </a:r>
-          </a:p>
-          <a:p>
-            <a:pPr lvl="1"/>
-            <a:r>
-              <a:rPr lang="en-US" dirty="0"/>
-              <a:t>warn : log warnings</a:t>
-            </a:r>
-          </a:p>
-          <a:p>
-            <a:pPr lvl="1"/>
-            <a:r>
-              <a:rPr lang="en-US" dirty="0"/>
-              <a:t>error : log errors</a:t>
-            </a:r>
-          </a:p>
-          <a:p>
-            <a:pPr lvl="1"/>
-            <a:r>
-              <a:rPr lang="en-US" dirty="0"/>
-              <a:t>verbose : log everything</a:t>
-            </a:r>
-          </a:p>
-          <a:p>
-            <a:r>
-              <a:rPr lang="en-US" dirty="0"/>
-              <a:t>The logging methods share the same signature</a:t>
-            </a:r>
-          </a:p>
-          <a:p>
-            <a:pPr lvl="1"/>
-            <a:r>
-              <a:rPr lang="en-US" dirty="0"/>
-              <a:t>source: the source of the logging information (max 20 characters), such as the method or the class name</a:t>
-            </a:r>
-          </a:p>
-          <a:p>
-            <a:pPr lvl="1"/>
-            <a:r>
-              <a:rPr lang="en-US" dirty="0"/>
-              <a:t>message: the actual message to log (max 100 characters)</a:t>
-            </a:r>
-          </a:p>
-          <a:p>
-            <a:pPr lvl="1"/>
-            <a:r>
-              <a:rPr lang="en-US" dirty="0"/>
-              <a:t>scope: an optional service scope</a:t>
-            </a:r>
-          </a:p>
-          <a:p>
-            <a:r>
-              <a:rPr lang="en-US" dirty="0"/>
-              <a:t>The error method takes an Error object instead of a message string</a:t>
-            </a:r>
-          </a:p>
-        </p:txBody>
-      </p:sp>
-      <p:sp>
-        <p:nvSpPr>
-          <p:cNvPr id="2" name="Title 1"/>
-          <p:cNvSpPr>
-            <a:spLocks noGrp="1"/>
-          </p:cNvSpPr>
-          <p:nvPr>
-            <p:ph type="title"/>
-          </p:nvPr>
-        </p:nvSpPr>
-        <p:spPr/>
-        <p:txBody>
-          <a:bodyPr/>
-          <a:lstStyle/>
-          <a:p>
-            <a:r>
-              <a:rPr lang="en-US" dirty="0"/>
-              <a:t>Logging</a:t>
-            </a:r>
-          </a:p>
-        </p:txBody>
-      </p:sp>
-    </p:spTree>
-    <p:extLst>
-      <p:ext uri="{BB962C8B-B14F-4D97-AF65-F5344CB8AC3E}">
-        <p14:creationId xmlns:p14="http://schemas.microsoft.com/office/powerpoint/2010/main" val="3241666890"/>
-      </p:ext>
-    </p:extLst>
-  </p:cSld>
-  <p:clrMapOvr>
-    <a:masterClrMapping/>
-  </p:clrMapOvr>
-  <p:transition>
-    <p:fade/>
-  </p:transition>
-</p:sld>
-</file>
-
-<file path=ppt/slides/slide16.xml><?xml version="1.0" encoding="utf-8"?>
-<p:sld xmlns:a="http://schemas.openxmlformats.org/drawingml/2006/main" xmlns:r="http://schemas.openxmlformats.org/officeDocument/2006/relationships" xmlns:p="http://schemas.openxmlformats.org/presentationml/2006/main">
-  <p:cSld>
-    <p:spTree>
-      <p:nvGrpSpPr>
-        <p:cNvPr id="1" name=""/>
-        <p:cNvGrpSpPr/>
-        <p:nvPr/>
-      </p:nvGrpSpPr>
-      <p:grpSpPr>
-        <a:xfrm>
-          <a:off x="0" y="0"/>
-          <a:ext cx="0" cy="0"/>
-          <a:chOff x="0" y="0"/>
-          <a:chExt cx="0" cy="0"/>
-        </a:xfrm>
-      </p:grpSpPr>
-      <p:sp>
-        <p:nvSpPr>
           <p:cNvPr id="2" name="Title 1"/>
           <p:cNvSpPr>
             <a:spLocks noGrp="1"/>
@@ -19832,7 +19294,7 @@
         <p:spPr>
           <a:xfrm>
             <a:off x="547328" y="1397019"/>
-            <a:ext cx="10740141" cy="2411052"/>
+            <a:ext cx="8173339" cy="1834831"/>
           </a:xfrm>
           <a:prstGeom prst="rect">
             <a:avLst/>
@@ -19841,10 +19303,10 @@
       </p:pic>
       <p:pic>
         <p:nvPicPr>
-          <p:cNvPr id="8" name="Picture 7">
+          <p:cNvPr id="4" name="Picture 3" descr="Graphical user interface, text, application, email&#10;&#10;Description automatically generated">
             <a:extLst>
               <a:ext uri="{FF2B5EF4-FFF2-40B4-BE49-F238E27FC236}">
-                <a16:creationId xmlns:a16="http://schemas.microsoft.com/office/drawing/2014/main" id="{9A878F00-7C13-2444-B208-26051610E3D3}"/>
+                <a16:creationId xmlns:a16="http://schemas.microsoft.com/office/drawing/2014/main" id="{BA1E7878-E975-46D4-A675-CF01552BC751}"/>
               </a:ext>
             </a:extLst>
           </p:cNvPr>
@@ -19861,8 +19323,8 @@
         </p:blipFill>
         <p:spPr>
           <a:xfrm>
-            <a:off x="547328" y="4265618"/>
-            <a:ext cx="11028138" cy="2003445"/>
+            <a:off x="2531169" y="3231850"/>
+            <a:ext cx="7401124" cy="3256494"/>
           </a:xfrm>
           <a:prstGeom prst="rect">
             <a:avLst/>
@@ -19885,7 +19347,7 @@
 </p:sld>
 </file>
 
-<file path=ppt/slides/slide17.xml><?xml version="1.0" encoding="utf-8"?>
+<file path=ppt/slides/slide16.xml><?xml version="1.0" encoding="utf-8"?>
 <p:sld xmlns:a="http://schemas.openxmlformats.org/drawingml/2006/main" xmlns:r="http://schemas.openxmlformats.org/officeDocument/2006/relationships" xmlns:p="http://schemas.openxmlformats.org/presentationml/2006/main">
   <p:cSld>
     <p:spTree>
@@ -19975,7 +19437,7 @@
 </p:sld>
 </file>
 
-<file path=ppt/slides/slide18.xml><?xml version="1.0" encoding="utf-8"?>
+<file path=ppt/slides/slide17.xml><?xml version="1.0" encoding="utf-8"?>
 <p:sld xmlns:a="http://schemas.openxmlformats.org/drawingml/2006/main" xmlns:r="http://schemas.openxmlformats.org/officeDocument/2006/relationships" xmlns:p="http://schemas.openxmlformats.org/presentationml/2006/main">
   <p:cSld>
     <p:spTree>
@@ -20038,7 +19500,7 @@
 </p:sld>
 </file>
 
-<file path=ppt/slides/slide19.xml><?xml version="1.0" encoding="utf-8"?>
+<file path=ppt/slides/slide18.xml><?xml version="1.0" encoding="utf-8"?>
 <p:sld xmlns:a="http://schemas.openxmlformats.org/drawingml/2006/main" xmlns:r="http://schemas.openxmlformats.org/officeDocument/2006/relationships" xmlns:p="http://schemas.openxmlformats.org/presentationml/2006/main">
   <p:cSld>
     <p:spTree>
@@ -20548,6 +20010,70 @@
 </p:sld>
 </file>
 
+<file path=ppt/slides/slide19.xml><?xml version="1.0" encoding="utf-8"?>
+<p:sld xmlns:a="http://schemas.openxmlformats.org/drawingml/2006/main" xmlns:r="http://schemas.openxmlformats.org/officeDocument/2006/relationships" xmlns:p="http://schemas.openxmlformats.org/presentationml/2006/main">
+  <p:cSld>
+    <p:spTree>
+      <p:nvGrpSpPr>
+        <p:cNvPr id="1" name=""/>
+        <p:cNvGrpSpPr/>
+        <p:nvPr/>
+      </p:nvGrpSpPr>
+      <p:grpSpPr>
+        <a:xfrm>
+          <a:off x="0" y="0"/>
+          <a:ext cx="0" cy="0"/>
+          <a:chOff x="0" y="0"/>
+          <a:chExt cx="0" cy="0"/>
+        </a:xfrm>
+      </p:grpSpPr>
+      <p:sp>
+        <p:nvSpPr>
+          <p:cNvPr id="2" name="Title 1"/>
+          <p:cNvSpPr>
+            <a:spLocks noGrp="1"/>
+          </p:cNvSpPr>
+          <p:nvPr>
+            <p:ph type="title"/>
+          </p:nvPr>
+        </p:nvSpPr>
+        <p:spPr/>
+        <p:txBody>
+          <a:bodyPr/>
+          <a:lstStyle/>
+          <a:p>
+            <a:r>
+              <a:rPr lang="en-US" dirty="0"/>
+              <a:t>Thank you.</a:t>
+            </a:r>
+          </a:p>
+        </p:txBody>
+      </p:sp>
+    </p:spTree>
+    <p:extLst>
+      <p:ext uri="{BB962C8B-B14F-4D97-AF65-F5344CB8AC3E}">
+        <p14:creationId xmlns:p14="http://schemas.microsoft.com/office/powerpoint/2010/main" val="1044582325"/>
+      </p:ext>
+    </p:extLst>
+  </p:cSld>
+  <p:clrMapOvr>
+    <a:masterClrMapping/>
+  </p:clrMapOvr>
+  <mc:AlternateContent xmlns:mc="http://schemas.openxmlformats.org/markup-compatibility/2006" xmlns:p14="http://schemas.microsoft.com/office/powerpoint/2010/main">
+    <mc:Choice Requires="p14">
+      <p:transition spd="med" p14:dur="700">
+        <p:fade/>
+      </p:transition>
+    </mc:Choice>
+    <mc:Fallback xmlns="">
+      <p:transition spd="med">
+        <p:fade/>
+      </p:transition>
+    </mc:Fallback>
+  </mc:AlternateContent>
+</p:sld>
+</file>
+
 <file path=ppt/slides/slide2.xml><?xml version="1.0" encoding="utf-8"?>
 <p:sld xmlns:a="http://schemas.openxmlformats.org/drawingml/2006/main" xmlns:r="http://schemas.openxmlformats.org/officeDocument/2006/relationships" xmlns:p="http://schemas.openxmlformats.org/presentationml/2006/main">
   <p:cSld>
@@ -20839,70 +20365,6 @@
 </file>
 
 <file path=ppt/slides/slide20.xml><?xml version="1.0" encoding="utf-8"?>
-<p:sld xmlns:a="http://schemas.openxmlformats.org/drawingml/2006/main" xmlns:r="http://schemas.openxmlformats.org/officeDocument/2006/relationships" xmlns:p="http://schemas.openxmlformats.org/presentationml/2006/main">
-  <p:cSld>
-    <p:spTree>
-      <p:nvGrpSpPr>
-        <p:cNvPr id="1" name=""/>
-        <p:cNvGrpSpPr/>
-        <p:nvPr/>
-      </p:nvGrpSpPr>
-      <p:grpSpPr>
-        <a:xfrm>
-          <a:off x="0" y="0"/>
-          <a:ext cx="0" cy="0"/>
-          <a:chOff x="0" y="0"/>
-          <a:chExt cx="0" cy="0"/>
-        </a:xfrm>
-      </p:grpSpPr>
-      <p:sp>
-        <p:nvSpPr>
-          <p:cNvPr id="2" name="Title 1"/>
-          <p:cNvSpPr>
-            <a:spLocks noGrp="1"/>
-          </p:cNvSpPr>
-          <p:nvPr>
-            <p:ph type="title"/>
-          </p:nvPr>
-        </p:nvSpPr>
-        <p:spPr/>
-        <p:txBody>
-          <a:bodyPr/>
-          <a:lstStyle/>
-          <a:p>
-            <a:r>
-              <a:rPr lang="en-US" dirty="0"/>
-              <a:t>Thank you.</a:t>
-            </a:r>
-          </a:p>
-        </p:txBody>
-      </p:sp>
-    </p:spTree>
-    <p:extLst>
-      <p:ext uri="{BB962C8B-B14F-4D97-AF65-F5344CB8AC3E}">
-        <p14:creationId xmlns:p14="http://schemas.microsoft.com/office/powerpoint/2010/main" val="1044582325"/>
-      </p:ext>
-    </p:extLst>
-  </p:cSld>
-  <p:clrMapOvr>
-    <a:masterClrMapping/>
-  </p:clrMapOvr>
-  <mc:AlternateContent xmlns:mc="http://schemas.openxmlformats.org/markup-compatibility/2006" xmlns:p14="http://schemas.microsoft.com/office/powerpoint/2010/main">
-    <mc:Choice Requires="p14">
-      <p:transition spd="med" p14:dur="700">
-        <p:fade/>
-      </p:transition>
-    </mc:Choice>
-    <mc:Fallback xmlns="">
-      <p:transition spd="med">
-        <p:fade/>
-      </p:transition>
-    </mc:Fallback>
-  </mc:AlternateContent>
-</p:sld>
-</file>
-
-<file path=ppt/slides/slide21.xml><?xml version="1.0" encoding="utf-8"?>
 <p:sld xmlns:a="http://schemas.openxmlformats.org/drawingml/2006/main" xmlns:r="http://schemas.openxmlformats.org/officeDocument/2006/relationships" xmlns:p="http://schemas.openxmlformats.org/presentationml/2006/main">
   <p:cSld>
     <p:spTree>
@@ -22144,10 +21606,10 @@
       </p:sp>
       <p:pic>
         <p:nvPicPr>
-          <p:cNvPr id="4" name="Picture 3">
+          <p:cNvPr id="7" name="Picture 6">
             <a:extLst>
               <a:ext uri="{FF2B5EF4-FFF2-40B4-BE49-F238E27FC236}">
-                <a16:creationId xmlns:a16="http://schemas.microsoft.com/office/drawing/2014/main" id="{C4973148-6FEA-476C-8942-9DDC314EE321}"/>
+                <a16:creationId xmlns:a16="http://schemas.microsoft.com/office/drawing/2014/main" id="{8FD5A1E7-8E03-434A-BF17-E3BE9B4C21D4}"/>
               </a:ext>
             </a:extLst>
           </p:cNvPr>
@@ -22164,8 +21626,8 @@
         </p:blipFill>
         <p:spPr>
           <a:xfrm>
-            <a:off x="723081" y="1676854"/>
-            <a:ext cx="3797409" cy="1820408"/>
+            <a:off x="723080" y="1561691"/>
+            <a:ext cx="3086367" cy="2194750"/>
           </a:xfrm>
           <a:prstGeom prst="rect">
             <a:avLst/>
@@ -22174,10 +21636,10 @@
       </p:pic>
       <p:pic>
         <p:nvPicPr>
-          <p:cNvPr id="12" name="Picture 11">
+          <p:cNvPr id="13" name="Picture 12">
             <a:extLst>
               <a:ext uri="{FF2B5EF4-FFF2-40B4-BE49-F238E27FC236}">
-                <a16:creationId xmlns:a16="http://schemas.microsoft.com/office/drawing/2014/main" id="{2EA83DA1-D507-45CA-BA55-E8C0E4C26EE2}"/>
+                <a16:creationId xmlns:a16="http://schemas.microsoft.com/office/drawing/2014/main" id="{9D84D427-1DDE-448E-BF54-08B94D436E04}"/>
               </a:ext>
             </a:extLst>
           </p:cNvPr>
@@ -22194,8 +21656,8 @@
         </p:blipFill>
         <p:spPr>
           <a:xfrm>
-            <a:off x="723080" y="4601541"/>
-            <a:ext cx="3797409" cy="1820408"/>
+            <a:off x="723079" y="4601541"/>
+            <a:ext cx="3086367" cy="2194750"/>
           </a:xfrm>
           <a:prstGeom prst="rect">
             <a:avLst/>
@@ -22204,10 +21666,10 @@
       </p:pic>
       <p:pic>
         <p:nvPicPr>
-          <p:cNvPr id="6" name="Picture 5">
+          <p:cNvPr id="15" name="Picture 14" descr="Graphical user interface, application&#10;&#10;Description automatically generated">
             <a:extLst>
               <a:ext uri="{FF2B5EF4-FFF2-40B4-BE49-F238E27FC236}">
-                <a16:creationId xmlns:a16="http://schemas.microsoft.com/office/drawing/2014/main" id="{4B1DFD60-5F9F-4DB8-8C14-64C846A2F57D}"/>
+                <a16:creationId xmlns:a16="http://schemas.microsoft.com/office/drawing/2014/main" id="{7C59A728-FD52-4411-BF6B-2509C21E2B1B}"/>
               </a:ext>
             </a:extLst>
           </p:cNvPr>
@@ -22224,8 +21686,8 @@
         </p:blipFill>
         <p:spPr>
           <a:xfrm>
-            <a:off x="5652851" y="2167456"/>
-            <a:ext cx="5680754" cy="2772843"/>
+            <a:off x="5661845" y="2385202"/>
+            <a:ext cx="6260217" cy="3333565"/>
           </a:xfrm>
           <a:prstGeom prst="rect">
             <a:avLst/>

--- a/03-spfxapi.pptx
+++ b/03-spfxapi.pptx
@@ -282,7 +282,7 @@
               <a:rPr lang="en-US" smtClean="0">
                 <a:latin typeface="Segoe UI" pitchFamily="34" charset="0"/>
               </a:rPr>
-              <a:t>10/23/2021 8:58 AM</a:t>
+              <a:t>3/23/2022 12:28 PM</a:t>
             </a:fld>
             <a:endParaRPr lang="en-US" dirty="0">
               <a:latin typeface="Segoe UI" pitchFamily="34" charset="0"/>
@@ -579,7 +579,7 @@
           <a:p>
             <a:fld id="{D18B56EA-E28F-4F92-9F16-7A6F2501B303}" type="datetime8">
               <a:rPr lang="en-US" smtClean="0"/>
-              <a:t>10/23/2021 8:58 AM</a:t>
+              <a:t>3/23/2022 12:28 PM</a:t>
             </a:fld>
             <a:endParaRPr lang="en-US" dirty="0"/>
           </a:p>
@@ -962,7 +962,7 @@
           <a:p>
             <a:fld id="{D18B56EA-E28F-4F92-9F16-7A6F2501B303}" type="datetime8">
               <a:rPr lang="en-US" smtClean="0"/>
-              <a:t>10/23/2021 8:58 AM</a:t>
+              <a:t>3/23/2022 12:28 PM</a:t>
             </a:fld>
             <a:endParaRPr lang="en-US" dirty="0"/>
           </a:p>
@@ -1158,7 +1158,7 @@
           <a:p>
             <a:fld id="{D18B56EA-E28F-4F92-9F16-7A6F2501B303}" type="datetime8">
               <a:rPr lang="en-US" smtClean="0"/>
-              <a:t>10/23/2021 8:58 AM</a:t>
+              <a:t>3/23/2022 12:28 PM</a:t>
             </a:fld>
             <a:endParaRPr lang="en-US" dirty="0"/>
           </a:p>
@@ -3334,7 +3334,7 @@
           <a:p>
             <a:fld id="{D18B56EA-E28F-4F92-9F16-7A6F2501B303}" type="datetime8">
               <a:rPr lang="en-US" smtClean="0"/>
-              <a:t>10/23/2021 8:58 AM</a:t>
+              <a:t>3/23/2022 12:28 PM</a:t>
             </a:fld>
             <a:endParaRPr lang="en-US" dirty="0"/>
           </a:p>
@@ -3515,7 +3515,7 @@
           <a:p>
             <a:fld id="{D18B56EA-E28F-4F92-9F16-7A6F2501B303}" type="datetime8">
               <a:rPr lang="en-US" smtClean="0"/>
-              <a:t>10/23/2021 8:58 AM</a:t>
+              <a:t>3/23/2022 12:28 PM</a:t>
             </a:fld>
             <a:endParaRPr lang="en-US" dirty="0"/>
           </a:p>
@@ -3696,7 +3696,7 @@
           <a:p>
             <a:fld id="{D18B56EA-E28F-4F92-9F16-7A6F2501B303}" type="datetime8">
               <a:rPr lang="en-US" smtClean="0"/>
-              <a:t>10/23/2021 8:58 AM</a:t>
+              <a:t>3/23/2022 12:28 PM</a:t>
             </a:fld>
             <a:endParaRPr lang="en-US" dirty="0"/>
           </a:p>
@@ -3908,7 +3908,7 @@
           <a:p>
             <a:fld id="{D18B56EA-E28F-4F92-9F16-7A6F2501B303}" type="datetime8">
               <a:rPr lang="en-US" smtClean="0"/>
-              <a:t>10/23/2021 8:58 AM</a:t>
+              <a:t>3/23/2022 12:28 PM</a:t>
             </a:fld>
             <a:endParaRPr lang="en-US" dirty="0"/>
           </a:p>
@@ -4105,7 +4105,7 @@
           <a:p>
             <a:fld id="{D18B56EA-E28F-4F92-9F16-7A6F2501B303}" type="datetime8">
               <a:rPr lang="en-US" smtClean="0"/>
-              <a:t>10/23/2021 8:58 AM</a:t>
+              <a:t>3/23/2022 12:28 PM</a:t>
             </a:fld>
             <a:endParaRPr lang="en-US" dirty="0"/>
           </a:p>
@@ -4453,7 +4453,7 @@
           <a:p>
             <a:fld id="{D18B56EA-E28F-4F92-9F16-7A6F2501B303}" type="datetime8">
               <a:rPr lang="en-US" smtClean="0"/>
-              <a:t>10/23/2021 8:58 AM</a:t>
+              <a:t>3/23/2022 12:28 PM</a:t>
             </a:fld>
             <a:endParaRPr lang="en-US" dirty="0"/>
           </a:p>
@@ -5595,7 +5595,7 @@
           <a:p>
             <a:fld id="{D18B56EA-E28F-4F92-9F16-7A6F2501B303}" type="datetime8">
               <a:rPr lang="en-US" smtClean="0"/>
-              <a:t>10/23/2021 8:58 AM</a:t>
+              <a:t>3/23/2022 12:28 PM</a:t>
             </a:fld>
             <a:endParaRPr lang="en-US" dirty="0"/>
           </a:p>
@@ -18396,66 +18396,6 @@
           <a:chExt cx="0" cy="0"/>
         </a:xfrm>
       </p:grpSpPr>
-      <p:pic>
-        <p:nvPicPr>
-          <p:cNvPr id="9" name="Picture 8" descr="Graphical user interface&#10;&#10;Description automatically generated">
-            <a:extLst>
-              <a:ext uri="{FF2B5EF4-FFF2-40B4-BE49-F238E27FC236}">
-                <a16:creationId xmlns:a16="http://schemas.microsoft.com/office/drawing/2014/main" id="{8154FA28-0DF5-4A73-9381-10493A7D9CC5}"/>
-              </a:ext>
-            </a:extLst>
-          </p:cNvPr>
-          <p:cNvPicPr>
-            <a:picLocks noChangeAspect="1"/>
-          </p:cNvPicPr>
-          <p:nvPr/>
-        </p:nvPicPr>
-        <p:blipFill>
-          <a:blip r:embed="rId3"/>
-          <a:stretch>
-            <a:fillRect/>
-          </a:stretch>
-        </p:blipFill>
-        <p:spPr>
-          <a:xfrm>
-            <a:off x="5489633" y="1409242"/>
-            <a:ext cx="6672733" cy="3619958"/>
-          </a:xfrm>
-          <a:prstGeom prst="rect">
-            <a:avLst/>
-          </a:prstGeom>
-        </p:spPr>
-      </p:pic>
-      <p:pic>
-        <p:nvPicPr>
-          <p:cNvPr id="4" name="Picture 3" descr="Graphical user interface, application&#10;&#10;Description automatically generated">
-            <a:extLst>
-              <a:ext uri="{FF2B5EF4-FFF2-40B4-BE49-F238E27FC236}">
-                <a16:creationId xmlns:a16="http://schemas.microsoft.com/office/drawing/2014/main" id="{259C9324-7A92-458B-AA33-C73160B2291B}"/>
-              </a:ext>
-            </a:extLst>
-          </p:cNvPr>
-          <p:cNvPicPr>
-            <a:picLocks noChangeAspect="1"/>
-          </p:cNvPicPr>
-          <p:nvPr/>
-        </p:nvPicPr>
-        <p:blipFill>
-          <a:blip r:embed="rId4"/>
-          <a:stretch>
-            <a:fillRect/>
-          </a:stretch>
-        </p:blipFill>
-        <p:spPr>
-          <a:xfrm>
-            <a:off x="340525" y="1409242"/>
-            <a:ext cx="4915855" cy="4043291"/>
-          </a:xfrm>
-          <a:prstGeom prst="rect">
-            <a:avLst/>
-          </a:prstGeom>
-        </p:spPr>
-      </p:pic>
       <p:sp>
         <p:nvSpPr>
           <p:cNvPr id="3" name="Title 2"/>
@@ -18517,6 +18457,66 @@
           </a:p>
         </p:txBody>
       </p:sp>
+      <p:pic>
+        <p:nvPicPr>
+          <p:cNvPr id="6" name="Picture 5" descr="Graphical user interface, text, application&#10;&#10;Description automatically generated">
+            <a:extLst>
+              <a:ext uri="{FF2B5EF4-FFF2-40B4-BE49-F238E27FC236}">
+                <a16:creationId xmlns:a16="http://schemas.microsoft.com/office/drawing/2014/main" id="{800BA251-CAE9-4BDD-A99C-36F3B6013B5B}"/>
+              </a:ext>
+            </a:extLst>
+          </p:cNvPr>
+          <p:cNvPicPr>
+            <a:picLocks noChangeAspect="1"/>
+          </p:cNvPicPr>
+          <p:nvPr/>
+        </p:nvPicPr>
+        <p:blipFill>
+          <a:blip r:embed="rId3"/>
+          <a:stretch>
+            <a:fillRect/>
+          </a:stretch>
+        </p:blipFill>
+        <p:spPr>
+          <a:xfrm>
+            <a:off x="464400" y="1781420"/>
+            <a:ext cx="5347385" cy="3736485"/>
+          </a:xfrm>
+          <a:prstGeom prst="rect">
+            <a:avLst/>
+          </a:prstGeom>
+        </p:spPr>
+      </p:pic>
+      <p:pic>
+        <p:nvPicPr>
+          <p:cNvPr id="8" name="Picture 7" descr="Graphical user interface, text, application&#10;&#10;Description automatically generated">
+            <a:extLst>
+              <a:ext uri="{FF2B5EF4-FFF2-40B4-BE49-F238E27FC236}">
+                <a16:creationId xmlns:a16="http://schemas.microsoft.com/office/drawing/2014/main" id="{E9F5E1AE-2113-4FE5-AA26-03DB31E92731}"/>
+              </a:ext>
+            </a:extLst>
+          </p:cNvPr>
+          <p:cNvPicPr>
+            <a:picLocks noChangeAspect="1"/>
+          </p:cNvPicPr>
+          <p:nvPr/>
+        </p:nvPicPr>
+        <p:blipFill>
+          <a:blip r:embed="rId4"/>
+          <a:stretch>
+            <a:fillRect/>
+          </a:stretch>
+        </p:blipFill>
+        <p:spPr>
+          <a:xfrm>
+            <a:off x="6065838" y="1781420"/>
+            <a:ext cx="6026590" cy="3736485"/>
+          </a:xfrm>
+          <a:prstGeom prst="rect">
+            <a:avLst/>
+          </a:prstGeom>
+        </p:spPr>
+      </p:pic>
     </p:spTree>
     <p:extLst>
       <p:ext uri="{BB962C8B-B14F-4D97-AF65-F5344CB8AC3E}">
@@ -18786,10 +18786,10 @@
       </p:sp>
       <p:pic>
         <p:nvPicPr>
-          <p:cNvPr id="5" name="Picture 4">
+          <p:cNvPr id="6" name="Picture 5">
             <a:extLst>
               <a:ext uri="{FF2B5EF4-FFF2-40B4-BE49-F238E27FC236}">
-                <a16:creationId xmlns:a16="http://schemas.microsoft.com/office/drawing/2014/main" id="{9130EEF7-AE2A-4B11-A4BC-430E18BF07D9}"/>
+                <a16:creationId xmlns:a16="http://schemas.microsoft.com/office/drawing/2014/main" id="{691D51F5-F712-46BE-8D30-D11E0EB0D690}"/>
               </a:ext>
             </a:extLst>
           </p:cNvPr>
@@ -18806,8 +18806,8 @@
         </p:blipFill>
         <p:spPr>
           <a:xfrm>
-            <a:off x="1626707" y="3032979"/>
-            <a:ext cx="9183059" cy="1566582"/>
+            <a:off x="1679971" y="2812892"/>
+            <a:ext cx="9142857" cy="3161905"/>
           </a:xfrm>
           <a:prstGeom prst="rect">
             <a:avLst/>
@@ -18877,7 +18877,7 @@
         </p:nvSpPr>
         <p:spPr>
           <a:xfrm>
-            <a:off x="352754" y="1464159"/>
+            <a:off x="465138" y="5265368"/>
             <a:ext cx="3683957" cy="341632"/>
           </a:xfrm>
           <a:prstGeom prst="rect">
@@ -18925,8 +18925,8 @@
         </p:nvSpPr>
         <p:spPr>
           <a:xfrm>
-            <a:off x="5654731" y="1471502"/>
-            <a:ext cx="6509472" cy="341632"/>
+            <a:off x="6560098" y="5261584"/>
+            <a:ext cx="5438227" cy="341632"/>
           </a:xfrm>
           <a:prstGeom prst="rect">
             <a:avLst/>
@@ -18999,10 +18999,10 @@
       </p:sp>
       <p:pic>
         <p:nvPicPr>
-          <p:cNvPr id="4" name="Picture 3" descr="Graphical user interface, application&#10;&#10;Description automatically generated">
+          <p:cNvPr id="5" name="Picture 4" descr="Graphical user interface, text, application, Teams&#10;&#10;Description automatically generated">
             <a:extLst>
               <a:ext uri="{FF2B5EF4-FFF2-40B4-BE49-F238E27FC236}">
-                <a16:creationId xmlns:a16="http://schemas.microsoft.com/office/drawing/2014/main" id="{F68342AB-2117-4954-BA6C-C66E41E8981C}"/>
+                <a16:creationId xmlns:a16="http://schemas.microsoft.com/office/drawing/2014/main" id="{D62B0684-84E3-40A8-A6A9-0D4A64272A71}"/>
               </a:ext>
             </a:extLst>
           </p:cNvPr>
@@ -19019,8 +19019,8 @@
         </p:blipFill>
         <p:spPr>
           <a:xfrm>
-            <a:off x="465138" y="2062433"/>
-            <a:ext cx="4933519" cy="2676434"/>
+            <a:off x="438150" y="1471582"/>
+            <a:ext cx="5822031" cy="3515051"/>
           </a:xfrm>
           <a:prstGeom prst="rect">
             <a:avLst/>
@@ -19029,10 +19029,10 @@
       </p:pic>
       <p:pic>
         <p:nvPicPr>
-          <p:cNvPr id="6" name="Picture 5" descr="Graphical user interface, application, website&#10;&#10;Description automatically generated">
+          <p:cNvPr id="8" name="Picture 7" descr="Graphical user interface, text, application&#10;&#10;Description automatically generated">
             <a:extLst>
               <a:ext uri="{FF2B5EF4-FFF2-40B4-BE49-F238E27FC236}">
-                <a16:creationId xmlns:a16="http://schemas.microsoft.com/office/drawing/2014/main" id="{DBFBA495-AC8B-4EAF-ADC7-8EC98DDC3346}"/>
+                <a16:creationId xmlns:a16="http://schemas.microsoft.com/office/drawing/2014/main" id="{C5EB5C78-6807-4B71-A59E-3EFC661C9036}"/>
               </a:ext>
             </a:extLst>
           </p:cNvPr>
@@ -19049,8 +19049,8 @@
         </p:blipFill>
         <p:spPr>
           <a:xfrm>
-            <a:off x="5654731" y="2062432"/>
-            <a:ext cx="6097002" cy="3543883"/>
+            <a:off x="6584756" y="1471582"/>
+            <a:ext cx="5579447" cy="3515051"/>
           </a:xfrm>
           <a:prstGeom prst="rect">
             <a:avLst/>
@@ -19273,10 +19273,10 @@
       </p:sp>
       <p:pic>
         <p:nvPicPr>
-          <p:cNvPr id="6" name="Picture 5">
+          <p:cNvPr id="4" name="Picture 3" descr="Graphical user interface, text, application, email&#10;&#10;Description automatically generated">
             <a:extLst>
               <a:ext uri="{FF2B5EF4-FFF2-40B4-BE49-F238E27FC236}">
-                <a16:creationId xmlns:a16="http://schemas.microsoft.com/office/drawing/2014/main" id="{08861F9C-7EBE-B142-A056-7AB13E356B26}"/>
+                <a16:creationId xmlns:a16="http://schemas.microsoft.com/office/drawing/2014/main" id="{BA1E7878-E975-46D4-A675-CF01552BC751}"/>
               </a:ext>
             </a:extLst>
           </p:cNvPr>
@@ -19293,8 +19293,8 @@
         </p:blipFill>
         <p:spPr>
           <a:xfrm>
-            <a:off x="547328" y="1397019"/>
-            <a:ext cx="8173339" cy="1834831"/>
+            <a:off x="3123435" y="3938904"/>
+            <a:ext cx="6216591" cy="2735300"/>
           </a:xfrm>
           <a:prstGeom prst="rect">
             <a:avLst/>
@@ -19303,10 +19303,10 @@
       </p:pic>
       <p:pic>
         <p:nvPicPr>
-          <p:cNvPr id="4" name="Picture 3" descr="Graphical user interface, text, application, email&#10;&#10;Description automatically generated">
+          <p:cNvPr id="5" name="Picture 4">
             <a:extLst>
               <a:ext uri="{FF2B5EF4-FFF2-40B4-BE49-F238E27FC236}">
-                <a16:creationId xmlns:a16="http://schemas.microsoft.com/office/drawing/2014/main" id="{BA1E7878-E975-46D4-A675-CF01552BC751}"/>
+                <a16:creationId xmlns:a16="http://schemas.microsoft.com/office/drawing/2014/main" id="{C42450DB-030A-4D9A-990F-92E72F4D7FE3}"/>
               </a:ext>
             </a:extLst>
           </p:cNvPr>
@@ -19323,8 +19323,8 @@
         </p:blipFill>
         <p:spPr>
           <a:xfrm>
-            <a:off x="2531169" y="3231850"/>
-            <a:ext cx="7401124" cy="3256494"/>
+            <a:off x="1594427" y="1262851"/>
+            <a:ext cx="9247619" cy="2457143"/>
           </a:xfrm>
           <a:prstGeom prst="rect">
             <a:avLst/>
@@ -19419,6 +19419,13 @@
           <a:prstGeom prst="rect">
             <a:avLst/>
           </a:prstGeom>
+          <a:ln>
+            <a:solidFill>
+              <a:schemeClr val="bg2">
+                <a:lumMod val="65000"/>
+              </a:schemeClr>
+            </a:solidFill>
+          </a:ln>
         </p:spPr>
       </p:pic>
     </p:spTree>
@@ -21204,10 +21211,10 @@
       </p:sp>
       <p:pic>
         <p:nvPicPr>
-          <p:cNvPr id="10" name="Picture 9">
+          <p:cNvPr id="5" name="Picture 4">
             <a:extLst>
               <a:ext uri="{FF2B5EF4-FFF2-40B4-BE49-F238E27FC236}">
-                <a16:creationId xmlns:a16="http://schemas.microsoft.com/office/drawing/2014/main" id="{F917986F-168D-5B4F-87CB-54264D7F80BE}"/>
+                <a16:creationId xmlns:a16="http://schemas.microsoft.com/office/drawing/2014/main" id="{C7D05BF7-DDD2-4A42-8399-70390AFDE3C7}"/>
               </a:ext>
             </a:extLst>
           </p:cNvPr>
@@ -21224,8 +21231,8 @@
         </p:blipFill>
         <p:spPr>
           <a:xfrm>
-            <a:off x="2675682" y="2401693"/>
-            <a:ext cx="7085110" cy="4400226"/>
+            <a:off x="1665686" y="2779433"/>
+            <a:ext cx="9171428" cy="2438095"/>
           </a:xfrm>
           <a:prstGeom prst="rect">
             <a:avLst/>
@@ -21335,10 +21342,10 @@
       </p:sp>
       <p:pic>
         <p:nvPicPr>
-          <p:cNvPr id="9" name="Picture 8">
+          <p:cNvPr id="5" name="Picture 4">
             <a:extLst>
               <a:ext uri="{FF2B5EF4-FFF2-40B4-BE49-F238E27FC236}">
-                <a16:creationId xmlns:a16="http://schemas.microsoft.com/office/drawing/2014/main" id="{A3698187-3800-BC4D-8B10-9EC7ED3F6765}"/>
+                <a16:creationId xmlns:a16="http://schemas.microsoft.com/office/drawing/2014/main" id="{AF1AD2F6-B9E2-4603-B0ED-3ECDF3F7E6CE}"/>
               </a:ext>
             </a:extLst>
           </p:cNvPr>
@@ -21355,8 +21362,8 @@
         </p:blipFill>
         <p:spPr>
           <a:xfrm>
-            <a:off x="2820987" y="2948314"/>
-            <a:ext cx="6794500" cy="1549400"/>
+            <a:off x="1694257" y="2948314"/>
+            <a:ext cx="9114286" cy="3171429"/>
           </a:xfrm>
           <a:prstGeom prst="rect">
             <a:avLst/>
@@ -21396,6 +21403,96 @@
           <a:chExt cx="0" cy="0"/>
         </a:xfrm>
       </p:grpSpPr>
+      <p:pic>
+        <p:nvPicPr>
+          <p:cNvPr id="14" name="Picture 13" descr="Graphical user interface, text, application&#10;&#10;Description automatically generated">
+            <a:extLst>
+              <a:ext uri="{FF2B5EF4-FFF2-40B4-BE49-F238E27FC236}">
+                <a16:creationId xmlns:a16="http://schemas.microsoft.com/office/drawing/2014/main" id="{F8554E02-7003-4C80-B83C-EC95D885EB66}"/>
+              </a:ext>
+            </a:extLst>
+          </p:cNvPr>
+          <p:cNvPicPr>
+            <a:picLocks noChangeAspect="1"/>
+          </p:cNvPicPr>
+          <p:nvPr/>
+        </p:nvPicPr>
+        <p:blipFill rotWithShape="1">
+          <a:blip r:embed="rId3"/>
+          <a:srcRect l="6577" r="4424" b="-3"/>
+          <a:stretch/>
+        </p:blipFill>
+        <p:spPr>
+          <a:xfrm>
+            <a:off x="465138" y="2168525"/>
+            <a:ext cx="3690937" cy="2654300"/>
+          </a:xfrm>
+          <a:prstGeom prst="rect">
+            <a:avLst/>
+          </a:prstGeom>
+          <a:noFill/>
+        </p:spPr>
+      </p:pic>
+      <p:pic>
+        <p:nvPicPr>
+          <p:cNvPr id="8" name="Picture 7" descr="Graphical user interface, application, Teams&#10;&#10;Description automatically generated">
+            <a:extLst>
+              <a:ext uri="{FF2B5EF4-FFF2-40B4-BE49-F238E27FC236}">
+                <a16:creationId xmlns:a16="http://schemas.microsoft.com/office/drawing/2014/main" id="{4B374F67-10A3-493F-9A79-AFE6B2850509}"/>
+              </a:ext>
+            </a:extLst>
+          </p:cNvPr>
+          <p:cNvPicPr>
+            <a:picLocks noChangeAspect="1"/>
+          </p:cNvPicPr>
+          <p:nvPr/>
+        </p:nvPicPr>
+        <p:blipFill rotWithShape="1">
+          <a:blip r:embed="rId4"/>
+          <a:srcRect l="465" r="16009" b="3"/>
+          <a:stretch/>
+        </p:blipFill>
+        <p:spPr>
+          <a:xfrm>
+            <a:off x="4389437" y="2168525"/>
+            <a:ext cx="3679825" cy="2654300"/>
+          </a:xfrm>
+          <a:prstGeom prst="rect">
+            <a:avLst/>
+          </a:prstGeom>
+          <a:noFill/>
+        </p:spPr>
+      </p:pic>
+      <p:pic>
+        <p:nvPicPr>
+          <p:cNvPr id="17" name="Picture 16" descr="Graphical user interface, application&#10;&#10;Description automatically generated">
+            <a:extLst>
+              <a:ext uri="{FF2B5EF4-FFF2-40B4-BE49-F238E27FC236}">
+                <a16:creationId xmlns:a16="http://schemas.microsoft.com/office/drawing/2014/main" id="{3B40EEDA-113A-4682-B82A-C9E77EF95556}"/>
+              </a:ext>
+            </a:extLst>
+          </p:cNvPr>
+          <p:cNvPicPr>
+            <a:picLocks noChangeAspect="1"/>
+          </p:cNvPicPr>
+          <p:nvPr/>
+        </p:nvPicPr>
+        <p:blipFill rotWithShape="1">
+          <a:blip r:embed="rId5"/>
+          <a:srcRect r="7755" b="-2"/>
+          <a:stretch/>
+        </p:blipFill>
+        <p:spPr>
+          <a:xfrm>
+            <a:off x="8302625" y="2168525"/>
+            <a:ext cx="3695700" cy="2654300"/>
+          </a:xfrm>
+          <a:prstGeom prst="rect">
+            <a:avLst/>
+          </a:prstGeom>
+          <a:noFill/>
+        </p:spPr>
+      </p:pic>
       <p:sp>
         <p:nvSpPr>
           <p:cNvPr id="3" name="Title 2"/>
@@ -21406,14 +21503,152 @@
             <p:ph type="title"/>
           </p:nvPr>
         </p:nvSpPr>
-        <p:spPr/>
-        <p:txBody>
-          <a:bodyPr/>
+        <p:spPr>
+          <a:xfrm>
+            <a:off x="465138" y="632779"/>
+            <a:ext cx="11533187" cy="411162"/>
+          </a:xfrm>
+        </p:spPr>
+        <p:txBody>
+          <a:bodyPr vert="horz" wrap="square" lIns="0" tIns="0" rIns="0" bIns="0" rtlCol="0" anchor="t">
+            <a:normAutofit/>
+          </a:bodyPr>
           <a:lstStyle/>
           <a:p>
             <a:r>
-              <a:rPr lang="en-US" dirty="0"/>
+              <a:rPr lang="en-US" b="0" kern="1200" cap="none" spc="-150" baseline="0">
+                <a:ln w="3175">
+                  <a:noFill/>
+                </a:ln>
+                <a:effectLst/>
+                <a:latin typeface="+mj-lt"/>
+                <a:ea typeface="+mn-ea"/>
+                <a:cs typeface="Segoe UI" pitchFamily="34" charset="0"/>
+              </a:rPr>
               <a:t>Page Display Modes – Classic Page</a:t>
+            </a:r>
+          </a:p>
+        </p:txBody>
+      </p:sp>
+      <p:sp>
+        <p:nvSpPr>
+          <p:cNvPr id="11" name="TextBox 10"/>
+          <p:cNvSpPr txBox="1"/>
+          <p:nvPr/>
+        </p:nvSpPr>
+        <p:spPr>
+          <a:xfrm>
+            <a:off x="8302625" y="5026024"/>
+            <a:ext cx="3690937" cy="1209675"/>
+          </a:xfrm>
+          <a:prstGeom prst="rect">
+            <a:avLst/>
+          </a:prstGeom>
+        </p:spPr>
+        <p:txBody>
+          <a:bodyPr vert="horz" wrap="square" lIns="0" tIns="0" rIns="0" bIns="0" rtlCol="0">
+            <a:normAutofit/>
+          </a:bodyPr>
+          <a:lstStyle/>
+          <a:p>
+            <a:pPr>
+              <a:lnSpc>
+                <a:spcPts val="1800"/>
+              </a:lnSpc>
+              <a:spcAft>
+                <a:spcPts val="600"/>
+              </a:spcAft>
+              <a:buSzPct val="90000"/>
+            </a:pPr>
+            <a:r>
+              <a:rPr lang="en-US" dirty="0">
+                <a:solidFill>
+                  <a:srgbClr val="2D2D30"/>
+                </a:solidFill>
+              </a:rPr>
+              <a:t>Page is in edit mode and the web part is in edit mode</a:t>
+            </a:r>
+          </a:p>
+        </p:txBody>
+      </p:sp>
+      <p:sp>
+        <p:nvSpPr>
+          <p:cNvPr id="10" name="TextBox 9"/>
+          <p:cNvSpPr txBox="1"/>
+          <p:nvPr/>
+        </p:nvSpPr>
+        <p:spPr>
+          <a:xfrm>
+            <a:off x="4386263" y="5026024"/>
+            <a:ext cx="3690937" cy="1209675"/>
+          </a:xfrm>
+          <a:prstGeom prst="rect">
+            <a:avLst/>
+          </a:prstGeom>
+        </p:spPr>
+        <p:txBody>
+          <a:bodyPr vert="horz" wrap="square" lIns="0" tIns="0" rIns="0" bIns="0" rtlCol="0">
+            <a:normAutofit/>
+          </a:bodyPr>
+          <a:lstStyle/>
+          <a:p>
+            <a:pPr>
+              <a:lnSpc>
+                <a:spcPts val="1800"/>
+              </a:lnSpc>
+              <a:spcAft>
+                <a:spcPts val="600"/>
+              </a:spcAft>
+              <a:buSzPct val="90000"/>
+            </a:pPr>
+            <a:r>
+              <a:rPr lang="en-US" dirty="0">
+                <a:solidFill>
+                  <a:srgbClr val="2D2D30"/>
+                </a:solidFill>
+              </a:rPr>
+              <a:t>Page is in edit mode and the web part is not in edit mode</a:t>
+            </a:r>
+          </a:p>
+        </p:txBody>
+      </p:sp>
+      <p:sp>
+        <p:nvSpPr>
+          <p:cNvPr id="9" name="TextBox 8"/>
+          <p:cNvSpPr txBox="1"/>
+          <p:nvPr/>
+        </p:nvSpPr>
+        <p:spPr>
+          <a:xfrm>
+            <a:off x="465138" y="5026024"/>
+            <a:ext cx="3690937" cy="1209675"/>
+          </a:xfrm>
+          <a:prstGeom prst="rect">
+            <a:avLst/>
+          </a:prstGeom>
+        </p:spPr>
+        <p:txBody>
+          <a:bodyPr vert="horz" wrap="square" lIns="0" tIns="0" rIns="0" bIns="0" rtlCol="0">
+            <a:normAutofit/>
+          </a:bodyPr>
+          <a:lstStyle/>
+          <a:p>
+            <a:pPr>
+              <a:lnSpc>
+                <a:spcPts val="1800"/>
+              </a:lnSpc>
+              <a:spcAft>
+                <a:spcPts val="600"/>
+              </a:spcAft>
+              <a:buSzPct val="90000"/>
+            </a:pPr>
+            <a:r>
+              <a:rPr lang="en-US" dirty="0">
+                <a:solidFill>
+                  <a:srgbClr val="2D2D30"/>
+                </a:solidFill>
+              </a:rPr>
+              <a:t>Page is not in edit mode</a:t>
             </a:r>
           </a:p>
         </p:txBody>
@@ -21457,243 +21692,6 @@
           </a:p>
         </p:txBody>
       </p:sp>
-      <p:sp>
-        <p:nvSpPr>
-          <p:cNvPr id="9" name="TextBox 8"/>
-          <p:cNvSpPr txBox="1"/>
-          <p:nvPr/>
-        </p:nvSpPr>
-        <p:spPr>
-          <a:xfrm>
-            <a:off x="531122" y="1048990"/>
-            <a:ext cx="4554344" cy="627864"/>
-          </a:xfrm>
-          <a:prstGeom prst="rect">
-            <a:avLst/>
-          </a:prstGeom>
-          <a:noFill/>
-        </p:spPr>
-        <p:txBody>
-          <a:bodyPr wrap="square" lIns="182880" tIns="146304" rIns="182880" bIns="146304" rtlCol="0">
-            <a:spAutoFit/>
-          </a:bodyPr>
-          <a:lstStyle/>
-          <a:p>
-            <a:pPr>
-              <a:lnSpc>
-                <a:spcPct val="90000"/>
-              </a:lnSpc>
-              <a:spcAft>
-                <a:spcPts val="600"/>
-              </a:spcAft>
-            </a:pPr>
-            <a:r>
-              <a:rPr lang="en-US" sz="2400" dirty="0">
-                <a:gradFill>
-                  <a:gsLst>
-                    <a:gs pos="2917">
-                      <a:schemeClr val="tx1"/>
-                    </a:gs>
-                    <a:gs pos="30000">
-                      <a:schemeClr val="tx1"/>
-                    </a:gs>
-                  </a:gsLst>
-                  <a:lin ang="5400000" scaled="0"/>
-                </a:gradFill>
-              </a:rPr>
-              <a:t>Page is not in Edit mode</a:t>
-            </a:r>
-          </a:p>
-        </p:txBody>
-      </p:sp>
-      <p:sp>
-        <p:nvSpPr>
-          <p:cNvPr id="10" name="TextBox 9"/>
-          <p:cNvSpPr txBox="1"/>
-          <p:nvPr/>
-        </p:nvSpPr>
-        <p:spPr>
-          <a:xfrm>
-            <a:off x="531122" y="3641278"/>
-            <a:ext cx="4554344" cy="960263"/>
-          </a:xfrm>
-          <a:prstGeom prst="rect">
-            <a:avLst/>
-          </a:prstGeom>
-          <a:noFill/>
-        </p:spPr>
-        <p:txBody>
-          <a:bodyPr wrap="square" lIns="182880" tIns="146304" rIns="182880" bIns="146304" rtlCol="0">
-            <a:spAutoFit/>
-          </a:bodyPr>
-          <a:lstStyle/>
-          <a:p>
-            <a:pPr>
-              <a:lnSpc>
-                <a:spcPct val="90000"/>
-              </a:lnSpc>
-              <a:spcAft>
-                <a:spcPts val="600"/>
-              </a:spcAft>
-            </a:pPr>
-            <a:r>
-              <a:rPr lang="en-US" sz="2400" dirty="0">
-                <a:gradFill>
-                  <a:gsLst>
-                    <a:gs pos="2917">
-                      <a:schemeClr val="tx1"/>
-                    </a:gs>
-                    <a:gs pos="30000">
-                      <a:schemeClr val="tx1"/>
-                    </a:gs>
-                  </a:gsLst>
-                  <a:lin ang="5400000" scaled="0"/>
-                </a:gradFill>
-              </a:rPr>
-              <a:t>Page is in Edit mode and the web part is not in Edit mode</a:t>
-            </a:r>
-          </a:p>
-        </p:txBody>
-      </p:sp>
-      <p:sp>
-        <p:nvSpPr>
-          <p:cNvPr id="11" name="TextBox 10"/>
-          <p:cNvSpPr txBox="1"/>
-          <p:nvPr/>
-        </p:nvSpPr>
-        <p:spPr>
-          <a:xfrm>
-            <a:off x="5498157" y="1362922"/>
-            <a:ext cx="6423906" cy="960263"/>
-          </a:xfrm>
-          <a:prstGeom prst="rect">
-            <a:avLst/>
-          </a:prstGeom>
-          <a:noFill/>
-        </p:spPr>
-        <p:txBody>
-          <a:bodyPr wrap="square" lIns="182880" tIns="146304" rIns="182880" bIns="146304" rtlCol="0">
-            <a:spAutoFit/>
-          </a:bodyPr>
-          <a:lstStyle/>
-          <a:p>
-            <a:pPr>
-              <a:lnSpc>
-                <a:spcPct val="90000"/>
-              </a:lnSpc>
-              <a:spcAft>
-                <a:spcPts val="600"/>
-              </a:spcAft>
-            </a:pPr>
-            <a:r>
-              <a:rPr lang="en-US" sz="2400" dirty="0">
-                <a:gradFill>
-                  <a:gsLst>
-                    <a:gs pos="2917">
-                      <a:schemeClr val="tx1"/>
-                    </a:gs>
-                    <a:gs pos="30000">
-                      <a:schemeClr val="tx1"/>
-                    </a:gs>
-                  </a:gsLst>
-                  <a:lin ang="5400000" scaled="0"/>
-                </a:gradFill>
-              </a:rPr>
-              <a:t>Page is in Edit mode and the web part is in Edit mode</a:t>
-            </a:r>
-          </a:p>
-        </p:txBody>
-      </p:sp>
-      <p:pic>
-        <p:nvPicPr>
-          <p:cNvPr id="7" name="Picture 6">
-            <a:extLst>
-              <a:ext uri="{FF2B5EF4-FFF2-40B4-BE49-F238E27FC236}">
-                <a16:creationId xmlns:a16="http://schemas.microsoft.com/office/drawing/2014/main" id="{8FD5A1E7-8E03-434A-BF17-E3BE9B4C21D4}"/>
-              </a:ext>
-            </a:extLst>
-          </p:cNvPr>
-          <p:cNvPicPr>
-            <a:picLocks noChangeAspect="1"/>
-          </p:cNvPicPr>
-          <p:nvPr/>
-        </p:nvPicPr>
-        <p:blipFill>
-          <a:blip r:embed="rId3"/>
-          <a:stretch>
-            <a:fillRect/>
-          </a:stretch>
-        </p:blipFill>
-        <p:spPr>
-          <a:xfrm>
-            <a:off x="723080" y="1561691"/>
-            <a:ext cx="3086367" cy="2194750"/>
-          </a:xfrm>
-          <a:prstGeom prst="rect">
-            <a:avLst/>
-          </a:prstGeom>
-        </p:spPr>
-      </p:pic>
-      <p:pic>
-        <p:nvPicPr>
-          <p:cNvPr id="13" name="Picture 12">
-            <a:extLst>
-              <a:ext uri="{FF2B5EF4-FFF2-40B4-BE49-F238E27FC236}">
-                <a16:creationId xmlns:a16="http://schemas.microsoft.com/office/drawing/2014/main" id="{9D84D427-1DDE-448E-BF54-08B94D436E04}"/>
-              </a:ext>
-            </a:extLst>
-          </p:cNvPr>
-          <p:cNvPicPr>
-            <a:picLocks noChangeAspect="1"/>
-          </p:cNvPicPr>
-          <p:nvPr/>
-        </p:nvPicPr>
-        <p:blipFill>
-          <a:blip r:embed="rId3"/>
-          <a:stretch>
-            <a:fillRect/>
-          </a:stretch>
-        </p:blipFill>
-        <p:spPr>
-          <a:xfrm>
-            <a:off x="723079" y="4601541"/>
-            <a:ext cx="3086367" cy="2194750"/>
-          </a:xfrm>
-          <a:prstGeom prst="rect">
-            <a:avLst/>
-          </a:prstGeom>
-        </p:spPr>
-      </p:pic>
-      <p:pic>
-        <p:nvPicPr>
-          <p:cNvPr id="15" name="Picture 14" descr="Graphical user interface, application&#10;&#10;Description automatically generated">
-            <a:extLst>
-              <a:ext uri="{FF2B5EF4-FFF2-40B4-BE49-F238E27FC236}">
-                <a16:creationId xmlns:a16="http://schemas.microsoft.com/office/drawing/2014/main" id="{7C59A728-FD52-4411-BF6B-2509C21E2B1B}"/>
-              </a:ext>
-            </a:extLst>
-          </p:cNvPr>
-          <p:cNvPicPr>
-            <a:picLocks noChangeAspect="1"/>
-          </p:cNvPicPr>
-          <p:nvPr/>
-        </p:nvPicPr>
-        <p:blipFill>
-          <a:blip r:embed="rId4"/>
-          <a:stretch>
-            <a:fillRect/>
-          </a:stretch>
-        </p:blipFill>
-        <p:spPr>
-          <a:xfrm>
-            <a:off x="5661845" y="2385202"/>
-            <a:ext cx="6260217" cy="3333565"/>
-          </a:xfrm>
-          <a:prstGeom prst="rect">
-            <a:avLst/>
-          </a:prstGeom>
-        </p:spPr>
-      </p:pic>
     </p:spTree>
     <p:extLst>
       <p:ext uri="{BB962C8B-B14F-4D97-AF65-F5344CB8AC3E}">
